--- a/第五章 MapReduce高级程序设计.pptx
+++ b/第五章 MapReduce高级程序设计.pptx
@@ -5,7 +5,7 @@
     <p:sldMasterId id="2147483648" r:id="rId1"/>
   </p:sldMasterIdLst>
   <p:notesMasterIdLst>
-    <p:notesMasterId r:id="rId23"/>
+    <p:notesMasterId r:id="rId9"/>
   </p:notesMasterIdLst>
   <p:sldIdLst>
     <p:sldId id="262" r:id="rId2"/>
@@ -14,21 +14,7 @@
     <p:sldId id="281" r:id="rId5"/>
     <p:sldId id="282" r:id="rId6"/>
     <p:sldId id="264" r:id="rId7"/>
-    <p:sldId id="265" r:id="rId8"/>
-    <p:sldId id="266" r:id="rId9"/>
-    <p:sldId id="267" r:id="rId10"/>
-    <p:sldId id="268" r:id="rId11"/>
-    <p:sldId id="269" r:id="rId12"/>
-    <p:sldId id="270" r:id="rId13"/>
-    <p:sldId id="271" r:id="rId14"/>
-    <p:sldId id="274" r:id="rId15"/>
-    <p:sldId id="272" r:id="rId16"/>
-    <p:sldId id="273" r:id="rId17"/>
-    <p:sldId id="275" r:id="rId18"/>
-    <p:sldId id="276" r:id="rId19"/>
-    <p:sldId id="277" r:id="rId20"/>
-    <p:sldId id="278" r:id="rId21"/>
-    <p:sldId id="280" r:id="rId22"/>
+    <p:sldId id="280" r:id="rId8"/>
   </p:sldIdLst>
   <p:sldSz cx="12192000" cy="6858000"/>
   <p:notesSz cx="6858000" cy="9144000"/>
@@ -228,7 +214,7 @@
           <a:p>
             <a:fld id="{2F789F46-98E8-004C-A60D-397E90BF4073}" type="datetimeFigureOut">
               <a:rPr kumimoji="1" lang="zh-CN" altLang="en-US" smtClean="0"/>
-              <a:t>2019/12/21</a:t>
+              <a:t>2020/1/5</a:t>
             </a:fld>
             <a:endParaRPr kumimoji="1" lang="zh-CN" altLang="en-US"/>
           </a:p>
@@ -579,846 +565,6 @@
 </p:notes>
 </file>
 
-<file path=ppt/notesSlides/notesSlide10.xml><?xml version="1.0" encoding="utf-8"?>
-<p:notes xmlns:a="http://schemas.openxmlformats.org/drawingml/2006/main" xmlns:r="http://schemas.openxmlformats.org/officeDocument/2006/relationships" xmlns:p="http://schemas.openxmlformats.org/presentationml/2006/main">
-  <p:cSld>
-    <p:spTree>
-      <p:nvGrpSpPr>
-        <p:cNvPr id="1" name=""/>
-        <p:cNvGrpSpPr/>
-        <p:nvPr/>
-      </p:nvGrpSpPr>
-      <p:grpSpPr>
-        <a:xfrm>
-          <a:off x="0" y="0"/>
-          <a:ext cx="0" cy="0"/>
-          <a:chOff x="0" y="0"/>
-          <a:chExt cx="0" cy="0"/>
-        </a:xfrm>
-      </p:grpSpPr>
-      <p:sp>
-        <p:nvSpPr>
-          <p:cNvPr id="2" name="幻灯片图像占位符 1"/>
-          <p:cNvSpPr>
-            <a:spLocks noGrp="1" noRot="1" noChangeAspect="1"/>
-          </p:cNvSpPr>
-          <p:nvPr>
-            <p:ph type="sldImg"/>
-          </p:nvPr>
-        </p:nvSpPr>
-        <p:spPr/>
-      </p:sp>
-      <p:sp>
-        <p:nvSpPr>
-          <p:cNvPr id="3" name="备注占位符 2"/>
-          <p:cNvSpPr>
-            <a:spLocks noGrp="1"/>
-          </p:cNvSpPr>
-          <p:nvPr>
-            <p:ph type="body" idx="1"/>
-          </p:nvPr>
-        </p:nvSpPr>
-        <p:spPr/>
-        <p:txBody>
-          <a:bodyPr/>
-          <a:lstStyle/>
-          <a:p>
-            <a:endParaRPr lang="zh-CN" altLang="en-US"/>
-          </a:p>
-        </p:txBody>
-      </p:sp>
-      <p:sp>
-        <p:nvSpPr>
-          <p:cNvPr id="4" name="灯片编号占位符 3"/>
-          <p:cNvSpPr>
-            <a:spLocks noGrp="1"/>
-          </p:cNvSpPr>
-          <p:nvPr>
-            <p:ph type="sldNum" sz="quarter" idx="5"/>
-          </p:nvPr>
-        </p:nvSpPr>
-        <p:spPr/>
-        <p:txBody>
-          <a:bodyPr/>
-          <a:lstStyle/>
-          <a:p>
-            <a:fld id="{DBBB37BA-0AB3-4D4A-B865-6E343397AD79}" type="slidenum">
-              <a:rPr lang="zh-CN" altLang="en-US" smtClean="0"/>
-              <a:t>11</a:t>
-            </a:fld>
-            <a:endParaRPr lang="zh-CN" altLang="en-US"/>
-          </a:p>
-        </p:txBody>
-      </p:sp>
-    </p:spTree>
-    <p:extLst>
-      <p:ext uri="{BB962C8B-B14F-4D97-AF65-F5344CB8AC3E}">
-        <p14:creationId xmlns:p14="http://schemas.microsoft.com/office/powerpoint/2010/main" val="3602663340"/>
-      </p:ext>
-    </p:extLst>
-  </p:cSld>
-  <p:clrMapOvr>
-    <a:masterClrMapping/>
-  </p:clrMapOvr>
-</p:notes>
-</file>
-
-<file path=ppt/notesSlides/notesSlide11.xml><?xml version="1.0" encoding="utf-8"?>
-<p:notes xmlns:a="http://schemas.openxmlformats.org/drawingml/2006/main" xmlns:r="http://schemas.openxmlformats.org/officeDocument/2006/relationships" xmlns:p="http://schemas.openxmlformats.org/presentationml/2006/main">
-  <p:cSld>
-    <p:spTree>
-      <p:nvGrpSpPr>
-        <p:cNvPr id="1" name=""/>
-        <p:cNvGrpSpPr/>
-        <p:nvPr/>
-      </p:nvGrpSpPr>
-      <p:grpSpPr>
-        <a:xfrm>
-          <a:off x="0" y="0"/>
-          <a:ext cx="0" cy="0"/>
-          <a:chOff x="0" y="0"/>
-          <a:chExt cx="0" cy="0"/>
-        </a:xfrm>
-      </p:grpSpPr>
-      <p:sp>
-        <p:nvSpPr>
-          <p:cNvPr id="2" name="幻灯片图像占位符 1"/>
-          <p:cNvSpPr>
-            <a:spLocks noGrp="1" noRot="1" noChangeAspect="1"/>
-          </p:cNvSpPr>
-          <p:nvPr>
-            <p:ph type="sldImg"/>
-          </p:nvPr>
-        </p:nvSpPr>
-        <p:spPr/>
-      </p:sp>
-      <p:sp>
-        <p:nvSpPr>
-          <p:cNvPr id="3" name="备注占位符 2"/>
-          <p:cNvSpPr>
-            <a:spLocks noGrp="1"/>
-          </p:cNvSpPr>
-          <p:nvPr>
-            <p:ph type="body" idx="1"/>
-          </p:nvPr>
-        </p:nvSpPr>
-        <p:spPr/>
-        <p:txBody>
-          <a:bodyPr/>
-          <a:lstStyle/>
-          <a:p>
-            <a:endParaRPr lang="zh-CN" altLang="en-US"/>
-          </a:p>
-        </p:txBody>
-      </p:sp>
-      <p:sp>
-        <p:nvSpPr>
-          <p:cNvPr id="4" name="灯片编号占位符 3"/>
-          <p:cNvSpPr>
-            <a:spLocks noGrp="1"/>
-          </p:cNvSpPr>
-          <p:nvPr>
-            <p:ph type="sldNum" sz="quarter" idx="5"/>
-          </p:nvPr>
-        </p:nvSpPr>
-        <p:spPr/>
-        <p:txBody>
-          <a:bodyPr/>
-          <a:lstStyle/>
-          <a:p>
-            <a:fld id="{DBBB37BA-0AB3-4D4A-B865-6E343397AD79}" type="slidenum">
-              <a:rPr lang="zh-CN" altLang="en-US" smtClean="0"/>
-              <a:t>12</a:t>
-            </a:fld>
-            <a:endParaRPr lang="zh-CN" altLang="en-US"/>
-          </a:p>
-        </p:txBody>
-      </p:sp>
-    </p:spTree>
-    <p:extLst>
-      <p:ext uri="{BB962C8B-B14F-4D97-AF65-F5344CB8AC3E}">
-        <p14:creationId xmlns:p14="http://schemas.microsoft.com/office/powerpoint/2010/main" val="3602663340"/>
-      </p:ext>
-    </p:extLst>
-  </p:cSld>
-  <p:clrMapOvr>
-    <a:masterClrMapping/>
-  </p:clrMapOvr>
-</p:notes>
-</file>
-
-<file path=ppt/notesSlides/notesSlide12.xml><?xml version="1.0" encoding="utf-8"?>
-<p:notes xmlns:a="http://schemas.openxmlformats.org/drawingml/2006/main" xmlns:r="http://schemas.openxmlformats.org/officeDocument/2006/relationships" xmlns:p="http://schemas.openxmlformats.org/presentationml/2006/main">
-  <p:cSld>
-    <p:spTree>
-      <p:nvGrpSpPr>
-        <p:cNvPr id="1" name=""/>
-        <p:cNvGrpSpPr/>
-        <p:nvPr/>
-      </p:nvGrpSpPr>
-      <p:grpSpPr>
-        <a:xfrm>
-          <a:off x="0" y="0"/>
-          <a:ext cx="0" cy="0"/>
-          <a:chOff x="0" y="0"/>
-          <a:chExt cx="0" cy="0"/>
-        </a:xfrm>
-      </p:grpSpPr>
-      <p:sp>
-        <p:nvSpPr>
-          <p:cNvPr id="2" name="幻灯片图像占位符 1"/>
-          <p:cNvSpPr>
-            <a:spLocks noGrp="1" noRot="1" noChangeAspect="1"/>
-          </p:cNvSpPr>
-          <p:nvPr>
-            <p:ph type="sldImg"/>
-          </p:nvPr>
-        </p:nvSpPr>
-        <p:spPr/>
-      </p:sp>
-      <p:sp>
-        <p:nvSpPr>
-          <p:cNvPr id="3" name="备注占位符 2"/>
-          <p:cNvSpPr>
-            <a:spLocks noGrp="1"/>
-          </p:cNvSpPr>
-          <p:nvPr>
-            <p:ph type="body" idx="1"/>
-          </p:nvPr>
-        </p:nvSpPr>
-        <p:spPr/>
-        <p:txBody>
-          <a:bodyPr/>
-          <a:lstStyle/>
-          <a:p>
-            <a:endParaRPr lang="zh-CN" altLang="en-US"/>
-          </a:p>
-        </p:txBody>
-      </p:sp>
-      <p:sp>
-        <p:nvSpPr>
-          <p:cNvPr id="4" name="灯片编号占位符 3"/>
-          <p:cNvSpPr>
-            <a:spLocks noGrp="1"/>
-          </p:cNvSpPr>
-          <p:nvPr>
-            <p:ph type="sldNum" sz="quarter" idx="5"/>
-          </p:nvPr>
-        </p:nvSpPr>
-        <p:spPr/>
-        <p:txBody>
-          <a:bodyPr/>
-          <a:lstStyle/>
-          <a:p>
-            <a:fld id="{DBBB37BA-0AB3-4D4A-B865-6E343397AD79}" type="slidenum">
-              <a:rPr lang="zh-CN" altLang="en-US" smtClean="0"/>
-              <a:t>13</a:t>
-            </a:fld>
-            <a:endParaRPr lang="zh-CN" altLang="en-US"/>
-          </a:p>
-        </p:txBody>
-      </p:sp>
-    </p:spTree>
-    <p:extLst>
-      <p:ext uri="{BB962C8B-B14F-4D97-AF65-F5344CB8AC3E}">
-        <p14:creationId xmlns:p14="http://schemas.microsoft.com/office/powerpoint/2010/main" val="3602663340"/>
-      </p:ext>
-    </p:extLst>
-  </p:cSld>
-  <p:clrMapOvr>
-    <a:masterClrMapping/>
-  </p:clrMapOvr>
-</p:notes>
-</file>
-
-<file path=ppt/notesSlides/notesSlide13.xml><?xml version="1.0" encoding="utf-8"?>
-<p:notes xmlns:a="http://schemas.openxmlformats.org/drawingml/2006/main" xmlns:r="http://schemas.openxmlformats.org/officeDocument/2006/relationships" xmlns:p="http://schemas.openxmlformats.org/presentationml/2006/main">
-  <p:cSld>
-    <p:spTree>
-      <p:nvGrpSpPr>
-        <p:cNvPr id="1" name=""/>
-        <p:cNvGrpSpPr/>
-        <p:nvPr/>
-      </p:nvGrpSpPr>
-      <p:grpSpPr>
-        <a:xfrm>
-          <a:off x="0" y="0"/>
-          <a:ext cx="0" cy="0"/>
-          <a:chOff x="0" y="0"/>
-          <a:chExt cx="0" cy="0"/>
-        </a:xfrm>
-      </p:grpSpPr>
-      <p:sp>
-        <p:nvSpPr>
-          <p:cNvPr id="2" name="幻灯片图像占位符 1"/>
-          <p:cNvSpPr>
-            <a:spLocks noGrp="1" noRot="1" noChangeAspect="1"/>
-          </p:cNvSpPr>
-          <p:nvPr>
-            <p:ph type="sldImg"/>
-          </p:nvPr>
-        </p:nvSpPr>
-        <p:spPr/>
-      </p:sp>
-      <p:sp>
-        <p:nvSpPr>
-          <p:cNvPr id="3" name="备注占位符 2"/>
-          <p:cNvSpPr>
-            <a:spLocks noGrp="1"/>
-          </p:cNvSpPr>
-          <p:nvPr>
-            <p:ph type="body" idx="1"/>
-          </p:nvPr>
-        </p:nvSpPr>
-        <p:spPr/>
-        <p:txBody>
-          <a:bodyPr/>
-          <a:lstStyle/>
-          <a:p>
-            <a:endParaRPr lang="zh-CN" altLang="en-US"/>
-          </a:p>
-        </p:txBody>
-      </p:sp>
-      <p:sp>
-        <p:nvSpPr>
-          <p:cNvPr id="4" name="灯片编号占位符 3"/>
-          <p:cNvSpPr>
-            <a:spLocks noGrp="1"/>
-          </p:cNvSpPr>
-          <p:nvPr>
-            <p:ph type="sldNum" sz="quarter" idx="5"/>
-          </p:nvPr>
-        </p:nvSpPr>
-        <p:spPr/>
-        <p:txBody>
-          <a:bodyPr/>
-          <a:lstStyle/>
-          <a:p>
-            <a:fld id="{DBBB37BA-0AB3-4D4A-B865-6E343397AD79}" type="slidenum">
-              <a:rPr lang="zh-CN" altLang="en-US" smtClean="0"/>
-              <a:t>14</a:t>
-            </a:fld>
-            <a:endParaRPr lang="zh-CN" altLang="en-US"/>
-          </a:p>
-        </p:txBody>
-      </p:sp>
-    </p:spTree>
-    <p:extLst>
-      <p:ext uri="{BB962C8B-B14F-4D97-AF65-F5344CB8AC3E}">
-        <p14:creationId xmlns:p14="http://schemas.microsoft.com/office/powerpoint/2010/main" val="3602663340"/>
-      </p:ext>
-    </p:extLst>
-  </p:cSld>
-  <p:clrMapOvr>
-    <a:masterClrMapping/>
-  </p:clrMapOvr>
-</p:notes>
-</file>
-
-<file path=ppt/notesSlides/notesSlide14.xml><?xml version="1.0" encoding="utf-8"?>
-<p:notes xmlns:a="http://schemas.openxmlformats.org/drawingml/2006/main" xmlns:r="http://schemas.openxmlformats.org/officeDocument/2006/relationships" xmlns:p="http://schemas.openxmlformats.org/presentationml/2006/main">
-  <p:cSld>
-    <p:spTree>
-      <p:nvGrpSpPr>
-        <p:cNvPr id="1" name=""/>
-        <p:cNvGrpSpPr/>
-        <p:nvPr/>
-      </p:nvGrpSpPr>
-      <p:grpSpPr>
-        <a:xfrm>
-          <a:off x="0" y="0"/>
-          <a:ext cx="0" cy="0"/>
-          <a:chOff x="0" y="0"/>
-          <a:chExt cx="0" cy="0"/>
-        </a:xfrm>
-      </p:grpSpPr>
-      <p:sp>
-        <p:nvSpPr>
-          <p:cNvPr id="2" name="幻灯片图像占位符 1"/>
-          <p:cNvSpPr>
-            <a:spLocks noGrp="1" noRot="1" noChangeAspect="1"/>
-          </p:cNvSpPr>
-          <p:nvPr>
-            <p:ph type="sldImg"/>
-          </p:nvPr>
-        </p:nvSpPr>
-        <p:spPr/>
-      </p:sp>
-      <p:sp>
-        <p:nvSpPr>
-          <p:cNvPr id="3" name="备注占位符 2"/>
-          <p:cNvSpPr>
-            <a:spLocks noGrp="1"/>
-          </p:cNvSpPr>
-          <p:nvPr>
-            <p:ph type="body" idx="1"/>
-          </p:nvPr>
-        </p:nvSpPr>
-        <p:spPr/>
-        <p:txBody>
-          <a:bodyPr/>
-          <a:lstStyle/>
-          <a:p>
-            <a:endParaRPr lang="zh-CN" altLang="en-US"/>
-          </a:p>
-        </p:txBody>
-      </p:sp>
-      <p:sp>
-        <p:nvSpPr>
-          <p:cNvPr id="4" name="灯片编号占位符 3"/>
-          <p:cNvSpPr>
-            <a:spLocks noGrp="1"/>
-          </p:cNvSpPr>
-          <p:nvPr>
-            <p:ph type="sldNum" sz="quarter" idx="5"/>
-          </p:nvPr>
-        </p:nvSpPr>
-        <p:spPr/>
-        <p:txBody>
-          <a:bodyPr/>
-          <a:lstStyle/>
-          <a:p>
-            <a:fld id="{DBBB37BA-0AB3-4D4A-B865-6E343397AD79}" type="slidenum">
-              <a:rPr lang="zh-CN" altLang="en-US" smtClean="0"/>
-              <a:t>15</a:t>
-            </a:fld>
-            <a:endParaRPr lang="zh-CN" altLang="en-US"/>
-          </a:p>
-        </p:txBody>
-      </p:sp>
-    </p:spTree>
-    <p:extLst>
-      <p:ext uri="{BB962C8B-B14F-4D97-AF65-F5344CB8AC3E}">
-        <p14:creationId xmlns:p14="http://schemas.microsoft.com/office/powerpoint/2010/main" val="3602663340"/>
-      </p:ext>
-    </p:extLst>
-  </p:cSld>
-  <p:clrMapOvr>
-    <a:masterClrMapping/>
-  </p:clrMapOvr>
-</p:notes>
-</file>
-
-<file path=ppt/notesSlides/notesSlide15.xml><?xml version="1.0" encoding="utf-8"?>
-<p:notes xmlns:a="http://schemas.openxmlformats.org/drawingml/2006/main" xmlns:r="http://schemas.openxmlformats.org/officeDocument/2006/relationships" xmlns:p="http://schemas.openxmlformats.org/presentationml/2006/main">
-  <p:cSld>
-    <p:spTree>
-      <p:nvGrpSpPr>
-        <p:cNvPr id="1" name=""/>
-        <p:cNvGrpSpPr/>
-        <p:nvPr/>
-      </p:nvGrpSpPr>
-      <p:grpSpPr>
-        <a:xfrm>
-          <a:off x="0" y="0"/>
-          <a:ext cx="0" cy="0"/>
-          <a:chOff x="0" y="0"/>
-          <a:chExt cx="0" cy="0"/>
-        </a:xfrm>
-      </p:grpSpPr>
-      <p:sp>
-        <p:nvSpPr>
-          <p:cNvPr id="2" name="幻灯片图像占位符 1"/>
-          <p:cNvSpPr>
-            <a:spLocks noGrp="1" noRot="1" noChangeAspect="1"/>
-          </p:cNvSpPr>
-          <p:nvPr>
-            <p:ph type="sldImg"/>
-          </p:nvPr>
-        </p:nvSpPr>
-        <p:spPr/>
-      </p:sp>
-      <p:sp>
-        <p:nvSpPr>
-          <p:cNvPr id="3" name="备注占位符 2"/>
-          <p:cNvSpPr>
-            <a:spLocks noGrp="1"/>
-          </p:cNvSpPr>
-          <p:nvPr>
-            <p:ph type="body" idx="1"/>
-          </p:nvPr>
-        </p:nvSpPr>
-        <p:spPr/>
-        <p:txBody>
-          <a:bodyPr/>
-          <a:lstStyle/>
-          <a:p>
-            <a:endParaRPr lang="zh-CN" altLang="en-US"/>
-          </a:p>
-        </p:txBody>
-      </p:sp>
-      <p:sp>
-        <p:nvSpPr>
-          <p:cNvPr id="4" name="灯片编号占位符 3"/>
-          <p:cNvSpPr>
-            <a:spLocks noGrp="1"/>
-          </p:cNvSpPr>
-          <p:nvPr>
-            <p:ph type="sldNum" sz="quarter" idx="5"/>
-          </p:nvPr>
-        </p:nvSpPr>
-        <p:spPr/>
-        <p:txBody>
-          <a:bodyPr/>
-          <a:lstStyle/>
-          <a:p>
-            <a:fld id="{DBBB37BA-0AB3-4D4A-B865-6E343397AD79}" type="slidenum">
-              <a:rPr lang="zh-CN" altLang="en-US" smtClean="0"/>
-              <a:t>16</a:t>
-            </a:fld>
-            <a:endParaRPr lang="zh-CN" altLang="en-US"/>
-          </a:p>
-        </p:txBody>
-      </p:sp>
-    </p:spTree>
-    <p:extLst>
-      <p:ext uri="{BB962C8B-B14F-4D97-AF65-F5344CB8AC3E}">
-        <p14:creationId xmlns:p14="http://schemas.microsoft.com/office/powerpoint/2010/main" val="3602663340"/>
-      </p:ext>
-    </p:extLst>
-  </p:cSld>
-  <p:clrMapOvr>
-    <a:masterClrMapping/>
-  </p:clrMapOvr>
-</p:notes>
-</file>
-
-<file path=ppt/notesSlides/notesSlide16.xml><?xml version="1.0" encoding="utf-8"?>
-<p:notes xmlns:a="http://schemas.openxmlformats.org/drawingml/2006/main" xmlns:r="http://schemas.openxmlformats.org/officeDocument/2006/relationships" xmlns:p="http://schemas.openxmlformats.org/presentationml/2006/main">
-  <p:cSld>
-    <p:spTree>
-      <p:nvGrpSpPr>
-        <p:cNvPr id="1" name=""/>
-        <p:cNvGrpSpPr/>
-        <p:nvPr/>
-      </p:nvGrpSpPr>
-      <p:grpSpPr>
-        <a:xfrm>
-          <a:off x="0" y="0"/>
-          <a:ext cx="0" cy="0"/>
-          <a:chOff x="0" y="0"/>
-          <a:chExt cx="0" cy="0"/>
-        </a:xfrm>
-      </p:grpSpPr>
-      <p:sp>
-        <p:nvSpPr>
-          <p:cNvPr id="2" name="幻灯片图像占位符 1"/>
-          <p:cNvSpPr>
-            <a:spLocks noGrp="1" noRot="1" noChangeAspect="1"/>
-          </p:cNvSpPr>
-          <p:nvPr>
-            <p:ph type="sldImg"/>
-          </p:nvPr>
-        </p:nvSpPr>
-        <p:spPr/>
-      </p:sp>
-      <p:sp>
-        <p:nvSpPr>
-          <p:cNvPr id="3" name="备注占位符 2"/>
-          <p:cNvSpPr>
-            <a:spLocks noGrp="1"/>
-          </p:cNvSpPr>
-          <p:nvPr>
-            <p:ph type="body" idx="1"/>
-          </p:nvPr>
-        </p:nvSpPr>
-        <p:spPr/>
-        <p:txBody>
-          <a:bodyPr/>
-          <a:lstStyle/>
-          <a:p>
-            <a:endParaRPr lang="zh-CN" altLang="en-US"/>
-          </a:p>
-        </p:txBody>
-      </p:sp>
-      <p:sp>
-        <p:nvSpPr>
-          <p:cNvPr id="4" name="灯片编号占位符 3"/>
-          <p:cNvSpPr>
-            <a:spLocks noGrp="1"/>
-          </p:cNvSpPr>
-          <p:nvPr>
-            <p:ph type="sldNum" sz="quarter" idx="5"/>
-          </p:nvPr>
-        </p:nvSpPr>
-        <p:spPr/>
-        <p:txBody>
-          <a:bodyPr/>
-          <a:lstStyle/>
-          <a:p>
-            <a:fld id="{DBBB37BA-0AB3-4D4A-B865-6E343397AD79}" type="slidenum">
-              <a:rPr lang="zh-CN" altLang="en-US" smtClean="0"/>
-              <a:t>17</a:t>
-            </a:fld>
-            <a:endParaRPr lang="zh-CN" altLang="en-US"/>
-          </a:p>
-        </p:txBody>
-      </p:sp>
-    </p:spTree>
-    <p:extLst>
-      <p:ext uri="{BB962C8B-B14F-4D97-AF65-F5344CB8AC3E}">
-        <p14:creationId xmlns:p14="http://schemas.microsoft.com/office/powerpoint/2010/main" val="3602663340"/>
-      </p:ext>
-    </p:extLst>
-  </p:cSld>
-  <p:clrMapOvr>
-    <a:masterClrMapping/>
-  </p:clrMapOvr>
-</p:notes>
-</file>
-
-<file path=ppt/notesSlides/notesSlide17.xml><?xml version="1.0" encoding="utf-8"?>
-<p:notes xmlns:a="http://schemas.openxmlformats.org/drawingml/2006/main" xmlns:r="http://schemas.openxmlformats.org/officeDocument/2006/relationships" xmlns:p="http://schemas.openxmlformats.org/presentationml/2006/main">
-  <p:cSld>
-    <p:spTree>
-      <p:nvGrpSpPr>
-        <p:cNvPr id="1" name=""/>
-        <p:cNvGrpSpPr/>
-        <p:nvPr/>
-      </p:nvGrpSpPr>
-      <p:grpSpPr>
-        <a:xfrm>
-          <a:off x="0" y="0"/>
-          <a:ext cx="0" cy="0"/>
-          <a:chOff x="0" y="0"/>
-          <a:chExt cx="0" cy="0"/>
-        </a:xfrm>
-      </p:grpSpPr>
-      <p:sp>
-        <p:nvSpPr>
-          <p:cNvPr id="2" name="幻灯片图像占位符 1"/>
-          <p:cNvSpPr>
-            <a:spLocks noGrp="1" noRot="1" noChangeAspect="1"/>
-          </p:cNvSpPr>
-          <p:nvPr>
-            <p:ph type="sldImg"/>
-          </p:nvPr>
-        </p:nvSpPr>
-        <p:spPr/>
-      </p:sp>
-      <p:sp>
-        <p:nvSpPr>
-          <p:cNvPr id="3" name="备注占位符 2"/>
-          <p:cNvSpPr>
-            <a:spLocks noGrp="1"/>
-          </p:cNvSpPr>
-          <p:nvPr>
-            <p:ph type="body" idx="1"/>
-          </p:nvPr>
-        </p:nvSpPr>
-        <p:spPr/>
-        <p:txBody>
-          <a:bodyPr/>
-          <a:lstStyle/>
-          <a:p>
-            <a:endParaRPr lang="zh-CN" altLang="en-US"/>
-          </a:p>
-        </p:txBody>
-      </p:sp>
-      <p:sp>
-        <p:nvSpPr>
-          <p:cNvPr id="4" name="灯片编号占位符 3"/>
-          <p:cNvSpPr>
-            <a:spLocks noGrp="1"/>
-          </p:cNvSpPr>
-          <p:nvPr>
-            <p:ph type="sldNum" sz="quarter" idx="5"/>
-          </p:nvPr>
-        </p:nvSpPr>
-        <p:spPr/>
-        <p:txBody>
-          <a:bodyPr/>
-          <a:lstStyle/>
-          <a:p>
-            <a:fld id="{DBBB37BA-0AB3-4D4A-B865-6E343397AD79}" type="slidenum">
-              <a:rPr lang="zh-CN" altLang="en-US" smtClean="0"/>
-              <a:t>18</a:t>
-            </a:fld>
-            <a:endParaRPr lang="zh-CN" altLang="en-US"/>
-          </a:p>
-        </p:txBody>
-      </p:sp>
-    </p:spTree>
-    <p:extLst>
-      <p:ext uri="{BB962C8B-B14F-4D97-AF65-F5344CB8AC3E}">
-        <p14:creationId xmlns:p14="http://schemas.microsoft.com/office/powerpoint/2010/main" val="3602663340"/>
-      </p:ext>
-    </p:extLst>
-  </p:cSld>
-  <p:clrMapOvr>
-    <a:masterClrMapping/>
-  </p:clrMapOvr>
-</p:notes>
-</file>
-
-<file path=ppt/notesSlides/notesSlide18.xml><?xml version="1.0" encoding="utf-8"?>
-<p:notes xmlns:a="http://schemas.openxmlformats.org/drawingml/2006/main" xmlns:r="http://schemas.openxmlformats.org/officeDocument/2006/relationships" xmlns:p="http://schemas.openxmlformats.org/presentationml/2006/main">
-  <p:cSld>
-    <p:spTree>
-      <p:nvGrpSpPr>
-        <p:cNvPr id="1" name=""/>
-        <p:cNvGrpSpPr/>
-        <p:nvPr/>
-      </p:nvGrpSpPr>
-      <p:grpSpPr>
-        <a:xfrm>
-          <a:off x="0" y="0"/>
-          <a:ext cx="0" cy="0"/>
-          <a:chOff x="0" y="0"/>
-          <a:chExt cx="0" cy="0"/>
-        </a:xfrm>
-      </p:grpSpPr>
-      <p:sp>
-        <p:nvSpPr>
-          <p:cNvPr id="2" name="幻灯片图像占位符 1"/>
-          <p:cNvSpPr>
-            <a:spLocks noGrp="1" noRot="1" noChangeAspect="1"/>
-          </p:cNvSpPr>
-          <p:nvPr>
-            <p:ph type="sldImg"/>
-          </p:nvPr>
-        </p:nvSpPr>
-        <p:spPr/>
-      </p:sp>
-      <p:sp>
-        <p:nvSpPr>
-          <p:cNvPr id="3" name="备注占位符 2"/>
-          <p:cNvSpPr>
-            <a:spLocks noGrp="1"/>
-          </p:cNvSpPr>
-          <p:nvPr>
-            <p:ph type="body" idx="1"/>
-          </p:nvPr>
-        </p:nvSpPr>
-        <p:spPr/>
-        <p:txBody>
-          <a:bodyPr/>
-          <a:lstStyle/>
-          <a:p>
-            <a:endParaRPr lang="zh-CN" altLang="en-US"/>
-          </a:p>
-        </p:txBody>
-      </p:sp>
-      <p:sp>
-        <p:nvSpPr>
-          <p:cNvPr id="4" name="灯片编号占位符 3"/>
-          <p:cNvSpPr>
-            <a:spLocks noGrp="1"/>
-          </p:cNvSpPr>
-          <p:nvPr>
-            <p:ph type="sldNum" sz="quarter" idx="5"/>
-          </p:nvPr>
-        </p:nvSpPr>
-        <p:spPr/>
-        <p:txBody>
-          <a:bodyPr/>
-          <a:lstStyle/>
-          <a:p>
-            <a:fld id="{DBBB37BA-0AB3-4D4A-B865-6E343397AD79}" type="slidenum">
-              <a:rPr lang="zh-CN" altLang="en-US" smtClean="0"/>
-              <a:t>19</a:t>
-            </a:fld>
-            <a:endParaRPr lang="zh-CN" altLang="en-US"/>
-          </a:p>
-        </p:txBody>
-      </p:sp>
-    </p:spTree>
-    <p:extLst>
-      <p:ext uri="{BB962C8B-B14F-4D97-AF65-F5344CB8AC3E}">
-        <p14:creationId xmlns:p14="http://schemas.microsoft.com/office/powerpoint/2010/main" val="3602663340"/>
-      </p:ext>
-    </p:extLst>
-  </p:cSld>
-  <p:clrMapOvr>
-    <a:masterClrMapping/>
-  </p:clrMapOvr>
-</p:notes>
-</file>
-
-<file path=ppt/notesSlides/notesSlide19.xml><?xml version="1.0" encoding="utf-8"?>
-<p:notes xmlns:a="http://schemas.openxmlformats.org/drawingml/2006/main" xmlns:r="http://schemas.openxmlformats.org/officeDocument/2006/relationships" xmlns:p="http://schemas.openxmlformats.org/presentationml/2006/main">
-  <p:cSld>
-    <p:spTree>
-      <p:nvGrpSpPr>
-        <p:cNvPr id="1" name=""/>
-        <p:cNvGrpSpPr/>
-        <p:nvPr/>
-      </p:nvGrpSpPr>
-      <p:grpSpPr>
-        <a:xfrm>
-          <a:off x="0" y="0"/>
-          <a:ext cx="0" cy="0"/>
-          <a:chOff x="0" y="0"/>
-          <a:chExt cx="0" cy="0"/>
-        </a:xfrm>
-      </p:grpSpPr>
-      <p:sp>
-        <p:nvSpPr>
-          <p:cNvPr id="2" name="幻灯片图像占位符 1"/>
-          <p:cNvSpPr>
-            <a:spLocks noGrp="1" noRot="1" noChangeAspect="1"/>
-          </p:cNvSpPr>
-          <p:nvPr>
-            <p:ph type="sldImg"/>
-          </p:nvPr>
-        </p:nvSpPr>
-        <p:spPr/>
-      </p:sp>
-      <p:sp>
-        <p:nvSpPr>
-          <p:cNvPr id="3" name="备注占位符 2"/>
-          <p:cNvSpPr>
-            <a:spLocks noGrp="1"/>
-          </p:cNvSpPr>
-          <p:nvPr>
-            <p:ph type="body" idx="1"/>
-          </p:nvPr>
-        </p:nvSpPr>
-        <p:spPr/>
-        <p:txBody>
-          <a:bodyPr/>
-          <a:lstStyle/>
-          <a:p>
-            <a:endParaRPr lang="zh-CN" altLang="en-US"/>
-          </a:p>
-        </p:txBody>
-      </p:sp>
-      <p:sp>
-        <p:nvSpPr>
-          <p:cNvPr id="4" name="灯片编号占位符 3"/>
-          <p:cNvSpPr>
-            <a:spLocks noGrp="1"/>
-          </p:cNvSpPr>
-          <p:nvPr>
-            <p:ph type="sldNum" sz="quarter" idx="5"/>
-          </p:nvPr>
-        </p:nvSpPr>
-        <p:spPr/>
-        <p:txBody>
-          <a:bodyPr/>
-          <a:lstStyle/>
-          <a:p>
-            <a:fld id="{DBBB37BA-0AB3-4D4A-B865-6E343397AD79}" type="slidenum">
-              <a:rPr lang="zh-CN" altLang="en-US" smtClean="0"/>
-              <a:t>20</a:t>
-            </a:fld>
-            <a:endParaRPr lang="zh-CN" altLang="en-US"/>
-          </a:p>
-        </p:txBody>
-      </p:sp>
-    </p:spTree>
-    <p:extLst>
-      <p:ext uri="{BB962C8B-B14F-4D97-AF65-F5344CB8AC3E}">
-        <p14:creationId xmlns:p14="http://schemas.microsoft.com/office/powerpoint/2010/main" val="3602663340"/>
-      </p:ext>
-    </p:extLst>
-  </p:cSld>
-  <p:clrMapOvr>
-    <a:masterClrMapping/>
-  </p:clrMapOvr>
-</p:notes>
-</file>
-
 <file path=ppt/notesSlides/notesSlide2.xml><?xml version="1.0" encoding="utf-8"?>
 <p:notes xmlns:a="http://schemas.openxmlformats.org/drawingml/2006/main" xmlns:r="http://schemas.openxmlformats.org/officeDocument/2006/relationships" xmlns:p="http://schemas.openxmlformats.org/presentationml/2006/main">
   <p:cSld>
@@ -1494,90 +640,6 @@
     <p:extLst>
       <p:ext uri="{BB962C8B-B14F-4D97-AF65-F5344CB8AC3E}">
         <p14:creationId xmlns:p14="http://schemas.microsoft.com/office/powerpoint/2010/main" val="132823225"/>
-      </p:ext>
-    </p:extLst>
-  </p:cSld>
-  <p:clrMapOvr>
-    <a:masterClrMapping/>
-  </p:clrMapOvr>
-</p:notes>
-</file>
-
-<file path=ppt/notesSlides/notesSlide20.xml><?xml version="1.0" encoding="utf-8"?>
-<p:notes xmlns:a="http://schemas.openxmlformats.org/drawingml/2006/main" xmlns:r="http://schemas.openxmlformats.org/officeDocument/2006/relationships" xmlns:p="http://schemas.openxmlformats.org/presentationml/2006/main">
-  <p:cSld>
-    <p:spTree>
-      <p:nvGrpSpPr>
-        <p:cNvPr id="1" name=""/>
-        <p:cNvGrpSpPr/>
-        <p:nvPr/>
-      </p:nvGrpSpPr>
-      <p:grpSpPr>
-        <a:xfrm>
-          <a:off x="0" y="0"/>
-          <a:ext cx="0" cy="0"/>
-          <a:chOff x="0" y="0"/>
-          <a:chExt cx="0" cy="0"/>
-        </a:xfrm>
-      </p:grpSpPr>
-      <p:sp>
-        <p:nvSpPr>
-          <p:cNvPr id="2" name="幻灯片图像占位符 1"/>
-          <p:cNvSpPr>
-            <a:spLocks noGrp="1" noRot="1" noChangeAspect="1"/>
-          </p:cNvSpPr>
-          <p:nvPr>
-            <p:ph type="sldImg"/>
-          </p:nvPr>
-        </p:nvSpPr>
-        <p:spPr/>
-      </p:sp>
-      <p:sp>
-        <p:nvSpPr>
-          <p:cNvPr id="3" name="备注占位符 2"/>
-          <p:cNvSpPr>
-            <a:spLocks noGrp="1"/>
-          </p:cNvSpPr>
-          <p:nvPr>
-            <p:ph type="body" idx="1"/>
-          </p:nvPr>
-        </p:nvSpPr>
-        <p:spPr/>
-        <p:txBody>
-          <a:bodyPr/>
-          <a:lstStyle/>
-          <a:p>
-            <a:endParaRPr lang="zh-CN" altLang="en-US"/>
-          </a:p>
-        </p:txBody>
-      </p:sp>
-      <p:sp>
-        <p:nvSpPr>
-          <p:cNvPr id="4" name="灯片编号占位符 3"/>
-          <p:cNvSpPr>
-            <a:spLocks noGrp="1"/>
-          </p:cNvSpPr>
-          <p:nvPr>
-            <p:ph type="sldNum" sz="quarter" idx="5"/>
-          </p:nvPr>
-        </p:nvSpPr>
-        <p:spPr/>
-        <p:txBody>
-          <a:bodyPr/>
-          <a:lstStyle/>
-          <a:p>
-            <a:fld id="{DBBB37BA-0AB3-4D4A-B865-6E343397AD79}" type="slidenum">
-              <a:rPr lang="zh-CN" altLang="en-US" smtClean="0"/>
-              <a:t>21</a:t>
-            </a:fld>
-            <a:endParaRPr lang="zh-CN" altLang="en-US"/>
-          </a:p>
-        </p:txBody>
-      </p:sp>
-    </p:spTree>
-    <p:extLst>
-      <p:ext uri="{BB962C8B-B14F-4D97-AF65-F5344CB8AC3E}">
-        <p14:creationId xmlns:p14="http://schemas.microsoft.com/office/powerpoint/2010/main" val="3602663340"/>
       </p:ext>
     </p:extLst>
   </p:cSld>
@@ -1905,258 +967,6 @@
             <a:fld id="{DBBB37BA-0AB3-4D4A-B865-6E343397AD79}" type="slidenum">
               <a:rPr lang="zh-CN" altLang="en-US" smtClean="0"/>
               <a:t>7</a:t>
-            </a:fld>
-            <a:endParaRPr lang="zh-CN" altLang="en-US"/>
-          </a:p>
-        </p:txBody>
-      </p:sp>
-    </p:spTree>
-    <p:extLst>
-      <p:ext uri="{BB962C8B-B14F-4D97-AF65-F5344CB8AC3E}">
-        <p14:creationId xmlns:p14="http://schemas.microsoft.com/office/powerpoint/2010/main" val="3602663340"/>
-      </p:ext>
-    </p:extLst>
-  </p:cSld>
-  <p:clrMapOvr>
-    <a:masterClrMapping/>
-  </p:clrMapOvr>
-</p:notes>
-</file>
-
-<file path=ppt/notesSlides/notesSlide7.xml><?xml version="1.0" encoding="utf-8"?>
-<p:notes xmlns:a="http://schemas.openxmlformats.org/drawingml/2006/main" xmlns:r="http://schemas.openxmlformats.org/officeDocument/2006/relationships" xmlns:p="http://schemas.openxmlformats.org/presentationml/2006/main">
-  <p:cSld>
-    <p:spTree>
-      <p:nvGrpSpPr>
-        <p:cNvPr id="1" name=""/>
-        <p:cNvGrpSpPr/>
-        <p:nvPr/>
-      </p:nvGrpSpPr>
-      <p:grpSpPr>
-        <a:xfrm>
-          <a:off x="0" y="0"/>
-          <a:ext cx="0" cy="0"/>
-          <a:chOff x="0" y="0"/>
-          <a:chExt cx="0" cy="0"/>
-        </a:xfrm>
-      </p:grpSpPr>
-      <p:sp>
-        <p:nvSpPr>
-          <p:cNvPr id="2" name="幻灯片图像占位符 1"/>
-          <p:cNvSpPr>
-            <a:spLocks noGrp="1" noRot="1" noChangeAspect="1"/>
-          </p:cNvSpPr>
-          <p:nvPr>
-            <p:ph type="sldImg"/>
-          </p:nvPr>
-        </p:nvSpPr>
-        <p:spPr/>
-      </p:sp>
-      <p:sp>
-        <p:nvSpPr>
-          <p:cNvPr id="3" name="备注占位符 2"/>
-          <p:cNvSpPr>
-            <a:spLocks noGrp="1"/>
-          </p:cNvSpPr>
-          <p:nvPr>
-            <p:ph type="body" idx="1"/>
-          </p:nvPr>
-        </p:nvSpPr>
-        <p:spPr/>
-        <p:txBody>
-          <a:bodyPr/>
-          <a:lstStyle/>
-          <a:p>
-            <a:endParaRPr lang="zh-CN" altLang="en-US"/>
-          </a:p>
-        </p:txBody>
-      </p:sp>
-      <p:sp>
-        <p:nvSpPr>
-          <p:cNvPr id="4" name="灯片编号占位符 3"/>
-          <p:cNvSpPr>
-            <a:spLocks noGrp="1"/>
-          </p:cNvSpPr>
-          <p:nvPr>
-            <p:ph type="sldNum" sz="quarter" idx="5"/>
-          </p:nvPr>
-        </p:nvSpPr>
-        <p:spPr/>
-        <p:txBody>
-          <a:bodyPr/>
-          <a:lstStyle/>
-          <a:p>
-            <a:fld id="{DBBB37BA-0AB3-4D4A-B865-6E343397AD79}" type="slidenum">
-              <a:rPr lang="zh-CN" altLang="en-US" smtClean="0"/>
-              <a:t>8</a:t>
-            </a:fld>
-            <a:endParaRPr lang="zh-CN" altLang="en-US"/>
-          </a:p>
-        </p:txBody>
-      </p:sp>
-    </p:spTree>
-    <p:extLst>
-      <p:ext uri="{BB962C8B-B14F-4D97-AF65-F5344CB8AC3E}">
-        <p14:creationId xmlns:p14="http://schemas.microsoft.com/office/powerpoint/2010/main" val="3602663340"/>
-      </p:ext>
-    </p:extLst>
-  </p:cSld>
-  <p:clrMapOvr>
-    <a:masterClrMapping/>
-  </p:clrMapOvr>
-</p:notes>
-</file>
-
-<file path=ppt/notesSlides/notesSlide8.xml><?xml version="1.0" encoding="utf-8"?>
-<p:notes xmlns:a="http://schemas.openxmlformats.org/drawingml/2006/main" xmlns:r="http://schemas.openxmlformats.org/officeDocument/2006/relationships" xmlns:p="http://schemas.openxmlformats.org/presentationml/2006/main">
-  <p:cSld>
-    <p:spTree>
-      <p:nvGrpSpPr>
-        <p:cNvPr id="1" name=""/>
-        <p:cNvGrpSpPr/>
-        <p:nvPr/>
-      </p:nvGrpSpPr>
-      <p:grpSpPr>
-        <a:xfrm>
-          <a:off x="0" y="0"/>
-          <a:ext cx="0" cy="0"/>
-          <a:chOff x="0" y="0"/>
-          <a:chExt cx="0" cy="0"/>
-        </a:xfrm>
-      </p:grpSpPr>
-      <p:sp>
-        <p:nvSpPr>
-          <p:cNvPr id="2" name="幻灯片图像占位符 1"/>
-          <p:cNvSpPr>
-            <a:spLocks noGrp="1" noRot="1" noChangeAspect="1"/>
-          </p:cNvSpPr>
-          <p:nvPr>
-            <p:ph type="sldImg"/>
-          </p:nvPr>
-        </p:nvSpPr>
-        <p:spPr/>
-      </p:sp>
-      <p:sp>
-        <p:nvSpPr>
-          <p:cNvPr id="3" name="备注占位符 2"/>
-          <p:cNvSpPr>
-            <a:spLocks noGrp="1"/>
-          </p:cNvSpPr>
-          <p:nvPr>
-            <p:ph type="body" idx="1"/>
-          </p:nvPr>
-        </p:nvSpPr>
-        <p:spPr/>
-        <p:txBody>
-          <a:bodyPr/>
-          <a:lstStyle/>
-          <a:p>
-            <a:endParaRPr lang="zh-CN" altLang="en-US"/>
-          </a:p>
-        </p:txBody>
-      </p:sp>
-      <p:sp>
-        <p:nvSpPr>
-          <p:cNvPr id="4" name="灯片编号占位符 3"/>
-          <p:cNvSpPr>
-            <a:spLocks noGrp="1"/>
-          </p:cNvSpPr>
-          <p:nvPr>
-            <p:ph type="sldNum" sz="quarter" idx="5"/>
-          </p:nvPr>
-        </p:nvSpPr>
-        <p:spPr/>
-        <p:txBody>
-          <a:bodyPr/>
-          <a:lstStyle/>
-          <a:p>
-            <a:fld id="{DBBB37BA-0AB3-4D4A-B865-6E343397AD79}" type="slidenum">
-              <a:rPr lang="zh-CN" altLang="en-US" smtClean="0"/>
-              <a:t>9</a:t>
-            </a:fld>
-            <a:endParaRPr lang="zh-CN" altLang="en-US"/>
-          </a:p>
-        </p:txBody>
-      </p:sp>
-    </p:spTree>
-    <p:extLst>
-      <p:ext uri="{BB962C8B-B14F-4D97-AF65-F5344CB8AC3E}">
-        <p14:creationId xmlns:p14="http://schemas.microsoft.com/office/powerpoint/2010/main" val="3602663340"/>
-      </p:ext>
-    </p:extLst>
-  </p:cSld>
-  <p:clrMapOvr>
-    <a:masterClrMapping/>
-  </p:clrMapOvr>
-</p:notes>
-</file>
-
-<file path=ppt/notesSlides/notesSlide9.xml><?xml version="1.0" encoding="utf-8"?>
-<p:notes xmlns:a="http://schemas.openxmlformats.org/drawingml/2006/main" xmlns:r="http://schemas.openxmlformats.org/officeDocument/2006/relationships" xmlns:p="http://schemas.openxmlformats.org/presentationml/2006/main">
-  <p:cSld>
-    <p:spTree>
-      <p:nvGrpSpPr>
-        <p:cNvPr id="1" name=""/>
-        <p:cNvGrpSpPr/>
-        <p:nvPr/>
-      </p:nvGrpSpPr>
-      <p:grpSpPr>
-        <a:xfrm>
-          <a:off x="0" y="0"/>
-          <a:ext cx="0" cy="0"/>
-          <a:chOff x="0" y="0"/>
-          <a:chExt cx="0" cy="0"/>
-        </a:xfrm>
-      </p:grpSpPr>
-      <p:sp>
-        <p:nvSpPr>
-          <p:cNvPr id="2" name="幻灯片图像占位符 1"/>
-          <p:cNvSpPr>
-            <a:spLocks noGrp="1" noRot="1" noChangeAspect="1"/>
-          </p:cNvSpPr>
-          <p:nvPr>
-            <p:ph type="sldImg"/>
-          </p:nvPr>
-        </p:nvSpPr>
-        <p:spPr/>
-      </p:sp>
-      <p:sp>
-        <p:nvSpPr>
-          <p:cNvPr id="3" name="备注占位符 2"/>
-          <p:cNvSpPr>
-            <a:spLocks noGrp="1"/>
-          </p:cNvSpPr>
-          <p:nvPr>
-            <p:ph type="body" idx="1"/>
-          </p:nvPr>
-        </p:nvSpPr>
-        <p:spPr/>
-        <p:txBody>
-          <a:bodyPr/>
-          <a:lstStyle/>
-          <a:p>
-            <a:endParaRPr lang="zh-CN" altLang="en-US"/>
-          </a:p>
-        </p:txBody>
-      </p:sp>
-      <p:sp>
-        <p:nvSpPr>
-          <p:cNvPr id="4" name="灯片编号占位符 3"/>
-          <p:cNvSpPr>
-            <a:spLocks noGrp="1"/>
-          </p:cNvSpPr>
-          <p:nvPr>
-            <p:ph type="sldNum" sz="quarter" idx="5"/>
-          </p:nvPr>
-        </p:nvSpPr>
-        <p:spPr/>
-        <p:txBody>
-          <a:bodyPr/>
-          <a:lstStyle/>
-          <a:p>
-            <a:fld id="{DBBB37BA-0AB3-4D4A-B865-6E343397AD79}" type="slidenum">
-              <a:rPr lang="zh-CN" altLang="en-US" smtClean="0"/>
-              <a:t>10</a:t>
             </a:fld>
             <a:endParaRPr lang="zh-CN" altLang="en-US"/>
           </a:p>
@@ -2322,7 +1132,7 @@
           <a:p>
             <a:fld id="{E0BAAF92-8925-9243-8254-AA3E76019C04}" type="datetimeFigureOut">
               <a:rPr kumimoji="1" lang="zh-CN" altLang="en-US" smtClean="0"/>
-              <a:t>2019/12/21</a:t>
+              <a:t>2020/1/5</a:t>
             </a:fld>
             <a:endParaRPr kumimoji="1" lang="zh-CN" altLang="en-US"/>
           </a:p>
@@ -2520,7 +1330,7 @@
           <a:p>
             <a:fld id="{E0BAAF92-8925-9243-8254-AA3E76019C04}" type="datetimeFigureOut">
               <a:rPr kumimoji="1" lang="zh-CN" altLang="en-US" smtClean="0"/>
-              <a:t>2019/12/21</a:t>
+              <a:t>2020/1/5</a:t>
             </a:fld>
             <a:endParaRPr kumimoji="1" lang="zh-CN" altLang="en-US"/>
           </a:p>
@@ -2728,7 +1538,7 @@
           <a:p>
             <a:fld id="{E0BAAF92-8925-9243-8254-AA3E76019C04}" type="datetimeFigureOut">
               <a:rPr kumimoji="1" lang="zh-CN" altLang="en-US" smtClean="0"/>
-              <a:t>2019/12/21</a:t>
+              <a:t>2020/1/5</a:t>
             </a:fld>
             <a:endParaRPr kumimoji="1" lang="zh-CN" altLang="en-US"/>
           </a:p>
@@ -3162,7 +1972,7 @@
           <a:p>
             <a:fld id="{E0BAAF92-8925-9243-8254-AA3E76019C04}" type="datetimeFigureOut">
               <a:rPr kumimoji="1" lang="zh-CN" altLang="en-US" smtClean="0"/>
-              <a:t>2019/12/21</a:t>
+              <a:t>2020/1/5</a:t>
             </a:fld>
             <a:endParaRPr kumimoji="1" lang="zh-CN" altLang="en-US"/>
           </a:p>
@@ -3437,7 +2247,7 @@
           <a:p>
             <a:fld id="{E0BAAF92-8925-9243-8254-AA3E76019C04}" type="datetimeFigureOut">
               <a:rPr kumimoji="1" lang="zh-CN" altLang="en-US" smtClean="0"/>
-              <a:t>2019/12/21</a:t>
+              <a:t>2020/1/5</a:t>
             </a:fld>
             <a:endParaRPr kumimoji="1" lang="zh-CN" altLang="en-US"/>
           </a:p>
@@ -3702,7 +2512,7 @@
           <a:p>
             <a:fld id="{E0BAAF92-8925-9243-8254-AA3E76019C04}" type="datetimeFigureOut">
               <a:rPr kumimoji="1" lang="zh-CN" altLang="en-US" smtClean="0"/>
-              <a:t>2019/12/21</a:t>
+              <a:t>2020/1/5</a:t>
             </a:fld>
             <a:endParaRPr kumimoji="1" lang="zh-CN" altLang="en-US"/>
           </a:p>
@@ -4114,7 +2924,7 @@
           <a:p>
             <a:fld id="{E0BAAF92-8925-9243-8254-AA3E76019C04}" type="datetimeFigureOut">
               <a:rPr kumimoji="1" lang="zh-CN" altLang="en-US" smtClean="0"/>
-              <a:t>2019/12/21</a:t>
+              <a:t>2020/1/5</a:t>
             </a:fld>
             <a:endParaRPr kumimoji="1" lang="zh-CN" altLang="en-US"/>
           </a:p>
@@ -4255,7 +3065,7 @@
           <a:p>
             <a:fld id="{E0BAAF92-8925-9243-8254-AA3E76019C04}" type="datetimeFigureOut">
               <a:rPr kumimoji="1" lang="zh-CN" altLang="en-US" smtClean="0"/>
-              <a:t>2019/12/21</a:t>
+              <a:t>2020/1/5</a:t>
             </a:fld>
             <a:endParaRPr kumimoji="1" lang="zh-CN" altLang="en-US"/>
           </a:p>
@@ -4368,7 +3178,7 @@
           <a:p>
             <a:fld id="{E0BAAF92-8925-9243-8254-AA3E76019C04}" type="datetimeFigureOut">
               <a:rPr kumimoji="1" lang="zh-CN" altLang="en-US" smtClean="0"/>
-              <a:t>2019/12/21</a:t>
+              <a:t>2020/1/5</a:t>
             </a:fld>
             <a:endParaRPr kumimoji="1" lang="zh-CN" altLang="en-US"/>
           </a:p>
@@ -4679,7 +3489,7 @@
           <a:p>
             <a:fld id="{E0BAAF92-8925-9243-8254-AA3E76019C04}" type="datetimeFigureOut">
               <a:rPr kumimoji="1" lang="zh-CN" altLang="en-US" smtClean="0"/>
-              <a:t>2019/12/21</a:t>
+              <a:t>2020/1/5</a:t>
             </a:fld>
             <a:endParaRPr kumimoji="1" lang="zh-CN" altLang="en-US"/>
           </a:p>
@@ -4967,7 +3777,7 @@
           <a:p>
             <a:fld id="{E0BAAF92-8925-9243-8254-AA3E76019C04}" type="datetimeFigureOut">
               <a:rPr kumimoji="1" lang="zh-CN" altLang="en-US" smtClean="0"/>
-              <a:t>2019/12/21</a:t>
+              <a:t>2020/1/5</a:t>
             </a:fld>
             <a:endParaRPr kumimoji="1" lang="zh-CN" altLang="en-US"/>
           </a:p>
@@ -5208,7 +4018,7 @@
           <a:p>
             <a:fld id="{E0BAAF92-8925-9243-8254-AA3E76019C04}" type="datetimeFigureOut">
               <a:rPr kumimoji="1" lang="zh-CN" altLang="en-US" smtClean="0"/>
-              <a:t>2019/12/21</a:t>
+              <a:t>2020/1/5</a:t>
             </a:fld>
             <a:endParaRPr kumimoji="1" lang="zh-CN" altLang="en-US"/>
           </a:p>
@@ -6904,7 +5714,7 @@
         <p:spPr>
           <a:xfrm>
             <a:off x="1220086" y="1809285"/>
-            <a:ext cx="10263082" cy="1938992"/>
+            <a:ext cx="10263082" cy="1015663"/>
           </a:xfrm>
           <a:prstGeom prst="rect">
             <a:avLst/>
@@ -6925,7 +5735,7 @@
                   <a:schemeClr val="bg1"/>
                 </a:solidFill>
               </a:rPr>
-              <a:t>第七章 </a:t>
+              <a:t>第六章 </a:t>
             </a:r>
             <a:r>
               <a:rPr kumimoji="1" lang="en-US" altLang="zh-CN" sz="6000" dirty="0">
@@ -6933,7 +5743,7 @@
                   <a:schemeClr val="bg1"/>
                 </a:solidFill>
               </a:rPr>
-              <a:t>Spark</a:t>
+              <a:t>MapReduce</a:t>
             </a:r>
             <a:r>
               <a:rPr kumimoji="1" lang="zh-CN" altLang="en-US" sz="6000" dirty="0">
@@ -6941,31 +5751,7 @@
                   <a:schemeClr val="bg1"/>
                 </a:solidFill>
               </a:rPr>
-              <a:t> </a:t>
-            </a:r>
-            <a:r>
-              <a:rPr kumimoji="1" lang="en-US" altLang="zh-CN" sz="6000" dirty="0">
-                <a:solidFill>
-                  <a:schemeClr val="bg1"/>
-                </a:solidFill>
-              </a:rPr>
-              <a:t>SQL</a:t>
-            </a:r>
-            <a:r>
-              <a:rPr kumimoji="1" lang="zh-CN" altLang="en-US" sz="6000" dirty="0">
-                <a:solidFill>
-                  <a:schemeClr val="bg1"/>
-                </a:solidFill>
-              </a:rPr>
-              <a:t>和</a:t>
-            </a:r>
-            <a:r>
-              <a:rPr kumimoji="1" lang="en-US" altLang="zh-CN" sz="6000" dirty="0">
-                <a:solidFill>
-                  <a:schemeClr val="bg1"/>
-                </a:solidFill>
-              </a:rPr>
-              <a:t>DataFrame</a:t>
+              <a:t>高级编程</a:t>
             </a:r>
             <a:endParaRPr sz="5866" dirty="0">
               <a:solidFill>
@@ -7030,3028 +5816,6 @@
     <p:extLst>
       <p:ext uri="{BB962C8B-B14F-4D97-AF65-F5344CB8AC3E}">
         <p14:creationId xmlns:p14="http://schemas.microsoft.com/office/powerpoint/2010/main" val="1069439957"/>
-      </p:ext>
-    </p:extLst>
-  </p:cSld>
-  <p:clrMapOvr>
-    <a:masterClrMapping/>
-  </p:clrMapOvr>
-  <p:transition spd="med" advClick="0" advTm="1000">
-    <p:fade/>
-  </p:transition>
-</p:sld>
-</file>
-
-<file path=ppt/slides/slide10.xml><?xml version="1.0" encoding="utf-8"?>
-<p:sld xmlns:a="http://schemas.openxmlformats.org/drawingml/2006/main" xmlns:r="http://schemas.openxmlformats.org/officeDocument/2006/relationships" xmlns:p="http://schemas.openxmlformats.org/presentationml/2006/main">
-  <p:cSld>
-    <p:spTree>
-      <p:nvGrpSpPr>
-        <p:cNvPr id="1" name=""/>
-        <p:cNvGrpSpPr/>
-        <p:nvPr/>
-      </p:nvGrpSpPr>
-      <p:grpSpPr>
-        <a:xfrm>
-          <a:off x="0" y="0"/>
-          <a:ext cx="0" cy="0"/>
-          <a:chOff x="0" y="0"/>
-          <a:chExt cx="0" cy="0"/>
-        </a:xfrm>
-      </p:grpSpPr>
-      <p:grpSp>
-        <p:nvGrpSpPr>
-          <p:cNvPr id="38" name="组合 37"/>
-          <p:cNvGrpSpPr/>
-          <p:nvPr/>
-        </p:nvGrpSpPr>
-        <p:grpSpPr>
-          <a:xfrm>
-            <a:off x="672374" y="631535"/>
-            <a:ext cx="4356129" cy="536573"/>
-            <a:chOff x="1007305" y="947449"/>
-            <a:chExt cx="6535202" cy="804983"/>
-          </a:xfrm>
-        </p:grpSpPr>
-        <p:sp>
-          <p:nvSpPr>
-            <p:cNvPr id="39" name="文本框 38"/>
-            <p:cNvSpPr txBox="1"/>
-            <p:nvPr/>
-          </p:nvSpPr>
-          <p:spPr>
-            <a:xfrm>
-              <a:off x="1007305" y="947449"/>
-              <a:ext cx="6535202" cy="692604"/>
-            </a:xfrm>
-            <a:prstGeom prst="rect">
-              <a:avLst/>
-            </a:prstGeom>
-            <a:noFill/>
-          </p:spPr>
-          <p:txBody>
-            <a:bodyPr wrap="square" rtlCol="0">
-              <a:spAutoFit/>
-            </a:bodyPr>
-            <a:lstStyle/>
-            <a:p>
-              <a:r>
-                <a:rPr lang="zh-CN" altLang="en-US" sz="2400" dirty="0">
-                  <a:solidFill>
-                    <a:prstClr val="white"/>
-                  </a:solidFill>
-                  <a:latin typeface="+mn-ea"/>
-                </a:rPr>
-                <a:t>执行</a:t>
-              </a:r>
-              <a:r>
-                <a:rPr lang="en-US" altLang="zh-CN" sz="2400" dirty="0">
-                  <a:solidFill>
-                    <a:prstClr val="white"/>
-                  </a:solidFill>
-                  <a:latin typeface="+mn-ea"/>
-                </a:rPr>
-                <a:t>Spark</a:t>
-              </a:r>
-              <a:r>
-                <a:rPr lang="zh-CN" altLang="en-US" sz="2400" dirty="0">
-                  <a:solidFill>
-                    <a:prstClr val="white"/>
-                  </a:solidFill>
-                  <a:latin typeface="+mn-ea"/>
-                </a:rPr>
-                <a:t> </a:t>
-              </a:r>
-              <a:r>
-                <a:rPr lang="en-US" altLang="zh-CN" sz="2400" dirty="0">
-                  <a:solidFill>
-                    <a:prstClr val="white"/>
-                  </a:solidFill>
-                  <a:latin typeface="+mn-ea"/>
-                </a:rPr>
-                <a:t>SQL</a:t>
-              </a:r>
-              <a:endParaRPr lang="zh-CN" altLang="en-US" sz="2400" dirty="0">
-                <a:solidFill>
-                  <a:prstClr val="white"/>
-                </a:solidFill>
-                <a:latin typeface="+mn-ea"/>
-              </a:endParaRPr>
-            </a:p>
-          </p:txBody>
-        </p:sp>
-        <p:cxnSp>
-          <p:nvCxnSpPr>
-            <p:cNvPr id="40" name="直线连接符 5"/>
-            <p:cNvCxnSpPr/>
-            <p:nvPr/>
-          </p:nvCxnSpPr>
-          <p:spPr>
-            <a:xfrm>
-              <a:off x="1007305" y="1752432"/>
-              <a:ext cx="3742116" cy="0"/>
-            </a:xfrm>
-            <a:prstGeom prst="line">
-              <a:avLst/>
-            </a:prstGeom>
-            <a:ln>
-              <a:solidFill>
-                <a:schemeClr val="bg1"/>
-              </a:solidFill>
-              <a:headEnd type="oval"/>
-              <a:tailEnd type="oval"/>
-            </a:ln>
-          </p:spPr>
-          <p:style>
-            <a:lnRef idx="1">
-              <a:schemeClr val="accent1"/>
-            </a:lnRef>
-            <a:fillRef idx="0">
-              <a:schemeClr val="accent1"/>
-            </a:fillRef>
-            <a:effectRef idx="0">
-              <a:schemeClr val="accent1"/>
-            </a:effectRef>
-            <a:fontRef idx="minor">
-              <a:schemeClr val="tx1"/>
-            </a:fontRef>
-          </p:style>
-        </p:cxnSp>
-      </p:grpSp>
-      <p:sp>
-        <p:nvSpPr>
-          <p:cNvPr id="4" name="矩形 3"/>
-          <p:cNvSpPr/>
-          <p:nvPr/>
-        </p:nvSpPr>
-        <p:spPr>
-          <a:xfrm>
-            <a:off x="936054" y="1736857"/>
-            <a:ext cx="9181960" cy="2031325"/>
-          </a:xfrm>
-          <a:prstGeom prst="rect">
-            <a:avLst/>
-          </a:prstGeom>
-        </p:spPr>
-        <p:txBody>
-          <a:bodyPr wrap="square">
-            <a:spAutoFit/>
-          </a:bodyPr>
-          <a:lstStyle/>
-          <a:p>
-            <a:r>
-              <a:rPr lang="en-US" altLang="zh-TW">
-                <a:solidFill>
-                  <a:srgbClr val="FFFFFF"/>
-                </a:solidFill>
-                <a:latin typeface="黑体"/>
-                <a:ea typeface="黑体"/>
-                <a:cs typeface="黑体"/>
-              </a:rPr>
-              <a:t>DataFrame</a:t>
-            </a:r>
-            <a:r>
-              <a:rPr lang="zh-TW" altLang="en-US">
-                <a:solidFill>
-                  <a:srgbClr val="FFFFFF"/>
-                </a:solidFill>
-                <a:latin typeface="黑体"/>
-                <a:ea typeface="黑体"/>
-                <a:cs typeface="黑体"/>
-              </a:rPr>
-              <a:t>注册为一个表，就可以像关系型数据库一样执行</a:t>
-            </a:r>
-            <a:r>
-              <a:rPr lang="en-US" altLang="zh-TW">
-                <a:solidFill>
-                  <a:srgbClr val="FFFFFF"/>
-                </a:solidFill>
-                <a:latin typeface="黑体"/>
-                <a:ea typeface="黑体"/>
-                <a:cs typeface="黑体"/>
-              </a:rPr>
-              <a:t>SQL</a:t>
-            </a:r>
-            <a:r>
-              <a:rPr lang="zh-TW" altLang="en-US">
-                <a:solidFill>
-                  <a:srgbClr val="FFFFFF"/>
-                </a:solidFill>
-                <a:latin typeface="黑体"/>
-                <a:ea typeface="黑体"/>
-                <a:cs typeface="黑体"/>
-              </a:rPr>
-              <a:t>语句，比如：</a:t>
-            </a:r>
-          </a:p>
-          <a:p>
-            <a:endParaRPr lang="zh-TW" altLang="en-US">
-              <a:solidFill>
-                <a:srgbClr val="FFFFFF"/>
-              </a:solidFill>
-              <a:latin typeface="黑体"/>
-              <a:ea typeface="黑体"/>
-              <a:cs typeface="黑体"/>
-            </a:endParaRPr>
-          </a:p>
-          <a:p>
-            <a:r>
-              <a:rPr lang="en-US" altLang="zh-TW">
-                <a:solidFill>
-                  <a:srgbClr val="FFFFFF"/>
-                </a:solidFill>
-                <a:latin typeface="黑体"/>
-                <a:ea typeface="黑体"/>
-                <a:cs typeface="黑体"/>
-              </a:rPr>
-              <a:t>statesDF.createOrReplaceTempView("states")</a:t>
-            </a:r>
-          </a:p>
-          <a:p>
-            <a:r>
-              <a:rPr lang="en-US" altLang="zh-TW">
-                <a:solidFill>
-                  <a:srgbClr val="FFFFFF"/>
-                </a:solidFill>
-                <a:latin typeface="黑体"/>
-                <a:ea typeface="黑体"/>
-                <a:cs typeface="黑体"/>
-              </a:rPr>
-              <a:t>statesDF.show()</a:t>
-            </a:r>
-          </a:p>
-          <a:p>
-            <a:r>
-              <a:rPr lang="en-US" altLang="zh-TW">
-                <a:solidFill>
-                  <a:srgbClr val="FFFFFF"/>
-                </a:solidFill>
-                <a:latin typeface="黑体"/>
-                <a:ea typeface="黑体"/>
-                <a:cs typeface="黑体"/>
-              </a:rPr>
-              <a:t>states.sql("select * from states limit 5").show()</a:t>
-            </a:r>
-          </a:p>
-          <a:p>
-            <a:endParaRPr lang="en-US" altLang="zh-TW">
-              <a:solidFill>
-                <a:srgbClr val="FFFFFF"/>
-              </a:solidFill>
-              <a:latin typeface="黑体"/>
-              <a:ea typeface="黑体"/>
-              <a:cs typeface="黑体"/>
-            </a:endParaRPr>
-          </a:p>
-          <a:p>
-            <a:r>
-              <a:rPr lang="zh-TW" altLang="en-US">
-                <a:solidFill>
-                  <a:srgbClr val="FFFFFF"/>
-                </a:solidFill>
-                <a:latin typeface="黑体"/>
-                <a:ea typeface="黑体"/>
-                <a:cs typeface="黑体"/>
-              </a:rPr>
-              <a:t>上述代码中，我们使用了</a:t>
-            </a:r>
-            <a:r>
-              <a:rPr lang="en-US" altLang="zh-TW">
-                <a:solidFill>
-                  <a:srgbClr val="FFFFFF"/>
-                </a:solidFill>
-                <a:latin typeface="黑体"/>
-                <a:ea typeface="黑体"/>
-                <a:cs typeface="黑体"/>
-              </a:rPr>
-              <a:t>SQL</a:t>
-            </a:r>
-            <a:r>
-              <a:rPr lang="zh-TW" altLang="en-US">
-                <a:solidFill>
-                  <a:srgbClr val="FFFFFF"/>
-                </a:solidFill>
-                <a:latin typeface="黑体"/>
-                <a:ea typeface="黑体"/>
-                <a:cs typeface="黑体"/>
-              </a:rPr>
-              <a:t>语句，并通过</a:t>
-            </a:r>
-            <a:r>
-              <a:rPr lang="en-US" altLang="zh-TW">
-                <a:solidFill>
-                  <a:srgbClr val="FFFFFF"/>
-                </a:solidFill>
-                <a:latin typeface="黑体"/>
-                <a:ea typeface="黑体"/>
-                <a:cs typeface="黑体"/>
-              </a:rPr>
-              <a:t>spark.sql API</a:t>
-            </a:r>
-            <a:r>
-              <a:rPr lang="zh-TW" altLang="en-US">
-                <a:solidFill>
-                  <a:srgbClr val="FFFFFF"/>
-                </a:solidFill>
-                <a:latin typeface="黑体"/>
-                <a:ea typeface="黑体"/>
-                <a:cs typeface="黑体"/>
-              </a:rPr>
-              <a:t>执行了该语句。</a:t>
-            </a:r>
-            <a:endParaRPr lang="zh-CN" altLang="en-US">
-              <a:solidFill>
-                <a:srgbClr val="FFFFFF"/>
-              </a:solidFill>
-              <a:latin typeface="黑体"/>
-              <a:ea typeface="黑体"/>
-              <a:cs typeface="黑体"/>
-            </a:endParaRPr>
-          </a:p>
-        </p:txBody>
-      </p:sp>
-    </p:spTree>
-    <p:extLst>
-      <p:ext uri="{BB962C8B-B14F-4D97-AF65-F5344CB8AC3E}">
-        <p14:creationId xmlns:p14="http://schemas.microsoft.com/office/powerpoint/2010/main" val="4095466596"/>
-      </p:ext>
-    </p:extLst>
-  </p:cSld>
-  <p:clrMapOvr>
-    <a:masterClrMapping/>
-  </p:clrMapOvr>
-  <p:transition spd="med" advClick="0" advTm="1000">
-    <p:fade/>
-  </p:transition>
-</p:sld>
-</file>
-
-<file path=ppt/slides/slide11.xml><?xml version="1.0" encoding="utf-8"?>
-<p:sld xmlns:a="http://schemas.openxmlformats.org/drawingml/2006/main" xmlns:r="http://schemas.openxmlformats.org/officeDocument/2006/relationships" xmlns:p="http://schemas.openxmlformats.org/presentationml/2006/main">
-  <p:cSld>
-    <p:spTree>
-      <p:nvGrpSpPr>
-        <p:cNvPr id="1" name=""/>
-        <p:cNvGrpSpPr/>
-        <p:nvPr/>
-      </p:nvGrpSpPr>
-      <p:grpSpPr>
-        <a:xfrm>
-          <a:off x="0" y="0"/>
-          <a:ext cx="0" cy="0"/>
-          <a:chOff x="0" y="0"/>
-          <a:chExt cx="0" cy="0"/>
-        </a:xfrm>
-      </p:grpSpPr>
-      <p:grpSp>
-        <p:nvGrpSpPr>
-          <p:cNvPr id="38" name="组合 37"/>
-          <p:cNvGrpSpPr/>
-          <p:nvPr/>
-        </p:nvGrpSpPr>
-        <p:grpSpPr>
-          <a:xfrm>
-            <a:off x="672374" y="631535"/>
-            <a:ext cx="4356129" cy="536573"/>
-            <a:chOff x="1007305" y="947449"/>
-            <a:chExt cx="6535202" cy="804983"/>
-          </a:xfrm>
-        </p:grpSpPr>
-        <p:sp>
-          <p:nvSpPr>
-            <p:cNvPr id="39" name="文本框 38"/>
-            <p:cNvSpPr txBox="1"/>
-            <p:nvPr/>
-          </p:nvSpPr>
-          <p:spPr>
-            <a:xfrm>
-              <a:off x="1007305" y="947449"/>
-              <a:ext cx="6535202" cy="692604"/>
-            </a:xfrm>
-            <a:prstGeom prst="rect">
-              <a:avLst/>
-            </a:prstGeom>
-            <a:noFill/>
-          </p:spPr>
-          <p:txBody>
-            <a:bodyPr wrap="square" rtlCol="0">
-              <a:spAutoFit/>
-            </a:bodyPr>
-            <a:lstStyle/>
-            <a:p>
-              <a:r>
-                <a:rPr lang="zh-CN" altLang="en-US" sz="2400" dirty="0">
-                  <a:solidFill>
-                    <a:prstClr val="white"/>
-                  </a:solidFill>
-                  <a:latin typeface="+mn-ea"/>
-                </a:rPr>
-                <a:t>排序</a:t>
-              </a:r>
-              <a:r>
-                <a:rPr lang="en-US" altLang="zh-CN" sz="2400" dirty="0">
-                  <a:solidFill>
-                    <a:prstClr val="white"/>
-                  </a:solidFill>
-                  <a:latin typeface="+mn-ea"/>
-                </a:rPr>
-                <a:t>Sort</a:t>
-              </a:r>
-              <a:endParaRPr lang="zh-CN" altLang="en-US" sz="2400" dirty="0">
-                <a:solidFill>
-                  <a:prstClr val="white"/>
-                </a:solidFill>
-                <a:latin typeface="+mn-ea"/>
-              </a:endParaRPr>
-            </a:p>
-          </p:txBody>
-        </p:sp>
-        <p:cxnSp>
-          <p:nvCxnSpPr>
-            <p:cNvPr id="40" name="直线连接符 5"/>
-            <p:cNvCxnSpPr/>
-            <p:nvPr/>
-          </p:nvCxnSpPr>
-          <p:spPr>
-            <a:xfrm>
-              <a:off x="1007305" y="1752432"/>
-              <a:ext cx="3742116" cy="0"/>
-            </a:xfrm>
-            <a:prstGeom prst="line">
-              <a:avLst/>
-            </a:prstGeom>
-            <a:ln>
-              <a:solidFill>
-                <a:schemeClr val="bg1"/>
-              </a:solidFill>
-              <a:headEnd type="oval"/>
-              <a:tailEnd type="oval"/>
-            </a:ln>
-          </p:spPr>
-          <p:style>
-            <a:lnRef idx="1">
-              <a:schemeClr val="accent1"/>
-            </a:lnRef>
-            <a:fillRef idx="0">
-              <a:schemeClr val="accent1"/>
-            </a:fillRef>
-            <a:effectRef idx="0">
-              <a:schemeClr val="accent1"/>
-            </a:effectRef>
-            <a:fontRef idx="minor">
-              <a:schemeClr val="tx1"/>
-            </a:fontRef>
-          </p:style>
-        </p:cxnSp>
-      </p:grpSp>
-      <p:sp>
-        <p:nvSpPr>
-          <p:cNvPr id="3" name="文本框 2">
-            <a:extLst>
-              <a:ext uri="{FF2B5EF4-FFF2-40B4-BE49-F238E27FC236}">
-                <a16:creationId xmlns:a16="http://schemas.microsoft.com/office/drawing/2014/main" id="{2FBE2898-929C-3249-AA82-5E20134B90A6}"/>
-              </a:ext>
-            </a:extLst>
-          </p:cNvPr>
-          <p:cNvSpPr txBox="1"/>
-          <p:nvPr/>
-        </p:nvSpPr>
-        <p:spPr>
-          <a:xfrm>
-            <a:off x="915589" y="1436915"/>
-            <a:ext cx="7558454" cy="1477328"/>
-          </a:xfrm>
-          <a:prstGeom prst="rect">
-            <a:avLst/>
-          </a:prstGeom>
-          <a:noFill/>
-        </p:spPr>
-        <p:txBody>
-          <a:bodyPr wrap="none" rtlCol="0">
-            <a:spAutoFit/>
-          </a:bodyPr>
-          <a:lstStyle/>
-          <a:p>
-            <a:r>
-              <a:rPr lang="en-US" altLang="zh-CN" dirty="0">
-                <a:solidFill>
-                  <a:schemeClr val="bg1"/>
-                </a:solidFill>
-              </a:rPr>
-              <a:t>DataFrame</a:t>
-            </a:r>
-            <a:r>
-              <a:rPr lang="zh-CN" altLang="en-US" dirty="0">
-                <a:solidFill>
-                  <a:schemeClr val="bg1"/>
-                </a:solidFill>
-              </a:rPr>
-              <a:t>的</a:t>
-            </a:r>
-            <a:r>
-              <a:rPr lang="en-US" altLang="zh-CN" dirty="0">
-                <a:solidFill>
-                  <a:schemeClr val="bg1"/>
-                </a:solidFill>
-              </a:rPr>
-              <a:t>sort</a:t>
-            </a:r>
-            <a:r>
-              <a:rPr lang="zh-CN" altLang="en-US" dirty="0">
-                <a:solidFill>
-                  <a:schemeClr val="bg1"/>
-                </a:solidFill>
-              </a:rPr>
-              <a:t>操作，可以通过任意列对</a:t>
-            </a:r>
-            <a:r>
-              <a:rPr lang="en-US" altLang="zh-CN" dirty="0">
-                <a:solidFill>
-                  <a:schemeClr val="bg1"/>
-                </a:solidFill>
-              </a:rPr>
-              <a:t>DataFrame</a:t>
-            </a:r>
-            <a:r>
-              <a:rPr lang="zh-CN" altLang="en-US" dirty="0">
-                <a:solidFill>
-                  <a:schemeClr val="bg1"/>
-                </a:solidFill>
-              </a:rPr>
-              <a:t>中的行进行排序。</a:t>
-            </a:r>
-          </a:p>
-          <a:p>
-            <a:r>
-              <a:rPr lang="zh-CN" altLang="en-US" dirty="0">
-                <a:solidFill>
-                  <a:schemeClr val="bg1"/>
-                </a:solidFill>
-              </a:rPr>
-              <a:t>下面利用</a:t>
-            </a:r>
-            <a:r>
-              <a:rPr lang="en-US" altLang="zh-CN" dirty="0">
-                <a:solidFill>
-                  <a:schemeClr val="bg1"/>
-                </a:solidFill>
-              </a:rPr>
-              <a:t>Population</a:t>
-            </a:r>
-            <a:r>
-              <a:rPr lang="zh-CN" altLang="en-US" dirty="0">
-                <a:solidFill>
-                  <a:schemeClr val="bg1"/>
-                </a:solidFill>
-              </a:rPr>
-              <a:t>实现降序排列，行通过</a:t>
-            </a:r>
-            <a:r>
-              <a:rPr lang="en-US" altLang="zh-CN" dirty="0">
-                <a:solidFill>
-                  <a:schemeClr val="bg1"/>
-                </a:solidFill>
-              </a:rPr>
-              <a:t>Population</a:t>
-            </a:r>
-            <a:r>
-              <a:rPr lang="zh-CN" altLang="en-US" dirty="0">
-                <a:solidFill>
-                  <a:schemeClr val="bg1"/>
-                </a:solidFill>
-              </a:rPr>
-              <a:t>实现了降序排列。</a:t>
-            </a:r>
-          </a:p>
-          <a:p>
-            <a:r>
-              <a:rPr lang="en-US" altLang="zh-CN" dirty="0">
-                <a:solidFill>
-                  <a:schemeClr val="bg1"/>
-                </a:solidFill>
-              </a:rPr>
-              <a:t>statesDF.sort(col("Population").desc).show(5)</a:t>
-            </a:r>
-          </a:p>
-          <a:p>
-            <a:r>
-              <a:rPr lang="zh-CN" altLang="en-US" dirty="0">
-                <a:solidFill>
-                  <a:schemeClr val="bg1"/>
-                </a:solidFill>
-              </a:rPr>
-              <a:t>用</a:t>
-            </a:r>
-            <a:r>
-              <a:rPr lang="en-US" altLang="zh-CN" dirty="0">
-                <a:solidFill>
-                  <a:schemeClr val="bg1"/>
-                </a:solidFill>
-              </a:rPr>
-              <a:t>sql</a:t>
-            </a:r>
-            <a:r>
-              <a:rPr lang="zh-CN" altLang="en-US" dirty="0">
-                <a:solidFill>
-                  <a:schemeClr val="bg1"/>
-                </a:solidFill>
-              </a:rPr>
-              <a:t>实现：</a:t>
-            </a:r>
-          </a:p>
-          <a:p>
-            <a:r>
-              <a:rPr lang="en-US" altLang="zh-CN" dirty="0">
-                <a:solidFill>
-                  <a:schemeClr val="bg1"/>
-                </a:solidFill>
-              </a:rPr>
-              <a:t>spark.sql("select * from states order by Population desc limit 5").show(5)</a:t>
-            </a:r>
-            <a:endParaRPr lang="zh-CN" altLang="en-US" dirty="0">
-              <a:solidFill>
-                <a:schemeClr val="bg1"/>
-              </a:solidFill>
-            </a:endParaRPr>
-          </a:p>
-        </p:txBody>
-      </p:sp>
-    </p:spTree>
-    <p:extLst>
-      <p:ext uri="{BB962C8B-B14F-4D97-AF65-F5344CB8AC3E}">
-        <p14:creationId xmlns:p14="http://schemas.microsoft.com/office/powerpoint/2010/main" val="4095466596"/>
-      </p:ext>
-    </p:extLst>
-  </p:cSld>
-  <p:clrMapOvr>
-    <a:masterClrMapping/>
-  </p:clrMapOvr>
-  <p:transition spd="med" advClick="0" advTm="1000">
-    <p:fade/>
-  </p:transition>
-</p:sld>
-</file>
-
-<file path=ppt/slides/slide12.xml><?xml version="1.0" encoding="utf-8"?>
-<p:sld xmlns:a="http://schemas.openxmlformats.org/drawingml/2006/main" xmlns:r="http://schemas.openxmlformats.org/officeDocument/2006/relationships" xmlns:p="http://schemas.openxmlformats.org/presentationml/2006/main">
-  <p:cSld>
-    <p:spTree>
-      <p:nvGrpSpPr>
-        <p:cNvPr id="1" name=""/>
-        <p:cNvGrpSpPr/>
-        <p:nvPr/>
-      </p:nvGrpSpPr>
-      <p:grpSpPr>
-        <a:xfrm>
-          <a:off x="0" y="0"/>
-          <a:ext cx="0" cy="0"/>
-          <a:chOff x="0" y="0"/>
-          <a:chExt cx="0" cy="0"/>
-        </a:xfrm>
-      </p:grpSpPr>
-      <p:grpSp>
-        <p:nvGrpSpPr>
-          <p:cNvPr id="38" name="组合 37"/>
-          <p:cNvGrpSpPr/>
-          <p:nvPr/>
-        </p:nvGrpSpPr>
-        <p:grpSpPr>
-          <a:xfrm>
-            <a:off x="672374" y="631535"/>
-            <a:ext cx="4356129" cy="536573"/>
-            <a:chOff x="1007305" y="947449"/>
-            <a:chExt cx="6535202" cy="804983"/>
-          </a:xfrm>
-        </p:grpSpPr>
-        <p:sp>
-          <p:nvSpPr>
-            <p:cNvPr id="39" name="文本框 38"/>
-            <p:cNvSpPr txBox="1"/>
-            <p:nvPr/>
-          </p:nvSpPr>
-          <p:spPr>
-            <a:xfrm>
-              <a:off x="1007305" y="947449"/>
-              <a:ext cx="6535202" cy="692604"/>
-            </a:xfrm>
-            <a:prstGeom prst="rect">
-              <a:avLst/>
-            </a:prstGeom>
-            <a:noFill/>
-          </p:spPr>
-          <p:txBody>
-            <a:bodyPr wrap="square" rtlCol="0">
-              <a:spAutoFit/>
-            </a:bodyPr>
-            <a:lstStyle/>
-            <a:p>
-              <a:r>
-                <a:rPr lang="zh-CN" altLang="en-US" sz="2400" dirty="0">
-                  <a:solidFill>
-                    <a:prstClr val="white"/>
-                  </a:solidFill>
-                  <a:latin typeface="+mn-ea"/>
-                </a:rPr>
-                <a:t>过滤器</a:t>
-              </a:r>
-              <a:r>
-                <a:rPr lang="en-US" altLang="zh-CN" sz="2400" dirty="0">
-                  <a:solidFill>
-                    <a:prstClr val="white"/>
-                  </a:solidFill>
-                  <a:latin typeface="+mn-ea"/>
-                </a:rPr>
-                <a:t>filter</a:t>
-              </a:r>
-              <a:endParaRPr lang="zh-CN" altLang="en-US" sz="2400" dirty="0">
-                <a:solidFill>
-                  <a:prstClr val="white"/>
-                </a:solidFill>
-                <a:latin typeface="+mn-ea"/>
-              </a:endParaRPr>
-            </a:p>
-          </p:txBody>
-        </p:sp>
-        <p:cxnSp>
-          <p:nvCxnSpPr>
-            <p:cNvPr id="40" name="直线连接符 5"/>
-            <p:cNvCxnSpPr/>
-            <p:nvPr/>
-          </p:nvCxnSpPr>
-          <p:spPr>
-            <a:xfrm>
-              <a:off x="1007305" y="1752432"/>
-              <a:ext cx="3742116" cy="0"/>
-            </a:xfrm>
-            <a:prstGeom prst="line">
-              <a:avLst/>
-            </a:prstGeom>
-            <a:ln>
-              <a:solidFill>
-                <a:schemeClr val="bg1"/>
-              </a:solidFill>
-              <a:headEnd type="oval"/>
-              <a:tailEnd type="oval"/>
-            </a:ln>
-          </p:spPr>
-          <p:style>
-            <a:lnRef idx="1">
-              <a:schemeClr val="accent1"/>
-            </a:lnRef>
-            <a:fillRef idx="0">
-              <a:schemeClr val="accent1"/>
-            </a:fillRef>
-            <a:effectRef idx="0">
-              <a:schemeClr val="accent1"/>
-            </a:effectRef>
-            <a:fontRef idx="minor">
-              <a:schemeClr val="tx1"/>
-            </a:fontRef>
-          </p:style>
-        </p:cxnSp>
-      </p:grpSp>
-      <p:sp>
-        <p:nvSpPr>
-          <p:cNvPr id="3" name="文本框 2">
-            <a:extLst>
-              <a:ext uri="{FF2B5EF4-FFF2-40B4-BE49-F238E27FC236}">
-                <a16:creationId xmlns:a16="http://schemas.microsoft.com/office/drawing/2014/main" id="{2FBE2898-929C-3249-AA82-5E20134B90A6}"/>
-              </a:ext>
-            </a:extLst>
-          </p:cNvPr>
-          <p:cNvSpPr txBox="1"/>
-          <p:nvPr/>
-        </p:nvSpPr>
-        <p:spPr>
-          <a:xfrm>
-            <a:off x="672374" y="2037079"/>
-            <a:ext cx="11265299" cy="1200329"/>
-          </a:xfrm>
-          <a:prstGeom prst="rect">
-            <a:avLst/>
-          </a:prstGeom>
-          <a:noFill/>
-        </p:spPr>
-        <p:txBody>
-          <a:bodyPr wrap="none" rtlCol="0">
-            <a:spAutoFit/>
-          </a:bodyPr>
-          <a:lstStyle/>
-          <a:p>
-            <a:r>
-              <a:rPr lang="zh-TW" altLang="en-US" dirty="0">
-                <a:solidFill>
-                  <a:srgbClr val="FFFFFF"/>
-                </a:solidFill>
-                <a:latin typeface="黑体"/>
-                <a:ea typeface="黑体"/>
-                <a:cs typeface="黑体"/>
-              </a:rPr>
-              <a:t>过滤器</a:t>
-            </a:r>
-          </a:p>
-          <a:p>
-            <a:r>
-              <a:rPr lang="en-US" altLang="zh-TW" dirty="0">
-                <a:solidFill>
-                  <a:srgbClr val="FFFFFF"/>
-                </a:solidFill>
-                <a:latin typeface="黑体"/>
-                <a:ea typeface="黑体"/>
-                <a:cs typeface="黑体"/>
-              </a:rPr>
-              <a:t>DataFrame</a:t>
-            </a:r>
-            <a:r>
-              <a:rPr lang="zh-TW" altLang="en-US" dirty="0">
-                <a:solidFill>
-                  <a:srgbClr val="FFFFFF"/>
-                </a:solidFill>
-                <a:latin typeface="黑体"/>
-                <a:ea typeface="黑体"/>
-                <a:cs typeface="黑体"/>
-              </a:rPr>
-              <a:t>的过滤器操作。主要是过滤行数据，之后会生成新的</a:t>
-            </a:r>
-            <a:r>
-              <a:rPr lang="en-US" altLang="zh-TW" dirty="0">
-                <a:solidFill>
-                  <a:srgbClr val="FFFFFF"/>
-                </a:solidFill>
-                <a:latin typeface="黑体"/>
-                <a:ea typeface="黑体"/>
-                <a:cs typeface="黑体"/>
-              </a:rPr>
-              <a:t>DataFrame</a:t>
-            </a:r>
-            <a:r>
-              <a:rPr lang="zh-TW" altLang="en-US" dirty="0">
-                <a:solidFill>
-                  <a:srgbClr val="FFFFFF"/>
-                </a:solidFill>
-                <a:latin typeface="黑体"/>
-                <a:ea typeface="黑体"/>
-                <a:cs typeface="黑体"/>
-              </a:rPr>
-              <a:t>，是数据分析中重要的转化操作。</a:t>
-            </a:r>
-          </a:p>
-          <a:p>
-            <a:r>
-              <a:rPr lang="zh-TW" altLang="en-US" dirty="0">
-                <a:solidFill>
-                  <a:srgbClr val="FFFFFF"/>
-                </a:solidFill>
-                <a:latin typeface="黑体"/>
-                <a:ea typeface="黑体"/>
-                <a:cs typeface="黑体"/>
-              </a:rPr>
-              <a:t>比如：仅仅看数据总</a:t>
-            </a:r>
-            <a:r>
-              <a:rPr lang="en-US" altLang="zh-TW" dirty="0">
-                <a:solidFill>
-                  <a:srgbClr val="FFFFFF"/>
-                </a:solidFill>
-                <a:latin typeface="黑体"/>
-                <a:ea typeface="黑体"/>
-                <a:cs typeface="黑体"/>
-              </a:rPr>
-              <a:t>California</a:t>
-            </a:r>
-            <a:r>
-              <a:rPr lang="zh-TW" altLang="en-US" dirty="0">
-                <a:solidFill>
-                  <a:srgbClr val="FFFFFF"/>
-                </a:solidFill>
-                <a:latin typeface="黑体"/>
-                <a:ea typeface="黑体"/>
-                <a:cs typeface="黑体"/>
-              </a:rPr>
-              <a:t>的状态：</a:t>
-            </a:r>
-          </a:p>
-          <a:p>
-            <a:r>
-              <a:rPr lang="en-US" altLang="zh-TW" dirty="0">
-                <a:solidFill>
-                  <a:srgbClr val="FFFFFF"/>
-                </a:solidFill>
-                <a:latin typeface="黑体"/>
-                <a:ea typeface="黑体"/>
-                <a:cs typeface="黑体"/>
-              </a:rPr>
-              <a:t>stateDF.filter("State == 'California'").show()</a:t>
-            </a:r>
-            <a:endParaRPr lang="zh-CN" altLang="en-US" dirty="0">
-              <a:solidFill>
-                <a:srgbClr val="FFFFFF"/>
-              </a:solidFill>
-              <a:latin typeface="黑体"/>
-              <a:ea typeface="黑体"/>
-              <a:cs typeface="黑体"/>
-            </a:endParaRPr>
-          </a:p>
-        </p:txBody>
-      </p:sp>
-    </p:spTree>
-    <p:extLst>
-      <p:ext uri="{BB962C8B-B14F-4D97-AF65-F5344CB8AC3E}">
-        <p14:creationId xmlns:p14="http://schemas.microsoft.com/office/powerpoint/2010/main" val="4095466596"/>
-      </p:ext>
-    </p:extLst>
-  </p:cSld>
-  <p:clrMapOvr>
-    <a:masterClrMapping/>
-  </p:clrMapOvr>
-  <p:transition spd="med" advClick="0" advTm="1000">
-    <p:fade/>
-  </p:transition>
-</p:sld>
-</file>
-
-<file path=ppt/slides/slide13.xml><?xml version="1.0" encoding="utf-8"?>
-<p:sld xmlns:a="http://schemas.openxmlformats.org/drawingml/2006/main" xmlns:r="http://schemas.openxmlformats.org/officeDocument/2006/relationships" xmlns:p="http://schemas.openxmlformats.org/presentationml/2006/main">
-  <p:cSld>
-    <p:spTree>
-      <p:nvGrpSpPr>
-        <p:cNvPr id="1" name=""/>
-        <p:cNvGrpSpPr/>
-        <p:nvPr/>
-      </p:nvGrpSpPr>
-      <p:grpSpPr>
-        <a:xfrm>
-          <a:off x="0" y="0"/>
-          <a:ext cx="0" cy="0"/>
-          <a:chOff x="0" y="0"/>
-          <a:chExt cx="0" cy="0"/>
-        </a:xfrm>
-      </p:grpSpPr>
-      <p:grpSp>
-        <p:nvGrpSpPr>
-          <p:cNvPr id="38" name="组合 37"/>
-          <p:cNvGrpSpPr/>
-          <p:nvPr/>
-        </p:nvGrpSpPr>
-        <p:grpSpPr>
-          <a:xfrm>
-            <a:off x="672374" y="631535"/>
-            <a:ext cx="4356129" cy="536573"/>
-            <a:chOff x="1007305" y="947449"/>
-            <a:chExt cx="6535202" cy="804983"/>
-          </a:xfrm>
-        </p:grpSpPr>
-        <p:sp>
-          <p:nvSpPr>
-            <p:cNvPr id="39" name="文本框 38"/>
-            <p:cNvSpPr txBox="1"/>
-            <p:nvPr/>
-          </p:nvSpPr>
-          <p:spPr>
-            <a:xfrm>
-              <a:off x="1007305" y="947449"/>
-              <a:ext cx="6535202" cy="692604"/>
-            </a:xfrm>
-            <a:prstGeom prst="rect">
-              <a:avLst/>
-            </a:prstGeom>
-            <a:noFill/>
-          </p:spPr>
-          <p:txBody>
-            <a:bodyPr wrap="square" rtlCol="0">
-              <a:spAutoFit/>
-            </a:bodyPr>
-            <a:lstStyle/>
-            <a:p>
-              <a:r>
-                <a:rPr lang="zh-CN" altLang="en-US" sz="2400" dirty="0">
-                  <a:solidFill>
-                    <a:prstClr val="white"/>
-                  </a:solidFill>
-                  <a:latin typeface="+mn-ea"/>
-                </a:rPr>
-                <a:t>旋转</a:t>
-              </a:r>
-              <a:r>
-                <a:rPr lang="en-US" altLang="zh-CN" sz="2400" dirty="0">
-                  <a:solidFill>
-                    <a:prstClr val="white"/>
-                  </a:solidFill>
-                  <a:latin typeface="+mn-ea"/>
-                </a:rPr>
-                <a:t>pivot</a:t>
-              </a:r>
-              <a:endParaRPr lang="zh-CN" altLang="en-US" sz="2400" dirty="0">
-                <a:solidFill>
-                  <a:prstClr val="white"/>
-                </a:solidFill>
-                <a:latin typeface="+mn-ea"/>
-              </a:endParaRPr>
-            </a:p>
-          </p:txBody>
-        </p:sp>
-        <p:cxnSp>
-          <p:nvCxnSpPr>
-            <p:cNvPr id="40" name="直线连接符 5"/>
-            <p:cNvCxnSpPr/>
-            <p:nvPr/>
-          </p:nvCxnSpPr>
-          <p:spPr>
-            <a:xfrm>
-              <a:off x="1007305" y="1752432"/>
-              <a:ext cx="3742116" cy="0"/>
-            </a:xfrm>
-            <a:prstGeom prst="line">
-              <a:avLst/>
-            </a:prstGeom>
-            <a:ln>
-              <a:solidFill>
-                <a:schemeClr val="bg1"/>
-              </a:solidFill>
-              <a:headEnd type="oval"/>
-              <a:tailEnd type="oval"/>
-            </a:ln>
-          </p:spPr>
-          <p:style>
-            <a:lnRef idx="1">
-              <a:schemeClr val="accent1"/>
-            </a:lnRef>
-            <a:fillRef idx="0">
-              <a:schemeClr val="accent1"/>
-            </a:fillRef>
-            <a:effectRef idx="0">
-              <a:schemeClr val="accent1"/>
-            </a:effectRef>
-            <a:fontRef idx="minor">
-              <a:schemeClr val="tx1"/>
-            </a:fontRef>
-          </p:style>
-        </p:cxnSp>
-      </p:grpSp>
-      <p:sp>
-        <p:nvSpPr>
-          <p:cNvPr id="3" name="文本框 2">
-            <a:extLst>
-              <a:ext uri="{FF2B5EF4-FFF2-40B4-BE49-F238E27FC236}">
-                <a16:creationId xmlns:a16="http://schemas.microsoft.com/office/drawing/2014/main" id="{2FBE2898-929C-3249-AA82-5E20134B90A6}"/>
-              </a:ext>
-            </a:extLst>
-          </p:cNvPr>
-          <p:cNvSpPr txBox="1"/>
-          <p:nvPr/>
-        </p:nvSpPr>
-        <p:spPr>
-          <a:xfrm>
-            <a:off x="896433" y="2058174"/>
-            <a:ext cx="8264139" cy="1200329"/>
-          </a:xfrm>
-          <a:prstGeom prst="rect">
-            <a:avLst/>
-          </a:prstGeom>
-          <a:noFill/>
-        </p:spPr>
-        <p:txBody>
-          <a:bodyPr wrap="none" rtlCol="0">
-            <a:spAutoFit/>
-          </a:bodyPr>
-          <a:lstStyle/>
-          <a:p>
-            <a:r>
-              <a:rPr lang="zh-TW" altLang="en-US" dirty="0">
-                <a:solidFill>
-                  <a:schemeClr val="bg1"/>
-                </a:solidFill>
-                <a:latin typeface="黑体"/>
-                <a:ea typeface="黑体"/>
-                <a:cs typeface="黑体"/>
-              </a:rPr>
-              <a:t>旋转操作</a:t>
-            </a:r>
-          </a:p>
-          <a:p>
-            <a:r>
-              <a:rPr lang="en-US" altLang="zh-TW" dirty="0">
-                <a:solidFill>
-                  <a:schemeClr val="bg1"/>
-                </a:solidFill>
-                <a:latin typeface="黑体"/>
-                <a:ea typeface="黑体"/>
-                <a:cs typeface="黑体"/>
-              </a:rPr>
-              <a:t>DataFrame</a:t>
-            </a:r>
-            <a:r>
-              <a:rPr lang="zh-TW" altLang="en-US" dirty="0">
-                <a:solidFill>
-                  <a:schemeClr val="bg1"/>
-                </a:solidFill>
-                <a:latin typeface="黑体"/>
-                <a:ea typeface="黑体"/>
-                <a:cs typeface="黑体"/>
-              </a:rPr>
-              <a:t>的旋转操作。我们可以通过将列中的每个值都转换成实际的列实现。</a:t>
-            </a:r>
-          </a:p>
-          <a:p>
-            <a:r>
-              <a:rPr lang="zh-TW" altLang="en-US" dirty="0">
-                <a:solidFill>
-                  <a:schemeClr val="bg1"/>
-                </a:solidFill>
-                <a:latin typeface="黑体"/>
-                <a:ea typeface="黑体"/>
-                <a:cs typeface="黑体"/>
-              </a:rPr>
-              <a:t>下面将</a:t>
-            </a:r>
-            <a:r>
-              <a:rPr lang="en-US" altLang="zh-TW" dirty="0">
-                <a:solidFill>
-                  <a:schemeClr val="bg1"/>
-                </a:solidFill>
-                <a:latin typeface="黑体"/>
-                <a:ea typeface="黑体"/>
-                <a:cs typeface="黑体"/>
-              </a:rPr>
-              <a:t>Year</a:t>
-            </a:r>
-            <a:r>
-              <a:rPr lang="zh-TW" altLang="en-US" dirty="0">
-                <a:solidFill>
-                  <a:schemeClr val="bg1"/>
-                </a:solidFill>
-                <a:latin typeface="黑体"/>
-                <a:ea typeface="黑体"/>
-                <a:cs typeface="黑体"/>
-              </a:rPr>
-              <a:t>旋转</a:t>
-            </a:r>
-            <a:r>
-              <a:rPr lang="en-US" altLang="zh-TW" dirty="0">
-                <a:solidFill>
-                  <a:schemeClr val="bg1"/>
-                </a:solidFill>
-                <a:latin typeface="黑体"/>
-                <a:ea typeface="黑体"/>
-                <a:cs typeface="黑体"/>
-              </a:rPr>
-              <a:t>DataFrame</a:t>
-            </a:r>
-            <a:r>
-              <a:rPr lang="zh-TW" altLang="en-US" dirty="0">
-                <a:solidFill>
-                  <a:schemeClr val="bg1"/>
-                </a:solidFill>
-                <a:latin typeface="黑体"/>
-                <a:ea typeface="黑体"/>
-                <a:cs typeface="黑体"/>
-              </a:rPr>
-              <a:t>中的行，并对结果进行检查，</a:t>
-            </a:r>
-          </a:p>
-          <a:p>
-            <a:r>
-              <a:rPr lang="en-US" altLang="zh-TW" dirty="0">
-                <a:solidFill>
-                  <a:schemeClr val="bg1"/>
-                </a:solidFill>
-                <a:latin typeface="黑体"/>
-                <a:ea typeface="黑体"/>
-                <a:cs typeface="黑体"/>
-              </a:rPr>
-              <a:t>statesDF.groupBy("State").pivot("Year").sum("Population").show(5)</a:t>
-            </a:r>
-          </a:p>
-        </p:txBody>
-      </p:sp>
-    </p:spTree>
-    <p:extLst>
-      <p:ext uri="{BB962C8B-B14F-4D97-AF65-F5344CB8AC3E}">
-        <p14:creationId xmlns:p14="http://schemas.microsoft.com/office/powerpoint/2010/main" val="4095466596"/>
-      </p:ext>
-    </p:extLst>
-  </p:cSld>
-  <p:clrMapOvr>
-    <a:masterClrMapping/>
-  </p:clrMapOvr>
-  <p:transition spd="med" advClick="0" advTm="1000">
-    <p:fade/>
-  </p:transition>
-</p:sld>
-</file>
-
-<file path=ppt/slides/slide14.xml><?xml version="1.0" encoding="utf-8"?>
-<p:sld xmlns:a="http://schemas.openxmlformats.org/drawingml/2006/main" xmlns:r="http://schemas.openxmlformats.org/officeDocument/2006/relationships" xmlns:p="http://schemas.openxmlformats.org/presentationml/2006/main">
-  <p:cSld>
-    <p:spTree>
-      <p:nvGrpSpPr>
-        <p:cNvPr id="1" name=""/>
-        <p:cNvGrpSpPr/>
-        <p:nvPr/>
-      </p:nvGrpSpPr>
-      <p:grpSpPr>
-        <a:xfrm>
-          <a:off x="0" y="0"/>
-          <a:ext cx="0" cy="0"/>
-          <a:chOff x="0" y="0"/>
-          <a:chExt cx="0" cy="0"/>
-        </a:xfrm>
-      </p:grpSpPr>
-      <p:grpSp>
-        <p:nvGrpSpPr>
-          <p:cNvPr id="38" name="组合 37"/>
-          <p:cNvGrpSpPr/>
-          <p:nvPr/>
-        </p:nvGrpSpPr>
-        <p:grpSpPr>
-          <a:xfrm>
-            <a:off x="672374" y="631535"/>
-            <a:ext cx="4356129" cy="536573"/>
-            <a:chOff x="1007305" y="947449"/>
-            <a:chExt cx="6535202" cy="804983"/>
-          </a:xfrm>
-        </p:grpSpPr>
-        <p:sp>
-          <p:nvSpPr>
-            <p:cNvPr id="39" name="文本框 38"/>
-            <p:cNvSpPr txBox="1"/>
-            <p:nvPr/>
-          </p:nvSpPr>
-          <p:spPr>
-            <a:xfrm>
-              <a:off x="1007305" y="947449"/>
-              <a:ext cx="6535202" cy="692604"/>
-            </a:xfrm>
-            <a:prstGeom prst="rect">
-              <a:avLst/>
-            </a:prstGeom>
-            <a:noFill/>
-          </p:spPr>
-          <p:txBody>
-            <a:bodyPr wrap="square" rtlCol="0">
-              <a:spAutoFit/>
-            </a:bodyPr>
-            <a:lstStyle/>
-            <a:p>
-              <a:r>
-                <a:rPr lang="zh-CN" altLang="en-US" sz="2400" dirty="0">
-                  <a:solidFill>
-                    <a:prstClr val="white"/>
-                  </a:solidFill>
-                  <a:latin typeface="+mn-ea"/>
-                </a:rPr>
-                <a:t>聚合操作</a:t>
-              </a:r>
-            </a:p>
-          </p:txBody>
-        </p:sp>
-        <p:cxnSp>
-          <p:nvCxnSpPr>
-            <p:cNvPr id="40" name="直线连接符 5"/>
-            <p:cNvCxnSpPr/>
-            <p:nvPr/>
-          </p:nvCxnSpPr>
-          <p:spPr>
-            <a:xfrm>
-              <a:off x="1007305" y="1752432"/>
-              <a:ext cx="3742116" cy="0"/>
-            </a:xfrm>
-            <a:prstGeom prst="line">
-              <a:avLst/>
-            </a:prstGeom>
-            <a:ln>
-              <a:solidFill>
-                <a:schemeClr val="bg1"/>
-              </a:solidFill>
-              <a:headEnd type="oval"/>
-              <a:tailEnd type="oval"/>
-            </a:ln>
-          </p:spPr>
-          <p:style>
-            <a:lnRef idx="1">
-              <a:schemeClr val="accent1"/>
-            </a:lnRef>
-            <a:fillRef idx="0">
-              <a:schemeClr val="accent1"/>
-            </a:fillRef>
-            <a:effectRef idx="0">
-              <a:schemeClr val="accent1"/>
-            </a:effectRef>
-            <a:fontRef idx="minor">
-              <a:schemeClr val="tx1"/>
-            </a:fontRef>
-          </p:style>
-        </p:cxnSp>
-      </p:grpSp>
-      <p:sp>
-        <p:nvSpPr>
-          <p:cNvPr id="3" name="文本框 2">
-            <a:extLst>
-              <a:ext uri="{FF2B5EF4-FFF2-40B4-BE49-F238E27FC236}">
-                <a16:creationId xmlns:a16="http://schemas.microsoft.com/office/drawing/2014/main" id="{2FBE2898-929C-3249-AA82-5E20134B90A6}"/>
-              </a:ext>
-            </a:extLst>
-          </p:cNvPr>
-          <p:cNvSpPr txBox="1"/>
-          <p:nvPr/>
-        </p:nvSpPr>
-        <p:spPr>
-          <a:xfrm>
-            <a:off x="556697" y="1898580"/>
-            <a:ext cx="8263801" cy="1200329"/>
-          </a:xfrm>
-          <a:prstGeom prst="rect">
-            <a:avLst/>
-          </a:prstGeom>
-          <a:noFill/>
-        </p:spPr>
-        <p:txBody>
-          <a:bodyPr wrap="none" rtlCol="0">
-            <a:spAutoFit/>
-          </a:bodyPr>
-          <a:lstStyle/>
-          <a:p>
-            <a:r>
-              <a:rPr lang="zh-CN" altLang="en-US" dirty="0">
-                <a:solidFill>
-                  <a:schemeClr val="bg1"/>
-                </a:solidFill>
-              </a:rPr>
-              <a:t>聚合表示基于某种条件的数据采集方法。也是我们进行数据分析时常用的手段。</a:t>
-            </a:r>
-          </a:p>
-          <a:p>
-            <a:r>
-              <a:rPr lang="zh-CN" altLang="en-US" dirty="0">
-                <a:solidFill>
-                  <a:schemeClr val="bg1"/>
-                </a:solidFill>
-              </a:rPr>
-              <a:t>通过</a:t>
-            </a:r>
-            <a:r>
-              <a:rPr lang="en-US" altLang="zh-CN" dirty="0">
-                <a:solidFill>
-                  <a:schemeClr val="bg1"/>
-                </a:solidFill>
-              </a:rPr>
-              <a:t>org.apache.spark.sql.functions</a:t>
-            </a:r>
-            <a:r>
-              <a:rPr lang="zh-CN" altLang="en-US" dirty="0">
-                <a:solidFill>
-                  <a:schemeClr val="bg1"/>
-                </a:solidFill>
-              </a:rPr>
-              <a:t>包中的函数进行聚合操作，</a:t>
-            </a:r>
-          </a:p>
-          <a:p>
-            <a:r>
-              <a:rPr lang="zh-CN" altLang="en-US" dirty="0">
-                <a:solidFill>
-                  <a:schemeClr val="bg1"/>
-                </a:solidFill>
-              </a:rPr>
-              <a:t>当然，你也可以生成自定义函数</a:t>
-            </a:r>
-            <a:r>
-              <a:rPr lang="en-US" altLang="zh-CN" dirty="0">
-                <a:solidFill>
-                  <a:schemeClr val="bg1"/>
-                </a:solidFill>
-              </a:rPr>
-              <a:t>UDF</a:t>
-            </a:r>
-            <a:r>
-              <a:rPr lang="zh-CN" altLang="en-US" dirty="0">
-                <a:solidFill>
-                  <a:schemeClr val="bg1"/>
-                </a:solidFill>
-              </a:rPr>
-              <a:t>来进行聚合操作。</a:t>
-            </a:r>
-          </a:p>
-          <a:p>
-            <a:r>
-              <a:rPr lang="zh-CN" altLang="en-US" dirty="0">
-                <a:solidFill>
-                  <a:schemeClr val="bg1"/>
-                </a:solidFill>
-              </a:rPr>
-              <a:t>每个分组操作返回一个</a:t>
-            </a:r>
-            <a:r>
-              <a:rPr lang="en-US" altLang="zh-CN" dirty="0">
-                <a:solidFill>
-                  <a:schemeClr val="bg1"/>
-                </a:solidFill>
-              </a:rPr>
-              <a:t>RelationGroupDataset</a:t>
-            </a:r>
-            <a:r>
-              <a:rPr lang="zh-CN" altLang="en-US" dirty="0">
-                <a:solidFill>
-                  <a:schemeClr val="bg1"/>
-                </a:solidFill>
-              </a:rPr>
-              <a:t>，在此基础上指定聚合方式</a:t>
-            </a:r>
-          </a:p>
-        </p:txBody>
-      </p:sp>
-    </p:spTree>
-    <p:extLst>
-      <p:ext uri="{BB962C8B-B14F-4D97-AF65-F5344CB8AC3E}">
-        <p14:creationId xmlns:p14="http://schemas.microsoft.com/office/powerpoint/2010/main" val="4095466596"/>
-      </p:ext>
-    </p:extLst>
-  </p:cSld>
-  <p:clrMapOvr>
-    <a:masterClrMapping/>
-  </p:clrMapOvr>
-  <p:transition spd="med" advClick="0" advTm="1000">
-    <p:fade/>
-  </p:transition>
-</p:sld>
-</file>
-
-<file path=ppt/slides/slide15.xml><?xml version="1.0" encoding="utf-8"?>
-<p:sld xmlns:a="http://schemas.openxmlformats.org/drawingml/2006/main" xmlns:r="http://schemas.openxmlformats.org/officeDocument/2006/relationships" xmlns:p="http://schemas.openxmlformats.org/presentationml/2006/main">
-  <p:cSld>
-    <p:spTree>
-      <p:nvGrpSpPr>
-        <p:cNvPr id="1" name=""/>
-        <p:cNvGrpSpPr/>
-        <p:nvPr/>
-      </p:nvGrpSpPr>
-      <p:grpSpPr>
-        <a:xfrm>
-          <a:off x="0" y="0"/>
-          <a:ext cx="0" cy="0"/>
-          <a:chOff x="0" y="0"/>
-          <a:chExt cx="0" cy="0"/>
-        </a:xfrm>
-      </p:grpSpPr>
-      <p:grpSp>
-        <p:nvGrpSpPr>
-          <p:cNvPr id="38" name="组合 37"/>
-          <p:cNvGrpSpPr/>
-          <p:nvPr/>
-        </p:nvGrpSpPr>
-        <p:grpSpPr>
-          <a:xfrm>
-            <a:off x="672374" y="631535"/>
-            <a:ext cx="4356129" cy="536573"/>
-            <a:chOff x="1007305" y="947449"/>
-            <a:chExt cx="6535202" cy="804983"/>
-          </a:xfrm>
-        </p:grpSpPr>
-        <p:sp>
-          <p:nvSpPr>
-            <p:cNvPr id="39" name="文本框 38"/>
-            <p:cNvSpPr txBox="1"/>
-            <p:nvPr/>
-          </p:nvSpPr>
-          <p:spPr>
-            <a:xfrm>
-              <a:off x="1007305" y="947449"/>
-              <a:ext cx="6535202" cy="692604"/>
-            </a:xfrm>
-            <a:prstGeom prst="rect">
-              <a:avLst/>
-            </a:prstGeom>
-            <a:noFill/>
-          </p:spPr>
-          <p:txBody>
-            <a:bodyPr wrap="square" rtlCol="0">
-              <a:spAutoFit/>
-            </a:bodyPr>
-            <a:lstStyle/>
-            <a:p>
-              <a:r>
-                <a:rPr lang="zh-CN" altLang="en-US" sz="2400" dirty="0">
-                  <a:solidFill>
-                    <a:prstClr val="white"/>
-                  </a:solidFill>
-                  <a:latin typeface="+mn-ea"/>
-                </a:rPr>
-                <a:t>聚合函数</a:t>
-              </a:r>
-              <a:r>
-                <a:rPr lang="en-US" altLang="zh-CN" sz="2400" dirty="0">
-                  <a:solidFill>
-                    <a:prstClr val="white"/>
-                  </a:solidFill>
-                  <a:latin typeface="+mn-ea"/>
-                </a:rPr>
-                <a:t>GroupBy</a:t>
-              </a:r>
-              <a:endParaRPr lang="zh-CN" altLang="en-US" sz="2400" dirty="0">
-                <a:solidFill>
-                  <a:prstClr val="white"/>
-                </a:solidFill>
-                <a:latin typeface="+mn-ea"/>
-              </a:endParaRPr>
-            </a:p>
-          </p:txBody>
-        </p:sp>
-        <p:cxnSp>
-          <p:nvCxnSpPr>
-            <p:cNvPr id="40" name="直线连接符 5"/>
-            <p:cNvCxnSpPr/>
-            <p:nvPr/>
-          </p:nvCxnSpPr>
-          <p:spPr>
-            <a:xfrm>
-              <a:off x="1007305" y="1752432"/>
-              <a:ext cx="3742116" cy="0"/>
-            </a:xfrm>
-            <a:prstGeom prst="line">
-              <a:avLst/>
-            </a:prstGeom>
-            <a:ln>
-              <a:solidFill>
-                <a:schemeClr val="bg1"/>
-              </a:solidFill>
-              <a:headEnd type="oval"/>
-              <a:tailEnd type="oval"/>
-            </a:ln>
-          </p:spPr>
-          <p:style>
-            <a:lnRef idx="1">
-              <a:schemeClr val="accent1"/>
-            </a:lnRef>
-            <a:fillRef idx="0">
-              <a:schemeClr val="accent1"/>
-            </a:fillRef>
-            <a:effectRef idx="0">
-              <a:schemeClr val="accent1"/>
-            </a:effectRef>
-            <a:fontRef idx="minor">
-              <a:schemeClr val="tx1"/>
-            </a:fontRef>
-          </p:style>
-        </p:cxnSp>
-      </p:grpSp>
-      <p:sp>
-        <p:nvSpPr>
-          <p:cNvPr id="3" name="文本框 2">
-            <a:extLst>
-              <a:ext uri="{FF2B5EF4-FFF2-40B4-BE49-F238E27FC236}">
-                <a16:creationId xmlns:a16="http://schemas.microsoft.com/office/drawing/2014/main" id="{2FBE2898-929C-3249-AA82-5E20134B90A6}"/>
-              </a:ext>
-            </a:extLst>
-          </p:cNvPr>
-          <p:cNvSpPr txBox="1"/>
-          <p:nvPr/>
-        </p:nvSpPr>
-        <p:spPr>
-          <a:xfrm>
-            <a:off x="322036" y="1436915"/>
-            <a:ext cx="184666" cy="369332"/>
-          </a:xfrm>
-          <a:prstGeom prst="rect">
-            <a:avLst/>
-          </a:prstGeom>
-          <a:noFill/>
-        </p:spPr>
-        <p:txBody>
-          <a:bodyPr wrap="none" rtlCol="0">
-            <a:spAutoFit/>
-          </a:bodyPr>
-          <a:lstStyle/>
-          <a:p>
-            <a:endParaRPr lang="zh-CN" altLang="en-US" dirty="0">
-              <a:solidFill>
-                <a:schemeClr val="bg1"/>
-              </a:solidFill>
-            </a:endParaRPr>
-          </a:p>
-        </p:txBody>
-      </p:sp>
-      <p:sp>
-        <p:nvSpPr>
-          <p:cNvPr id="4" name="矩形 3"/>
-          <p:cNvSpPr/>
-          <p:nvPr/>
-        </p:nvSpPr>
-        <p:spPr>
-          <a:xfrm>
-            <a:off x="908447" y="1845440"/>
-            <a:ext cx="8477978" cy="1754327"/>
-          </a:xfrm>
-          <a:prstGeom prst="rect">
-            <a:avLst/>
-          </a:prstGeom>
-        </p:spPr>
-        <p:txBody>
-          <a:bodyPr wrap="square">
-            <a:spAutoFit/>
-          </a:bodyPr>
-          <a:lstStyle/>
-          <a:p>
-            <a:r>
-              <a:rPr lang="zh-CN" altLang="en-US">
-                <a:solidFill>
-                  <a:srgbClr val="FFFFFF"/>
-                </a:solidFill>
-                <a:latin typeface="黑体"/>
-                <a:ea typeface="黑体"/>
-                <a:cs typeface="黑体"/>
-              </a:rPr>
-              <a:t>使用</a:t>
-            </a:r>
-            <a:r>
-              <a:rPr lang="en-US" altLang="zh-CN">
-                <a:solidFill>
-                  <a:srgbClr val="FFFFFF"/>
-                </a:solidFill>
-                <a:latin typeface="黑体"/>
-                <a:ea typeface="黑体"/>
-                <a:cs typeface="黑体"/>
-              </a:rPr>
-              <a:t>GroupBy</a:t>
-            </a:r>
-            <a:r>
-              <a:rPr lang="zh-CN" altLang="en-US">
-                <a:solidFill>
-                  <a:srgbClr val="FFFFFF"/>
-                </a:solidFill>
-                <a:latin typeface="黑体"/>
-                <a:ea typeface="黑体"/>
-                <a:cs typeface="黑体"/>
-              </a:rPr>
-              <a:t>可以按任何列队</a:t>
-            </a:r>
-            <a:r>
-              <a:rPr lang="en-US" altLang="zh-CN">
-                <a:solidFill>
-                  <a:srgbClr val="FFFFFF"/>
-                </a:solidFill>
-                <a:latin typeface="黑体"/>
-                <a:ea typeface="黑体"/>
-                <a:cs typeface="黑体"/>
-              </a:rPr>
-              <a:t>DataFrame</a:t>
-            </a:r>
-            <a:r>
-              <a:rPr lang="zh-CN" altLang="en-US">
-                <a:solidFill>
-                  <a:srgbClr val="FFFFFF"/>
-                </a:solidFill>
-                <a:latin typeface="黑体"/>
-                <a:ea typeface="黑体"/>
-                <a:cs typeface="黑体"/>
-              </a:rPr>
-              <a:t>进行分组。</a:t>
-            </a:r>
-          </a:p>
-          <a:p>
-            <a:r>
-              <a:rPr lang="zh-CN" altLang="en-US">
-                <a:solidFill>
-                  <a:srgbClr val="FFFFFF"/>
-                </a:solidFill>
-                <a:latin typeface="黑体"/>
-                <a:ea typeface="黑体"/>
-                <a:cs typeface="黑体"/>
-              </a:rPr>
-              <a:t>下面对每个</a:t>
-            </a:r>
-            <a:r>
-              <a:rPr lang="en-US" altLang="zh-CN">
-                <a:solidFill>
-                  <a:srgbClr val="FFFFFF"/>
-                </a:solidFill>
-                <a:latin typeface="黑体"/>
-                <a:ea typeface="黑体"/>
-                <a:cs typeface="黑体"/>
-              </a:rPr>
-              <a:t>State</a:t>
-            </a:r>
-            <a:r>
-              <a:rPr lang="zh-CN" altLang="en-US">
-                <a:solidFill>
-                  <a:srgbClr val="FFFFFF"/>
-                </a:solidFill>
-                <a:latin typeface="黑体"/>
-                <a:ea typeface="黑体"/>
-                <a:cs typeface="黑体"/>
-              </a:rPr>
-              <a:t>累加</a:t>
-            </a:r>
-            <a:r>
-              <a:rPr lang="en-US" altLang="zh-CN">
-                <a:solidFill>
-                  <a:srgbClr val="FFFFFF"/>
-                </a:solidFill>
-                <a:latin typeface="黑体"/>
-                <a:ea typeface="黑体"/>
-                <a:cs typeface="黑体"/>
-              </a:rPr>
-              <a:t>Population</a:t>
-            </a:r>
-            <a:r>
-              <a:rPr lang="zh-CN" altLang="en-US">
-                <a:solidFill>
-                  <a:srgbClr val="FFFFFF"/>
-                </a:solidFill>
-                <a:latin typeface="黑体"/>
-                <a:ea typeface="黑体"/>
-                <a:cs typeface="黑体"/>
-              </a:rPr>
-              <a:t>计数。</a:t>
-            </a:r>
-          </a:p>
-          <a:p>
-            <a:r>
-              <a:rPr lang="en-US" altLang="zh-CN">
-                <a:solidFill>
-                  <a:srgbClr val="FFFFFF"/>
-                </a:solidFill>
-                <a:latin typeface="黑体"/>
-                <a:ea typeface="黑体"/>
-                <a:cs typeface="黑体"/>
-              </a:rPr>
-              <a:t>stateDF.groupBy("State").sum("Population").show(5)</a:t>
-            </a:r>
-          </a:p>
-          <a:p>
-            <a:r>
-              <a:rPr lang="en-US" altLang="zh-CN">
-                <a:solidFill>
-                  <a:srgbClr val="FFFFFF"/>
-                </a:solidFill>
-                <a:latin typeface="黑体"/>
-                <a:ea typeface="黑体"/>
-                <a:cs typeface="黑体"/>
-              </a:rPr>
-              <a:t>spark.sql("select State, sum(Population)</a:t>
-            </a:r>
-          </a:p>
-          <a:p>
-            <a:r>
-              <a:rPr lang="en-US" altLang="zh-CN">
-                <a:solidFill>
-                  <a:srgbClr val="FFFFFF"/>
-                </a:solidFill>
-                <a:latin typeface="黑体"/>
-                <a:ea typeface="黑体"/>
-                <a:cs typeface="黑体"/>
-              </a:rPr>
-              <a:t>from states group by State </a:t>
-            </a:r>
-          </a:p>
-          <a:p>
-            <a:r>
-              <a:rPr lang="en-US" altLang="zh-CN">
-                <a:solidFill>
-                  <a:srgbClr val="FFFFFF"/>
-                </a:solidFill>
-                <a:latin typeface="黑体"/>
-                <a:ea typeface="黑体"/>
-                <a:cs typeface="黑体"/>
-              </a:rPr>
-              <a:t>limit 5").show() </a:t>
-            </a:r>
-            <a:endParaRPr lang="zh-CN" altLang="en-US">
-              <a:solidFill>
-                <a:srgbClr val="FFFFFF"/>
-              </a:solidFill>
-              <a:latin typeface="黑体"/>
-              <a:ea typeface="黑体"/>
-              <a:cs typeface="黑体"/>
-            </a:endParaRPr>
-          </a:p>
-        </p:txBody>
-      </p:sp>
-    </p:spTree>
-    <p:extLst>
-      <p:ext uri="{BB962C8B-B14F-4D97-AF65-F5344CB8AC3E}">
-        <p14:creationId xmlns:p14="http://schemas.microsoft.com/office/powerpoint/2010/main" val="4095466596"/>
-      </p:ext>
-    </p:extLst>
-  </p:cSld>
-  <p:clrMapOvr>
-    <a:masterClrMapping/>
-  </p:clrMapOvr>
-  <p:transition spd="med" advClick="0" advTm="1000">
-    <p:fade/>
-  </p:transition>
-</p:sld>
-</file>
-
-<file path=ppt/slides/slide16.xml><?xml version="1.0" encoding="utf-8"?>
-<p:sld xmlns:a="http://schemas.openxmlformats.org/drawingml/2006/main" xmlns:r="http://schemas.openxmlformats.org/officeDocument/2006/relationships" xmlns:p="http://schemas.openxmlformats.org/presentationml/2006/main">
-  <p:cSld>
-    <p:spTree>
-      <p:nvGrpSpPr>
-        <p:cNvPr id="1" name=""/>
-        <p:cNvGrpSpPr/>
-        <p:nvPr/>
-      </p:nvGrpSpPr>
-      <p:grpSpPr>
-        <a:xfrm>
-          <a:off x="0" y="0"/>
-          <a:ext cx="0" cy="0"/>
-          <a:chOff x="0" y="0"/>
-          <a:chExt cx="0" cy="0"/>
-        </a:xfrm>
-      </p:grpSpPr>
-      <p:grpSp>
-        <p:nvGrpSpPr>
-          <p:cNvPr id="38" name="组合 37"/>
-          <p:cNvGrpSpPr/>
-          <p:nvPr/>
-        </p:nvGrpSpPr>
-        <p:grpSpPr>
-          <a:xfrm>
-            <a:off x="672374" y="631535"/>
-            <a:ext cx="4356129" cy="536573"/>
-            <a:chOff x="1007305" y="947449"/>
-            <a:chExt cx="6535202" cy="804983"/>
-          </a:xfrm>
-        </p:grpSpPr>
-        <p:sp>
-          <p:nvSpPr>
-            <p:cNvPr id="39" name="文本框 38"/>
-            <p:cNvSpPr txBox="1"/>
-            <p:nvPr/>
-          </p:nvSpPr>
-          <p:spPr>
-            <a:xfrm>
-              <a:off x="1007305" y="947449"/>
-              <a:ext cx="6535202" cy="692604"/>
-            </a:xfrm>
-            <a:prstGeom prst="rect">
-              <a:avLst/>
-            </a:prstGeom>
-            <a:noFill/>
-          </p:spPr>
-          <p:txBody>
-            <a:bodyPr wrap="square" rtlCol="0">
-              <a:spAutoFit/>
-            </a:bodyPr>
-            <a:lstStyle/>
-            <a:p>
-              <a:r>
-                <a:rPr lang="zh-CN" altLang="en-US" sz="2400" dirty="0">
-                  <a:solidFill>
-                    <a:prstClr val="white"/>
-                  </a:solidFill>
-                  <a:latin typeface="+mn-ea"/>
-                </a:rPr>
-                <a:t>聚合函数</a:t>
-              </a:r>
-              <a:r>
-                <a:rPr lang="en-US" altLang="zh-CN" sz="2400" dirty="0">
-                  <a:solidFill>
-                    <a:prstClr val="white"/>
-                  </a:solidFill>
-                  <a:latin typeface="+mn-ea"/>
-                </a:rPr>
-                <a:t>count</a:t>
-              </a:r>
-              <a:r>
-                <a:rPr lang="zh-CN" altLang="en-US" sz="2400" dirty="0">
-                  <a:solidFill>
-                    <a:prstClr val="white"/>
-                  </a:solidFill>
-                  <a:latin typeface="+mn-ea"/>
-                </a:rPr>
-                <a:t>、</a:t>
-              </a:r>
-              <a:r>
-                <a:rPr lang="zh-CN" altLang="zh-CN" sz="2400" dirty="0">
-                  <a:solidFill>
-                    <a:prstClr val="white"/>
-                  </a:solidFill>
-                  <a:latin typeface="+mn-ea"/>
-                </a:rPr>
-                <a:t>f</a:t>
-              </a:r>
-              <a:r>
-                <a:rPr lang="en-US" altLang="zh-CN" sz="2400" dirty="0">
-                  <a:solidFill>
-                    <a:prstClr val="white"/>
-                  </a:solidFill>
-                  <a:latin typeface="+mn-ea"/>
-                </a:rPr>
-                <a:t>irst</a:t>
-              </a:r>
-              <a:r>
-                <a:rPr lang="zh-CN" altLang="en-US" sz="2400" dirty="0">
-                  <a:solidFill>
-                    <a:prstClr val="white"/>
-                  </a:solidFill>
-                  <a:latin typeface="+mn-ea"/>
-                </a:rPr>
-                <a:t>、</a:t>
-              </a:r>
-              <a:r>
-                <a:rPr lang="en-US" altLang="zh-CN" sz="2400" dirty="0">
-                  <a:solidFill>
-                    <a:prstClr val="white"/>
-                  </a:solidFill>
-                  <a:latin typeface="+mn-ea"/>
-                </a:rPr>
-                <a:t>last</a:t>
-              </a:r>
-              <a:endParaRPr lang="zh-CN" altLang="en-US" sz="2400" dirty="0">
-                <a:solidFill>
-                  <a:prstClr val="white"/>
-                </a:solidFill>
-                <a:latin typeface="+mn-ea"/>
-              </a:endParaRPr>
-            </a:p>
-          </p:txBody>
-        </p:sp>
-        <p:cxnSp>
-          <p:nvCxnSpPr>
-            <p:cNvPr id="40" name="直线连接符 5"/>
-            <p:cNvCxnSpPr/>
-            <p:nvPr/>
-          </p:nvCxnSpPr>
-          <p:spPr>
-            <a:xfrm>
-              <a:off x="1007305" y="1752432"/>
-              <a:ext cx="3742116" cy="0"/>
-            </a:xfrm>
-            <a:prstGeom prst="line">
-              <a:avLst/>
-            </a:prstGeom>
-            <a:ln>
-              <a:solidFill>
-                <a:schemeClr val="bg1"/>
-              </a:solidFill>
-              <a:headEnd type="oval"/>
-              <a:tailEnd type="oval"/>
-            </a:ln>
-          </p:spPr>
-          <p:style>
-            <a:lnRef idx="1">
-              <a:schemeClr val="accent1"/>
-            </a:lnRef>
-            <a:fillRef idx="0">
-              <a:schemeClr val="accent1"/>
-            </a:fillRef>
-            <a:effectRef idx="0">
-              <a:schemeClr val="accent1"/>
-            </a:effectRef>
-            <a:fontRef idx="minor">
-              <a:schemeClr val="tx1"/>
-            </a:fontRef>
-          </p:style>
-        </p:cxnSp>
-      </p:grpSp>
-      <p:sp>
-        <p:nvSpPr>
-          <p:cNvPr id="3" name="文本框 2">
-            <a:extLst>
-              <a:ext uri="{FF2B5EF4-FFF2-40B4-BE49-F238E27FC236}">
-                <a16:creationId xmlns:a16="http://schemas.microsoft.com/office/drawing/2014/main" id="{2FBE2898-929C-3249-AA82-5E20134B90A6}"/>
-              </a:ext>
-            </a:extLst>
-          </p:cNvPr>
-          <p:cNvSpPr txBox="1"/>
-          <p:nvPr/>
-        </p:nvSpPr>
-        <p:spPr>
-          <a:xfrm>
-            <a:off x="860375" y="1602584"/>
-            <a:ext cx="7096815" cy="3970318"/>
-          </a:xfrm>
-          <a:prstGeom prst="rect">
-            <a:avLst/>
-          </a:prstGeom>
-          <a:noFill/>
-        </p:spPr>
-        <p:txBody>
-          <a:bodyPr wrap="none" rtlCol="0">
-            <a:spAutoFit/>
-          </a:bodyPr>
-          <a:lstStyle/>
-          <a:p>
-            <a:r>
-              <a:rPr lang="en-US" altLang="zh-CN" dirty="0">
-                <a:solidFill>
-                  <a:schemeClr val="bg1"/>
-                </a:solidFill>
-              </a:rPr>
-              <a:t>count</a:t>
-            </a:r>
-            <a:r>
-              <a:rPr lang="zh-CN" altLang="en-US" dirty="0">
-                <a:solidFill>
-                  <a:schemeClr val="bg1"/>
-                </a:solidFill>
-              </a:rPr>
-              <a:t>操作</a:t>
-            </a:r>
-          </a:p>
-          <a:p>
-            <a:r>
-              <a:rPr lang="en-US" altLang="zh-CN" dirty="0">
-                <a:solidFill>
-                  <a:schemeClr val="bg1"/>
-                </a:solidFill>
-              </a:rPr>
-              <a:t>import org.apache.spark.sql.functions._</a:t>
-            </a:r>
-          </a:p>
-          <a:p>
-            <a:r>
-              <a:rPr lang="en-US" altLang="zh-CN" dirty="0">
-                <a:solidFill>
-                  <a:schemeClr val="bg1"/>
-                </a:solidFill>
-              </a:rPr>
-              <a:t>statesPopulationDF.select(col("*")).agg(count("State")).show</a:t>
-            </a:r>
-          </a:p>
-          <a:p>
-            <a:r>
-              <a:rPr lang="en-US" altLang="zh-CN" dirty="0">
-                <a:solidFill>
-                  <a:schemeClr val="bg1"/>
-                </a:solidFill>
-              </a:rPr>
-              <a:t>statesPopulationDF.select(count("State")).show</a:t>
-            </a:r>
-          </a:p>
-          <a:p>
-            <a:endParaRPr lang="en-US" altLang="zh-CN" dirty="0">
-              <a:solidFill>
-                <a:schemeClr val="bg1"/>
-              </a:solidFill>
-            </a:endParaRPr>
-          </a:p>
-          <a:p>
-            <a:r>
-              <a:rPr lang="en-US" altLang="zh-CN" dirty="0">
-                <a:solidFill>
-                  <a:schemeClr val="bg1"/>
-                </a:solidFill>
-              </a:rPr>
-              <a:t>statesPopulationDF.select(col("*")).agg(countDistinct("State")).show</a:t>
-            </a:r>
-          </a:p>
-          <a:p>
-            <a:r>
-              <a:rPr lang="en-US" altLang="zh-CN" dirty="0">
-                <a:solidFill>
-                  <a:schemeClr val="bg1"/>
-                </a:solidFill>
-              </a:rPr>
-              <a:t>statesPopulationDF.select(countDistinct("State")).show</a:t>
-            </a:r>
-          </a:p>
-          <a:p>
-            <a:endParaRPr lang="en-US" altLang="zh-CN" dirty="0">
-              <a:solidFill>
-                <a:schemeClr val="bg1"/>
-              </a:solidFill>
-            </a:endParaRPr>
-          </a:p>
-          <a:p>
-            <a:r>
-              <a:rPr lang="en-US" altLang="zh-CN" dirty="0">
-                <a:solidFill>
-                  <a:schemeClr val="bg1"/>
-                </a:solidFill>
-              </a:rPr>
-              <a:t>first</a:t>
-            </a:r>
-            <a:r>
-              <a:rPr lang="zh-CN" altLang="en-US" dirty="0">
-                <a:solidFill>
-                  <a:schemeClr val="bg1"/>
-                </a:solidFill>
-              </a:rPr>
-              <a:t>操作</a:t>
-            </a:r>
-          </a:p>
-          <a:p>
-            <a:r>
-              <a:rPr lang="zh-CN" altLang="en-US" dirty="0">
-                <a:solidFill>
-                  <a:schemeClr val="bg1"/>
-                </a:solidFill>
-              </a:rPr>
-              <a:t>用于获取</a:t>
-            </a:r>
-            <a:r>
-              <a:rPr lang="en-US" altLang="zh-CN" dirty="0">
-                <a:solidFill>
-                  <a:schemeClr val="bg1"/>
-                </a:solidFill>
-              </a:rPr>
-              <a:t>RelationGroupedDataset</a:t>
-            </a:r>
-            <a:r>
-              <a:rPr lang="zh-CN" altLang="en-US" dirty="0">
-                <a:solidFill>
-                  <a:schemeClr val="bg1"/>
-                </a:solidFill>
-              </a:rPr>
-              <a:t>中的第一条记录。</a:t>
-            </a:r>
-          </a:p>
-          <a:p>
-            <a:r>
-              <a:rPr lang="en-US" altLang="zh-CN" dirty="0">
-                <a:solidFill>
-                  <a:schemeClr val="bg1"/>
-                </a:solidFill>
-              </a:rPr>
-              <a:t>import org.apache.spark.sql.functions._</a:t>
-            </a:r>
-          </a:p>
-          <a:p>
-            <a:r>
-              <a:rPr lang="en-US" altLang="zh-CN" dirty="0">
-                <a:solidFill>
-                  <a:schemeClr val="bg1"/>
-                </a:solidFill>
-              </a:rPr>
-              <a:t>statesPopulationDF.select(first("State")).sho</a:t>
-            </a:r>
-          </a:p>
-          <a:p>
-            <a:endParaRPr lang="en-US" altLang="zh-CN" dirty="0">
-              <a:solidFill>
-                <a:schemeClr val="bg1"/>
-              </a:solidFill>
-            </a:endParaRPr>
-          </a:p>
-          <a:p>
-            <a:r>
-              <a:rPr lang="zh-CN" altLang="en-US" dirty="0">
-                <a:solidFill>
-                  <a:schemeClr val="bg1"/>
-                </a:solidFill>
-              </a:rPr>
-              <a:t>同理</a:t>
-            </a:r>
-            <a:r>
-              <a:rPr lang="en-US" altLang="zh-CN" dirty="0">
-                <a:solidFill>
-                  <a:schemeClr val="bg1"/>
-                </a:solidFill>
-              </a:rPr>
-              <a:t>last</a:t>
-            </a:r>
-            <a:r>
-              <a:rPr lang="zh-CN" altLang="en-US" dirty="0">
-                <a:solidFill>
-                  <a:schemeClr val="bg1"/>
-                </a:solidFill>
-              </a:rPr>
-              <a:t>是获取</a:t>
-            </a:r>
-            <a:r>
-              <a:rPr lang="en-US" altLang="zh-CN" dirty="0">
-                <a:solidFill>
-                  <a:schemeClr val="bg1"/>
-                </a:solidFill>
-              </a:rPr>
-              <a:t>RelationGroupedDataset</a:t>
-            </a:r>
-            <a:r>
-              <a:rPr lang="zh-CN" altLang="en-US" dirty="0">
-                <a:solidFill>
-                  <a:schemeClr val="bg1"/>
-                </a:solidFill>
-              </a:rPr>
-              <a:t>中的最后一条记录。</a:t>
-            </a:r>
-          </a:p>
-        </p:txBody>
-      </p:sp>
-    </p:spTree>
-    <p:extLst>
-      <p:ext uri="{BB962C8B-B14F-4D97-AF65-F5344CB8AC3E}">
-        <p14:creationId xmlns:p14="http://schemas.microsoft.com/office/powerpoint/2010/main" val="4095466596"/>
-      </p:ext>
-    </p:extLst>
-  </p:cSld>
-  <p:clrMapOvr>
-    <a:masterClrMapping/>
-  </p:clrMapOvr>
-  <p:transition spd="med" advClick="0" advTm="1000">
-    <p:fade/>
-  </p:transition>
-</p:sld>
-</file>
-
-<file path=ppt/slides/slide17.xml><?xml version="1.0" encoding="utf-8"?>
-<p:sld xmlns:a="http://schemas.openxmlformats.org/drawingml/2006/main" xmlns:r="http://schemas.openxmlformats.org/officeDocument/2006/relationships" xmlns:p="http://schemas.openxmlformats.org/presentationml/2006/main">
-  <p:cSld>
-    <p:spTree>
-      <p:nvGrpSpPr>
-        <p:cNvPr id="1" name=""/>
-        <p:cNvGrpSpPr/>
-        <p:nvPr/>
-      </p:nvGrpSpPr>
-      <p:grpSpPr>
-        <a:xfrm>
-          <a:off x="0" y="0"/>
-          <a:ext cx="0" cy="0"/>
-          <a:chOff x="0" y="0"/>
-          <a:chExt cx="0" cy="0"/>
-        </a:xfrm>
-      </p:grpSpPr>
-      <p:grpSp>
-        <p:nvGrpSpPr>
-          <p:cNvPr id="38" name="组合 37"/>
-          <p:cNvGrpSpPr/>
-          <p:nvPr/>
-        </p:nvGrpSpPr>
-        <p:grpSpPr>
-          <a:xfrm>
-            <a:off x="672374" y="631535"/>
-            <a:ext cx="4356129" cy="536573"/>
-            <a:chOff x="1007305" y="947449"/>
-            <a:chExt cx="6535202" cy="804983"/>
-          </a:xfrm>
-        </p:grpSpPr>
-        <p:sp>
-          <p:nvSpPr>
-            <p:cNvPr id="39" name="文本框 38"/>
-            <p:cNvSpPr txBox="1"/>
-            <p:nvPr/>
-          </p:nvSpPr>
-          <p:spPr>
-            <a:xfrm>
-              <a:off x="1007305" y="947449"/>
-              <a:ext cx="6535202" cy="692604"/>
-            </a:xfrm>
-            <a:prstGeom prst="rect">
-              <a:avLst/>
-            </a:prstGeom>
-            <a:noFill/>
-          </p:spPr>
-          <p:txBody>
-            <a:bodyPr wrap="square" rtlCol="0">
-              <a:spAutoFit/>
-            </a:bodyPr>
-            <a:lstStyle/>
-            <a:p>
-              <a:r>
-                <a:rPr lang="zh-CN" altLang="en-US" sz="2400" dirty="0">
-                  <a:solidFill>
-                    <a:prstClr val="white"/>
-                  </a:solidFill>
-                  <a:latin typeface="+mn-ea"/>
-                </a:rPr>
-                <a:t>连接操作</a:t>
-              </a:r>
-            </a:p>
-          </p:txBody>
-        </p:sp>
-        <p:cxnSp>
-          <p:nvCxnSpPr>
-            <p:cNvPr id="40" name="直线连接符 5"/>
-            <p:cNvCxnSpPr/>
-            <p:nvPr/>
-          </p:nvCxnSpPr>
-          <p:spPr>
-            <a:xfrm>
-              <a:off x="1007305" y="1752432"/>
-              <a:ext cx="3742116" cy="0"/>
-            </a:xfrm>
-            <a:prstGeom prst="line">
-              <a:avLst/>
-            </a:prstGeom>
-            <a:ln>
-              <a:solidFill>
-                <a:schemeClr val="bg1"/>
-              </a:solidFill>
-              <a:headEnd type="oval"/>
-              <a:tailEnd type="oval"/>
-            </a:ln>
-          </p:spPr>
-          <p:style>
-            <a:lnRef idx="1">
-              <a:schemeClr val="accent1"/>
-            </a:lnRef>
-            <a:fillRef idx="0">
-              <a:schemeClr val="accent1"/>
-            </a:fillRef>
-            <a:effectRef idx="0">
-              <a:schemeClr val="accent1"/>
-            </a:effectRef>
-            <a:fontRef idx="minor">
-              <a:schemeClr val="tx1"/>
-            </a:fontRef>
-          </p:style>
-        </p:cxnSp>
-      </p:grpSp>
-      <p:sp>
-        <p:nvSpPr>
-          <p:cNvPr id="3" name="文本框 2">
-            <a:extLst>
-              <a:ext uri="{FF2B5EF4-FFF2-40B4-BE49-F238E27FC236}">
-                <a16:creationId xmlns:a16="http://schemas.microsoft.com/office/drawing/2014/main" id="{2FBE2898-929C-3249-AA82-5E20134B90A6}"/>
-              </a:ext>
-            </a:extLst>
-          </p:cNvPr>
-          <p:cNvSpPr txBox="1"/>
-          <p:nvPr/>
-        </p:nvSpPr>
-        <p:spPr>
-          <a:xfrm>
-            <a:off x="901786" y="1671613"/>
-            <a:ext cx="10572463" cy="3693319"/>
-          </a:xfrm>
-          <a:prstGeom prst="rect">
-            <a:avLst/>
-          </a:prstGeom>
-          <a:noFill/>
-        </p:spPr>
-        <p:txBody>
-          <a:bodyPr wrap="none" rtlCol="0">
-            <a:spAutoFit/>
-          </a:bodyPr>
-          <a:lstStyle/>
-          <a:p>
-            <a:r>
-              <a:rPr lang="en-US" altLang="zh-CN" dirty="0">
-                <a:solidFill>
-                  <a:schemeClr val="bg1"/>
-                </a:solidFill>
-              </a:rPr>
-              <a:t>DataFrame</a:t>
-            </a:r>
-            <a:r>
-              <a:rPr lang="zh-CN" altLang="en-US" dirty="0">
-                <a:solidFill>
-                  <a:schemeClr val="bg1"/>
-                </a:solidFill>
-              </a:rPr>
-              <a:t>的连接操作</a:t>
-            </a:r>
-          </a:p>
-          <a:p>
-            <a:r>
-              <a:rPr lang="zh-CN" altLang="en-US" dirty="0">
-                <a:solidFill>
-                  <a:schemeClr val="bg1"/>
-                </a:solidFill>
-              </a:rPr>
-              <a:t>在传统数据库中，连接一般将一个事务表与另一个查找表连接，以生成更完整的视图。</a:t>
-            </a:r>
-          </a:p>
-          <a:p>
-            <a:r>
-              <a:rPr lang="zh-CN" altLang="en-US" dirty="0">
-                <a:solidFill>
-                  <a:schemeClr val="bg1"/>
-                </a:solidFill>
-              </a:rPr>
-              <a:t>连接的内部工作机制。</a:t>
-            </a:r>
-          </a:p>
-          <a:p>
-            <a:r>
-              <a:rPr lang="zh-CN" altLang="en-US" dirty="0">
-                <a:solidFill>
-                  <a:schemeClr val="bg1"/>
-                </a:solidFill>
-              </a:rPr>
-              <a:t>利用多个连接器对</a:t>
-            </a:r>
-            <a:r>
-              <a:rPr lang="en-US" altLang="zh-CN" dirty="0">
-                <a:solidFill>
-                  <a:schemeClr val="bg1"/>
-                </a:solidFill>
-              </a:rPr>
-              <a:t>DataFrame</a:t>
-            </a:r>
-            <a:r>
-              <a:rPr lang="zh-CN" altLang="en-US" dirty="0">
-                <a:solidFill>
-                  <a:schemeClr val="bg1"/>
-                </a:solidFill>
-              </a:rPr>
-              <a:t>分区进行操作。当然连接操作的速度取决于数据集的大小和连接的类型。</a:t>
-            </a:r>
-          </a:p>
-          <a:p>
-            <a:r>
-              <a:rPr lang="zh-CN" altLang="en-US" dirty="0">
-                <a:solidFill>
-                  <a:schemeClr val="bg1"/>
-                </a:solidFill>
-              </a:rPr>
-              <a:t>连接类型</a:t>
-            </a:r>
-          </a:p>
-          <a:p>
-            <a:r>
-              <a:rPr lang="zh-CN" altLang="en-US" dirty="0">
-                <a:solidFill>
-                  <a:schemeClr val="bg1"/>
-                </a:solidFill>
-              </a:rPr>
-              <a:t>内连接</a:t>
-            </a:r>
-          </a:p>
-          <a:p>
-            <a:r>
-              <a:rPr lang="zh-CN" altLang="en-US" dirty="0">
-                <a:solidFill>
-                  <a:schemeClr val="bg1"/>
-                </a:solidFill>
-              </a:rPr>
-              <a:t>外连接、全连接</a:t>
-            </a:r>
-          </a:p>
-          <a:p>
-            <a:r>
-              <a:rPr lang="zh-CN" altLang="en-US" dirty="0">
-                <a:solidFill>
-                  <a:schemeClr val="bg1"/>
-                </a:solidFill>
-              </a:rPr>
-              <a:t>左连接、左外连接</a:t>
-            </a:r>
-          </a:p>
-          <a:p>
-            <a:r>
-              <a:rPr lang="zh-CN" altLang="en-US" dirty="0">
-                <a:solidFill>
-                  <a:schemeClr val="bg1"/>
-                </a:solidFill>
-              </a:rPr>
-              <a:t>右连接、右外连接</a:t>
-            </a:r>
-          </a:p>
-          <a:p>
-            <a:r>
-              <a:rPr lang="zh-CN" altLang="en-US" dirty="0">
-                <a:solidFill>
-                  <a:schemeClr val="bg1"/>
-                </a:solidFill>
-              </a:rPr>
-              <a:t>内连接</a:t>
-            </a:r>
-          </a:p>
-          <a:p>
-            <a:r>
-              <a:rPr lang="zh-CN" altLang="en-US" dirty="0">
-                <a:solidFill>
-                  <a:schemeClr val="bg1"/>
-                </a:solidFill>
-              </a:rPr>
-              <a:t>左外连接</a:t>
-            </a:r>
-          </a:p>
-          <a:p>
-            <a:r>
-              <a:rPr lang="zh-CN" altLang="en-US" dirty="0">
-                <a:solidFill>
-                  <a:schemeClr val="bg1"/>
-                </a:solidFill>
-              </a:rPr>
-              <a:t>右外连接</a:t>
-            </a:r>
-          </a:p>
-          <a:p>
-            <a:r>
-              <a:rPr lang="zh-CN" altLang="en-US" dirty="0">
-                <a:solidFill>
-                  <a:schemeClr val="bg1"/>
-                </a:solidFill>
-              </a:rPr>
-              <a:t>全连接</a:t>
-            </a:r>
-          </a:p>
-        </p:txBody>
-      </p:sp>
-    </p:spTree>
-    <p:extLst>
-      <p:ext uri="{BB962C8B-B14F-4D97-AF65-F5344CB8AC3E}">
-        <p14:creationId xmlns:p14="http://schemas.microsoft.com/office/powerpoint/2010/main" val="4095466596"/>
-      </p:ext>
-    </p:extLst>
-  </p:cSld>
-  <p:clrMapOvr>
-    <a:masterClrMapping/>
-  </p:clrMapOvr>
-  <p:transition spd="med" advClick="0" advTm="1000">
-    <p:fade/>
-  </p:transition>
-</p:sld>
-</file>
-
-<file path=ppt/slides/slide18.xml><?xml version="1.0" encoding="utf-8"?>
-<p:sld xmlns:a="http://schemas.openxmlformats.org/drawingml/2006/main" xmlns:r="http://schemas.openxmlformats.org/officeDocument/2006/relationships" xmlns:p="http://schemas.openxmlformats.org/presentationml/2006/main">
-  <p:cSld>
-    <p:spTree>
-      <p:nvGrpSpPr>
-        <p:cNvPr id="1" name=""/>
-        <p:cNvGrpSpPr/>
-        <p:nvPr/>
-      </p:nvGrpSpPr>
-      <p:grpSpPr>
-        <a:xfrm>
-          <a:off x="0" y="0"/>
-          <a:ext cx="0" cy="0"/>
-          <a:chOff x="0" y="0"/>
-          <a:chExt cx="0" cy="0"/>
-        </a:xfrm>
-      </p:grpSpPr>
-      <p:grpSp>
-        <p:nvGrpSpPr>
-          <p:cNvPr id="38" name="组合 37"/>
-          <p:cNvGrpSpPr/>
-          <p:nvPr/>
-        </p:nvGrpSpPr>
-        <p:grpSpPr>
-          <a:xfrm>
-            <a:off x="672374" y="631535"/>
-            <a:ext cx="4356129" cy="536573"/>
-            <a:chOff x="1007305" y="947449"/>
-            <a:chExt cx="6535202" cy="804983"/>
-          </a:xfrm>
-        </p:grpSpPr>
-        <p:sp>
-          <p:nvSpPr>
-            <p:cNvPr id="39" name="文本框 38"/>
-            <p:cNvSpPr txBox="1"/>
-            <p:nvPr/>
-          </p:nvSpPr>
-          <p:spPr>
-            <a:xfrm>
-              <a:off x="1007305" y="947449"/>
-              <a:ext cx="6535202" cy="692604"/>
-            </a:xfrm>
-            <a:prstGeom prst="rect">
-              <a:avLst/>
-            </a:prstGeom>
-            <a:noFill/>
-          </p:spPr>
-          <p:txBody>
-            <a:bodyPr wrap="square" rtlCol="0">
-              <a:spAutoFit/>
-            </a:bodyPr>
-            <a:lstStyle/>
-            <a:p>
-              <a:r>
-                <a:rPr lang="zh-CN" altLang="en-US" sz="2400" dirty="0">
-                  <a:solidFill>
-                    <a:prstClr val="white"/>
-                  </a:solidFill>
-                  <a:latin typeface="+mn-ea"/>
-                </a:rPr>
-                <a:t>内连接</a:t>
-              </a:r>
-            </a:p>
-          </p:txBody>
-        </p:sp>
-        <p:cxnSp>
-          <p:nvCxnSpPr>
-            <p:cNvPr id="40" name="直线连接符 5"/>
-            <p:cNvCxnSpPr/>
-            <p:nvPr/>
-          </p:nvCxnSpPr>
-          <p:spPr>
-            <a:xfrm>
-              <a:off x="1007305" y="1752432"/>
-              <a:ext cx="3742116" cy="0"/>
-            </a:xfrm>
-            <a:prstGeom prst="line">
-              <a:avLst/>
-            </a:prstGeom>
-            <a:ln>
-              <a:solidFill>
-                <a:schemeClr val="bg1"/>
-              </a:solidFill>
-              <a:headEnd type="oval"/>
-              <a:tailEnd type="oval"/>
-            </a:ln>
-          </p:spPr>
-          <p:style>
-            <a:lnRef idx="1">
-              <a:schemeClr val="accent1"/>
-            </a:lnRef>
-            <a:fillRef idx="0">
-              <a:schemeClr val="accent1"/>
-            </a:fillRef>
-            <a:effectRef idx="0">
-              <a:schemeClr val="accent1"/>
-            </a:effectRef>
-            <a:fontRef idx="minor">
-              <a:schemeClr val="tx1"/>
-            </a:fontRef>
-          </p:style>
-        </p:cxnSp>
-      </p:grpSp>
-      <p:sp>
-        <p:nvSpPr>
-          <p:cNvPr id="4" name="文本框 3"/>
-          <p:cNvSpPr txBox="1"/>
-          <p:nvPr/>
-        </p:nvSpPr>
-        <p:spPr>
-          <a:xfrm>
-            <a:off x="800607" y="1698106"/>
-            <a:ext cx="8099105" cy="3139321"/>
-          </a:xfrm>
-          <a:prstGeom prst="rect">
-            <a:avLst/>
-          </a:prstGeom>
-          <a:noFill/>
-        </p:spPr>
-        <p:txBody>
-          <a:bodyPr wrap="none" rtlCol="0">
-            <a:spAutoFit/>
-          </a:bodyPr>
-          <a:lstStyle/>
-          <a:p>
-            <a:r>
-              <a:rPr kumimoji="1" lang="zh-CN" altLang="en-US">
-                <a:solidFill>
-                  <a:srgbClr val="FFFFFF"/>
-                </a:solidFill>
-              </a:rPr>
-              <a:t>内连接</a:t>
-            </a:r>
-          </a:p>
-          <a:p>
-            <a:r>
-              <a:rPr kumimoji="1" lang="en-US" altLang="zh-CN">
-                <a:solidFill>
-                  <a:srgbClr val="FFFFFF"/>
-                </a:solidFill>
-              </a:rPr>
-              <a:t>val joinDF = statesPopulationDF.join(statesTaxRatesDF,</a:t>
-            </a:r>
-          </a:p>
-          <a:p>
-            <a:r>
-              <a:rPr kumimoji="1" lang="en-US" altLang="zh-CN">
-                <a:solidFill>
-                  <a:srgbClr val="FFFFFF"/>
-                </a:solidFill>
-              </a:rPr>
-              <a:t> statesPopulationDF("State") === statesTaxRatesDF("State"), "inner")</a:t>
-            </a:r>
-          </a:p>
-          <a:p>
-            <a:endParaRPr kumimoji="1" lang="en-US" altLang="zh-CN">
-              <a:solidFill>
-                <a:srgbClr val="FFFFFF"/>
-              </a:solidFill>
-            </a:endParaRPr>
-          </a:p>
-          <a:p>
-            <a:r>
-              <a:rPr kumimoji="1" lang="zh-CN" altLang="en-US">
-                <a:solidFill>
-                  <a:srgbClr val="FFFFFF"/>
-                </a:solidFill>
-              </a:rPr>
-              <a:t>执行</a:t>
-            </a:r>
-            <a:r>
-              <a:rPr kumimoji="1" lang="en-US" altLang="zh-CN">
-                <a:solidFill>
-                  <a:srgbClr val="FFFFFF"/>
-                </a:solidFill>
-              </a:rPr>
-              <a:t>Spark</a:t>
-            </a:r>
-            <a:r>
-              <a:rPr kumimoji="1" lang="zh-CN" altLang="en-US">
-                <a:solidFill>
-                  <a:srgbClr val="FFFFFF"/>
-                </a:solidFill>
-              </a:rPr>
-              <a:t> </a:t>
-            </a:r>
-            <a:r>
-              <a:rPr kumimoji="1" lang="en-US" altLang="zh-CN">
-                <a:solidFill>
-                  <a:srgbClr val="FFFFFF"/>
-                </a:solidFill>
-              </a:rPr>
-              <a:t>SQL</a:t>
-            </a:r>
-          </a:p>
-          <a:p>
-            <a:r>
-              <a:rPr kumimoji="1" lang="en-US" altLang="zh-CN">
-                <a:solidFill>
-                  <a:srgbClr val="FFFFFF"/>
-                </a:solidFill>
-              </a:rPr>
-              <a:t> val joinDF = spark.sql("SELECT * FROM statesPopulationDF INNER JOIN</a:t>
-            </a:r>
-          </a:p>
-          <a:p>
-            <a:r>
-              <a:rPr kumimoji="1" lang="en-US" altLang="zh-CN">
-                <a:solidFill>
-                  <a:srgbClr val="FFFFFF"/>
-                </a:solidFill>
-              </a:rPr>
-              <a:t> statesTaxRatesDF ON statesPopulationDF.State = statesTaxRatesDF.State")</a:t>
-            </a:r>
-          </a:p>
-          <a:p>
-            <a:r>
-              <a:rPr kumimoji="1" lang="en-US" altLang="zh-CN">
-                <a:solidFill>
-                  <a:srgbClr val="FFFFFF"/>
-                </a:solidFill>
-              </a:rPr>
-              <a:t>joinDF.count</a:t>
-            </a:r>
-          </a:p>
-          <a:p>
-            <a:r>
-              <a:rPr kumimoji="1" lang="en-US" altLang="zh-CN">
-                <a:solidFill>
-                  <a:srgbClr val="FFFFFF"/>
-                </a:solidFill>
-              </a:rPr>
-              <a:t>joinDF.show</a:t>
-            </a:r>
-          </a:p>
-          <a:p>
-            <a:r>
-              <a:rPr kumimoji="1" lang="en-US" altLang="zh-CN">
-                <a:solidFill>
-                  <a:srgbClr val="FFFFFF"/>
-                </a:solidFill>
-              </a:rPr>
-              <a:t>#</a:t>
-            </a:r>
-            <a:r>
-              <a:rPr kumimoji="1" lang="zh-CN" altLang="en-US">
-                <a:solidFill>
-                  <a:srgbClr val="FFFFFF"/>
-                </a:solidFill>
-              </a:rPr>
-              <a:t>查看</a:t>
-            </a:r>
-            <a:r>
-              <a:rPr kumimoji="1" lang="en-US" altLang="zh-CN">
-                <a:solidFill>
-                  <a:srgbClr val="FFFFFF"/>
-                </a:solidFill>
-              </a:rPr>
-              <a:t>joinDF</a:t>
-            </a:r>
-            <a:r>
-              <a:rPr kumimoji="1" lang="zh-CN" altLang="en-US">
-                <a:solidFill>
-                  <a:srgbClr val="FFFFFF"/>
-                </a:solidFill>
-              </a:rPr>
-              <a:t>的执行计划</a:t>
-            </a:r>
-          </a:p>
-          <a:p>
-            <a:r>
-              <a:rPr kumimoji="1" lang="en-US" altLang="zh-CN">
-                <a:solidFill>
-                  <a:srgbClr val="FFFFFF"/>
-                </a:solidFill>
-              </a:rPr>
-              <a:t>joinDF.explain</a:t>
-            </a:r>
-            <a:endParaRPr kumimoji="1" lang="zh-CN" altLang="en-US">
-              <a:solidFill>
-                <a:srgbClr val="FFFFFF"/>
-              </a:solidFill>
-            </a:endParaRPr>
-          </a:p>
-        </p:txBody>
-      </p:sp>
-    </p:spTree>
-    <p:extLst>
-      <p:ext uri="{BB962C8B-B14F-4D97-AF65-F5344CB8AC3E}">
-        <p14:creationId xmlns:p14="http://schemas.microsoft.com/office/powerpoint/2010/main" val="774909449"/>
-      </p:ext>
-    </p:extLst>
-  </p:cSld>
-  <p:clrMapOvr>
-    <a:masterClrMapping/>
-  </p:clrMapOvr>
-  <p:transition spd="med" advClick="0" advTm="1000">
-    <p:fade/>
-  </p:transition>
-</p:sld>
-</file>
-
-<file path=ppt/slides/slide19.xml><?xml version="1.0" encoding="utf-8"?>
-<p:sld xmlns:a="http://schemas.openxmlformats.org/drawingml/2006/main" xmlns:r="http://schemas.openxmlformats.org/officeDocument/2006/relationships" xmlns:p="http://schemas.openxmlformats.org/presentationml/2006/main">
-  <p:cSld>
-    <p:spTree>
-      <p:nvGrpSpPr>
-        <p:cNvPr id="1" name=""/>
-        <p:cNvGrpSpPr/>
-        <p:nvPr/>
-      </p:nvGrpSpPr>
-      <p:grpSpPr>
-        <a:xfrm>
-          <a:off x="0" y="0"/>
-          <a:ext cx="0" cy="0"/>
-          <a:chOff x="0" y="0"/>
-          <a:chExt cx="0" cy="0"/>
-        </a:xfrm>
-      </p:grpSpPr>
-      <p:grpSp>
-        <p:nvGrpSpPr>
-          <p:cNvPr id="38" name="组合 37"/>
-          <p:cNvGrpSpPr/>
-          <p:nvPr/>
-        </p:nvGrpSpPr>
-        <p:grpSpPr>
-          <a:xfrm>
-            <a:off x="672374" y="631535"/>
-            <a:ext cx="4356129" cy="536573"/>
-            <a:chOff x="1007305" y="947449"/>
-            <a:chExt cx="6535202" cy="804983"/>
-          </a:xfrm>
-        </p:grpSpPr>
-        <p:sp>
-          <p:nvSpPr>
-            <p:cNvPr id="39" name="文本框 38"/>
-            <p:cNvSpPr txBox="1"/>
-            <p:nvPr/>
-          </p:nvSpPr>
-          <p:spPr>
-            <a:xfrm>
-              <a:off x="1007305" y="947449"/>
-              <a:ext cx="6535202" cy="692604"/>
-            </a:xfrm>
-            <a:prstGeom prst="rect">
-              <a:avLst/>
-            </a:prstGeom>
-            <a:noFill/>
-          </p:spPr>
-          <p:txBody>
-            <a:bodyPr wrap="square" rtlCol="0">
-              <a:spAutoFit/>
-            </a:bodyPr>
-            <a:lstStyle/>
-            <a:p>
-              <a:r>
-                <a:rPr lang="zh-CN" altLang="en-US" sz="2400" dirty="0">
-                  <a:solidFill>
-                    <a:prstClr val="white"/>
-                  </a:solidFill>
-                  <a:latin typeface="+mn-ea"/>
-                </a:rPr>
-                <a:t>左外连接</a:t>
-              </a:r>
-            </a:p>
-          </p:txBody>
-        </p:sp>
-        <p:cxnSp>
-          <p:nvCxnSpPr>
-            <p:cNvPr id="40" name="直线连接符 5"/>
-            <p:cNvCxnSpPr/>
-            <p:nvPr/>
-          </p:nvCxnSpPr>
-          <p:spPr>
-            <a:xfrm>
-              <a:off x="1007305" y="1752432"/>
-              <a:ext cx="3742116" cy="0"/>
-            </a:xfrm>
-            <a:prstGeom prst="line">
-              <a:avLst/>
-            </a:prstGeom>
-            <a:ln>
-              <a:solidFill>
-                <a:schemeClr val="bg1"/>
-              </a:solidFill>
-              <a:headEnd type="oval"/>
-              <a:tailEnd type="oval"/>
-            </a:ln>
-          </p:spPr>
-          <p:style>
-            <a:lnRef idx="1">
-              <a:schemeClr val="accent1"/>
-            </a:lnRef>
-            <a:fillRef idx="0">
-              <a:schemeClr val="accent1"/>
-            </a:fillRef>
-            <a:effectRef idx="0">
-              <a:schemeClr val="accent1"/>
-            </a:effectRef>
-            <a:fontRef idx="minor">
-              <a:schemeClr val="tx1"/>
-            </a:fontRef>
-          </p:style>
-        </p:cxnSp>
-      </p:grpSp>
-      <p:sp>
-        <p:nvSpPr>
-          <p:cNvPr id="3" name="文本框 2"/>
-          <p:cNvSpPr txBox="1"/>
-          <p:nvPr/>
-        </p:nvSpPr>
-        <p:spPr>
-          <a:xfrm>
-            <a:off x="1021464" y="2084666"/>
-            <a:ext cx="8589736" cy="1754327"/>
-          </a:xfrm>
-          <a:prstGeom prst="rect">
-            <a:avLst/>
-          </a:prstGeom>
-          <a:noFill/>
-        </p:spPr>
-        <p:txBody>
-          <a:bodyPr wrap="none" rtlCol="0">
-            <a:spAutoFit/>
-          </a:bodyPr>
-          <a:lstStyle/>
-          <a:p>
-            <a:r>
-              <a:rPr kumimoji="1" lang="en-US" altLang="zh-CN">
-                <a:solidFill>
-                  <a:srgbClr val="FFFFFF"/>
-                </a:solidFill>
-              </a:rPr>
-              <a:t>val joinDF = statesPopulationDF.join(statesTaxRatesDF,</a:t>
-            </a:r>
-          </a:p>
-          <a:p>
-            <a:r>
-              <a:rPr kumimoji="1" lang="en-US" altLang="zh-CN">
-                <a:solidFill>
-                  <a:srgbClr val="FFFFFF"/>
-                </a:solidFill>
-              </a:rPr>
-              <a:t> statesPopulationDF("State") === statesTaxRatesDF("State"), "leftouter")</a:t>
-            </a:r>
-          </a:p>
-          <a:p>
-            <a:r>
-              <a:rPr kumimoji="1" lang="zh-CN" altLang="en-US">
-                <a:solidFill>
-                  <a:srgbClr val="FFFFFF"/>
-                </a:solidFill>
-              </a:rPr>
-              <a:t>执行</a:t>
-            </a:r>
-            <a:r>
-              <a:rPr kumimoji="1" lang="en-US" altLang="zh-CN">
-                <a:solidFill>
-                  <a:srgbClr val="FFFFFF"/>
-                </a:solidFill>
-              </a:rPr>
-              <a:t>Spark SQL</a:t>
-            </a:r>
-          </a:p>
-          <a:p>
-            <a:r>
-              <a:rPr kumimoji="1" lang="en-US" altLang="zh-CN">
-                <a:solidFill>
-                  <a:srgbClr val="FFFFFF"/>
-                </a:solidFill>
-              </a:rPr>
-              <a:t> val joinDF = spark.sql("SELECT * FROM statesPopulationDF LEFT OUTER JOIN</a:t>
-            </a:r>
-          </a:p>
-          <a:p>
-            <a:r>
-              <a:rPr kumimoji="1" lang="en-US" altLang="zh-CN">
-                <a:solidFill>
-                  <a:srgbClr val="FFFFFF"/>
-                </a:solidFill>
-              </a:rPr>
-              <a:t>statesTaxRatesDF ON statesPopulationDF.State = statesTaxRatesDF.State")</a:t>
-            </a:r>
-          </a:p>
-          <a:p>
-            <a:r>
-              <a:rPr kumimoji="1" lang="en-US" altLang="zh-CN">
-                <a:solidFill>
-                  <a:srgbClr val="FFFFFF"/>
-                </a:solidFill>
-              </a:rPr>
-              <a:t>joinDF.count</a:t>
-            </a:r>
-            <a:endParaRPr kumimoji="1" lang="zh-CN" altLang="en-US">
-              <a:solidFill>
-                <a:srgbClr val="FFFFFF"/>
-              </a:solidFill>
-            </a:endParaRPr>
-          </a:p>
-        </p:txBody>
-      </p:sp>
-    </p:spTree>
-    <p:extLst>
-      <p:ext uri="{BB962C8B-B14F-4D97-AF65-F5344CB8AC3E}">
-        <p14:creationId xmlns:p14="http://schemas.microsoft.com/office/powerpoint/2010/main" val="89079506"/>
       </p:ext>
     </p:extLst>
   </p:cSld>
@@ -14877,651 +10641,6 @@
 </p:sld>
 </file>
 
-<file path=ppt/slides/slide20.xml><?xml version="1.0" encoding="utf-8"?>
-<p:sld xmlns:a="http://schemas.openxmlformats.org/drawingml/2006/main" xmlns:r="http://schemas.openxmlformats.org/officeDocument/2006/relationships" xmlns:p="http://schemas.openxmlformats.org/presentationml/2006/main">
-  <p:cSld>
-    <p:spTree>
-      <p:nvGrpSpPr>
-        <p:cNvPr id="1" name=""/>
-        <p:cNvGrpSpPr/>
-        <p:nvPr/>
-      </p:nvGrpSpPr>
-      <p:grpSpPr>
-        <a:xfrm>
-          <a:off x="0" y="0"/>
-          <a:ext cx="0" cy="0"/>
-          <a:chOff x="0" y="0"/>
-          <a:chExt cx="0" cy="0"/>
-        </a:xfrm>
-      </p:grpSpPr>
-      <p:grpSp>
-        <p:nvGrpSpPr>
-          <p:cNvPr id="38" name="组合 37"/>
-          <p:cNvGrpSpPr/>
-          <p:nvPr/>
-        </p:nvGrpSpPr>
-        <p:grpSpPr>
-          <a:xfrm>
-            <a:off x="672374" y="631535"/>
-            <a:ext cx="4356129" cy="536573"/>
-            <a:chOff x="1007305" y="947449"/>
-            <a:chExt cx="6535202" cy="804983"/>
-          </a:xfrm>
-        </p:grpSpPr>
-        <p:sp>
-          <p:nvSpPr>
-            <p:cNvPr id="39" name="文本框 38"/>
-            <p:cNvSpPr txBox="1"/>
-            <p:nvPr/>
-          </p:nvSpPr>
-          <p:spPr>
-            <a:xfrm>
-              <a:off x="1007305" y="947449"/>
-              <a:ext cx="6535202" cy="692604"/>
-            </a:xfrm>
-            <a:prstGeom prst="rect">
-              <a:avLst/>
-            </a:prstGeom>
-            <a:noFill/>
-          </p:spPr>
-          <p:txBody>
-            <a:bodyPr wrap="square" rtlCol="0">
-              <a:spAutoFit/>
-            </a:bodyPr>
-            <a:lstStyle/>
-            <a:p>
-              <a:r>
-                <a:rPr lang="zh-CN" altLang="en-US" sz="2400" dirty="0">
-                  <a:solidFill>
-                    <a:prstClr val="white"/>
-                  </a:solidFill>
-                  <a:latin typeface="+mn-ea"/>
-                </a:rPr>
-                <a:t>右外连接</a:t>
-              </a:r>
-            </a:p>
-          </p:txBody>
-        </p:sp>
-        <p:cxnSp>
-          <p:nvCxnSpPr>
-            <p:cNvPr id="40" name="直线连接符 5"/>
-            <p:cNvCxnSpPr/>
-            <p:nvPr/>
-          </p:nvCxnSpPr>
-          <p:spPr>
-            <a:xfrm>
-              <a:off x="1007305" y="1752432"/>
-              <a:ext cx="3742116" cy="0"/>
-            </a:xfrm>
-            <a:prstGeom prst="line">
-              <a:avLst/>
-            </a:prstGeom>
-            <a:ln>
-              <a:solidFill>
-                <a:schemeClr val="bg1"/>
-              </a:solidFill>
-              <a:headEnd type="oval"/>
-              <a:tailEnd type="oval"/>
-            </a:ln>
-          </p:spPr>
-          <p:style>
-            <a:lnRef idx="1">
-              <a:schemeClr val="accent1"/>
-            </a:lnRef>
-            <a:fillRef idx="0">
-              <a:schemeClr val="accent1"/>
-            </a:fillRef>
-            <a:effectRef idx="0">
-              <a:schemeClr val="accent1"/>
-            </a:effectRef>
-            <a:fontRef idx="minor">
-              <a:schemeClr val="tx1"/>
-            </a:fontRef>
-          </p:style>
-        </p:cxnSp>
-      </p:grpSp>
-      <p:sp>
-        <p:nvSpPr>
-          <p:cNvPr id="4" name="文本框 3"/>
-          <p:cNvSpPr txBox="1"/>
-          <p:nvPr/>
-        </p:nvSpPr>
-        <p:spPr>
-          <a:xfrm>
-            <a:off x="911036" y="1877580"/>
-            <a:ext cx="8743475" cy="2031325"/>
-          </a:xfrm>
-          <a:prstGeom prst="rect">
-            <a:avLst/>
-          </a:prstGeom>
-          <a:noFill/>
-        </p:spPr>
-        <p:txBody>
-          <a:bodyPr wrap="none" rtlCol="0">
-            <a:spAutoFit/>
-          </a:bodyPr>
-          <a:lstStyle/>
-          <a:p>
-            <a:r>
-              <a:rPr kumimoji="1" lang="en-US" altLang="zh-CN">
-                <a:solidFill>
-                  <a:srgbClr val="FFFFFF"/>
-                </a:solidFill>
-              </a:rPr>
-              <a:t>val joinDF = statesPopulationDF.join(statesTaxRatesDF,</a:t>
-            </a:r>
-          </a:p>
-          <a:p>
-            <a:r>
-              <a:rPr kumimoji="1" lang="en-US" altLang="zh-CN">
-                <a:solidFill>
-                  <a:srgbClr val="FFFFFF"/>
-                </a:solidFill>
-              </a:rPr>
-              <a:t> statesPopulationDF("State") === statesTaxRatesDF("State"), "rightouter")</a:t>
-            </a:r>
-          </a:p>
-          <a:p>
-            <a:r>
-              <a:rPr kumimoji="1" lang="zh-CN" altLang="en-US">
-                <a:solidFill>
-                  <a:srgbClr val="FFFFFF"/>
-                </a:solidFill>
-              </a:rPr>
-              <a:t>执行</a:t>
-            </a:r>
-            <a:r>
-              <a:rPr kumimoji="1" lang="en-US" altLang="zh-CN">
-                <a:solidFill>
-                  <a:srgbClr val="FFFFFF"/>
-                </a:solidFill>
-              </a:rPr>
-              <a:t>Spark SQL</a:t>
-            </a:r>
-          </a:p>
-          <a:p>
-            <a:r>
-              <a:rPr kumimoji="1" lang="en-US" altLang="zh-CN">
-                <a:solidFill>
-                  <a:srgbClr val="FFFFFF"/>
-                </a:solidFill>
-              </a:rPr>
-              <a:t> val joinDF = spark.sql("SELECT * FROM statesPopulationDF RIGHT OUTER JOIN</a:t>
-            </a:r>
-          </a:p>
-          <a:p>
-            <a:r>
-              <a:rPr kumimoji="1" lang="en-US" altLang="zh-CN">
-                <a:solidFill>
-                  <a:srgbClr val="FFFFFF"/>
-                </a:solidFill>
-              </a:rPr>
-              <a:t> statesTaxRatesDF ON statesPopulationDF.State = statesTaxRatesDF.State")</a:t>
-            </a:r>
-          </a:p>
-          <a:p>
-            <a:r>
-              <a:rPr kumimoji="1" lang="en-US" altLang="zh-CN">
-                <a:solidFill>
-                  <a:srgbClr val="FFFFFF"/>
-                </a:solidFill>
-              </a:rPr>
-              <a:t>joinDF.count</a:t>
-            </a:r>
-          </a:p>
-          <a:p>
-            <a:r>
-              <a:rPr kumimoji="1" lang="en-US" altLang="zh-CN">
-                <a:solidFill>
-                  <a:srgbClr val="FFFFFF"/>
-                </a:solidFill>
-              </a:rPr>
-              <a:t>joinDF.show</a:t>
-            </a:r>
-            <a:endParaRPr kumimoji="1" lang="zh-CN" altLang="en-US">
-              <a:solidFill>
-                <a:srgbClr val="FFFFFF"/>
-              </a:solidFill>
-            </a:endParaRPr>
-          </a:p>
-        </p:txBody>
-      </p:sp>
-    </p:spTree>
-    <p:extLst>
-      <p:ext uri="{BB962C8B-B14F-4D97-AF65-F5344CB8AC3E}">
-        <p14:creationId xmlns:p14="http://schemas.microsoft.com/office/powerpoint/2010/main" val="89079506"/>
-      </p:ext>
-    </p:extLst>
-  </p:cSld>
-  <p:clrMapOvr>
-    <a:masterClrMapping/>
-  </p:clrMapOvr>
-  <p:transition spd="med" advClick="0" advTm="1000">
-    <p:fade/>
-  </p:transition>
-</p:sld>
-</file>
-
-<file path=ppt/slides/slide21.xml><?xml version="1.0" encoding="utf-8"?>
-<p:sld xmlns:a="http://schemas.openxmlformats.org/drawingml/2006/main" xmlns:r="http://schemas.openxmlformats.org/officeDocument/2006/relationships" xmlns:p="http://schemas.openxmlformats.org/presentationml/2006/main">
-  <p:cSld>
-    <p:spTree>
-      <p:nvGrpSpPr>
-        <p:cNvPr id="1" name=""/>
-        <p:cNvGrpSpPr/>
-        <p:nvPr/>
-      </p:nvGrpSpPr>
-      <p:grpSpPr>
-        <a:xfrm>
-          <a:off x="0" y="0"/>
-          <a:ext cx="0" cy="0"/>
-          <a:chOff x="0" y="0"/>
-          <a:chExt cx="0" cy="0"/>
-        </a:xfrm>
-      </p:grpSpPr>
-      <p:grpSp>
-        <p:nvGrpSpPr>
-          <p:cNvPr id="38" name="组合 37"/>
-          <p:cNvGrpSpPr/>
-          <p:nvPr/>
-        </p:nvGrpSpPr>
-        <p:grpSpPr>
-          <a:xfrm>
-            <a:off x="672374" y="631535"/>
-            <a:ext cx="4356129" cy="536573"/>
-            <a:chOff x="1007305" y="947449"/>
-            <a:chExt cx="6535202" cy="804983"/>
-          </a:xfrm>
-        </p:grpSpPr>
-        <p:sp>
-          <p:nvSpPr>
-            <p:cNvPr id="39" name="文本框 38"/>
-            <p:cNvSpPr txBox="1"/>
-            <p:nvPr/>
-          </p:nvSpPr>
-          <p:spPr>
-            <a:xfrm>
-              <a:off x="1007305" y="947449"/>
-              <a:ext cx="6535202" cy="692604"/>
-            </a:xfrm>
-            <a:prstGeom prst="rect">
-              <a:avLst/>
-            </a:prstGeom>
-            <a:noFill/>
-          </p:spPr>
-          <p:txBody>
-            <a:bodyPr wrap="square" rtlCol="0">
-              <a:spAutoFit/>
-            </a:bodyPr>
-            <a:lstStyle/>
-            <a:p>
-              <a:r>
-                <a:rPr lang="zh-CN" altLang="en-US" sz="2400" dirty="0">
-                  <a:solidFill>
-                    <a:prstClr val="white"/>
-                  </a:solidFill>
-                  <a:latin typeface="+mn-ea"/>
-                </a:rPr>
-                <a:t>本章小结</a:t>
-              </a:r>
-            </a:p>
-          </p:txBody>
-        </p:sp>
-        <p:cxnSp>
-          <p:nvCxnSpPr>
-            <p:cNvPr id="40" name="直线连接符 5"/>
-            <p:cNvCxnSpPr/>
-            <p:nvPr/>
-          </p:nvCxnSpPr>
-          <p:spPr>
-            <a:xfrm>
-              <a:off x="1007305" y="1752432"/>
-              <a:ext cx="3742116" cy="0"/>
-            </a:xfrm>
-            <a:prstGeom prst="line">
-              <a:avLst/>
-            </a:prstGeom>
-            <a:ln>
-              <a:solidFill>
-                <a:schemeClr val="bg1"/>
-              </a:solidFill>
-              <a:headEnd type="oval"/>
-              <a:tailEnd type="oval"/>
-            </a:ln>
-          </p:spPr>
-          <p:style>
-            <a:lnRef idx="1">
-              <a:schemeClr val="accent1"/>
-            </a:lnRef>
-            <a:fillRef idx="0">
-              <a:schemeClr val="accent1"/>
-            </a:fillRef>
-            <a:effectRef idx="0">
-              <a:schemeClr val="accent1"/>
-            </a:effectRef>
-            <a:fontRef idx="minor">
-              <a:schemeClr val="tx1"/>
-            </a:fontRef>
-          </p:style>
-        </p:cxnSp>
-      </p:grpSp>
-      <p:sp>
-        <p:nvSpPr>
-          <p:cNvPr id="2" name="文本框 1"/>
-          <p:cNvSpPr txBox="1"/>
-          <p:nvPr/>
-        </p:nvSpPr>
-        <p:spPr>
-          <a:xfrm>
-            <a:off x="496928" y="1794745"/>
-            <a:ext cx="9358818" cy="2308324"/>
-          </a:xfrm>
-          <a:prstGeom prst="rect">
-            <a:avLst/>
-          </a:prstGeom>
-          <a:noFill/>
-        </p:spPr>
-        <p:txBody>
-          <a:bodyPr wrap="square" rtlCol="0">
-            <a:spAutoFit/>
-          </a:bodyPr>
-          <a:lstStyle/>
-          <a:p>
-            <a:pPr marL="342900" indent="-342900">
-              <a:buFont typeface="+mj-lt"/>
-              <a:buAutoNum type="arabicPeriod"/>
-            </a:pPr>
-            <a:r>
-              <a:rPr kumimoji="1" lang="zh-CN" altLang="en-US">
-                <a:solidFill>
-                  <a:srgbClr val="FFFFFF"/>
-                </a:solidFill>
-              </a:rPr>
-              <a:t>本章讨论了</a:t>
-            </a:r>
-            <a:r>
-              <a:rPr kumimoji="1" lang="en-US" altLang="zh-CN">
-                <a:solidFill>
-                  <a:srgbClr val="FFFFFF"/>
-                </a:solidFill>
-              </a:rPr>
-              <a:t>DataFrame</a:t>
-            </a:r>
-            <a:r>
-              <a:rPr kumimoji="1" lang="zh-CN" altLang="en-US">
-                <a:solidFill>
-                  <a:srgbClr val="FFFFFF"/>
-                </a:solidFill>
-              </a:rPr>
-              <a:t>相关的基本内容，以及</a:t>
-            </a:r>
-            <a:r>
-              <a:rPr kumimoji="1" lang="en-US" altLang="zh-CN">
-                <a:solidFill>
-                  <a:srgbClr val="FFFFFF"/>
-                </a:solidFill>
-              </a:rPr>
-              <a:t>SparkSQL</a:t>
-            </a:r>
-            <a:r>
-              <a:rPr kumimoji="1" lang="zh-CN" altLang="en-US">
-                <a:solidFill>
-                  <a:srgbClr val="FFFFFF"/>
-                </a:solidFill>
-              </a:rPr>
-              <a:t>在如何在</a:t>
-            </a:r>
-            <a:r>
-              <a:rPr kumimoji="1" lang="en-US" altLang="zh-CN">
-                <a:solidFill>
-                  <a:srgbClr val="FFFFFF"/>
-                </a:solidFill>
-              </a:rPr>
-              <a:t>DataFrame</a:t>
-            </a:r>
-            <a:r>
-              <a:rPr kumimoji="1" lang="zh-CN" altLang="en-US">
-                <a:solidFill>
-                  <a:srgbClr val="FFFFFF"/>
-                </a:solidFill>
-              </a:rPr>
-              <a:t>之上提供相应的</a:t>
-            </a:r>
-            <a:r>
-              <a:rPr kumimoji="1" lang="en-US" altLang="zh-CN">
-                <a:solidFill>
-                  <a:srgbClr val="FFFFFF"/>
-                </a:solidFill>
-              </a:rPr>
-              <a:t>SQL</a:t>
-            </a:r>
-            <a:r>
-              <a:rPr kumimoji="1" lang="zh-CN" altLang="en-US">
-                <a:solidFill>
-                  <a:srgbClr val="FFFFFF"/>
-                </a:solidFill>
-              </a:rPr>
-              <a:t>接口。</a:t>
-            </a:r>
-          </a:p>
-          <a:p>
-            <a:pPr marL="342900" indent="-342900">
-              <a:buFont typeface="+mj-lt"/>
-              <a:buAutoNum type="arabicPeriod"/>
-            </a:pPr>
-            <a:r>
-              <a:rPr kumimoji="1" lang="en-US" altLang="zh-CN">
-                <a:solidFill>
-                  <a:srgbClr val="FFFFFF"/>
-                </a:solidFill>
-              </a:rPr>
-              <a:t>DataFrame</a:t>
-            </a:r>
-            <a:r>
-              <a:rPr kumimoji="1" lang="zh-CN" altLang="en-US">
-                <a:solidFill>
-                  <a:srgbClr val="FFFFFF"/>
-                </a:solidFill>
-              </a:rPr>
-              <a:t>的强大之处体现在：</a:t>
-            </a:r>
-          </a:p>
-          <a:p>
-            <a:r>
-              <a:rPr kumimoji="1" lang="zh-CN" altLang="en-US">
-                <a:solidFill>
-                  <a:srgbClr val="FFFFFF"/>
-                </a:solidFill>
-              </a:rPr>
-              <a:t> 	执行时间比基于</a:t>
-            </a:r>
-            <a:r>
-              <a:rPr kumimoji="1" lang="en-US" altLang="zh-CN">
-                <a:solidFill>
-                  <a:srgbClr val="FFFFFF"/>
-                </a:solidFill>
-              </a:rPr>
-              <a:t>RDD</a:t>
-            </a:r>
-            <a:r>
-              <a:rPr kumimoji="1" lang="zh-CN" altLang="en-US">
-                <a:solidFill>
-                  <a:srgbClr val="FFFFFF"/>
-                </a:solidFill>
-              </a:rPr>
-              <a:t>的计算相比明显降低。</a:t>
-            </a:r>
-          </a:p>
-          <a:p>
-            <a:r>
-              <a:rPr kumimoji="1" lang="zh-CN" altLang="en-US">
-                <a:solidFill>
-                  <a:srgbClr val="FFFFFF"/>
-                </a:solidFill>
-              </a:rPr>
-              <a:t>	另外，还包含了简单的</a:t>
-            </a:r>
-            <a:r>
-              <a:rPr kumimoji="1" lang="en-US" altLang="zh-CN">
-                <a:solidFill>
-                  <a:srgbClr val="FFFFFF"/>
-                </a:solidFill>
-              </a:rPr>
-              <a:t>SQL</a:t>
-            </a:r>
-            <a:r>
-              <a:rPr kumimoji="1" lang="zh-CN" altLang="en-US">
-                <a:solidFill>
-                  <a:srgbClr val="FFFFFF"/>
-                </a:solidFill>
-              </a:rPr>
-              <a:t>接口，功能得到进一步的提升。</a:t>
-            </a:r>
-          </a:p>
-          <a:p>
-            <a:r>
-              <a:rPr kumimoji="1" lang="en-US" altLang="zh-CN">
-                <a:solidFill>
-                  <a:srgbClr val="FFFFFF"/>
-                </a:solidFill>
-              </a:rPr>
-              <a:t>3.</a:t>
-            </a:r>
-            <a:r>
-              <a:rPr kumimoji="1" lang="zh-CN" altLang="en-US">
-                <a:solidFill>
-                  <a:srgbClr val="FFFFFF"/>
-                </a:solidFill>
-              </a:rPr>
-              <a:t> 除此之外，本章还讲述了各种</a:t>
-            </a:r>
-            <a:r>
-              <a:rPr kumimoji="1" lang="en-US" altLang="zh-CN">
-                <a:solidFill>
-                  <a:srgbClr val="FFFFFF"/>
-                </a:solidFill>
-              </a:rPr>
-              <a:t>API</a:t>
-            </a:r>
-            <a:r>
-              <a:rPr kumimoji="1" lang="zh-CN" altLang="en-US">
-                <a:solidFill>
-                  <a:srgbClr val="FFFFFF"/>
-                </a:solidFill>
-              </a:rPr>
-              <a:t>操作，以及聚合的高级特性：</a:t>
-            </a:r>
-          </a:p>
-          <a:p>
-            <a:r>
-              <a:rPr kumimoji="1" lang="zh-CN" altLang="en-US">
-                <a:solidFill>
-                  <a:srgbClr val="FFFFFF"/>
-                </a:solidFill>
-              </a:rPr>
-              <a:t>	包括</a:t>
-            </a:r>
-            <a:r>
-              <a:rPr kumimoji="1" lang="en-US" altLang="zh-CN">
-                <a:solidFill>
-                  <a:srgbClr val="FFFFFF"/>
-                </a:solidFill>
-              </a:rPr>
-              <a:t>groupBy</a:t>
-            </a:r>
-            <a:r>
-              <a:rPr kumimoji="1" lang="zh-CN" altLang="en-US">
-                <a:solidFill>
-                  <a:srgbClr val="FFFFFF"/>
-                </a:solidFill>
-              </a:rPr>
-              <a:t>、</a:t>
-            </a:r>
-            <a:r>
-              <a:rPr kumimoji="1" lang="en-US" altLang="zh-CN">
-                <a:solidFill>
-                  <a:srgbClr val="FFFFFF"/>
-                </a:solidFill>
-              </a:rPr>
-              <a:t>WIndow</a:t>
-            </a:r>
-            <a:r>
-              <a:rPr kumimoji="1" lang="zh-CN" altLang="en-US">
-                <a:solidFill>
-                  <a:srgbClr val="FFFFFF"/>
-                </a:solidFill>
-              </a:rPr>
-              <a:t>、</a:t>
-            </a:r>
-            <a:r>
-              <a:rPr kumimoji="1" lang="en-US" altLang="zh-CN">
-                <a:solidFill>
-                  <a:srgbClr val="FFFFFF"/>
-                </a:solidFill>
-              </a:rPr>
-              <a:t>rullup</a:t>
-            </a:r>
-            <a:r>
-              <a:rPr kumimoji="1" lang="zh-CN" altLang="en-US">
-                <a:solidFill>
-                  <a:srgbClr val="FFFFFF"/>
-                </a:solidFill>
-              </a:rPr>
-              <a:t>和</a:t>
-            </a:r>
-            <a:r>
-              <a:rPr kumimoji="1" lang="en-US" altLang="zh-CN">
-                <a:solidFill>
-                  <a:srgbClr val="FFFFFF"/>
-                </a:solidFill>
-              </a:rPr>
-              <a:t>cube</a:t>
-            </a:r>
-            <a:r>
-              <a:rPr kumimoji="1" lang="zh-CN" altLang="en-US">
-                <a:solidFill>
-                  <a:srgbClr val="FFFFFF"/>
-                </a:solidFill>
-              </a:rPr>
-              <a:t>。</a:t>
-            </a:r>
-          </a:p>
-          <a:p>
-            <a:r>
-              <a:rPr kumimoji="1" lang="en-US" altLang="zh-CN">
-                <a:solidFill>
-                  <a:srgbClr val="FFFFFF"/>
-                </a:solidFill>
-              </a:rPr>
-              <a:t>4.</a:t>
-            </a:r>
-            <a:r>
-              <a:rPr kumimoji="1" lang="zh-CN" altLang="en-US">
-                <a:solidFill>
-                  <a:srgbClr val="FFFFFF"/>
-                </a:solidFill>
-              </a:rPr>
-              <a:t> 最后学习了数据连接相关的概念和操作。</a:t>
-            </a:r>
-          </a:p>
-        </p:txBody>
-      </p:sp>
-    </p:spTree>
-    <p:extLst>
-      <p:ext uri="{BB962C8B-B14F-4D97-AF65-F5344CB8AC3E}">
-        <p14:creationId xmlns:p14="http://schemas.microsoft.com/office/powerpoint/2010/main" val="89079506"/>
-      </p:ext>
-    </p:extLst>
-  </p:cSld>
-  <p:clrMapOvr>
-    <a:masterClrMapping/>
-  </p:clrMapOvr>
-  <p:transition spd="med" advClick="0" advTm="1000">
-    <p:fade/>
-  </p:transition>
-</p:sld>
-</file>
-
 <file path=ppt/slides/slide3.xml><?xml version="1.0" encoding="utf-8"?>
 <p:sld xmlns:a="http://schemas.openxmlformats.org/drawingml/2006/main" xmlns:r="http://schemas.openxmlformats.org/officeDocument/2006/relationships" xmlns:p="http://schemas.openxmlformats.org/presentationml/2006/main">
   <p:cSld>
@@ -16999,40 +12118,13 @@
             <a:lstStyle/>
             <a:p>
               <a:r>
-                <a:rPr lang="en-US" altLang="zh-CN" sz="2400" dirty="0">
-                  <a:solidFill>
-                    <a:prstClr val="white"/>
-                  </a:solidFill>
-                  <a:latin typeface="+mn-ea"/>
-                </a:rPr>
-                <a:t>Spark</a:t>
-              </a:r>
-              <a:r>
                 <a:rPr lang="zh-CN" altLang="en-US" sz="2400" dirty="0">
                   <a:solidFill>
                     <a:prstClr val="white"/>
                   </a:solidFill>
                   <a:latin typeface="+mn-ea"/>
                 </a:rPr>
-                <a:t> </a:t>
-              </a:r>
-              <a:r>
-                <a:rPr lang="en-US" altLang="zh-CN" sz="2400" dirty="0">
-                  <a:solidFill>
-                    <a:prstClr val="white"/>
-                  </a:solidFill>
-                  <a:latin typeface="+mn-ea"/>
-                </a:rPr>
-                <a:t>DataFrame</a:t>
-              </a:r>
-              <a:r>
-                <a:rPr lang="zh-CN" altLang="en-US" sz="2400" dirty="0">
-                  <a:solidFill>
-                    <a:prstClr val="white"/>
-                  </a:solidFill>
-                  <a:latin typeface="+mn-ea"/>
-                </a:rPr>
-                <a:t>读写文件</a:t>
+                <a:t>本章小结</a:t>
               </a:r>
             </a:p>
           </p:txBody>
@@ -17077,20 +12169,14 @@
       </p:grpSp>
       <p:sp>
         <p:nvSpPr>
-          <p:cNvPr id="3" name="文本框 2">
-            <a:extLst>
-              <a:ext uri="{FF2B5EF4-FFF2-40B4-BE49-F238E27FC236}">
-                <a16:creationId xmlns:a16="http://schemas.microsoft.com/office/drawing/2014/main" id="{2FBE2898-929C-3249-AA82-5E20134B90A6}"/>
-              </a:ext>
-            </a:extLst>
-          </p:cNvPr>
+          <p:cNvPr id="2" name="文本框 1"/>
           <p:cNvSpPr txBox="1"/>
           <p:nvPr/>
         </p:nvSpPr>
         <p:spPr>
           <a:xfrm>
-            <a:off x="1113853" y="1768253"/>
-            <a:ext cx="7455887" cy="1477328"/>
+            <a:off x="496928" y="1794745"/>
+            <a:ext cx="9358818" cy="2308324"/>
           </a:xfrm>
           <a:prstGeom prst="rect">
             <a:avLst/>
@@ -17098,7 +12184,7 @@
           <a:noFill/>
         </p:spPr>
         <p:txBody>
-          <a:bodyPr wrap="none" rtlCol="0">
+          <a:bodyPr wrap="square" rtlCol="0">
             <a:spAutoFit/>
           </a:bodyPr>
           <a:lstStyle/>
@@ -17107,668 +12193,13 @@
               <a:buFont typeface="+mj-lt"/>
               <a:buAutoNum type="arabicPeriod"/>
             </a:pPr>
-            <a:r>
-              <a:rPr lang="zh-TW" altLang="en-US" dirty="0">
-                <a:solidFill>
-                  <a:schemeClr val="bg1"/>
-                </a:solidFill>
-                <a:latin typeface="黑体"/>
-                <a:ea typeface="黑体"/>
-                <a:cs typeface="黑体"/>
-              </a:rPr>
-              <a:t>加载数据</a:t>
-            </a:r>
-          </a:p>
-          <a:p>
-            <a:r>
-              <a:rPr lang="en-US" altLang="zh-TW" dirty="0">
-                <a:solidFill>
-                  <a:schemeClr val="bg1"/>
-                </a:solidFill>
-                <a:latin typeface="黑体"/>
-                <a:ea typeface="黑体"/>
-                <a:cs typeface="黑体"/>
-              </a:rPr>
-              <a:t>DataFrame</a:t>
-            </a:r>
-            <a:r>
-              <a:rPr lang="zh-TW" altLang="en-US" dirty="0">
-                <a:solidFill>
-                  <a:schemeClr val="bg1"/>
-                </a:solidFill>
-                <a:latin typeface="黑体"/>
-                <a:ea typeface="黑体"/>
-                <a:cs typeface="黑体"/>
-              </a:rPr>
-              <a:t>可通过多种方式创建，比如</a:t>
-            </a:r>
-          </a:p>
-          <a:p>
-            <a:r>
-              <a:rPr lang="zh-TW" altLang="en-US" dirty="0">
-                <a:solidFill>
-                  <a:schemeClr val="bg1"/>
-                </a:solidFill>
-                <a:latin typeface="黑体"/>
-                <a:ea typeface="黑体"/>
-                <a:cs typeface="黑体"/>
-              </a:rPr>
-              <a:t>执行</a:t>
-            </a:r>
-            <a:r>
-              <a:rPr lang="en-US" altLang="zh-TW" dirty="0">
-                <a:solidFill>
-                  <a:schemeClr val="bg1"/>
-                </a:solidFill>
-                <a:latin typeface="黑体"/>
-                <a:ea typeface="黑体"/>
-                <a:cs typeface="黑体"/>
-              </a:rPr>
-              <a:t>SQL</a:t>
-            </a:r>
-            <a:r>
-              <a:rPr lang="zh-TW" altLang="en-US" dirty="0">
-                <a:solidFill>
-                  <a:schemeClr val="bg1"/>
-                </a:solidFill>
-                <a:latin typeface="黑体"/>
-                <a:ea typeface="黑体"/>
-                <a:cs typeface="黑体"/>
-              </a:rPr>
-              <a:t>查询，加载</a:t>
-            </a:r>
-            <a:r>
-              <a:rPr lang="en-US" altLang="zh-TW" dirty="0">
-                <a:solidFill>
-                  <a:schemeClr val="bg1"/>
-                </a:solidFill>
-                <a:latin typeface="黑体"/>
-                <a:ea typeface="黑体"/>
-                <a:cs typeface="黑体"/>
-              </a:rPr>
-              <a:t>Parquet</a:t>
-            </a:r>
-            <a:r>
-              <a:rPr lang="zh-TW" altLang="en-US" dirty="0">
-                <a:solidFill>
-                  <a:schemeClr val="bg1"/>
-                </a:solidFill>
-                <a:latin typeface="黑体"/>
-                <a:ea typeface="黑体"/>
-                <a:cs typeface="黑体"/>
-              </a:rPr>
-              <a:t>、</a:t>
-            </a:r>
-            <a:r>
-              <a:rPr lang="en-US" altLang="zh-TW" dirty="0">
-                <a:solidFill>
-                  <a:schemeClr val="bg1"/>
-                </a:solidFill>
-                <a:latin typeface="黑体"/>
-                <a:ea typeface="黑体"/>
-                <a:cs typeface="黑体"/>
-              </a:rPr>
-              <a:t>Json</a:t>
-            </a:r>
-            <a:r>
-              <a:rPr lang="zh-TW" altLang="en-US" dirty="0">
-                <a:solidFill>
-                  <a:schemeClr val="bg1"/>
-                </a:solidFill>
-                <a:latin typeface="黑体"/>
-                <a:ea typeface="黑体"/>
-                <a:cs typeface="黑体"/>
-              </a:rPr>
-              <a:t>、</a:t>
-            </a:r>
-            <a:r>
-              <a:rPr lang="en-US" altLang="zh-TW" dirty="0">
-                <a:solidFill>
-                  <a:schemeClr val="bg1"/>
-                </a:solidFill>
-                <a:latin typeface="黑体"/>
-                <a:ea typeface="黑体"/>
-                <a:cs typeface="黑体"/>
-              </a:rPr>
-              <a:t>CSV</a:t>
-            </a:r>
-            <a:r>
-              <a:rPr lang="zh-TW" altLang="en-US" dirty="0">
-                <a:solidFill>
-                  <a:schemeClr val="bg1"/>
-                </a:solidFill>
-                <a:latin typeface="黑体"/>
-                <a:ea typeface="黑体"/>
-                <a:cs typeface="黑体"/>
-              </a:rPr>
-              <a:t>、</a:t>
-            </a:r>
-            <a:r>
-              <a:rPr lang="en-US" altLang="zh-TW" dirty="0">
-                <a:solidFill>
-                  <a:schemeClr val="bg1"/>
-                </a:solidFill>
-                <a:latin typeface="黑体"/>
-                <a:ea typeface="黑体"/>
-                <a:cs typeface="黑体"/>
-              </a:rPr>
-              <a:t>Text</a:t>
-            </a:r>
-            <a:r>
-              <a:rPr lang="zh-TW" altLang="en-US" dirty="0">
-                <a:solidFill>
-                  <a:schemeClr val="bg1"/>
-                </a:solidFill>
-                <a:latin typeface="黑体"/>
-                <a:ea typeface="黑体"/>
-                <a:cs typeface="黑体"/>
-              </a:rPr>
-              <a:t>、</a:t>
-            </a:r>
-            <a:r>
-              <a:rPr lang="en-US" altLang="zh-TW" dirty="0">
-                <a:solidFill>
-                  <a:schemeClr val="bg1"/>
-                </a:solidFill>
-                <a:latin typeface="黑体"/>
-                <a:ea typeface="黑体"/>
-                <a:cs typeface="黑体"/>
-              </a:rPr>
-              <a:t>Hive</a:t>
-            </a:r>
-            <a:r>
-              <a:rPr lang="zh-TW" altLang="en-US" dirty="0">
-                <a:solidFill>
-                  <a:schemeClr val="bg1"/>
-                </a:solidFill>
-                <a:latin typeface="黑体"/>
-                <a:ea typeface="黑体"/>
-                <a:cs typeface="黑体"/>
-              </a:rPr>
-              <a:t>、</a:t>
-            </a:r>
-            <a:r>
-              <a:rPr lang="en-US" altLang="zh-TW" dirty="0">
-                <a:solidFill>
-                  <a:schemeClr val="bg1"/>
-                </a:solidFill>
-                <a:latin typeface="黑体"/>
-                <a:ea typeface="黑体"/>
-                <a:cs typeface="黑体"/>
-              </a:rPr>
-              <a:t>JDBC</a:t>
-            </a:r>
-            <a:r>
-              <a:rPr lang="zh-TW" altLang="en-US" dirty="0">
-                <a:solidFill>
-                  <a:schemeClr val="bg1"/>
-                </a:solidFill>
-                <a:latin typeface="黑体"/>
-                <a:ea typeface="黑体"/>
-                <a:cs typeface="黑体"/>
-              </a:rPr>
-              <a:t>等外部数据</a:t>
-            </a:r>
-          </a:p>
-          <a:p>
-            <a:r>
-              <a:rPr lang="zh-TW" altLang="en-US" dirty="0">
-                <a:solidFill>
-                  <a:schemeClr val="bg1"/>
-                </a:solidFill>
-                <a:latin typeface="黑体"/>
-                <a:ea typeface="黑体"/>
-                <a:cs typeface="黑体"/>
-              </a:rPr>
-              <a:t>将</a:t>
-            </a:r>
-            <a:r>
-              <a:rPr lang="en-US" altLang="zh-TW" dirty="0">
-                <a:solidFill>
-                  <a:schemeClr val="bg1"/>
-                </a:solidFill>
-                <a:latin typeface="黑体"/>
-                <a:ea typeface="黑体"/>
-                <a:cs typeface="黑体"/>
-              </a:rPr>
-              <a:t>RDD</a:t>
-            </a:r>
-            <a:r>
-              <a:rPr lang="zh-TW" altLang="en-US" dirty="0">
-                <a:solidFill>
-                  <a:schemeClr val="bg1"/>
-                </a:solidFill>
-                <a:latin typeface="黑体"/>
-                <a:ea typeface="黑体"/>
-                <a:cs typeface="黑体"/>
-              </a:rPr>
-              <a:t>转换成</a:t>
-            </a:r>
-            <a:r>
-              <a:rPr lang="en-US" altLang="zh-TW" dirty="0">
-                <a:solidFill>
-                  <a:schemeClr val="bg1"/>
-                </a:solidFill>
-                <a:latin typeface="黑体"/>
-                <a:ea typeface="黑体"/>
-                <a:cs typeface="黑体"/>
-              </a:rPr>
-              <a:t>DataFrame</a:t>
-            </a:r>
-          </a:p>
-          <a:p>
-            <a:r>
-              <a:rPr lang="zh-CN" altLang="en-US" dirty="0">
-                <a:solidFill>
-                  <a:schemeClr val="bg1"/>
-                </a:solidFill>
-                <a:latin typeface="黑体"/>
-                <a:ea typeface="黑体"/>
-                <a:cs typeface="黑体"/>
-              </a:rPr>
-              <a:t>使用案例。</a:t>
-            </a:r>
-          </a:p>
-        </p:txBody>
-      </p:sp>
-      <p:sp>
-        <p:nvSpPr>
-          <p:cNvPr id="2" name="文本框 1"/>
-          <p:cNvSpPr txBox="1"/>
-          <p:nvPr/>
-        </p:nvSpPr>
-        <p:spPr>
-          <a:xfrm>
-            <a:off x="1113853" y="3575686"/>
-            <a:ext cx="7455887" cy="1200329"/>
-          </a:xfrm>
-          <a:prstGeom prst="rect">
-            <a:avLst/>
-          </a:prstGeom>
-          <a:noFill/>
-        </p:spPr>
-        <p:txBody>
-          <a:bodyPr wrap="none" rtlCol="0">
-            <a:spAutoFit/>
-          </a:bodyPr>
-          <a:lstStyle/>
-          <a:p>
-            <a:r>
-              <a:rPr kumimoji="1" lang="en-US" altLang="zh-TW">
-                <a:solidFill>
-                  <a:schemeClr val="bg1"/>
-                </a:solidFill>
-                <a:latin typeface="黑体"/>
-                <a:ea typeface="黑体"/>
-                <a:cs typeface="黑体"/>
-              </a:rPr>
-              <a:t>2</a:t>
-            </a:r>
-            <a:r>
-              <a:rPr kumimoji="1" lang="en-US" altLang="zh-CN">
-                <a:solidFill>
-                  <a:schemeClr val="bg1"/>
-                </a:solidFill>
-                <a:latin typeface="黑体"/>
-                <a:ea typeface="黑体"/>
-                <a:cs typeface="黑体"/>
-              </a:rPr>
-              <a:t>.</a:t>
-            </a:r>
-            <a:r>
-              <a:rPr kumimoji="1" lang="zh-CN" altLang="en-US">
-                <a:solidFill>
-                  <a:schemeClr val="bg1"/>
-                </a:solidFill>
-                <a:latin typeface="黑体"/>
-                <a:ea typeface="黑体"/>
-                <a:cs typeface="黑体"/>
-              </a:rPr>
-              <a:t> </a:t>
-            </a:r>
-            <a:r>
-              <a:rPr kumimoji="1" lang="zh-TW" altLang="en-US">
-                <a:solidFill>
-                  <a:schemeClr val="bg1"/>
-                </a:solidFill>
-                <a:latin typeface="黑体"/>
-                <a:ea typeface="黑体"/>
-                <a:cs typeface="黑体"/>
-              </a:rPr>
-              <a:t>保存数据集</a:t>
-            </a:r>
-          </a:p>
-          <a:p>
-            <a:r>
-              <a:rPr kumimoji="1" lang="en-US" altLang="zh-TW">
-                <a:solidFill>
-                  <a:schemeClr val="bg1"/>
-                </a:solidFill>
-                <a:latin typeface="黑体"/>
-                <a:ea typeface="黑体"/>
-                <a:cs typeface="黑体"/>
-              </a:rPr>
-              <a:t>spark SQL</a:t>
-            </a:r>
-            <a:r>
-              <a:rPr kumimoji="1" lang="zh-TW" altLang="en-US">
-                <a:solidFill>
-                  <a:schemeClr val="bg1"/>
-                </a:solidFill>
-                <a:latin typeface="黑体"/>
-                <a:ea typeface="黑体"/>
-                <a:cs typeface="黑体"/>
-              </a:rPr>
-              <a:t>可以通过</a:t>
-            </a:r>
-            <a:r>
-              <a:rPr kumimoji="1" lang="en-US" altLang="zh-TW">
-                <a:solidFill>
-                  <a:schemeClr val="bg1"/>
-                </a:solidFill>
-                <a:latin typeface="黑体"/>
-                <a:ea typeface="黑体"/>
-                <a:cs typeface="黑体"/>
-              </a:rPr>
-              <a:t>DataFrameWriter</a:t>
-            </a:r>
-            <a:r>
-              <a:rPr kumimoji="1" lang="zh-TW" altLang="en-US">
-                <a:solidFill>
-                  <a:schemeClr val="bg1"/>
-                </a:solidFill>
-                <a:latin typeface="黑体"/>
-                <a:ea typeface="黑体"/>
-                <a:cs typeface="黑体"/>
-              </a:rPr>
-              <a:t>接口将</a:t>
-            </a:r>
-            <a:r>
-              <a:rPr kumimoji="1" lang="en-US" altLang="zh-TW">
-                <a:solidFill>
-                  <a:schemeClr val="bg1"/>
-                </a:solidFill>
-                <a:latin typeface="黑体"/>
-                <a:ea typeface="黑体"/>
-                <a:cs typeface="黑体"/>
-              </a:rPr>
-              <a:t>DataFrame</a:t>
-            </a:r>
-            <a:r>
-              <a:rPr kumimoji="1" lang="zh-TW" altLang="en-US">
-                <a:solidFill>
-                  <a:schemeClr val="bg1"/>
-                </a:solidFill>
-                <a:latin typeface="黑体"/>
-                <a:ea typeface="黑体"/>
-                <a:cs typeface="黑体"/>
-              </a:rPr>
-              <a:t>存储在外部系统。</a:t>
-            </a:r>
-          </a:p>
-          <a:p>
-            <a:r>
-              <a:rPr kumimoji="1" lang="zh-TW" altLang="en-US">
-                <a:solidFill>
-                  <a:schemeClr val="bg1"/>
-                </a:solidFill>
-                <a:latin typeface="黑体"/>
-                <a:ea typeface="黑体"/>
-                <a:cs typeface="黑体"/>
-              </a:rPr>
-              <a:t>例如文件、</a:t>
-            </a:r>
-            <a:r>
-              <a:rPr kumimoji="1" lang="en-US" altLang="zh-TW">
-                <a:solidFill>
-                  <a:schemeClr val="bg1"/>
-                </a:solidFill>
-                <a:latin typeface="黑体"/>
-                <a:ea typeface="黑体"/>
-                <a:cs typeface="黑体"/>
-              </a:rPr>
-              <a:t>Hive</a:t>
-            </a:r>
-            <a:r>
-              <a:rPr kumimoji="1" lang="zh-TW" altLang="en-US">
-                <a:solidFill>
-                  <a:schemeClr val="bg1"/>
-                </a:solidFill>
-                <a:latin typeface="黑体"/>
-                <a:ea typeface="黑体"/>
-                <a:cs typeface="黑体"/>
-              </a:rPr>
-              <a:t>表和</a:t>
-            </a:r>
-            <a:r>
-              <a:rPr kumimoji="1" lang="en-US" altLang="zh-TW">
-                <a:solidFill>
-                  <a:schemeClr val="bg1"/>
-                </a:solidFill>
-                <a:latin typeface="黑体"/>
-                <a:ea typeface="黑体"/>
-                <a:cs typeface="黑体"/>
-              </a:rPr>
-              <a:t>JDBC</a:t>
-            </a:r>
-            <a:r>
-              <a:rPr kumimoji="1" lang="zh-TW" altLang="en-US">
-                <a:solidFill>
-                  <a:schemeClr val="bg1"/>
-                </a:solidFill>
-                <a:latin typeface="黑体"/>
-                <a:ea typeface="黑体"/>
-                <a:cs typeface="黑体"/>
-              </a:rPr>
-              <a:t>数据库。</a:t>
-            </a:r>
-          </a:p>
-          <a:p>
-            <a:r>
-              <a:rPr kumimoji="1" lang="zh-CN" altLang="en-US">
-                <a:solidFill>
-                  <a:schemeClr val="bg1"/>
-                </a:solidFill>
-                <a:latin typeface="黑体"/>
-                <a:ea typeface="黑体"/>
-                <a:cs typeface="黑体"/>
-              </a:rPr>
-              <a:t>使用案例。</a:t>
-            </a:r>
-          </a:p>
-        </p:txBody>
-      </p:sp>
-    </p:spTree>
-    <p:extLst>
-      <p:ext uri="{BB962C8B-B14F-4D97-AF65-F5344CB8AC3E}">
-        <p14:creationId xmlns:p14="http://schemas.microsoft.com/office/powerpoint/2010/main" val="2587803892"/>
-      </p:ext>
-    </p:extLst>
-  </p:cSld>
-  <p:clrMapOvr>
-    <a:masterClrMapping/>
-  </p:clrMapOvr>
-  <p:transition spd="med" advClick="0" advTm="1000">
-    <p:fade/>
-  </p:transition>
-</p:sld>
-</file>
-
-<file path=ppt/slides/slide8.xml><?xml version="1.0" encoding="utf-8"?>
-<p:sld xmlns:a="http://schemas.openxmlformats.org/drawingml/2006/main" xmlns:r="http://schemas.openxmlformats.org/officeDocument/2006/relationships" xmlns:p="http://schemas.openxmlformats.org/presentationml/2006/main">
-  <p:cSld>
-    <p:spTree>
-      <p:nvGrpSpPr>
-        <p:cNvPr id="1" name=""/>
-        <p:cNvGrpSpPr/>
-        <p:nvPr/>
-      </p:nvGrpSpPr>
-      <p:grpSpPr>
-        <a:xfrm>
-          <a:off x="0" y="0"/>
-          <a:ext cx="0" cy="0"/>
-          <a:chOff x="0" y="0"/>
-          <a:chExt cx="0" cy="0"/>
-        </a:xfrm>
-      </p:grpSpPr>
-      <p:grpSp>
-        <p:nvGrpSpPr>
-          <p:cNvPr id="38" name="组合 37"/>
-          <p:cNvGrpSpPr/>
-          <p:nvPr/>
-        </p:nvGrpSpPr>
-        <p:grpSpPr>
-          <a:xfrm>
-            <a:off x="672374" y="631535"/>
-            <a:ext cx="4356129" cy="536573"/>
-            <a:chOff x="1007305" y="947449"/>
-            <a:chExt cx="6535202" cy="804983"/>
-          </a:xfrm>
-        </p:grpSpPr>
-        <p:sp>
-          <p:nvSpPr>
-            <p:cNvPr id="39" name="文本框 38"/>
-            <p:cNvSpPr txBox="1"/>
-            <p:nvPr/>
-          </p:nvSpPr>
-          <p:spPr>
-            <a:xfrm>
-              <a:off x="1007305" y="947449"/>
-              <a:ext cx="6535202" cy="692604"/>
-            </a:xfrm>
-            <a:prstGeom prst="rect">
-              <a:avLst/>
-            </a:prstGeom>
-            <a:noFill/>
-          </p:spPr>
-          <p:txBody>
-            <a:bodyPr wrap="square" rtlCol="0">
-              <a:spAutoFit/>
-            </a:bodyPr>
-            <a:lstStyle/>
-            <a:p>
-              <a:r>
-                <a:rPr lang="en-US" altLang="zh-CN" sz="2400" dirty="0">
-                  <a:solidFill>
-                    <a:prstClr val="white"/>
-                  </a:solidFill>
-                  <a:latin typeface="+mn-ea"/>
-                </a:rPr>
-                <a:t>Spark</a:t>
-              </a:r>
-              <a:r>
-                <a:rPr lang="zh-CN" altLang="en-US" sz="2400" dirty="0">
-                  <a:solidFill>
-                    <a:prstClr val="white"/>
-                  </a:solidFill>
-                  <a:latin typeface="+mn-ea"/>
-                </a:rPr>
-                <a:t> </a:t>
-              </a:r>
-              <a:r>
-                <a:rPr lang="en-US" altLang="zh-CN" sz="2400" dirty="0">
-                  <a:solidFill>
-                    <a:prstClr val="white"/>
-                  </a:solidFill>
-                  <a:latin typeface="+mn-ea"/>
-                </a:rPr>
-                <a:t>DataFrame</a:t>
-              </a:r>
-              <a:r>
-                <a:rPr lang="zh-CN" altLang="en-US" sz="2400" dirty="0">
-                  <a:solidFill>
-                    <a:prstClr val="white"/>
-                  </a:solidFill>
-                  <a:latin typeface="+mn-ea"/>
-                </a:rPr>
-                <a:t>的执行计划</a:t>
-              </a:r>
-            </a:p>
-          </p:txBody>
-        </p:sp>
-        <p:cxnSp>
-          <p:nvCxnSpPr>
-            <p:cNvPr id="40" name="直线连接符 5"/>
-            <p:cNvCxnSpPr/>
-            <p:nvPr/>
-          </p:nvCxnSpPr>
-          <p:spPr>
-            <a:xfrm>
-              <a:off x="1007305" y="1752432"/>
-              <a:ext cx="3742116" cy="0"/>
-            </a:xfrm>
-            <a:prstGeom prst="line">
-              <a:avLst/>
-            </a:prstGeom>
-            <a:ln>
-              <a:solidFill>
-                <a:schemeClr val="bg1"/>
-              </a:solidFill>
-              <a:headEnd type="oval"/>
-              <a:tailEnd type="oval"/>
-            </a:ln>
-          </p:spPr>
-          <p:style>
-            <a:lnRef idx="1">
-              <a:schemeClr val="accent1"/>
-            </a:lnRef>
-            <a:fillRef idx="0">
-              <a:schemeClr val="accent1"/>
-            </a:fillRef>
-            <a:effectRef idx="0">
-              <a:schemeClr val="accent1"/>
-            </a:effectRef>
-            <a:fontRef idx="minor">
-              <a:schemeClr val="tx1"/>
-            </a:fontRef>
-          </p:style>
-        </p:cxnSp>
-      </p:grpSp>
-      <p:sp>
-        <p:nvSpPr>
-          <p:cNvPr id="2" name="文本框 1"/>
-          <p:cNvSpPr txBox="1"/>
-          <p:nvPr/>
-        </p:nvSpPr>
-        <p:spPr>
-          <a:xfrm>
-            <a:off x="911035" y="1753329"/>
-            <a:ext cx="5302316" cy="646331"/>
-          </a:xfrm>
-          <a:prstGeom prst="rect">
-            <a:avLst/>
-          </a:prstGeom>
-          <a:noFill/>
-        </p:spPr>
-        <p:txBody>
-          <a:bodyPr wrap="none" rtlCol="0">
-            <a:spAutoFit/>
-          </a:bodyPr>
-          <a:lstStyle/>
-          <a:p>
             <a:r>
               <a:rPr kumimoji="1" lang="zh-CN" altLang="en-US">
                 <a:solidFill>
                   <a:srgbClr val="FFFFFF"/>
                 </a:solidFill>
               </a:rPr>
-              <a:t>可以通过</a:t>
-            </a:r>
-            <a:r>
-              <a:rPr kumimoji="1" lang="en-US" altLang="zh-CN">
-                <a:solidFill>
-                  <a:srgbClr val="FFFFFF"/>
-                </a:solidFill>
-              </a:rPr>
-              <a:t>explain</a:t>
-            </a:r>
-            <a:r>
-              <a:rPr kumimoji="1" lang="zh-CN" altLang="en-US">
-                <a:solidFill>
-                  <a:srgbClr val="FFFFFF"/>
-                </a:solidFill>
-              </a:rPr>
-              <a:t>函数查看</a:t>
+              <a:t>本章讨论了</a:t>
             </a:r>
             <a:r>
               <a:rPr kumimoji="1" lang="en-US" altLang="zh-CN">
@@ -17784,377 +12215,39 @@
                   <a:srgbClr val="FFFFFF"/>
                 </a:solidFill>
               </a:rPr>
-              <a:t>的执行计划：</a:t>
-            </a:r>
-          </a:p>
-          <a:p>
+              <a:t>相关的基本内容，以及</a:t>
+            </a:r>
             <a:r>
               <a:rPr kumimoji="1" lang="en-US" altLang="zh-CN">
                 <a:solidFill>
                   <a:srgbClr val="FFFFFF"/>
                 </a:solidFill>
               </a:rPr>
-              <a:t>stateDF.explain()</a:t>
-            </a:r>
-            <a:endParaRPr kumimoji="1" lang="zh-CN" altLang="en-US">
-              <a:solidFill>
-                <a:srgbClr val="FFFFFF"/>
-              </a:solidFill>
-            </a:endParaRPr>
-          </a:p>
-        </p:txBody>
-      </p:sp>
-    </p:spTree>
-    <p:extLst>
-      <p:ext uri="{BB962C8B-B14F-4D97-AF65-F5344CB8AC3E}">
-        <p14:creationId xmlns:p14="http://schemas.microsoft.com/office/powerpoint/2010/main" val="3699055610"/>
-      </p:ext>
-    </p:extLst>
-  </p:cSld>
-  <p:clrMapOvr>
-    <a:masterClrMapping/>
-  </p:clrMapOvr>
-  <p:transition spd="med" advClick="0" advTm="1000">
-    <p:fade/>
-  </p:transition>
-</p:sld>
-</file>
-
-<file path=ppt/slides/slide9.xml><?xml version="1.0" encoding="utf-8"?>
-<p:sld xmlns:a="http://schemas.openxmlformats.org/drawingml/2006/main" xmlns:r="http://schemas.openxmlformats.org/officeDocument/2006/relationships" xmlns:p="http://schemas.openxmlformats.org/presentationml/2006/main">
-  <p:cSld>
-    <p:spTree>
-      <p:nvGrpSpPr>
-        <p:cNvPr id="1" name=""/>
-        <p:cNvGrpSpPr/>
-        <p:nvPr/>
-      </p:nvGrpSpPr>
-      <p:grpSpPr>
-        <a:xfrm>
-          <a:off x="0" y="0"/>
-          <a:ext cx="0" cy="0"/>
-          <a:chOff x="0" y="0"/>
-          <a:chExt cx="0" cy="0"/>
-        </a:xfrm>
-      </p:grpSpPr>
-      <p:grpSp>
-        <p:nvGrpSpPr>
-          <p:cNvPr id="38" name="组合 37"/>
-          <p:cNvGrpSpPr/>
-          <p:nvPr/>
-        </p:nvGrpSpPr>
-        <p:grpSpPr>
-          <a:xfrm>
-            <a:off x="672374" y="631535"/>
-            <a:ext cx="4356129" cy="536573"/>
-            <a:chOff x="1007305" y="947449"/>
-            <a:chExt cx="6535202" cy="804983"/>
-          </a:xfrm>
-        </p:grpSpPr>
-        <p:sp>
-          <p:nvSpPr>
-            <p:cNvPr id="39" name="文本框 38"/>
-            <p:cNvSpPr txBox="1"/>
-            <p:nvPr/>
-          </p:nvSpPr>
-          <p:spPr>
-            <a:xfrm>
-              <a:off x="1007305" y="947449"/>
-              <a:ext cx="6535202" cy="692604"/>
-            </a:xfrm>
-            <a:prstGeom prst="rect">
-              <a:avLst/>
-            </a:prstGeom>
-            <a:noFill/>
-          </p:spPr>
-          <p:txBody>
-            <a:bodyPr wrap="square" rtlCol="0">
-              <a:spAutoFit/>
-            </a:bodyPr>
-            <a:lstStyle/>
-            <a:p>
-              <a:r>
-                <a:rPr lang="zh-CN" altLang="en-US" sz="2400" dirty="0">
-                  <a:solidFill>
-                    <a:prstClr val="white"/>
-                  </a:solidFill>
-                  <a:latin typeface="+mn-ea"/>
-                </a:rPr>
-                <a:t>模式</a:t>
-              </a:r>
-              <a:r>
-                <a:rPr lang="en-US" altLang="zh-CN" sz="2400" dirty="0">
-                  <a:solidFill>
-                    <a:prstClr val="white"/>
-                  </a:solidFill>
-                  <a:latin typeface="+mn-ea"/>
-                </a:rPr>
-                <a:t>-</a:t>
-              </a:r>
-              <a:r>
-                <a:rPr lang="zh-CN" altLang="en-US" sz="2400" dirty="0">
-                  <a:solidFill>
-                    <a:prstClr val="white"/>
-                  </a:solidFill>
-                  <a:latin typeface="+mn-ea"/>
-                </a:rPr>
-                <a:t>数据的结构</a:t>
-              </a:r>
-            </a:p>
-          </p:txBody>
-        </p:sp>
-        <p:cxnSp>
-          <p:nvCxnSpPr>
-            <p:cNvPr id="40" name="直线连接符 5"/>
-            <p:cNvCxnSpPr/>
-            <p:nvPr/>
-          </p:nvCxnSpPr>
-          <p:spPr>
-            <a:xfrm>
-              <a:off x="1007305" y="1752432"/>
-              <a:ext cx="3742116" cy="0"/>
-            </a:xfrm>
-            <a:prstGeom prst="line">
-              <a:avLst/>
-            </a:prstGeom>
-            <a:ln>
-              <a:solidFill>
-                <a:schemeClr val="bg1"/>
-              </a:solidFill>
-              <a:headEnd type="oval"/>
-              <a:tailEnd type="oval"/>
-            </a:ln>
-          </p:spPr>
-          <p:style>
-            <a:lnRef idx="1">
-              <a:schemeClr val="accent1"/>
-            </a:lnRef>
-            <a:fillRef idx="0">
-              <a:schemeClr val="accent1"/>
-            </a:fillRef>
-            <a:effectRef idx="0">
-              <a:schemeClr val="accent1"/>
-            </a:effectRef>
-            <a:fontRef idx="minor">
-              <a:schemeClr val="tx1"/>
-            </a:fontRef>
-          </p:style>
-        </p:cxnSp>
-      </p:grpSp>
-      <p:sp>
-        <p:nvSpPr>
-          <p:cNvPr id="3" name="文本框 2">
-            <a:extLst>
-              <a:ext uri="{FF2B5EF4-FFF2-40B4-BE49-F238E27FC236}">
-                <a16:creationId xmlns:a16="http://schemas.microsoft.com/office/drawing/2014/main" id="{2FBE2898-929C-3249-AA82-5E20134B90A6}"/>
-              </a:ext>
-            </a:extLst>
-          </p:cNvPr>
-          <p:cNvSpPr txBox="1"/>
-          <p:nvPr/>
-        </p:nvSpPr>
-        <p:spPr>
-          <a:xfrm>
-            <a:off x="832767" y="1644000"/>
-            <a:ext cx="7661335" cy="2308324"/>
-          </a:xfrm>
-          <a:prstGeom prst="rect">
-            <a:avLst/>
-          </a:prstGeom>
-          <a:noFill/>
-        </p:spPr>
-        <p:txBody>
-          <a:bodyPr wrap="none" rtlCol="0">
-            <a:spAutoFit/>
-          </a:bodyPr>
-          <a:lstStyle/>
-          <a:p>
-            <a:r>
-              <a:rPr lang="zh-CN" altLang="en-US" dirty="0">
-                <a:solidFill>
-                  <a:schemeClr val="bg1"/>
-                </a:solidFill>
-              </a:rPr>
-              <a:t>隐式模式，在读取以逗号分隔的</a:t>
-            </a:r>
-            <a:r>
-              <a:rPr lang="en-US" altLang="zh-CN" dirty="0">
-                <a:solidFill>
-                  <a:schemeClr val="bg1"/>
-                </a:solidFill>
-              </a:rPr>
-              <a:t>csv</a:t>
-            </a:r>
-            <a:r>
-              <a:rPr lang="zh-CN" altLang="en-US" dirty="0">
-                <a:solidFill>
-                  <a:schemeClr val="bg1"/>
-                </a:solidFill>
-              </a:rPr>
-              <a:t>文件时， </a:t>
-            </a:r>
-            <a:r>
-              <a:rPr lang="en-US" altLang="zh-CN" dirty="0">
-                <a:solidFill>
-                  <a:schemeClr val="bg1"/>
-                </a:solidFill>
-              </a:rPr>
-              <a:t>API</a:t>
-            </a:r>
-            <a:r>
-              <a:rPr lang="zh-CN" altLang="en-US" dirty="0">
-                <a:solidFill>
-                  <a:schemeClr val="bg1"/>
-                </a:solidFill>
-              </a:rPr>
-              <a:t>可以对此模式进行推断。</a:t>
-            </a:r>
-          </a:p>
-          <a:p>
-            <a:r>
-              <a:rPr lang="zh-CN" altLang="en-US" dirty="0">
-                <a:solidFill>
-                  <a:schemeClr val="bg1"/>
-                </a:solidFill>
-              </a:rPr>
-              <a:t>当然，也可以指定分隔符来分隔文本的行。</a:t>
-            </a:r>
-          </a:p>
-          <a:p>
-            <a:endParaRPr lang="zh-CN" altLang="en-US" dirty="0">
-              <a:solidFill>
-                <a:schemeClr val="bg1"/>
-              </a:solidFill>
-            </a:endParaRPr>
-          </a:p>
-          <a:p>
-            <a:r>
-              <a:rPr lang="zh-CN" altLang="en-US" dirty="0">
-                <a:solidFill>
-                  <a:schemeClr val="bg1"/>
-                </a:solidFill>
-              </a:rPr>
-              <a:t>如下面</a:t>
-            </a:r>
-            <a:r>
-              <a:rPr lang="en-US" altLang="zh-CN" dirty="0">
-                <a:solidFill>
-                  <a:schemeClr val="bg1"/>
-                </a:solidFill>
-              </a:rPr>
-              <a:t>schema</a:t>
-            </a:r>
-            <a:r>
-              <a:rPr lang="zh-CN" altLang="en-US" dirty="0">
-                <a:solidFill>
-                  <a:schemeClr val="bg1"/>
-                </a:solidFill>
-              </a:rPr>
-              <a:t>命令和</a:t>
-            </a:r>
-            <a:r>
-              <a:rPr lang="en-US" altLang="zh-CN" dirty="0">
-                <a:solidFill>
-                  <a:schemeClr val="bg1"/>
-                </a:solidFill>
-              </a:rPr>
-              <a:t>printSchema</a:t>
-            </a:r>
-            <a:r>
-              <a:rPr lang="zh-CN" altLang="en-US" dirty="0">
-                <a:solidFill>
-                  <a:schemeClr val="bg1"/>
-                </a:solidFill>
-              </a:rPr>
-              <a:t>命令的用法：</a:t>
-            </a:r>
-          </a:p>
-          <a:p>
-            <a:r>
-              <a:rPr lang="en-US" altLang="zh-CN" dirty="0">
-                <a:solidFill>
-                  <a:schemeClr val="bg1"/>
-                </a:solidFill>
-              </a:rPr>
-              <a:t>val statesDF = spark.read.option("header", "true")</a:t>
-            </a:r>
-          </a:p>
-          <a:p>
-            <a:r>
-              <a:rPr lang="en-US" altLang="zh-CN" dirty="0">
-                <a:solidFill>
-                  <a:schemeClr val="bg1"/>
-                </a:solidFill>
-              </a:rPr>
-              <a:t>  .option("inferschema", "true")</a:t>
-            </a:r>
-          </a:p>
-          <a:p>
-            <a:r>
-              <a:rPr lang="en-US" altLang="zh-CN" dirty="0">
-                <a:solidFill>
-                  <a:schemeClr val="bg1"/>
-                </a:solidFill>
-              </a:rPr>
-              <a:t>  .csv("statesPopulation.csv")</a:t>
-            </a:r>
-          </a:p>
-          <a:p>
-            <a:r>
-              <a:rPr lang="en-US" altLang="zh-CN" dirty="0">
-                <a:solidFill>
-                  <a:schemeClr val="bg1"/>
-                </a:solidFill>
-              </a:rPr>
-              <a:t>statesDF.schema</a:t>
-            </a:r>
-            <a:endParaRPr lang="zh-CN" altLang="en-US" dirty="0">
-              <a:solidFill>
-                <a:schemeClr val="bg1"/>
-              </a:solidFill>
-            </a:endParaRPr>
-          </a:p>
-        </p:txBody>
-      </p:sp>
-      <p:sp>
-        <p:nvSpPr>
-          <p:cNvPr id="6" name="文本框 5"/>
-          <p:cNvSpPr txBox="1"/>
-          <p:nvPr/>
-        </p:nvSpPr>
-        <p:spPr>
-          <a:xfrm>
-            <a:off x="832767" y="4100304"/>
-            <a:ext cx="7652205" cy="2585323"/>
-          </a:xfrm>
-          <a:prstGeom prst="rect">
-            <a:avLst/>
-          </a:prstGeom>
-          <a:noFill/>
-        </p:spPr>
-        <p:txBody>
-          <a:bodyPr wrap="none" rtlCol="0">
-            <a:spAutoFit/>
-          </a:bodyPr>
-          <a:lstStyle/>
-          <a:p>
+              <a:t>SparkSQL</a:t>
+            </a:r>
             <a:r>
               <a:rPr kumimoji="1" lang="zh-CN" altLang="en-US">
                 <a:solidFill>
                   <a:srgbClr val="FFFFFF"/>
                 </a:solidFill>
               </a:rPr>
-              <a:t>显式模式</a:t>
-            </a:r>
-          </a:p>
-          <a:p>
+              <a:t>在如何在</a:t>
+            </a:r>
+            <a:r>
+              <a:rPr kumimoji="1" lang="en-US" altLang="zh-CN">
+                <a:solidFill>
+                  <a:srgbClr val="FFFFFF"/>
+                </a:solidFill>
+              </a:rPr>
+              <a:t>DataFrame</a:t>
+            </a:r>
             <a:r>
               <a:rPr kumimoji="1" lang="zh-CN" altLang="en-US">
                 <a:solidFill>
                   <a:srgbClr val="FFFFFF"/>
                 </a:solidFill>
               </a:rPr>
-              <a:t>使用</a:t>
+              <a:t>之上提供相应的</a:t>
             </a:r>
             <a:r>
               <a:rPr kumimoji="1" lang="en-US" altLang="zh-CN">
@@ -18162,7 +12255,7 @@
                   <a:srgbClr val="FFFFFF"/>
                 </a:solidFill>
               </a:rPr>
-              <a:t>StructType</a:t>
+              <a:t>SQL</a:t>
             </a:r>
             <a:r>
               <a:rPr kumimoji="1" lang="zh-CN" altLang="en-US">
@@ -18170,15 +12263,21 @@
                   <a:srgbClr val="FFFFFF"/>
                 </a:solidFill>
               </a:rPr>
-              <a:t>描述，并且表示为</a:t>
-            </a:r>
+              <a:t>接口。</a:t>
+            </a:r>
+          </a:p>
+          <a:p>
+            <a:pPr marL="342900" indent="-342900">
+              <a:buFont typeface="+mj-lt"/>
+              <a:buAutoNum type="arabicPeriod"/>
+            </a:pPr>
             <a:r>
               <a:rPr kumimoji="1" lang="en-US" altLang="zh-CN">
                 <a:solidFill>
                   <a:srgbClr val="FFFFFF"/>
                 </a:solidFill>
               </a:rPr>
-              <a:t>StructField</a:t>
+              <a:t>DataFrame</a:t>
             </a:r>
             <a:r>
               <a:rPr kumimoji="1" lang="zh-CN" altLang="en-US">
@@ -18186,7 +12285,7 @@
                   <a:srgbClr val="FFFFFF"/>
                 </a:solidFill>
               </a:rPr>
-              <a:t>对象集合。</a:t>
+              <a:t>的强大之处体现在：</a:t>
             </a:r>
           </a:p>
           <a:p>
@@ -18196,34 +12295,41 @@
                   <a:srgbClr val="FFFFFF"/>
                 </a:solidFill>
               </a:rPr>
-              <a:t>先导入该类</a:t>
-            </a:r>
-          </a:p>
-          <a:p>
+              <a:t> 	执行时间比基于</a:t>
+            </a:r>
             <a:r>
               <a:rPr kumimoji="1" lang="en-US" altLang="zh-CN">
                 <a:solidFill>
                   <a:srgbClr val="FFFFFF"/>
                 </a:solidFill>
               </a:rPr>
-              <a:t>import org.apache.spark.sql.types.{StructType, IntegerType, StringType}</a:t>
-            </a:r>
-          </a:p>
-          <a:p>
-            <a:endParaRPr kumimoji="1" lang="en-US" altLang="zh-CN">
-              <a:solidFill>
-                <a:srgbClr val="FFFFFF"/>
-              </a:solidFill>
-            </a:endParaRPr>
-          </a:p>
-          <a:p>
+              <a:t>RDD</a:t>
+            </a:r>
+            <a:r>
+              <a:rPr kumimoji="1" lang="zh-CN" altLang="en-US">
+                <a:solidFill>
+                  <a:srgbClr val="FFFFFF"/>
+                </a:solidFill>
+              </a:rPr>
+              <a:t>的计算相比明显降低。</a:t>
+            </a:r>
+          </a:p>
+          <a:p>
+            <a:r>
+              <a:rPr kumimoji="1" lang="zh-CN" altLang="en-US">
+                <a:solidFill>
+                  <a:srgbClr val="FFFFFF"/>
+                </a:solidFill>
+              </a:rPr>
+              <a:t>	另外，还包含了简单的</a:t>
+            </a:r>
             <a:r>
               <a:rPr kumimoji="1" lang="en-US" altLang="zh-CN">
                 <a:solidFill>
                   <a:srgbClr val="FFFFFF"/>
                 </a:solidFill>
               </a:rPr>
-              <a:t>#</a:t>
+              <a:t>SQL</a:t>
             </a:r>
             <a:r>
               <a:rPr kumimoji="1" lang="zh-CN" altLang="en-US">
@@ -18231,15 +12337,17 @@
                   <a:srgbClr val="FFFFFF"/>
                 </a:solidFill>
               </a:rPr>
-              <a:t>定义一个模式，其中包含两个列</a:t>
-            </a:r>
+              <a:t>接口，功能得到进一步的提升。</a:t>
+            </a:r>
+          </a:p>
+          <a:p>
             <a:r>
               <a:rPr kumimoji="1" lang="en-US" altLang="zh-CN">
                 <a:solidFill>
                   <a:srgbClr val="FFFFFF"/>
                 </a:solidFill>
               </a:rPr>
-              <a:t>/</a:t>
+              <a:t>3.</a:t>
             </a:r>
             <a:r>
               <a:rPr kumimoji="1" lang="zh-CN" altLang="en-US">
@@ -18247,27 +12355,41 @@
                   <a:srgbClr val="FFFFFF"/>
                 </a:solidFill>
               </a:rPr>
-              <a:t>字段，包含一个整数，和一个字符串。</a:t>
-            </a:r>
-          </a:p>
-          <a:p>
+              <a:t> 除此之外，本章还讲述了各种</a:t>
+            </a:r>
             <a:r>
               <a:rPr kumimoji="1" lang="en-US" altLang="zh-CN">
                 <a:solidFill>
                   <a:srgbClr val="FFFFFF"/>
                 </a:solidFill>
               </a:rPr>
-              <a:t>val schema = new StructType().add("i", IntegerType).add("s", StringType)</a:t>
-            </a:r>
-          </a:p>
-          <a:p>
+              <a:t>API</a:t>
+            </a:r>
+            <a:r>
+              <a:rPr kumimoji="1" lang="zh-CN" altLang="en-US">
+                <a:solidFill>
+                  <a:srgbClr val="FFFFFF"/>
+                </a:solidFill>
+              </a:rPr>
+              <a:t>操作，以及聚合的高级特性：</a:t>
+            </a:r>
+          </a:p>
+          <a:p>
+            <a:r>
+              <a:rPr kumimoji="1" lang="zh-CN" altLang="en-US">
+                <a:solidFill>
+                  <a:srgbClr val="FFFFFF"/>
+                </a:solidFill>
+              </a:rPr>
+              <a:t>	包括</a:t>
+            </a:r>
             <a:r>
               <a:rPr kumimoji="1" lang="en-US" altLang="zh-CN">
                 <a:solidFill>
                   <a:srgbClr val="FFFFFF"/>
                 </a:solidFill>
               </a:rPr>
-              <a:t>#</a:t>
+              <a:t>groupBy</a:t>
             </a:r>
             <a:r>
               <a:rPr kumimoji="1" lang="zh-CN" altLang="en-US">
@@ -18275,7 +12397,7 @@
                   <a:srgbClr val="FFFFFF"/>
                 </a:solidFill>
               </a:rPr>
-              <a:t>打印出</a:t>
+              <a:t>、</a:t>
             </a:r>
             <a:r>
               <a:rPr kumimoji="1" lang="en-US" altLang="zh-CN">
@@ -18283,30 +12405,73 @@
                   <a:srgbClr val="FFFFFF"/>
                 </a:solidFill>
               </a:rPr>
-              <a:t>schema</a:t>
-            </a:r>
-          </a:p>
-          <a:p>
+              <a:t>WIndow</a:t>
+            </a:r>
+            <a:r>
+              <a:rPr kumimoji="1" lang="zh-CN" altLang="en-US">
+                <a:solidFill>
+                  <a:srgbClr val="FFFFFF"/>
+                </a:solidFill>
+              </a:rPr>
+              <a:t>、</a:t>
+            </a:r>
             <a:r>
               <a:rPr kumimoji="1" lang="en-US" altLang="zh-CN">
                 <a:solidFill>
                   <a:srgbClr val="FFFFFF"/>
                 </a:solidFill>
               </a:rPr>
-              <a:t>schema.printTreeString</a:t>
-            </a:r>
-            <a:endParaRPr kumimoji="1" lang="zh-CN" altLang="en-US">
-              <a:solidFill>
-                <a:srgbClr val="FFFFFF"/>
-              </a:solidFill>
-            </a:endParaRPr>
+              <a:t>rullup</a:t>
+            </a:r>
+            <a:r>
+              <a:rPr kumimoji="1" lang="zh-CN" altLang="en-US">
+                <a:solidFill>
+                  <a:srgbClr val="FFFFFF"/>
+                </a:solidFill>
+              </a:rPr>
+              <a:t>和</a:t>
+            </a:r>
+            <a:r>
+              <a:rPr kumimoji="1" lang="en-US" altLang="zh-CN">
+                <a:solidFill>
+                  <a:srgbClr val="FFFFFF"/>
+                </a:solidFill>
+              </a:rPr>
+              <a:t>cube</a:t>
+            </a:r>
+            <a:r>
+              <a:rPr kumimoji="1" lang="zh-CN" altLang="en-US">
+                <a:solidFill>
+                  <a:srgbClr val="FFFFFF"/>
+                </a:solidFill>
+              </a:rPr>
+              <a:t>。</a:t>
+            </a:r>
+          </a:p>
+          <a:p>
+            <a:r>
+              <a:rPr kumimoji="1" lang="en-US" altLang="zh-CN">
+                <a:solidFill>
+                  <a:srgbClr val="FFFFFF"/>
+                </a:solidFill>
+              </a:rPr>
+              <a:t>4.</a:t>
+            </a:r>
+            <a:r>
+              <a:rPr kumimoji="1" lang="zh-CN" altLang="en-US">
+                <a:solidFill>
+                  <a:srgbClr val="FFFFFF"/>
+                </a:solidFill>
+              </a:rPr>
+              <a:t> 最后学习了数据连接相关的概念和操作。</a:t>
+            </a:r>
           </a:p>
         </p:txBody>
       </p:sp>
     </p:spTree>
     <p:extLst>
       <p:ext uri="{BB962C8B-B14F-4D97-AF65-F5344CB8AC3E}">
-        <p14:creationId xmlns:p14="http://schemas.microsoft.com/office/powerpoint/2010/main" val="4095466596"/>
+        <p14:creationId xmlns:p14="http://schemas.microsoft.com/office/powerpoint/2010/main" val="89079506"/>
       </p:ext>
     </p:extLst>
   </p:cSld>

--- a/第五章 MapReduce高级程序设计.pptx
+++ b/第五章 MapReduce高级程序设计.pptx
@@ -5,16 +5,17 @@
     <p:sldMasterId id="2147483648" r:id="rId1"/>
   </p:sldMasterIdLst>
   <p:notesMasterIdLst>
-    <p:notesMasterId r:id="rId9"/>
+    <p:notesMasterId r:id="rId10"/>
   </p:notesMasterIdLst>
   <p:sldIdLst>
     <p:sldId id="262" r:id="rId2"/>
     <p:sldId id="263" r:id="rId3"/>
     <p:sldId id="283" r:id="rId4"/>
-    <p:sldId id="281" r:id="rId5"/>
-    <p:sldId id="282" r:id="rId6"/>
-    <p:sldId id="264" r:id="rId7"/>
-    <p:sldId id="280" r:id="rId8"/>
+    <p:sldId id="285" r:id="rId5"/>
+    <p:sldId id="284" r:id="rId6"/>
+    <p:sldId id="286" r:id="rId7"/>
+    <p:sldId id="264" r:id="rId8"/>
+    <p:sldId id="280" r:id="rId9"/>
   </p:sldIdLst>
   <p:sldSz cx="12192000" cy="6858000"/>
   <p:notesSz cx="6858000" cy="9144000"/>
@@ -214,7 +215,7 @@
           <a:p>
             <a:fld id="{2F789F46-98E8-004C-A60D-397E90BF4073}" type="datetimeFigureOut">
               <a:rPr kumimoji="1" lang="zh-CN" altLang="en-US" smtClean="0"/>
-              <a:t>2020/1/5</a:t>
+              <a:t>2020/1/6</a:t>
             </a:fld>
             <a:endParaRPr kumimoji="1" lang="zh-CN" altLang="en-US"/>
           </a:p>
@@ -807,7 +808,7 @@
     </p:spTree>
     <p:extLst>
       <p:ext uri="{BB962C8B-B14F-4D97-AF65-F5344CB8AC3E}">
-        <p14:creationId xmlns:p14="http://schemas.microsoft.com/office/powerpoint/2010/main" val="2070479944"/>
+        <p14:creationId xmlns:p14="http://schemas.microsoft.com/office/powerpoint/2010/main" val="1375586401"/>
       </p:ext>
     </p:extLst>
   </p:cSld>
@@ -882,7 +883,7 @@
           <a:p>
             <a:fld id="{DBBB37BA-0AB3-4D4A-B865-6E343397AD79}" type="slidenum">
               <a:rPr lang="zh-CN" altLang="en-US" smtClean="0"/>
-              <a:t>6</a:t>
+              <a:t>5</a:t>
             </a:fld>
             <a:endParaRPr lang="zh-CN" altLang="en-US"/>
           </a:p>
@@ -891,7 +892,7 @@
     </p:spTree>
     <p:extLst>
       <p:ext uri="{BB962C8B-B14F-4D97-AF65-F5344CB8AC3E}">
-        <p14:creationId xmlns:p14="http://schemas.microsoft.com/office/powerpoint/2010/main" val="530214363"/>
+        <p14:creationId xmlns:p14="http://schemas.microsoft.com/office/powerpoint/2010/main" val="3490784508"/>
       </p:ext>
     </p:extLst>
   </p:cSld>
@@ -966,7 +967,175 @@
           <a:p>
             <a:fld id="{DBBB37BA-0AB3-4D4A-B865-6E343397AD79}" type="slidenum">
               <a:rPr lang="zh-CN" altLang="en-US" smtClean="0"/>
+              <a:t>6</a:t>
+            </a:fld>
+            <a:endParaRPr lang="zh-CN" altLang="en-US"/>
+          </a:p>
+        </p:txBody>
+      </p:sp>
+    </p:spTree>
+    <p:extLst>
+      <p:ext uri="{BB962C8B-B14F-4D97-AF65-F5344CB8AC3E}">
+        <p14:creationId xmlns:p14="http://schemas.microsoft.com/office/powerpoint/2010/main" val="1864326381"/>
+      </p:ext>
+    </p:extLst>
+  </p:cSld>
+  <p:clrMapOvr>
+    <a:masterClrMapping/>
+  </p:clrMapOvr>
+</p:notes>
+</file>
+
+<file path=ppt/notesSlides/notesSlide7.xml><?xml version="1.0" encoding="utf-8"?>
+<p:notes xmlns:a="http://schemas.openxmlformats.org/drawingml/2006/main" xmlns:r="http://schemas.openxmlformats.org/officeDocument/2006/relationships" xmlns:p="http://schemas.openxmlformats.org/presentationml/2006/main">
+  <p:cSld>
+    <p:spTree>
+      <p:nvGrpSpPr>
+        <p:cNvPr id="1" name=""/>
+        <p:cNvGrpSpPr/>
+        <p:nvPr/>
+      </p:nvGrpSpPr>
+      <p:grpSpPr>
+        <a:xfrm>
+          <a:off x="0" y="0"/>
+          <a:ext cx="0" cy="0"/>
+          <a:chOff x="0" y="0"/>
+          <a:chExt cx="0" cy="0"/>
+        </a:xfrm>
+      </p:grpSpPr>
+      <p:sp>
+        <p:nvSpPr>
+          <p:cNvPr id="2" name="幻灯片图像占位符 1"/>
+          <p:cNvSpPr>
+            <a:spLocks noGrp="1" noRot="1" noChangeAspect="1"/>
+          </p:cNvSpPr>
+          <p:nvPr>
+            <p:ph type="sldImg"/>
+          </p:nvPr>
+        </p:nvSpPr>
+        <p:spPr/>
+      </p:sp>
+      <p:sp>
+        <p:nvSpPr>
+          <p:cNvPr id="3" name="备注占位符 2"/>
+          <p:cNvSpPr>
+            <a:spLocks noGrp="1"/>
+          </p:cNvSpPr>
+          <p:nvPr>
+            <p:ph type="body" idx="1"/>
+          </p:nvPr>
+        </p:nvSpPr>
+        <p:spPr/>
+        <p:txBody>
+          <a:bodyPr/>
+          <a:lstStyle/>
+          <a:p>
+            <a:endParaRPr lang="zh-CN" altLang="en-US"/>
+          </a:p>
+        </p:txBody>
+      </p:sp>
+      <p:sp>
+        <p:nvSpPr>
+          <p:cNvPr id="4" name="灯片编号占位符 3"/>
+          <p:cNvSpPr>
+            <a:spLocks noGrp="1"/>
+          </p:cNvSpPr>
+          <p:nvPr>
+            <p:ph type="sldNum" sz="quarter" idx="5"/>
+          </p:nvPr>
+        </p:nvSpPr>
+        <p:spPr/>
+        <p:txBody>
+          <a:bodyPr/>
+          <a:lstStyle/>
+          <a:p>
+            <a:fld id="{DBBB37BA-0AB3-4D4A-B865-6E343397AD79}" type="slidenum">
+              <a:rPr lang="zh-CN" altLang="en-US" smtClean="0"/>
               <a:t>7</a:t>
+            </a:fld>
+            <a:endParaRPr lang="zh-CN" altLang="en-US"/>
+          </a:p>
+        </p:txBody>
+      </p:sp>
+    </p:spTree>
+    <p:extLst>
+      <p:ext uri="{BB962C8B-B14F-4D97-AF65-F5344CB8AC3E}">
+        <p14:creationId xmlns:p14="http://schemas.microsoft.com/office/powerpoint/2010/main" val="530214363"/>
+      </p:ext>
+    </p:extLst>
+  </p:cSld>
+  <p:clrMapOvr>
+    <a:masterClrMapping/>
+  </p:clrMapOvr>
+</p:notes>
+</file>
+
+<file path=ppt/notesSlides/notesSlide8.xml><?xml version="1.0" encoding="utf-8"?>
+<p:notes xmlns:a="http://schemas.openxmlformats.org/drawingml/2006/main" xmlns:r="http://schemas.openxmlformats.org/officeDocument/2006/relationships" xmlns:p="http://schemas.openxmlformats.org/presentationml/2006/main">
+  <p:cSld>
+    <p:spTree>
+      <p:nvGrpSpPr>
+        <p:cNvPr id="1" name=""/>
+        <p:cNvGrpSpPr/>
+        <p:nvPr/>
+      </p:nvGrpSpPr>
+      <p:grpSpPr>
+        <a:xfrm>
+          <a:off x="0" y="0"/>
+          <a:ext cx="0" cy="0"/>
+          <a:chOff x="0" y="0"/>
+          <a:chExt cx="0" cy="0"/>
+        </a:xfrm>
+      </p:grpSpPr>
+      <p:sp>
+        <p:nvSpPr>
+          <p:cNvPr id="2" name="幻灯片图像占位符 1"/>
+          <p:cNvSpPr>
+            <a:spLocks noGrp="1" noRot="1" noChangeAspect="1"/>
+          </p:cNvSpPr>
+          <p:nvPr>
+            <p:ph type="sldImg"/>
+          </p:nvPr>
+        </p:nvSpPr>
+        <p:spPr/>
+      </p:sp>
+      <p:sp>
+        <p:nvSpPr>
+          <p:cNvPr id="3" name="备注占位符 2"/>
+          <p:cNvSpPr>
+            <a:spLocks noGrp="1"/>
+          </p:cNvSpPr>
+          <p:nvPr>
+            <p:ph type="body" idx="1"/>
+          </p:nvPr>
+        </p:nvSpPr>
+        <p:spPr/>
+        <p:txBody>
+          <a:bodyPr/>
+          <a:lstStyle/>
+          <a:p>
+            <a:endParaRPr lang="zh-CN" altLang="en-US"/>
+          </a:p>
+        </p:txBody>
+      </p:sp>
+      <p:sp>
+        <p:nvSpPr>
+          <p:cNvPr id="4" name="灯片编号占位符 3"/>
+          <p:cNvSpPr>
+            <a:spLocks noGrp="1"/>
+          </p:cNvSpPr>
+          <p:nvPr>
+            <p:ph type="sldNum" sz="quarter" idx="5"/>
+          </p:nvPr>
+        </p:nvSpPr>
+        <p:spPr/>
+        <p:txBody>
+          <a:bodyPr/>
+          <a:lstStyle/>
+          <a:p>
+            <a:fld id="{DBBB37BA-0AB3-4D4A-B865-6E343397AD79}" type="slidenum">
+              <a:rPr lang="zh-CN" altLang="en-US" smtClean="0"/>
+              <a:t>8</a:t>
             </a:fld>
             <a:endParaRPr lang="zh-CN" altLang="en-US"/>
           </a:p>
@@ -1132,7 +1301,7 @@
           <a:p>
             <a:fld id="{E0BAAF92-8925-9243-8254-AA3E76019C04}" type="datetimeFigureOut">
               <a:rPr kumimoji="1" lang="zh-CN" altLang="en-US" smtClean="0"/>
-              <a:t>2020/1/5</a:t>
+              <a:t>2020/1/6</a:t>
             </a:fld>
             <a:endParaRPr kumimoji="1" lang="zh-CN" altLang="en-US"/>
           </a:p>
@@ -1330,7 +1499,7 @@
           <a:p>
             <a:fld id="{E0BAAF92-8925-9243-8254-AA3E76019C04}" type="datetimeFigureOut">
               <a:rPr kumimoji="1" lang="zh-CN" altLang="en-US" smtClean="0"/>
-              <a:t>2020/1/5</a:t>
+              <a:t>2020/1/6</a:t>
             </a:fld>
             <a:endParaRPr kumimoji="1" lang="zh-CN" altLang="en-US"/>
           </a:p>
@@ -1538,7 +1707,7 @@
           <a:p>
             <a:fld id="{E0BAAF92-8925-9243-8254-AA3E76019C04}" type="datetimeFigureOut">
               <a:rPr kumimoji="1" lang="zh-CN" altLang="en-US" smtClean="0"/>
-              <a:t>2020/1/5</a:t>
+              <a:t>2020/1/6</a:t>
             </a:fld>
             <a:endParaRPr kumimoji="1" lang="zh-CN" altLang="en-US"/>
           </a:p>
@@ -1972,7 +2141,7 @@
           <a:p>
             <a:fld id="{E0BAAF92-8925-9243-8254-AA3E76019C04}" type="datetimeFigureOut">
               <a:rPr kumimoji="1" lang="zh-CN" altLang="en-US" smtClean="0"/>
-              <a:t>2020/1/5</a:t>
+              <a:t>2020/1/6</a:t>
             </a:fld>
             <a:endParaRPr kumimoji="1" lang="zh-CN" altLang="en-US"/>
           </a:p>
@@ -2247,7 +2416,7 @@
           <a:p>
             <a:fld id="{E0BAAF92-8925-9243-8254-AA3E76019C04}" type="datetimeFigureOut">
               <a:rPr kumimoji="1" lang="zh-CN" altLang="en-US" smtClean="0"/>
-              <a:t>2020/1/5</a:t>
+              <a:t>2020/1/6</a:t>
             </a:fld>
             <a:endParaRPr kumimoji="1" lang="zh-CN" altLang="en-US"/>
           </a:p>
@@ -2512,7 +2681,7 @@
           <a:p>
             <a:fld id="{E0BAAF92-8925-9243-8254-AA3E76019C04}" type="datetimeFigureOut">
               <a:rPr kumimoji="1" lang="zh-CN" altLang="en-US" smtClean="0"/>
-              <a:t>2020/1/5</a:t>
+              <a:t>2020/1/6</a:t>
             </a:fld>
             <a:endParaRPr kumimoji="1" lang="zh-CN" altLang="en-US"/>
           </a:p>
@@ -2924,7 +3093,7 @@
           <a:p>
             <a:fld id="{E0BAAF92-8925-9243-8254-AA3E76019C04}" type="datetimeFigureOut">
               <a:rPr kumimoji="1" lang="zh-CN" altLang="en-US" smtClean="0"/>
-              <a:t>2020/1/5</a:t>
+              <a:t>2020/1/6</a:t>
             </a:fld>
             <a:endParaRPr kumimoji="1" lang="zh-CN" altLang="en-US"/>
           </a:p>
@@ -3065,7 +3234,7 @@
           <a:p>
             <a:fld id="{E0BAAF92-8925-9243-8254-AA3E76019C04}" type="datetimeFigureOut">
               <a:rPr kumimoji="1" lang="zh-CN" altLang="en-US" smtClean="0"/>
-              <a:t>2020/1/5</a:t>
+              <a:t>2020/1/6</a:t>
             </a:fld>
             <a:endParaRPr kumimoji="1" lang="zh-CN" altLang="en-US"/>
           </a:p>
@@ -3178,7 +3347,7 @@
           <a:p>
             <a:fld id="{E0BAAF92-8925-9243-8254-AA3E76019C04}" type="datetimeFigureOut">
               <a:rPr kumimoji="1" lang="zh-CN" altLang="en-US" smtClean="0"/>
-              <a:t>2020/1/5</a:t>
+              <a:t>2020/1/6</a:t>
             </a:fld>
             <a:endParaRPr kumimoji="1" lang="zh-CN" altLang="en-US"/>
           </a:p>
@@ -3489,7 +3658,7 @@
           <a:p>
             <a:fld id="{E0BAAF92-8925-9243-8254-AA3E76019C04}" type="datetimeFigureOut">
               <a:rPr kumimoji="1" lang="zh-CN" altLang="en-US" smtClean="0"/>
-              <a:t>2020/1/5</a:t>
+              <a:t>2020/1/6</a:t>
             </a:fld>
             <a:endParaRPr kumimoji="1" lang="zh-CN" altLang="en-US"/>
           </a:p>
@@ -3777,7 +3946,7 @@
           <a:p>
             <a:fld id="{E0BAAF92-8925-9243-8254-AA3E76019C04}" type="datetimeFigureOut">
               <a:rPr kumimoji="1" lang="zh-CN" altLang="en-US" smtClean="0"/>
-              <a:t>2020/1/5</a:t>
+              <a:t>2020/1/6</a:t>
             </a:fld>
             <a:endParaRPr kumimoji="1" lang="zh-CN" altLang="en-US"/>
           </a:p>
@@ -4018,7 +4187,7 @@
           <a:p>
             <a:fld id="{E0BAAF92-8925-9243-8254-AA3E76019C04}" type="datetimeFigureOut">
               <a:rPr kumimoji="1" lang="zh-CN" altLang="en-US" smtClean="0"/>
-              <a:t>2020/1/5</a:t>
+              <a:t>2020/1/6</a:t>
             </a:fld>
             <a:endParaRPr kumimoji="1" lang="zh-CN" altLang="en-US"/>
           </a:p>
@@ -10695,22 +10864,13 @@
             <a:lstStyle/>
             <a:p>
               <a:r>
-                <a:rPr lang="zh-CN" altLang="en-US" sz="2400" dirty="0">
+                <a:rPr lang="en-US" altLang="zh-CN" sz="2400" dirty="0" err="1">
                   <a:solidFill>
                     <a:prstClr val="white"/>
                   </a:solidFill>
                   <a:latin typeface="+mn-ea"/>
                 </a:rPr>
-                <a:t>安装</a:t>
-              </a:r>
-              <a:r>
-                <a:rPr lang="en-US" altLang="zh-CN" sz="2400" dirty="0">
-                  <a:solidFill>
-                    <a:prstClr val="white"/>
-                  </a:solidFill>
-                  <a:latin typeface="+mn-ea"/>
-                </a:rPr>
-                <a:t>Spark</a:t>
+                <a:t>SingleMapper</a:t>
               </a:r>
               <a:r>
                 <a:rPr lang="zh-CN" altLang="en-US" sz="2400" dirty="0">
@@ -10719,7 +10879,7 @@
                   </a:solidFill>
                   <a:latin typeface="+mn-ea"/>
                 </a:rPr>
-                <a:t>运行环境</a:t>
+                <a:t>作业</a:t>
               </a:r>
             </a:p>
           </p:txBody>
@@ -10771,7 +10931,7 @@
         <p:spPr>
           <a:xfrm>
             <a:off x="911035" y="1753329"/>
-            <a:ext cx="3425938" cy="1477328"/>
+            <a:ext cx="5452134" cy="646331"/>
           </a:xfrm>
           <a:prstGeom prst="rect">
             <a:avLst/>
@@ -10784,32 +10944,36 @@
           </a:bodyPr>
           <a:lstStyle/>
           <a:p>
-            <a:pPr marL="342900" indent="-342900">
-              <a:buAutoNum type="arabicPeriod"/>
-            </a:pPr>
+            <a:r>
+              <a:rPr kumimoji="1" lang="en-US" altLang="zh-CN" dirty="0" err="1">
+                <a:solidFill>
+                  <a:srgbClr val="FFFFFF"/>
+                </a:solidFill>
+              </a:rPr>
+              <a:t>MultipleMappersReducer</a:t>
+            </a:r>
             <a:r>
               <a:rPr kumimoji="1" lang="zh-CN" altLang="en-US" dirty="0">
                 <a:solidFill>
                   <a:srgbClr val="FFFFFF"/>
                 </a:solidFill>
               </a:rPr>
-              <a:t>下载</a:t>
-            </a:r>
-            <a:r>
-              <a:rPr kumimoji="1" lang="en-US" altLang="zh-CN" dirty="0">
-                <a:solidFill>
-                  <a:srgbClr val="FFFFFF"/>
-                </a:solidFill>
-              </a:rPr>
-              <a:t>Spark2.4.0</a:t>
-            </a:r>
+              <a:t>作业一般用于转换场景，</a:t>
+            </a:r>
+            <a:endParaRPr kumimoji="1" lang="en-US" altLang="zh-CN" dirty="0">
+              <a:solidFill>
+                <a:srgbClr val="FFFFFF"/>
+              </a:solidFill>
+            </a:endParaRPr>
+          </a:p>
+          <a:p>
             <a:r>
               <a:rPr kumimoji="1" lang="zh-CN" altLang="en-US" dirty="0">
                 <a:solidFill>
                   <a:srgbClr val="FFFFFF"/>
                 </a:solidFill>
               </a:rPr>
-              <a:t> 并解压</a:t>
+              <a:t>比如我们只想改变数据的格式，就可以使用该模式。</a:t>
             </a:r>
             <a:endParaRPr kumimoji="1" lang="en-US" altLang="zh-CN" dirty="0">
               <a:solidFill>
@@ -10817,147 +10981,529 @@
               </a:solidFill>
             </a:endParaRPr>
           </a:p>
-          <a:p>
-            <a:pPr marL="342900" indent="-342900">
-              <a:buAutoNum type="arabicPeriod"/>
-            </a:pPr>
-            <a:r>
-              <a:rPr kumimoji="1" lang="zh-CN" altLang="en-US" dirty="0">
-                <a:solidFill>
-                  <a:srgbClr val="FFFFFF"/>
-                </a:solidFill>
-              </a:rPr>
-              <a:t>编辑</a:t>
-            </a:r>
-            <a:r>
-              <a:rPr kumimoji="1" lang="en-US" altLang="zh-CN" dirty="0">
-                <a:solidFill>
-                  <a:srgbClr val="FFFFFF"/>
-                </a:solidFill>
-              </a:rPr>
-              <a:t>Spark</a:t>
-            </a:r>
-            <a:r>
-              <a:rPr kumimoji="1" lang="zh-CN" altLang="en-US" dirty="0">
-                <a:solidFill>
-                  <a:srgbClr val="FFFFFF"/>
-                </a:solidFill>
-              </a:rPr>
-              <a:t> </a:t>
-            </a:r>
-            <a:r>
-              <a:rPr kumimoji="1" lang="en-US" altLang="zh-CN" dirty="0">
-                <a:solidFill>
-                  <a:srgbClr val="FFFFFF"/>
-                </a:solidFill>
-              </a:rPr>
-              <a:t>conf</a:t>
-            </a:r>
-            <a:r>
-              <a:rPr kumimoji="1" lang="zh-CN" altLang="en-US" dirty="0">
-                <a:solidFill>
-                  <a:srgbClr val="FFFFFF"/>
-                </a:solidFill>
-              </a:rPr>
-              <a:t>中的配置文件</a:t>
-            </a:r>
-            <a:endParaRPr kumimoji="1" lang="en-US" altLang="zh-CN" dirty="0">
-              <a:solidFill>
-                <a:srgbClr val="FFFFFF"/>
-              </a:solidFill>
-            </a:endParaRPr>
-          </a:p>
-          <a:p>
-            <a:pPr marL="342900" indent="-342900">
-              <a:buAutoNum type="arabicPeriod"/>
-            </a:pPr>
-            <a:r>
-              <a:rPr kumimoji="1" lang="zh-CN" altLang="en-US" dirty="0">
-                <a:solidFill>
-                  <a:srgbClr val="FFFFFF"/>
-                </a:solidFill>
-              </a:rPr>
-              <a:t>配置</a:t>
-            </a:r>
-            <a:r>
-              <a:rPr kumimoji="1" lang="en-US" altLang="zh-CN" dirty="0">
-                <a:solidFill>
-                  <a:srgbClr val="FFFFFF"/>
-                </a:solidFill>
-              </a:rPr>
-              <a:t>Spark</a:t>
-            </a:r>
-            <a:r>
-              <a:rPr kumimoji="1" lang="zh-CN" altLang="en-US" dirty="0">
-                <a:solidFill>
-                  <a:srgbClr val="FFFFFF"/>
-                </a:solidFill>
-              </a:rPr>
-              <a:t>环境变量</a:t>
-            </a:r>
-            <a:endParaRPr kumimoji="1" lang="en-US" altLang="zh-CN" dirty="0">
-              <a:solidFill>
-                <a:srgbClr val="FFFFFF"/>
-              </a:solidFill>
-            </a:endParaRPr>
-          </a:p>
-          <a:p>
-            <a:pPr marL="342900" indent="-342900">
-              <a:buAutoNum type="arabicPeriod"/>
-            </a:pPr>
-            <a:r>
-              <a:rPr kumimoji="1" lang="zh-CN" altLang="en-US" dirty="0">
-                <a:solidFill>
-                  <a:srgbClr val="FFFFFF"/>
-                </a:solidFill>
-              </a:rPr>
-              <a:t>启动</a:t>
-            </a:r>
-            <a:r>
-              <a:rPr kumimoji="1" lang="en-US" altLang="zh-CN" dirty="0">
-                <a:solidFill>
-                  <a:srgbClr val="FFFFFF"/>
-                </a:solidFill>
-              </a:rPr>
-              <a:t>Spark</a:t>
-            </a:r>
-          </a:p>
-          <a:p>
-            <a:pPr marL="342900" indent="-342900">
-              <a:buAutoNum type="arabicPeriod"/>
-            </a:pPr>
-            <a:r>
-              <a:rPr kumimoji="1" lang="zh-CN" altLang="en-US" dirty="0">
-                <a:solidFill>
-                  <a:srgbClr val="FFFFFF"/>
-                </a:solidFill>
-              </a:rPr>
-              <a:t>运行</a:t>
-            </a:r>
-            <a:r>
-              <a:rPr kumimoji="1" lang="en-US" altLang="zh-CN" dirty="0">
-                <a:solidFill>
-                  <a:srgbClr val="FFFFFF"/>
-                </a:solidFill>
-              </a:rPr>
-              <a:t>example</a:t>
-            </a:r>
-            <a:r>
-              <a:rPr kumimoji="1" lang="zh-CN" altLang="en-US" dirty="0">
-                <a:solidFill>
-                  <a:srgbClr val="FFFFFF"/>
-                </a:solidFill>
-              </a:rPr>
-              <a:t>进行测试</a:t>
-            </a:r>
-            <a:endParaRPr kumimoji="1" lang="en-US" altLang="zh-CN" dirty="0">
-              <a:solidFill>
-                <a:srgbClr val="FFFFFF"/>
-              </a:solidFill>
-            </a:endParaRPr>
-          </a:p>
         </p:txBody>
       </p:sp>
+      <p:sp>
+        <p:nvSpPr>
+          <p:cNvPr id="3" name="矩形 2">
+            <a:extLst>
+              <a:ext uri="{FF2B5EF4-FFF2-40B4-BE49-F238E27FC236}">
+                <a16:creationId xmlns:a16="http://schemas.microsoft.com/office/drawing/2014/main" id="{76E9D0C1-2A09-5849-B3E8-D8B2FD5F6649}"/>
+              </a:ext>
+            </a:extLst>
+          </p:cNvPr>
+          <p:cNvSpPr/>
+          <p:nvPr/>
+        </p:nvSpPr>
+        <p:spPr>
+          <a:xfrm>
+            <a:off x="7163499" y="1093200"/>
+            <a:ext cx="4184374" cy="4303644"/>
+          </a:xfrm>
+          <a:prstGeom prst="rect">
+            <a:avLst/>
+          </a:prstGeom>
+        </p:spPr>
+        <p:style>
+          <a:lnRef idx="2">
+            <a:schemeClr val="accent6"/>
+          </a:lnRef>
+          <a:fillRef idx="1">
+            <a:schemeClr val="lt1"/>
+          </a:fillRef>
+          <a:effectRef idx="0">
+            <a:schemeClr val="accent6"/>
+          </a:effectRef>
+          <a:fontRef idx="minor">
+            <a:schemeClr val="dk1"/>
+          </a:fontRef>
+        </p:style>
+        <p:txBody>
+          <a:bodyPr rtlCol="0" anchor="ctr"/>
+          <a:lstStyle/>
+          <a:p>
+            <a:pPr algn="ctr"/>
+            <a:endParaRPr kumimoji="1" lang="zh-CN" altLang="en-US" dirty="0"/>
+          </a:p>
+        </p:txBody>
+      </p:sp>
+      <p:sp>
+        <p:nvSpPr>
+          <p:cNvPr id="4" name="矩形 3">
+            <a:extLst>
+              <a:ext uri="{FF2B5EF4-FFF2-40B4-BE49-F238E27FC236}">
+                <a16:creationId xmlns:a16="http://schemas.microsoft.com/office/drawing/2014/main" id="{4D00408B-104F-624E-8B28-A6A2B408C09C}"/>
+              </a:ext>
+            </a:extLst>
+          </p:cNvPr>
+          <p:cNvSpPr/>
+          <p:nvPr/>
+        </p:nvSpPr>
+        <p:spPr>
+          <a:xfrm>
+            <a:off x="8182319" y="2808593"/>
+            <a:ext cx="2047342" cy="731551"/>
+          </a:xfrm>
+          <a:prstGeom prst="rect">
+            <a:avLst/>
+          </a:prstGeom>
+        </p:spPr>
+        <p:style>
+          <a:lnRef idx="2">
+            <a:schemeClr val="accent1">
+              <a:shade val="50000"/>
+            </a:schemeClr>
+          </a:lnRef>
+          <a:fillRef idx="1">
+            <a:schemeClr val="accent1"/>
+          </a:fillRef>
+          <a:effectRef idx="0">
+            <a:schemeClr val="accent1"/>
+          </a:effectRef>
+          <a:fontRef idx="minor">
+            <a:schemeClr val="lt1"/>
+          </a:fontRef>
+        </p:style>
+        <p:txBody>
+          <a:bodyPr rtlCol="0" anchor="ctr"/>
+          <a:lstStyle/>
+          <a:p>
+            <a:pPr algn="ctr"/>
+            <a:r>
+              <a:rPr kumimoji="1" lang="en-US" altLang="zh-CN" dirty="0"/>
+              <a:t>Mapper</a:t>
+            </a:r>
+            <a:endParaRPr kumimoji="1" lang="zh-CN" altLang="en-US" dirty="0"/>
+          </a:p>
+        </p:txBody>
+      </p:sp>
+      <p:sp>
+        <p:nvSpPr>
+          <p:cNvPr id="5" name="文本框 4">
+            <a:extLst>
+              <a:ext uri="{FF2B5EF4-FFF2-40B4-BE49-F238E27FC236}">
+                <a16:creationId xmlns:a16="http://schemas.microsoft.com/office/drawing/2014/main" id="{BA7304D6-B8C1-E342-81D5-4F6F65E4177D}"/>
+              </a:ext>
+            </a:extLst>
+          </p:cNvPr>
+          <p:cNvSpPr txBox="1"/>
+          <p:nvPr/>
+        </p:nvSpPr>
+        <p:spPr>
+          <a:xfrm>
+            <a:off x="8587280" y="1728407"/>
+            <a:ext cx="1336813" cy="369332"/>
+          </a:xfrm>
+          <a:prstGeom prst="rect">
+            <a:avLst/>
+          </a:prstGeom>
+          <a:noFill/>
+        </p:spPr>
+        <p:txBody>
+          <a:bodyPr wrap="square" rtlCol="0">
+            <a:spAutoFit/>
+          </a:bodyPr>
+          <a:lstStyle/>
+          <a:p>
+            <a:r>
+              <a:rPr kumimoji="1" lang="zh-CN" altLang="en-US" dirty="0"/>
+              <a:t>输入数据</a:t>
+            </a:r>
+          </a:p>
+        </p:txBody>
+      </p:sp>
+      <p:sp>
+        <p:nvSpPr>
+          <p:cNvPr id="12" name="文本框 11">
+            <a:extLst>
+              <a:ext uri="{FF2B5EF4-FFF2-40B4-BE49-F238E27FC236}">
+                <a16:creationId xmlns:a16="http://schemas.microsoft.com/office/drawing/2014/main" id="{46261B56-10C0-8C42-8D75-82354EEA4692}"/>
+              </a:ext>
+            </a:extLst>
+          </p:cNvPr>
+          <p:cNvSpPr txBox="1"/>
+          <p:nvPr/>
+        </p:nvSpPr>
+        <p:spPr>
+          <a:xfrm>
+            <a:off x="8587280" y="4342648"/>
+            <a:ext cx="1336813" cy="369332"/>
+          </a:xfrm>
+          <a:prstGeom prst="rect">
+            <a:avLst/>
+          </a:prstGeom>
+          <a:noFill/>
+        </p:spPr>
+        <p:txBody>
+          <a:bodyPr wrap="square" rtlCol="0">
+            <a:spAutoFit/>
+          </a:bodyPr>
+          <a:lstStyle/>
+          <a:p>
+            <a:r>
+              <a:rPr kumimoji="1" lang="zh-CN" altLang="en-US" dirty="0"/>
+              <a:t>输出数据</a:t>
+            </a:r>
+          </a:p>
+        </p:txBody>
+      </p:sp>
+      <p:cxnSp>
+        <p:nvCxnSpPr>
+          <p:cNvPr id="7" name="直线箭头连接符 6">
+            <a:extLst>
+              <a:ext uri="{FF2B5EF4-FFF2-40B4-BE49-F238E27FC236}">
+                <a16:creationId xmlns:a16="http://schemas.microsoft.com/office/drawing/2014/main" id="{9547BC8B-08F8-064A-919F-580A0F4D524B}"/>
+              </a:ext>
+            </a:extLst>
+          </p:cNvPr>
+          <p:cNvCxnSpPr>
+            <a:cxnSpLocks/>
+          </p:cNvCxnSpPr>
+          <p:nvPr/>
+        </p:nvCxnSpPr>
+        <p:spPr>
+          <a:xfrm flipH="1">
+            <a:off x="9198688" y="2165387"/>
+            <a:ext cx="1" cy="487169"/>
+          </a:xfrm>
+          <a:prstGeom prst="straightConnector1">
+            <a:avLst/>
+          </a:prstGeom>
+          <a:ln w="25400">
+            <a:tailEnd type="triangle"/>
+          </a:ln>
+        </p:spPr>
+        <p:style>
+          <a:lnRef idx="1">
+            <a:schemeClr val="accent1"/>
+          </a:lnRef>
+          <a:fillRef idx="0">
+            <a:schemeClr val="accent1"/>
+          </a:fillRef>
+          <a:effectRef idx="0">
+            <a:schemeClr val="accent1"/>
+          </a:effectRef>
+          <a:fontRef idx="minor">
+            <a:schemeClr val="tx1"/>
+          </a:fontRef>
+        </p:style>
+      </p:cxnSp>
+      <p:cxnSp>
+        <p:nvCxnSpPr>
+          <p:cNvPr id="18" name="直线箭头连接符 17">
+            <a:extLst>
+              <a:ext uri="{FF2B5EF4-FFF2-40B4-BE49-F238E27FC236}">
+                <a16:creationId xmlns:a16="http://schemas.microsoft.com/office/drawing/2014/main" id="{6C753D68-19BF-CA42-A4F4-F2CE0A2A2AAB}"/>
+              </a:ext>
+            </a:extLst>
+          </p:cNvPr>
+          <p:cNvCxnSpPr/>
+          <p:nvPr/>
+        </p:nvCxnSpPr>
+        <p:spPr>
+          <a:xfrm flipH="1">
+            <a:off x="9205989" y="3737740"/>
+            <a:ext cx="1" cy="487169"/>
+          </a:xfrm>
+          <a:prstGeom prst="straightConnector1">
+            <a:avLst/>
+          </a:prstGeom>
+          <a:ln w="25400">
+            <a:tailEnd type="triangle"/>
+          </a:ln>
+        </p:spPr>
+        <p:style>
+          <a:lnRef idx="1">
+            <a:schemeClr val="accent1"/>
+          </a:lnRef>
+          <a:fillRef idx="0">
+            <a:schemeClr val="accent1"/>
+          </a:fillRef>
+          <a:effectRef idx="0">
+            <a:schemeClr val="accent1"/>
+          </a:effectRef>
+          <a:fontRef idx="minor">
+            <a:schemeClr val="tx1"/>
+          </a:fontRef>
+        </p:style>
+      </p:cxnSp>
+      <p:graphicFrame>
+        <p:nvGraphicFramePr>
+          <p:cNvPr id="10" name="表格 9">
+            <a:extLst>
+              <a:ext uri="{FF2B5EF4-FFF2-40B4-BE49-F238E27FC236}">
+                <a16:creationId xmlns:a16="http://schemas.microsoft.com/office/drawing/2014/main" id="{869D00E9-9427-964B-B31B-B08BBEDC58EE}"/>
+              </a:ext>
+            </a:extLst>
+          </p:cNvPr>
+          <p:cNvGraphicFramePr>
+            <a:graphicFrameLocks noGrp="1"/>
+          </p:cNvGraphicFramePr>
+          <p:nvPr>
+            <p:extLst>
+              <p:ext uri="{D42A27DB-BD31-4B8C-83A1-F6EECF244321}">
+                <p14:modId xmlns:p14="http://schemas.microsoft.com/office/powerpoint/2010/main" val="1810099877"/>
+              </p:ext>
+            </p:extLst>
+          </p:nvPr>
+        </p:nvGraphicFramePr>
+        <p:xfrm>
+          <a:off x="376936" y="4648781"/>
+          <a:ext cx="6518134" cy="1705063"/>
+        </p:xfrm>
+        <a:graphic>
+          <a:graphicData uri="http://schemas.openxmlformats.org/drawingml/2006/table">
+            <a:tbl>
+              <a:tblPr firstRow="1" bandRow="1">
+                <a:tableStyleId>{5C22544A-7EE6-4342-B048-85BDC9FD1C3A}</a:tableStyleId>
+              </a:tblPr>
+              <a:tblGrid>
+                <a:gridCol w="1760783">
+                  <a:extLst>
+                    <a:ext uri="{9D8B030D-6E8A-4147-A177-3AD203B41FA5}">
+                      <a16:colId xmlns:a16="http://schemas.microsoft.com/office/drawing/2014/main" val="1601110171"/>
+                    </a:ext>
+                  </a:extLst>
+                </a:gridCol>
+                <a:gridCol w="4757351">
+                  <a:extLst>
+                    <a:ext uri="{9D8B030D-6E8A-4147-A177-3AD203B41FA5}">
+                      <a16:colId xmlns:a16="http://schemas.microsoft.com/office/drawing/2014/main" val="1602880406"/>
+                    </a:ext>
+                  </a:extLst>
+                </a:gridCol>
+              </a:tblGrid>
+              <a:tr h="516343">
+                <a:tc>
+                  <a:txBody>
+                    <a:bodyPr/>
+                    <a:lstStyle/>
+                    <a:p>
+                      <a:r>
+                        <a:rPr lang="zh-CN" altLang="en-US" dirty="0"/>
+                        <a:t>场景</a:t>
+                      </a:r>
+                    </a:p>
+                  </a:txBody>
+                  <a:tcPr>
+                    <a:lnR w="12700" cap="flat" cmpd="sng" algn="ctr">
+                      <a:solidFill>
+                        <a:schemeClr val="tx1"/>
+                      </a:solidFill>
+                      <a:prstDash val="solid"/>
+                      <a:round/>
+                      <a:headEnd type="none" w="med" len="med"/>
+                      <a:tailEnd type="none" w="med" len="med"/>
+                    </a:lnR>
+                    <a:lnB w="12700" cap="flat" cmpd="sng" algn="ctr">
+                      <a:solidFill>
+                        <a:schemeClr val="tx1"/>
+                      </a:solidFill>
+                      <a:prstDash val="solid"/>
+                      <a:round/>
+                      <a:headEnd type="none" w="med" len="med"/>
+                      <a:tailEnd type="none" w="med" len="med"/>
+                    </a:lnB>
+                  </a:tcPr>
+                </a:tc>
+                <a:tc>
+                  <a:txBody>
+                    <a:bodyPr/>
+                    <a:lstStyle/>
+                    <a:p>
+                      <a:r>
+                        <a:rPr lang="zh-CN" altLang="en-US" dirty="0"/>
+                        <a:t>城市名使用简称代替，例如</a:t>
+                      </a:r>
+                      <a:r>
+                        <a:rPr lang="en-US" altLang="zh-CN" dirty="0"/>
+                        <a:t>BOS</a:t>
+                      </a:r>
+                      <a:r>
+                        <a:rPr lang="zh-CN" altLang="en-US" dirty="0"/>
+                        <a:t>，</a:t>
+                      </a:r>
+                      <a:r>
+                        <a:rPr lang="en-US" altLang="zh-CN" dirty="0"/>
+                        <a:t>NYC</a:t>
+                      </a:r>
+                      <a:endParaRPr lang="zh-CN" altLang="en-US" dirty="0"/>
+                    </a:p>
+                  </a:txBody>
+                  <a:tcPr>
+                    <a:lnL w="12700" cap="flat" cmpd="sng" algn="ctr">
+                      <a:solidFill>
+                        <a:schemeClr val="tx1"/>
+                      </a:solidFill>
+                      <a:prstDash val="solid"/>
+                      <a:round/>
+                      <a:headEnd type="none" w="med" len="med"/>
+                      <a:tailEnd type="none" w="med" len="med"/>
+                    </a:lnL>
+                    <a:lnB w="12700" cap="flat" cmpd="sng" algn="ctr">
+                      <a:solidFill>
+                        <a:schemeClr val="tx1"/>
+                      </a:solidFill>
+                      <a:prstDash val="solid"/>
+                      <a:round/>
+                      <a:headEnd type="none" w="med" len="med"/>
+                      <a:tailEnd type="none" w="med" len="med"/>
+                    </a:lnB>
+                  </a:tcPr>
+                </a:tc>
+                <a:extLst>
+                  <a:ext uri="{0D108BD9-81ED-4DB2-BD59-A6C34878D82A}">
+                    <a16:rowId xmlns:a16="http://schemas.microsoft.com/office/drawing/2014/main" val="3646701845"/>
+                  </a:ext>
+                </a:extLst>
+              </a:tr>
+              <a:tr h="794275">
+                <a:tc>
+                  <a:txBody>
+                    <a:bodyPr/>
+                    <a:lstStyle/>
+                    <a:p>
+                      <a:r>
+                        <a:rPr lang="en-US" altLang="zh-CN" dirty="0"/>
+                        <a:t>Map(</a:t>
+                      </a:r>
+                      <a:r>
+                        <a:rPr lang="en-US" altLang="zh-CN" dirty="0" err="1"/>
+                        <a:t>key,value</a:t>
+                      </a:r>
+                      <a:r>
+                        <a:rPr lang="en-US" altLang="zh-CN" dirty="0"/>
+                        <a:t>)</a:t>
+                      </a:r>
+                      <a:endParaRPr lang="zh-CN" altLang="en-US" dirty="0"/>
+                    </a:p>
+                  </a:txBody>
+                  <a:tcPr>
+                    <a:lnR w="12700" cap="flat" cmpd="sng" algn="ctr">
+                      <a:solidFill>
+                        <a:schemeClr val="tx1"/>
+                      </a:solidFill>
+                      <a:prstDash val="solid"/>
+                      <a:round/>
+                      <a:headEnd type="none" w="med" len="med"/>
+                      <a:tailEnd type="none" w="med" len="med"/>
+                    </a:lnR>
+                    <a:lnT w="12700" cap="flat" cmpd="sng" algn="ctr">
+                      <a:solidFill>
+                        <a:schemeClr val="tx1"/>
+                      </a:solidFill>
+                      <a:prstDash val="solid"/>
+                      <a:round/>
+                      <a:headEnd type="none" w="med" len="med"/>
+                      <a:tailEnd type="none" w="med" len="med"/>
+                    </a:lnT>
+                  </a:tcPr>
+                </a:tc>
+                <a:tc>
+                  <a:txBody>
+                    <a:bodyPr/>
+                    <a:lstStyle/>
+                    <a:p>
+                      <a:r>
+                        <a:rPr lang="en-US" altLang="zh-CN" dirty="0"/>
+                        <a:t>Key</a:t>
+                      </a:r>
+                      <a:r>
+                        <a:rPr lang="zh-CN" altLang="en-US" dirty="0"/>
+                        <a:t>：城市名称</a:t>
+                      </a:r>
+                      <a:endParaRPr lang="en-US" altLang="zh-CN" dirty="0"/>
+                    </a:p>
+                    <a:p>
+                      <a:r>
+                        <a:rPr lang="en-US" altLang="zh-CN" dirty="0"/>
+                        <a:t>Value:</a:t>
+                      </a:r>
+                      <a:r>
+                        <a:rPr lang="zh-CN" altLang="en-US" dirty="0"/>
+                        <a:t> 简称，比如城市为</a:t>
+                      </a:r>
+                      <a:r>
+                        <a:rPr lang="en-US" altLang="zh-CN" dirty="0"/>
+                        <a:t>Boston/</a:t>
+                      </a:r>
+                      <a:r>
+                        <a:rPr lang="en-US" altLang="zh-CN" dirty="0" err="1"/>
+                        <a:t>boston</a:t>
+                      </a:r>
+                      <a:r>
+                        <a:rPr lang="zh-CN" altLang="en-US" dirty="0"/>
+                        <a:t>，则转换为</a:t>
+                      </a:r>
+                      <a:r>
+                        <a:rPr lang="en-US" altLang="zh-CN" dirty="0"/>
+                        <a:t>BOS</a:t>
+                      </a:r>
+                      <a:r>
+                        <a:rPr lang="zh-CN" altLang="en-US" dirty="0"/>
+                        <a:t>；如</a:t>
+                      </a:r>
+                      <a:r>
+                        <a:rPr lang="en-US" altLang="zh-CN" dirty="0"/>
+                        <a:t>New</a:t>
+                      </a:r>
+                      <a:r>
+                        <a:rPr lang="zh-CN" altLang="en-US" dirty="0"/>
+                        <a:t> </a:t>
+                      </a:r>
+                      <a:r>
+                        <a:rPr lang="en-US" altLang="zh-CN" dirty="0"/>
+                        <a:t>York/new</a:t>
+                      </a:r>
+                      <a:r>
+                        <a:rPr lang="zh-CN" altLang="en-US" dirty="0"/>
+                        <a:t> </a:t>
+                      </a:r>
+                      <a:r>
+                        <a:rPr lang="en-US" altLang="zh-CN" dirty="0"/>
+                        <a:t>York</a:t>
+                      </a:r>
+                      <a:r>
+                        <a:rPr lang="zh-CN" altLang="en-US" dirty="0"/>
+                        <a:t>，则转换为</a:t>
+                      </a:r>
+                      <a:r>
+                        <a:rPr lang="en-US" altLang="zh-CN" dirty="0"/>
+                        <a:t>NYC</a:t>
+                      </a:r>
+                    </a:p>
+                  </a:txBody>
+                  <a:tcPr>
+                    <a:lnL w="12700" cap="flat" cmpd="sng" algn="ctr">
+                      <a:solidFill>
+                        <a:schemeClr val="tx1"/>
+                      </a:solidFill>
+                      <a:prstDash val="solid"/>
+                      <a:round/>
+                      <a:headEnd type="none" w="med" len="med"/>
+                      <a:tailEnd type="none" w="med" len="med"/>
+                    </a:lnL>
+                    <a:lnT w="12700" cap="flat" cmpd="sng" algn="ctr">
+                      <a:solidFill>
+                        <a:schemeClr val="tx1"/>
+                      </a:solidFill>
+                      <a:prstDash val="solid"/>
+                      <a:round/>
+                      <a:headEnd type="none" w="med" len="med"/>
+                      <a:tailEnd type="none" w="med" len="med"/>
+                    </a:lnT>
+                  </a:tcPr>
+                </a:tc>
+                <a:extLst>
+                  <a:ext uri="{0D108BD9-81ED-4DB2-BD59-A6C34878D82A}">
+                    <a16:rowId xmlns:a16="http://schemas.microsoft.com/office/drawing/2014/main" val="841710538"/>
+                  </a:ext>
+                </a:extLst>
+              </a:tr>
+            </a:tbl>
+          </a:graphicData>
+        </a:graphic>
+      </p:graphicFrame>
     </p:spTree>
     <p:extLst>
       <p:ext uri="{BB962C8B-B14F-4D97-AF65-F5344CB8AC3E}">
@@ -11028,22 +11574,13 @@
             <a:lstStyle/>
             <a:p>
               <a:r>
-                <a:rPr lang="zh-CN" altLang="en-US" sz="2400" dirty="0">
+                <a:rPr lang="en-US" altLang="zh-CN" sz="2400" dirty="0" err="1">
                   <a:solidFill>
                     <a:prstClr val="white"/>
                   </a:solidFill>
                   <a:latin typeface="+mn-ea"/>
                 </a:rPr>
-                <a:t>安装</a:t>
-              </a:r>
-              <a:r>
-                <a:rPr lang="en-US" altLang="zh-CN" sz="2400" dirty="0">
-                  <a:solidFill>
-                    <a:prstClr val="white"/>
-                  </a:solidFill>
-                  <a:latin typeface="+mn-ea"/>
-                </a:rPr>
-                <a:t>Scala</a:t>
+                <a:t>SingleMapperReducer</a:t>
               </a:r>
               <a:r>
                 <a:rPr lang="zh-CN" altLang="en-US" sz="2400" dirty="0">
@@ -11052,7 +11589,7 @@
                   </a:solidFill>
                   <a:latin typeface="+mn-ea"/>
                 </a:rPr>
-                <a:t>插件</a:t>
+                <a:t>作业</a:t>
               </a:r>
             </a:p>
           </p:txBody>
@@ -11095,42 +11632,191 @@
           </p:style>
         </p:cxnSp>
       </p:grpSp>
-      <p:pic>
-        <p:nvPicPr>
-          <p:cNvPr id="2" name="图片 1">
+      <p:sp>
+        <p:nvSpPr>
+          <p:cNvPr id="2" name="文本框 1"/>
+          <p:cNvSpPr txBox="1"/>
+          <p:nvPr/>
+        </p:nvSpPr>
+        <p:spPr>
+          <a:xfrm>
+            <a:off x="911035" y="1753329"/>
+            <a:ext cx="5062604" cy="646331"/>
+          </a:xfrm>
+          <a:prstGeom prst="rect">
+            <a:avLst/>
+          </a:prstGeom>
+          <a:noFill/>
+        </p:spPr>
+        <p:txBody>
+          <a:bodyPr wrap="none" rtlCol="0">
+            <a:spAutoFit/>
+          </a:bodyPr>
+          <a:lstStyle/>
+          <a:p>
+            <a:r>
+              <a:rPr kumimoji="1" lang="zh-CN" altLang="en-US" dirty="0">
+                <a:solidFill>
+                  <a:srgbClr val="FFFFFF"/>
+                </a:solidFill>
+              </a:rPr>
+              <a:t>单一的</a:t>
+            </a:r>
+            <a:r>
+              <a:rPr kumimoji="1" lang="en-US" altLang="zh-CN" dirty="0">
+                <a:solidFill>
+                  <a:srgbClr val="FFFFFF"/>
+                </a:solidFill>
+              </a:rPr>
+              <a:t>mapper-reducer</a:t>
+            </a:r>
+            <a:r>
+              <a:rPr kumimoji="1" lang="zh-CN" altLang="en-US" dirty="0">
+                <a:solidFill>
+                  <a:srgbClr val="FFFFFF"/>
+                </a:solidFill>
+              </a:rPr>
+              <a:t>作业可以用于聚合场景。</a:t>
+            </a:r>
+            <a:endParaRPr kumimoji="1" lang="en-US" altLang="zh-CN" dirty="0">
+              <a:solidFill>
+                <a:srgbClr val="FFFFFF"/>
+              </a:solidFill>
+            </a:endParaRPr>
+          </a:p>
+          <a:p>
+            <a:r>
+              <a:rPr kumimoji="1" lang="zh-CN" altLang="en-US" dirty="0">
+                <a:solidFill>
+                  <a:srgbClr val="FFFFFF"/>
+                </a:solidFill>
+              </a:rPr>
+              <a:t>比如</a:t>
+            </a:r>
+            <a:r>
+              <a:rPr kumimoji="1" lang="en-US" altLang="zh-CN" dirty="0">
+                <a:solidFill>
+                  <a:srgbClr val="FFFFFF"/>
+                </a:solidFill>
+              </a:rPr>
+              <a:t>wordcount</a:t>
+            </a:r>
+            <a:r>
+              <a:rPr kumimoji="1" lang="zh-CN" altLang="en-US" dirty="0">
+                <a:solidFill>
+                  <a:srgbClr val="FFFFFF"/>
+                </a:solidFill>
+              </a:rPr>
+              <a:t>这种聚合操作。</a:t>
+            </a:r>
+            <a:endParaRPr kumimoji="1" lang="en-US" altLang="zh-CN" dirty="0">
+              <a:solidFill>
+                <a:srgbClr val="FFFFFF"/>
+              </a:solidFill>
+            </a:endParaRPr>
+          </a:p>
+        </p:txBody>
+      </p:sp>
+      <p:sp>
+        <p:nvSpPr>
+          <p:cNvPr id="3" name="矩形 2">
             <a:extLst>
               <a:ext uri="{FF2B5EF4-FFF2-40B4-BE49-F238E27FC236}">
-                <a16:creationId xmlns:a16="http://schemas.microsoft.com/office/drawing/2014/main" id="{BEA6EABA-87B8-F34B-BDFF-A7A571F83C76}"/>
+                <a16:creationId xmlns:a16="http://schemas.microsoft.com/office/drawing/2014/main" id="{76E9D0C1-2A09-5849-B3E8-D8B2FD5F6649}"/>
               </a:ext>
             </a:extLst>
           </p:cNvPr>
-          <p:cNvPicPr>
-            <a:picLocks noChangeAspect="1"/>
-          </p:cNvPicPr>
+          <p:cNvSpPr/>
           <p:nvPr/>
-        </p:nvPicPr>
-        <p:blipFill>
-          <a:blip r:embed="rId3"/>
-          <a:stretch>
-            <a:fillRect/>
-          </a:stretch>
-        </p:blipFill>
+        </p:nvSpPr>
         <p:spPr>
           <a:xfrm>
-            <a:off x="298489" y="2426961"/>
-            <a:ext cx="8691336" cy="3960112"/>
+            <a:off x="7163499" y="1093200"/>
+            <a:ext cx="4184374" cy="4303644"/>
           </a:xfrm>
           <a:prstGeom prst="rect">
             <a:avLst/>
           </a:prstGeom>
         </p:spPr>
-      </p:pic>
-      <p:sp>
-        <p:nvSpPr>
-          <p:cNvPr id="3" name="文本框 2">
+        <p:style>
+          <a:lnRef idx="2">
+            <a:schemeClr val="accent6"/>
+          </a:lnRef>
+          <a:fillRef idx="1">
+            <a:schemeClr val="lt1"/>
+          </a:fillRef>
+          <a:effectRef idx="0">
+            <a:schemeClr val="accent6"/>
+          </a:effectRef>
+          <a:fontRef idx="minor">
+            <a:schemeClr val="dk1"/>
+          </a:fontRef>
+        </p:style>
+        <p:txBody>
+          <a:bodyPr rtlCol="0" anchor="ctr"/>
+          <a:lstStyle/>
+          <a:p>
+            <a:pPr algn="ctr"/>
+            <a:endParaRPr kumimoji="1" lang="zh-CN" altLang="en-US" dirty="0"/>
+          </a:p>
+        </p:txBody>
+      </p:sp>
+      <p:sp>
+        <p:nvSpPr>
+          <p:cNvPr id="4" name="矩形 3">
             <a:extLst>
               <a:ext uri="{FF2B5EF4-FFF2-40B4-BE49-F238E27FC236}">
-                <a16:creationId xmlns:a16="http://schemas.microsoft.com/office/drawing/2014/main" id="{2FBE2898-929C-3249-AA82-5E20134B90A6}"/>
+                <a16:creationId xmlns:a16="http://schemas.microsoft.com/office/drawing/2014/main" id="{4D00408B-104F-624E-8B28-A6A2B408C09C}"/>
+              </a:ext>
+            </a:extLst>
+          </p:cNvPr>
+          <p:cNvSpPr/>
+          <p:nvPr/>
+        </p:nvSpPr>
+        <p:spPr>
+          <a:xfrm>
+            <a:off x="8175016" y="2418867"/>
+            <a:ext cx="2047342" cy="731551"/>
+          </a:xfrm>
+          <a:prstGeom prst="rect">
+            <a:avLst/>
+          </a:prstGeom>
+        </p:spPr>
+        <p:style>
+          <a:lnRef idx="2">
+            <a:schemeClr val="accent1">
+              <a:shade val="50000"/>
+            </a:schemeClr>
+          </a:lnRef>
+          <a:fillRef idx="1">
+            <a:schemeClr val="accent1"/>
+          </a:fillRef>
+          <a:effectRef idx="0">
+            <a:schemeClr val="accent1"/>
+          </a:effectRef>
+          <a:fontRef idx="minor">
+            <a:schemeClr val="lt1"/>
+          </a:fontRef>
+        </p:style>
+        <p:txBody>
+          <a:bodyPr rtlCol="0" anchor="ctr"/>
+          <a:lstStyle/>
+          <a:p>
+            <a:pPr algn="ctr"/>
+            <a:r>
+              <a:rPr kumimoji="1" lang="en-US" altLang="zh-CN" dirty="0"/>
+              <a:t>Mapper</a:t>
+            </a:r>
+            <a:endParaRPr kumimoji="1" lang="zh-CN" altLang="en-US" dirty="0"/>
+          </a:p>
+        </p:txBody>
+      </p:sp>
+      <p:sp>
+        <p:nvSpPr>
+          <p:cNvPr id="5" name="文本框 4">
+            <a:extLst>
+              <a:ext uri="{FF2B5EF4-FFF2-40B4-BE49-F238E27FC236}">
+                <a16:creationId xmlns:a16="http://schemas.microsoft.com/office/drawing/2014/main" id="{BA7304D6-B8C1-E342-81D5-4F6F65E4177D}"/>
               </a:ext>
             </a:extLst>
           </p:cNvPr>
@@ -11139,8 +11825,8 @@
         </p:nvSpPr>
         <p:spPr>
           <a:xfrm>
-            <a:off x="322036" y="1436915"/>
-            <a:ext cx="11069056" cy="646331"/>
+            <a:off x="8579977" y="1444628"/>
+            <a:ext cx="1336813" cy="369332"/>
           </a:xfrm>
           <a:prstGeom prst="rect">
             <a:avLst/>
@@ -11148,134 +11834,536 @@
           <a:noFill/>
         </p:spPr>
         <p:txBody>
-          <a:bodyPr wrap="none" rtlCol="0">
+          <a:bodyPr wrap="square" rtlCol="0">
             <a:spAutoFit/>
           </a:bodyPr>
           <a:lstStyle/>
           <a:p>
             <a:r>
-              <a:rPr lang="zh-CN" altLang="en-US" dirty="0">
-                <a:solidFill>
-                  <a:schemeClr val="bg1"/>
-                </a:solidFill>
-              </a:rPr>
-              <a:t>点击页面左下方的</a:t>
-            </a:r>
-            <a:r>
-              <a:rPr lang="en-US" altLang="zh-CN" dirty="0">
-                <a:solidFill>
-                  <a:schemeClr val="bg1"/>
-                </a:solidFill>
-              </a:rPr>
-              <a:t>Install JetBrains plugin...</a:t>
-            </a:r>
-            <a:r>
-              <a:rPr lang="zh-CN" altLang="en-US" dirty="0">
-                <a:solidFill>
-                  <a:schemeClr val="bg1"/>
-                </a:solidFill>
-              </a:rPr>
-              <a:t>按钮，然后来到安装插件的页面。</a:t>
-            </a:r>
-            <a:endParaRPr lang="en-US" altLang="zh-CN" dirty="0">
-              <a:solidFill>
-                <a:schemeClr val="bg1"/>
-              </a:solidFill>
-            </a:endParaRPr>
-          </a:p>
-          <a:p>
-            <a:r>
-              <a:rPr lang="zh-CN" altLang="en-US" dirty="0">
-                <a:solidFill>
-                  <a:schemeClr val="bg1"/>
-                </a:solidFill>
-              </a:rPr>
-              <a:t>在页面左上方的搜索框内搜索</a:t>
-            </a:r>
-            <a:r>
-              <a:rPr lang="en-US" altLang="zh-CN" dirty="0">
-                <a:solidFill>
-                  <a:schemeClr val="bg1"/>
-                </a:solidFill>
-              </a:rPr>
-              <a:t>“</a:t>
-            </a:r>
-            <a:r>
-              <a:rPr lang="en-US" altLang="zh-CN" dirty="0" err="1">
-                <a:solidFill>
-                  <a:schemeClr val="bg1"/>
-                </a:solidFill>
-              </a:rPr>
-              <a:t>scala</a:t>
-            </a:r>
-            <a:r>
-              <a:rPr lang="en-US" altLang="zh-CN" dirty="0">
-                <a:solidFill>
-                  <a:schemeClr val="bg1"/>
-                </a:solidFill>
-              </a:rPr>
-              <a:t>”</a:t>
-            </a:r>
-            <a:r>
-              <a:rPr lang="zh-CN" altLang="en-US" dirty="0">
-                <a:solidFill>
-                  <a:schemeClr val="bg1"/>
-                </a:solidFill>
-              </a:rPr>
-              <a:t>，即可出现</a:t>
-            </a:r>
-            <a:r>
-              <a:rPr lang="en-US" altLang="zh-CN" dirty="0">
-                <a:solidFill>
-                  <a:schemeClr val="bg1"/>
-                </a:solidFill>
-              </a:rPr>
-              <a:t>Scala</a:t>
-            </a:r>
-            <a:r>
-              <a:rPr lang="zh-CN" altLang="en-US" dirty="0">
-                <a:solidFill>
-                  <a:schemeClr val="bg1"/>
-                </a:solidFill>
-              </a:rPr>
-              <a:t>插件的安装界面，点击右侧页面中的</a:t>
-            </a:r>
-            <a:r>
-              <a:rPr lang="en-US" altLang="zh-CN" dirty="0">
-                <a:solidFill>
-                  <a:schemeClr val="bg1"/>
-                </a:solidFill>
-              </a:rPr>
-              <a:t>Install</a:t>
-            </a:r>
-            <a:r>
-              <a:rPr lang="zh-CN" altLang="en-US" dirty="0">
-                <a:solidFill>
-                  <a:schemeClr val="bg1"/>
-                </a:solidFill>
-              </a:rPr>
-              <a:t>进行安装</a:t>
-            </a:r>
-            <a:r>
-              <a:rPr kumimoji="1" lang="zh-CN" altLang="en-US" dirty="0">
-                <a:solidFill>
-                  <a:schemeClr val="bg1"/>
-                </a:solidFill>
-              </a:rPr>
-              <a:t>。</a:t>
-            </a:r>
-            <a:endParaRPr lang="zh-CN" altLang="en-US" dirty="0">
-              <a:solidFill>
-                <a:schemeClr val="bg1"/>
-              </a:solidFill>
-            </a:endParaRPr>
+              <a:rPr kumimoji="1" lang="zh-CN" altLang="en-US" dirty="0"/>
+              <a:t>输入数据</a:t>
+            </a:r>
           </a:p>
         </p:txBody>
       </p:sp>
+      <p:sp>
+        <p:nvSpPr>
+          <p:cNvPr id="12" name="文本框 11">
+            <a:extLst>
+              <a:ext uri="{FF2B5EF4-FFF2-40B4-BE49-F238E27FC236}">
+                <a16:creationId xmlns:a16="http://schemas.microsoft.com/office/drawing/2014/main" id="{46261B56-10C0-8C42-8D75-82354EEA4692}"/>
+              </a:ext>
+            </a:extLst>
+          </p:cNvPr>
+          <p:cNvSpPr txBox="1"/>
+          <p:nvPr/>
+        </p:nvSpPr>
+        <p:spPr>
+          <a:xfrm>
+            <a:off x="8579978" y="4886205"/>
+            <a:ext cx="1336813" cy="369332"/>
+          </a:xfrm>
+          <a:prstGeom prst="rect">
+            <a:avLst/>
+          </a:prstGeom>
+          <a:noFill/>
+        </p:spPr>
+        <p:txBody>
+          <a:bodyPr wrap="square" rtlCol="0">
+            <a:spAutoFit/>
+          </a:bodyPr>
+          <a:lstStyle/>
+          <a:p>
+            <a:r>
+              <a:rPr kumimoji="1" lang="zh-CN" altLang="en-US" dirty="0"/>
+              <a:t>输出数据</a:t>
+            </a:r>
+          </a:p>
+        </p:txBody>
+      </p:sp>
+      <p:cxnSp>
+        <p:nvCxnSpPr>
+          <p:cNvPr id="7" name="直线箭头连接符 6">
+            <a:extLst>
+              <a:ext uri="{FF2B5EF4-FFF2-40B4-BE49-F238E27FC236}">
+                <a16:creationId xmlns:a16="http://schemas.microsoft.com/office/drawing/2014/main" id="{9547BC8B-08F8-064A-919F-580A0F4D524B}"/>
+              </a:ext>
+            </a:extLst>
+          </p:cNvPr>
+          <p:cNvCxnSpPr>
+            <a:cxnSpLocks/>
+          </p:cNvCxnSpPr>
+          <p:nvPr/>
+        </p:nvCxnSpPr>
+        <p:spPr>
+          <a:xfrm flipH="1">
+            <a:off x="9198687" y="1872829"/>
+            <a:ext cx="1" cy="487169"/>
+          </a:xfrm>
+          <a:prstGeom prst="straightConnector1">
+            <a:avLst/>
+          </a:prstGeom>
+          <a:ln w="25400">
+            <a:tailEnd type="triangle"/>
+          </a:ln>
+        </p:spPr>
+        <p:style>
+          <a:lnRef idx="1">
+            <a:schemeClr val="accent1"/>
+          </a:lnRef>
+          <a:fillRef idx="0">
+            <a:schemeClr val="accent1"/>
+          </a:fillRef>
+          <a:effectRef idx="0">
+            <a:schemeClr val="accent1"/>
+          </a:effectRef>
+          <a:fontRef idx="minor">
+            <a:schemeClr val="tx1"/>
+          </a:fontRef>
+        </p:style>
+      </p:cxnSp>
+      <p:cxnSp>
+        <p:nvCxnSpPr>
+          <p:cNvPr id="18" name="直线箭头连接符 17">
+            <a:extLst>
+              <a:ext uri="{FF2B5EF4-FFF2-40B4-BE49-F238E27FC236}">
+                <a16:creationId xmlns:a16="http://schemas.microsoft.com/office/drawing/2014/main" id="{6C753D68-19BF-CA42-A4F4-F2CE0A2A2AAB}"/>
+              </a:ext>
+            </a:extLst>
+          </p:cNvPr>
+          <p:cNvCxnSpPr/>
+          <p:nvPr/>
+        </p:nvCxnSpPr>
+        <p:spPr>
+          <a:xfrm flipH="1">
+            <a:off x="9198686" y="4399036"/>
+            <a:ext cx="1" cy="487169"/>
+          </a:xfrm>
+          <a:prstGeom prst="straightConnector1">
+            <a:avLst/>
+          </a:prstGeom>
+          <a:ln w="25400">
+            <a:tailEnd type="triangle"/>
+          </a:ln>
+        </p:spPr>
+        <p:style>
+          <a:lnRef idx="1">
+            <a:schemeClr val="accent1"/>
+          </a:lnRef>
+          <a:fillRef idx="0">
+            <a:schemeClr val="accent1"/>
+          </a:fillRef>
+          <a:effectRef idx="0">
+            <a:schemeClr val="accent1"/>
+          </a:effectRef>
+          <a:fontRef idx="minor">
+            <a:schemeClr val="tx1"/>
+          </a:fontRef>
+        </p:style>
+      </p:cxnSp>
+      <p:sp>
+        <p:nvSpPr>
+          <p:cNvPr id="13" name="矩形 12">
+            <a:extLst>
+              <a:ext uri="{FF2B5EF4-FFF2-40B4-BE49-F238E27FC236}">
+                <a16:creationId xmlns:a16="http://schemas.microsoft.com/office/drawing/2014/main" id="{2F13359C-BBD9-0048-8716-0A3EA18C1E4C}"/>
+              </a:ext>
+            </a:extLst>
+          </p:cNvPr>
+          <p:cNvSpPr/>
+          <p:nvPr/>
+        </p:nvSpPr>
+        <p:spPr>
+          <a:xfrm>
+            <a:off x="8175016" y="3608616"/>
+            <a:ext cx="2047342" cy="731551"/>
+          </a:xfrm>
+          <a:prstGeom prst="rect">
+            <a:avLst/>
+          </a:prstGeom>
+        </p:spPr>
+        <p:style>
+          <a:lnRef idx="2">
+            <a:schemeClr val="accent1">
+              <a:shade val="50000"/>
+            </a:schemeClr>
+          </a:lnRef>
+          <a:fillRef idx="1">
+            <a:schemeClr val="accent1"/>
+          </a:fillRef>
+          <a:effectRef idx="0">
+            <a:schemeClr val="accent1"/>
+          </a:effectRef>
+          <a:fontRef idx="minor">
+            <a:schemeClr val="lt1"/>
+          </a:fontRef>
+        </p:style>
+        <p:txBody>
+          <a:bodyPr rtlCol="0" anchor="ctr"/>
+          <a:lstStyle/>
+          <a:p>
+            <a:pPr algn="ctr"/>
+            <a:r>
+              <a:rPr kumimoji="1" lang="en-US" altLang="zh-CN" dirty="0"/>
+              <a:t>Reducer</a:t>
+            </a:r>
+            <a:endParaRPr kumimoji="1" lang="zh-CN" altLang="en-US" dirty="0"/>
+          </a:p>
+        </p:txBody>
+      </p:sp>
+      <p:cxnSp>
+        <p:nvCxnSpPr>
+          <p:cNvPr id="14" name="直线箭头连接符 13">
+            <a:extLst>
+              <a:ext uri="{FF2B5EF4-FFF2-40B4-BE49-F238E27FC236}">
+                <a16:creationId xmlns:a16="http://schemas.microsoft.com/office/drawing/2014/main" id="{55D464AD-F8D8-4E43-830D-00757663B001}"/>
+              </a:ext>
+            </a:extLst>
+          </p:cNvPr>
+          <p:cNvCxnSpPr>
+            <a:cxnSpLocks/>
+          </p:cNvCxnSpPr>
+          <p:nvPr/>
+        </p:nvCxnSpPr>
+        <p:spPr>
+          <a:xfrm flipH="1">
+            <a:off x="9174718" y="3153190"/>
+            <a:ext cx="1" cy="487169"/>
+          </a:xfrm>
+          <a:prstGeom prst="straightConnector1">
+            <a:avLst/>
+          </a:prstGeom>
+          <a:ln w="25400">
+            <a:tailEnd type="triangle"/>
+          </a:ln>
+        </p:spPr>
+        <p:style>
+          <a:lnRef idx="1">
+            <a:schemeClr val="accent1"/>
+          </a:lnRef>
+          <a:fillRef idx="0">
+            <a:schemeClr val="accent1"/>
+          </a:fillRef>
+          <a:effectRef idx="0">
+            <a:schemeClr val="accent1"/>
+          </a:effectRef>
+          <a:fontRef idx="minor">
+            <a:schemeClr val="tx1"/>
+          </a:fontRef>
+        </p:style>
+      </p:cxnSp>
+      <p:graphicFrame>
+        <p:nvGraphicFramePr>
+          <p:cNvPr id="15" name="表格 14">
+            <a:extLst>
+              <a:ext uri="{FF2B5EF4-FFF2-40B4-BE49-F238E27FC236}">
+                <a16:creationId xmlns:a16="http://schemas.microsoft.com/office/drawing/2014/main" id="{C5D38806-B073-2E4D-90ED-7E5A28B160AF}"/>
+              </a:ext>
+            </a:extLst>
+          </p:cNvPr>
+          <p:cNvGraphicFramePr>
+            <a:graphicFrameLocks noGrp="1"/>
+          </p:cNvGraphicFramePr>
+          <p:nvPr>
+            <p:extLst>
+              <p:ext uri="{D42A27DB-BD31-4B8C-83A1-F6EECF244321}">
+                <p14:modId xmlns:p14="http://schemas.microsoft.com/office/powerpoint/2010/main" val="2643271359"/>
+              </p:ext>
+            </p:extLst>
+          </p:nvPr>
+        </p:nvGraphicFramePr>
+        <p:xfrm>
+          <a:off x="496079" y="4529628"/>
+          <a:ext cx="6518134" cy="1734431"/>
+        </p:xfrm>
+        <a:graphic>
+          <a:graphicData uri="http://schemas.openxmlformats.org/drawingml/2006/table">
+            <a:tbl>
+              <a:tblPr firstRow="1" bandRow="1">
+                <a:tableStyleId>{5C22544A-7EE6-4342-B048-85BDC9FD1C3A}</a:tableStyleId>
+              </a:tblPr>
+              <a:tblGrid>
+                <a:gridCol w="1760783">
+                  <a:extLst>
+                    <a:ext uri="{9D8B030D-6E8A-4147-A177-3AD203B41FA5}">
+                      <a16:colId xmlns:a16="http://schemas.microsoft.com/office/drawing/2014/main" val="1601110171"/>
+                    </a:ext>
+                  </a:extLst>
+                </a:gridCol>
+                <a:gridCol w="4757351">
+                  <a:extLst>
+                    <a:ext uri="{9D8B030D-6E8A-4147-A177-3AD203B41FA5}">
+                      <a16:colId xmlns:a16="http://schemas.microsoft.com/office/drawing/2014/main" val="1602880406"/>
+                    </a:ext>
+                  </a:extLst>
+                </a:gridCol>
+              </a:tblGrid>
+              <a:tr h="516343">
+                <a:tc>
+                  <a:txBody>
+                    <a:bodyPr/>
+                    <a:lstStyle/>
+                    <a:p>
+                      <a:r>
+                        <a:rPr lang="zh-CN" altLang="en-US" dirty="0"/>
+                        <a:t>场景</a:t>
+                      </a:r>
+                    </a:p>
+                  </a:txBody>
+                  <a:tcPr>
+                    <a:lnR w="12700" cap="flat" cmpd="sng" algn="ctr">
+                      <a:solidFill>
+                        <a:schemeClr val="tx1"/>
+                      </a:solidFill>
+                      <a:prstDash val="solid"/>
+                      <a:round/>
+                      <a:headEnd type="none" w="med" len="med"/>
+                      <a:tailEnd type="none" w="med" len="med"/>
+                    </a:lnR>
+                    <a:lnB w="12700" cap="flat" cmpd="sng" algn="ctr">
+                      <a:solidFill>
+                        <a:schemeClr val="tx1"/>
+                      </a:solidFill>
+                      <a:prstDash val="solid"/>
+                      <a:round/>
+                      <a:headEnd type="none" w="med" len="med"/>
+                      <a:tailEnd type="none" w="med" len="med"/>
+                    </a:lnB>
+                  </a:tcPr>
+                </a:tc>
+                <a:tc>
+                  <a:txBody>
+                    <a:bodyPr/>
+                    <a:lstStyle/>
+                    <a:p>
+                      <a:r>
+                        <a:rPr lang="zh-CN" altLang="en-US" dirty="0"/>
+                        <a:t>计算所有城市的平均温度</a:t>
+                      </a:r>
+                    </a:p>
+                  </a:txBody>
+                  <a:tcPr>
+                    <a:lnL w="12700" cap="flat" cmpd="sng" algn="ctr">
+                      <a:solidFill>
+                        <a:schemeClr val="tx1"/>
+                      </a:solidFill>
+                      <a:prstDash val="solid"/>
+                      <a:round/>
+                      <a:headEnd type="none" w="med" len="med"/>
+                      <a:tailEnd type="none" w="med" len="med"/>
+                    </a:lnL>
+                    <a:lnB w="12700" cap="flat" cmpd="sng" algn="ctr">
+                      <a:solidFill>
+                        <a:schemeClr val="tx1"/>
+                      </a:solidFill>
+                      <a:prstDash val="solid"/>
+                      <a:round/>
+                      <a:headEnd type="none" w="med" len="med"/>
+                      <a:tailEnd type="none" w="med" len="med"/>
+                    </a:lnB>
+                  </a:tcPr>
+                </a:tc>
+                <a:extLst>
+                  <a:ext uri="{0D108BD9-81ED-4DB2-BD59-A6C34878D82A}">
+                    <a16:rowId xmlns:a16="http://schemas.microsoft.com/office/drawing/2014/main" val="3646701845"/>
+                  </a:ext>
+                </a:extLst>
+              </a:tr>
+              <a:tr h="794275">
+                <a:tc>
+                  <a:txBody>
+                    <a:bodyPr/>
+                    <a:lstStyle/>
+                    <a:p>
+                      <a:r>
+                        <a:rPr lang="en-US" altLang="zh-CN" dirty="0"/>
+                        <a:t>Map(</a:t>
+                      </a:r>
+                      <a:r>
+                        <a:rPr lang="en-US" altLang="zh-CN" dirty="0" err="1"/>
+                        <a:t>key,value</a:t>
+                      </a:r>
+                      <a:r>
+                        <a:rPr lang="en-US" altLang="zh-CN" dirty="0"/>
+                        <a:t>)</a:t>
+                      </a:r>
+                      <a:endParaRPr lang="zh-CN" altLang="en-US" dirty="0"/>
+                    </a:p>
+                  </a:txBody>
+                  <a:tcPr>
+                    <a:lnR w="12700" cap="flat" cmpd="sng" algn="ctr">
+                      <a:solidFill>
+                        <a:schemeClr val="tx1"/>
+                      </a:solidFill>
+                      <a:prstDash val="solid"/>
+                      <a:round/>
+                      <a:headEnd type="none" w="med" len="med"/>
+                      <a:tailEnd type="none" w="med" len="med"/>
+                    </a:lnR>
+                    <a:lnT w="12700" cap="flat" cmpd="sng" algn="ctr">
+                      <a:solidFill>
+                        <a:schemeClr val="tx1"/>
+                      </a:solidFill>
+                      <a:prstDash val="solid"/>
+                      <a:round/>
+                      <a:headEnd type="none" w="med" len="med"/>
+                      <a:tailEnd type="none" w="med" len="med"/>
+                    </a:lnT>
+                    <a:lnB w="12700" cap="flat" cmpd="sng" algn="ctr">
+                      <a:solidFill>
+                        <a:schemeClr val="tx1"/>
+                      </a:solidFill>
+                      <a:prstDash val="solid"/>
+                      <a:round/>
+                      <a:headEnd type="none" w="med" len="med"/>
+                      <a:tailEnd type="none" w="med" len="med"/>
+                    </a:lnB>
+                  </a:tcPr>
+                </a:tc>
+                <a:tc>
+                  <a:txBody>
+                    <a:bodyPr/>
+                    <a:lstStyle/>
+                    <a:p>
+                      <a:r>
+                        <a:rPr lang="en-US" altLang="zh-CN" dirty="0"/>
+                        <a:t>Key</a:t>
+                      </a:r>
+                      <a:r>
+                        <a:rPr lang="zh-CN" altLang="en-US" dirty="0"/>
+                        <a:t>：城市名称</a:t>
+                      </a:r>
+                      <a:endParaRPr lang="en-US" altLang="zh-CN" dirty="0"/>
+                    </a:p>
+                    <a:p>
+                      <a:r>
+                        <a:rPr lang="en-US" altLang="zh-CN" dirty="0"/>
+                        <a:t>Value:</a:t>
+                      </a:r>
+                      <a:r>
+                        <a:rPr lang="zh-CN" altLang="en-US" dirty="0"/>
+                        <a:t> 城市的温度</a:t>
+                      </a:r>
+                      <a:endParaRPr lang="en-US" altLang="zh-CN" dirty="0"/>
+                    </a:p>
+                  </a:txBody>
+                  <a:tcPr>
+                    <a:lnL w="12700" cap="flat" cmpd="sng" algn="ctr">
+                      <a:solidFill>
+                        <a:schemeClr val="tx1"/>
+                      </a:solidFill>
+                      <a:prstDash val="solid"/>
+                      <a:round/>
+                      <a:headEnd type="none" w="med" len="med"/>
+                      <a:tailEnd type="none" w="med" len="med"/>
+                    </a:lnL>
+                    <a:lnT w="12700" cap="flat" cmpd="sng" algn="ctr">
+                      <a:solidFill>
+                        <a:schemeClr val="tx1"/>
+                      </a:solidFill>
+                      <a:prstDash val="solid"/>
+                      <a:round/>
+                      <a:headEnd type="none" w="med" len="med"/>
+                      <a:tailEnd type="none" w="med" len="med"/>
+                    </a:lnT>
+                    <a:lnB w="12700" cap="flat" cmpd="sng" algn="ctr">
+                      <a:solidFill>
+                        <a:schemeClr val="tx1"/>
+                      </a:solidFill>
+                      <a:prstDash val="solid"/>
+                      <a:round/>
+                      <a:headEnd type="none" w="med" len="med"/>
+                      <a:tailEnd type="none" w="med" len="med"/>
+                    </a:lnB>
+                  </a:tcPr>
+                </a:tc>
+                <a:extLst>
+                  <a:ext uri="{0D108BD9-81ED-4DB2-BD59-A6C34878D82A}">
+                    <a16:rowId xmlns:a16="http://schemas.microsoft.com/office/drawing/2014/main" val="841710538"/>
+                  </a:ext>
+                </a:extLst>
+              </a:tr>
+              <a:tr h="423813">
+                <a:tc>
+                  <a:txBody>
+                    <a:bodyPr/>
+                    <a:lstStyle/>
+                    <a:p>
+                      <a:r>
+                        <a:rPr lang="en-US" altLang="zh-CN" dirty="0"/>
+                        <a:t>Reduce</a:t>
+                      </a:r>
+                      <a:endParaRPr lang="zh-CN" altLang="en-US" dirty="0"/>
+                    </a:p>
+                  </a:txBody>
+                  <a:tcPr>
+                    <a:lnR w="12700" cap="flat" cmpd="sng" algn="ctr">
+                      <a:solidFill>
+                        <a:schemeClr val="tx1"/>
+                      </a:solidFill>
+                      <a:prstDash val="solid"/>
+                      <a:round/>
+                      <a:headEnd type="none" w="med" len="med"/>
+                      <a:tailEnd type="none" w="med" len="med"/>
+                    </a:lnR>
+                    <a:lnT w="12700" cap="flat" cmpd="sng" algn="ctr">
+                      <a:solidFill>
+                        <a:schemeClr val="tx1"/>
+                      </a:solidFill>
+                      <a:prstDash val="solid"/>
+                      <a:round/>
+                      <a:headEnd type="none" w="med" len="med"/>
+                      <a:tailEnd type="none" w="med" len="med"/>
+                    </a:lnT>
+                  </a:tcPr>
+                </a:tc>
+                <a:tc>
+                  <a:txBody>
+                    <a:bodyPr/>
+                    <a:lstStyle/>
+                    <a:p>
+                      <a:r>
+                        <a:rPr lang="zh-CN" altLang="en-US" dirty="0"/>
+                        <a:t>通过城市进行分组，并计算每个城市平均温度</a:t>
+                      </a:r>
+                      <a:endParaRPr lang="en-US" altLang="zh-CN" dirty="0"/>
+                    </a:p>
+                  </a:txBody>
+                  <a:tcPr>
+                    <a:lnL w="12700" cap="flat" cmpd="sng" algn="ctr">
+                      <a:solidFill>
+                        <a:schemeClr val="tx1"/>
+                      </a:solidFill>
+                      <a:prstDash val="solid"/>
+                      <a:round/>
+                      <a:headEnd type="none" w="med" len="med"/>
+                      <a:tailEnd type="none" w="med" len="med"/>
+                    </a:lnL>
+                    <a:lnT w="12700" cap="flat" cmpd="sng" algn="ctr">
+                      <a:solidFill>
+                        <a:schemeClr val="tx1"/>
+                      </a:solidFill>
+                      <a:prstDash val="solid"/>
+                      <a:round/>
+                      <a:headEnd type="none" w="med" len="med"/>
+                      <a:tailEnd type="none" w="med" len="med"/>
+                    </a:lnT>
+                  </a:tcPr>
+                </a:tc>
+                <a:extLst>
+                  <a:ext uri="{0D108BD9-81ED-4DB2-BD59-A6C34878D82A}">
+                    <a16:rowId xmlns:a16="http://schemas.microsoft.com/office/drawing/2014/main" val="3579278288"/>
+                  </a:ext>
+                </a:extLst>
+              </a:tr>
+            </a:tbl>
+          </a:graphicData>
+        </a:graphic>
+      </p:graphicFrame>
     </p:spTree>
     <p:extLst>
       <p:ext uri="{BB962C8B-B14F-4D97-AF65-F5344CB8AC3E}">
-        <p14:creationId xmlns:p14="http://schemas.microsoft.com/office/powerpoint/2010/main" val="2137435060"/>
+        <p14:creationId xmlns:p14="http://schemas.microsoft.com/office/powerpoint/2010/main" val="2135953138"/>
       </p:ext>
     </p:extLst>
   </p:cSld>
@@ -11305,12 +12393,378 @@
           <a:chExt cx="0" cy="0"/>
         </a:xfrm>
       </p:grpSpPr>
-      <p:sp>
-        <p:nvSpPr>
-          <p:cNvPr id="2" name="文本框 1">
+      <p:grpSp>
+        <p:nvGrpSpPr>
+          <p:cNvPr id="38" name="组合 37"/>
+          <p:cNvGrpSpPr/>
+          <p:nvPr/>
+        </p:nvGrpSpPr>
+        <p:grpSpPr>
+          <a:xfrm>
+            <a:off x="672374" y="631535"/>
+            <a:ext cx="4356129" cy="536573"/>
+            <a:chOff x="1007305" y="947449"/>
+            <a:chExt cx="6535202" cy="804983"/>
+          </a:xfrm>
+        </p:grpSpPr>
+        <p:sp>
+          <p:nvSpPr>
+            <p:cNvPr id="39" name="文本框 38"/>
+            <p:cNvSpPr txBox="1"/>
+            <p:nvPr/>
+          </p:nvSpPr>
+          <p:spPr>
+            <a:xfrm>
+              <a:off x="1007305" y="947449"/>
+              <a:ext cx="6535202" cy="692604"/>
+            </a:xfrm>
+            <a:prstGeom prst="rect">
+              <a:avLst/>
+            </a:prstGeom>
+            <a:noFill/>
+          </p:spPr>
+          <p:txBody>
+            <a:bodyPr wrap="square" rtlCol="0">
+              <a:spAutoFit/>
+            </a:bodyPr>
+            <a:lstStyle/>
+            <a:p>
+              <a:r>
+                <a:rPr lang="en-US" altLang="zh-CN" sz="2400" dirty="0" err="1">
+                  <a:solidFill>
+                    <a:prstClr val="white"/>
+                  </a:solidFill>
+                  <a:latin typeface="+mn-ea"/>
+                </a:rPr>
+                <a:t>MultipleMappersReducer</a:t>
+              </a:r>
+              <a:r>
+                <a:rPr lang="zh-CN" altLang="en-US" sz="2400" dirty="0">
+                  <a:solidFill>
+                    <a:prstClr val="white"/>
+                  </a:solidFill>
+                  <a:latin typeface="+mn-ea"/>
+                </a:rPr>
+                <a:t>作业</a:t>
+              </a:r>
+            </a:p>
+          </p:txBody>
+        </p:sp>
+        <p:cxnSp>
+          <p:nvCxnSpPr>
+            <p:cNvPr id="40" name="直线连接符 5"/>
+            <p:cNvCxnSpPr/>
+            <p:nvPr/>
+          </p:nvCxnSpPr>
+          <p:spPr>
+            <a:xfrm>
+              <a:off x="1007305" y="1752432"/>
+              <a:ext cx="3742116" cy="0"/>
+            </a:xfrm>
+            <a:prstGeom prst="line">
+              <a:avLst/>
+            </a:prstGeom>
+            <a:ln>
+              <a:solidFill>
+                <a:schemeClr val="bg1"/>
+              </a:solidFill>
+              <a:headEnd type="oval"/>
+              <a:tailEnd type="oval"/>
+            </a:ln>
+          </p:spPr>
+          <p:style>
+            <a:lnRef idx="1">
+              <a:schemeClr val="accent1"/>
+            </a:lnRef>
+            <a:fillRef idx="0">
+              <a:schemeClr val="accent1"/>
+            </a:fillRef>
+            <a:effectRef idx="0">
+              <a:schemeClr val="accent1"/>
+            </a:effectRef>
+            <a:fontRef idx="minor">
+              <a:schemeClr val="tx1"/>
+            </a:fontRef>
+          </p:style>
+        </p:cxnSp>
+      </p:grpSp>
+      <p:sp>
+        <p:nvSpPr>
+          <p:cNvPr id="2" name="文本框 1"/>
+          <p:cNvSpPr txBox="1"/>
+          <p:nvPr/>
+        </p:nvSpPr>
+        <p:spPr>
+          <a:xfrm>
+            <a:off x="911035" y="1753329"/>
+            <a:ext cx="5580374" cy="646331"/>
+          </a:xfrm>
+          <a:prstGeom prst="rect">
+            <a:avLst/>
+          </a:prstGeom>
+          <a:noFill/>
+        </p:spPr>
+        <p:txBody>
+          <a:bodyPr wrap="none" rtlCol="0">
+            <a:spAutoFit/>
+          </a:bodyPr>
+          <a:lstStyle/>
+          <a:p>
+            <a:r>
+              <a:rPr kumimoji="1" lang="en-US" altLang="zh-CN" dirty="0" err="1">
+                <a:solidFill>
+                  <a:srgbClr val="FFFFFF"/>
+                </a:solidFill>
+              </a:rPr>
+              <a:t>MultipleMappersReducer</a:t>
+            </a:r>
+            <a:r>
+              <a:rPr kumimoji="1" lang="zh-CN" altLang="en-US" dirty="0">
+                <a:solidFill>
+                  <a:srgbClr val="FFFFFF"/>
+                </a:solidFill>
+              </a:rPr>
+              <a:t>作业中，</a:t>
+            </a:r>
+            <a:endParaRPr kumimoji="1" lang="en-US" altLang="zh-CN" dirty="0">
+              <a:solidFill>
+                <a:srgbClr val="FFFFFF"/>
+              </a:solidFill>
+            </a:endParaRPr>
+          </a:p>
+          <a:p>
+            <a:r>
+              <a:rPr kumimoji="1" lang="zh-CN" altLang="en-US" dirty="0">
+                <a:solidFill>
+                  <a:srgbClr val="FFFFFF"/>
+                </a:solidFill>
+              </a:rPr>
+              <a:t>输入来源于多个文件，并生成连接</a:t>
+            </a:r>
+            <a:r>
+              <a:rPr kumimoji="1" lang="en-US" altLang="zh-CN" dirty="0">
+                <a:solidFill>
+                  <a:srgbClr val="FFFFFF"/>
+                </a:solidFill>
+              </a:rPr>
+              <a:t>/</a:t>
+            </a:r>
+            <a:r>
+              <a:rPr kumimoji="1" lang="zh-CN" altLang="en-US" dirty="0">
+                <a:solidFill>
+                  <a:srgbClr val="FFFFFF"/>
+                </a:solidFill>
+              </a:rPr>
+              <a:t>聚合的输出结果。</a:t>
+            </a:r>
+            <a:endParaRPr kumimoji="1" lang="en-US" altLang="zh-CN" dirty="0">
+              <a:solidFill>
+                <a:srgbClr val="FFFFFF"/>
+              </a:solidFill>
+            </a:endParaRPr>
+          </a:p>
+        </p:txBody>
+      </p:sp>
+      <p:sp>
+        <p:nvSpPr>
+          <p:cNvPr id="3" name="矩形 2">
             <a:extLst>
               <a:ext uri="{FF2B5EF4-FFF2-40B4-BE49-F238E27FC236}">
-                <a16:creationId xmlns:a16="http://schemas.microsoft.com/office/drawing/2014/main" id="{9F8A2339-3E2E-5446-8688-D37CD1DA8E61}"/>
+                <a16:creationId xmlns:a16="http://schemas.microsoft.com/office/drawing/2014/main" id="{76E9D0C1-2A09-5849-B3E8-D8B2FD5F6649}"/>
+              </a:ext>
+            </a:extLst>
+          </p:cNvPr>
+          <p:cNvSpPr/>
+          <p:nvPr/>
+        </p:nvSpPr>
+        <p:spPr>
+          <a:xfrm>
+            <a:off x="6846405" y="1168108"/>
+            <a:ext cx="4184374" cy="4303644"/>
+          </a:xfrm>
+          <a:prstGeom prst="rect">
+            <a:avLst/>
+          </a:prstGeom>
+        </p:spPr>
+        <p:style>
+          <a:lnRef idx="2">
+            <a:schemeClr val="accent6"/>
+          </a:lnRef>
+          <a:fillRef idx="1">
+            <a:schemeClr val="lt1"/>
+          </a:fillRef>
+          <a:effectRef idx="0">
+            <a:schemeClr val="accent6"/>
+          </a:effectRef>
+          <a:fontRef idx="minor">
+            <a:schemeClr val="dk1"/>
+          </a:fontRef>
+        </p:style>
+        <p:txBody>
+          <a:bodyPr rtlCol="0" anchor="ctr"/>
+          <a:lstStyle/>
+          <a:p>
+            <a:pPr algn="ctr"/>
+            <a:endParaRPr kumimoji="1" lang="zh-CN" altLang="en-US" dirty="0"/>
+          </a:p>
+        </p:txBody>
+      </p:sp>
+      <p:sp>
+        <p:nvSpPr>
+          <p:cNvPr id="4" name="矩形 3">
+            <a:extLst>
+              <a:ext uri="{FF2B5EF4-FFF2-40B4-BE49-F238E27FC236}">
+                <a16:creationId xmlns:a16="http://schemas.microsoft.com/office/drawing/2014/main" id="{4D00408B-104F-624E-8B28-A6A2B408C09C}"/>
+              </a:ext>
+            </a:extLst>
+          </p:cNvPr>
+          <p:cNvSpPr/>
+          <p:nvPr/>
+        </p:nvSpPr>
+        <p:spPr>
+          <a:xfrm>
+            <a:off x="7543800" y="2399660"/>
+            <a:ext cx="1252330" cy="542323"/>
+          </a:xfrm>
+          <a:prstGeom prst="rect">
+            <a:avLst/>
+          </a:prstGeom>
+        </p:spPr>
+        <p:style>
+          <a:lnRef idx="2">
+            <a:schemeClr val="accent1">
+              <a:shade val="50000"/>
+            </a:schemeClr>
+          </a:lnRef>
+          <a:fillRef idx="1">
+            <a:schemeClr val="accent1"/>
+          </a:fillRef>
+          <a:effectRef idx="0">
+            <a:schemeClr val="accent1"/>
+          </a:effectRef>
+          <a:fontRef idx="minor">
+            <a:schemeClr val="lt1"/>
+          </a:fontRef>
+        </p:style>
+        <p:txBody>
+          <a:bodyPr rtlCol="0" anchor="ctr"/>
+          <a:lstStyle/>
+          <a:p>
+            <a:pPr algn="ctr"/>
+            <a:r>
+              <a:rPr kumimoji="1" lang="en-US" altLang="zh-CN" dirty="0"/>
+              <a:t>Mapper</a:t>
+            </a:r>
+            <a:endParaRPr kumimoji="1" lang="zh-CN" altLang="en-US" dirty="0"/>
+          </a:p>
+        </p:txBody>
+      </p:sp>
+      <p:sp>
+        <p:nvSpPr>
+          <p:cNvPr id="8" name="矩形 7">
+            <a:extLst>
+              <a:ext uri="{FF2B5EF4-FFF2-40B4-BE49-F238E27FC236}">
+                <a16:creationId xmlns:a16="http://schemas.microsoft.com/office/drawing/2014/main" id="{DD38AB91-7DF5-B243-98BE-4CA35A4DC0FC}"/>
+              </a:ext>
+            </a:extLst>
+          </p:cNvPr>
+          <p:cNvSpPr/>
+          <p:nvPr/>
+        </p:nvSpPr>
+        <p:spPr>
+          <a:xfrm>
+            <a:off x="9119152" y="2399659"/>
+            <a:ext cx="1252330" cy="542323"/>
+          </a:xfrm>
+          <a:prstGeom prst="rect">
+            <a:avLst/>
+          </a:prstGeom>
+        </p:spPr>
+        <p:style>
+          <a:lnRef idx="2">
+            <a:schemeClr val="accent1">
+              <a:shade val="50000"/>
+            </a:schemeClr>
+          </a:lnRef>
+          <a:fillRef idx="1">
+            <a:schemeClr val="accent1"/>
+          </a:fillRef>
+          <a:effectRef idx="0">
+            <a:schemeClr val="accent1"/>
+          </a:effectRef>
+          <a:fontRef idx="minor">
+            <a:schemeClr val="lt1"/>
+          </a:fontRef>
+        </p:style>
+        <p:txBody>
+          <a:bodyPr rtlCol="0" anchor="ctr"/>
+          <a:lstStyle/>
+          <a:p>
+            <a:pPr algn="ctr"/>
+            <a:r>
+              <a:rPr kumimoji="1" lang="en-US" altLang="zh-CN" dirty="0"/>
+              <a:t>Mapper</a:t>
+            </a:r>
+            <a:endParaRPr kumimoji="1" lang="zh-CN" altLang="en-US" dirty="0"/>
+          </a:p>
+        </p:txBody>
+      </p:sp>
+      <p:sp>
+        <p:nvSpPr>
+          <p:cNvPr id="9" name="矩形 8">
+            <a:extLst>
+              <a:ext uri="{FF2B5EF4-FFF2-40B4-BE49-F238E27FC236}">
+                <a16:creationId xmlns:a16="http://schemas.microsoft.com/office/drawing/2014/main" id="{2F1FB22B-53CE-0F41-B1F3-E63BA28414AB}"/>
+              </a:ext>
+            </a:extLst>
+          </p:cNvPr>
+          <p:cNvSpPr/>
+          <p:nvPr/>
+        </p:nvSpPr>
+        <p:spPr>
+          <a:xfrm>
+            <a:off x="8312427" y="3546988"/>
+            <a:ext cx="1252330" cy="542323"/>
+          </a:xfrm>
+          <a:prstGeom prst="rect">
+            <a:avLst/>
+          </a:prstGeom>
+        </p:spPr>
+        <p:style>
+          <a:lnRef idx="2">
+            <a:schemeClr val="accent1">
+              <a:shade val="50000"/>
+            </a:schemeClr>
+          </a:lnRef>
+          <a:fillRef idx="1">
+            <a:schemeClr val="accent1"/>
+          </a:fillRef>
+          <a:effectRef idx="0">
+            <a:schemeClr val="accent1"/>
+          </a:effectRef>
+          <a:fontRef idx="minor">
+            <a:schemeClr val="lt1"/>
+          </a:fontRef>
+        </p:style>
+        <p:txBody>
+          <a:bodyPr rtlCol="0" anchor="ctr"/>
+          <a:lstStyle/>
+          <a:p>
+            <a:pPr algn="ctr"/>
+            <a:r>
+              <a:rPr kumimoji="1" lang="en-US" altLang="zh-CN" dirty="0"/>
+              <a:t>Reducer</a:t>
+            </a:r>
+            <a:endParaRPr kumimoji="1" lang="zh-CN" altLang="en-US" dirty="0"/>
+          </a:p>
+        </p:txBody>
+      </p:sp>
+      <p:sp>
+        <p:nvSpPr>
+          <p:cNvPr id="5" name="文本框 4">
+            <a:extLst>
+              <a:ext uri="{FF2B5EF4-FFF2-40B4-BE49-F238E27FC236}">
+                <a16:creationId xmlns:a16="http://schemas.microsoft.com/office/drawing/2014/main" id="{BA7304D6-B8C1-E342-81D5-4F6F65E4177D}"/>
               </a:ext>
             </a:extLst>
           </p:cNvPr>
@@ -11319,8 +12773,8 @@
         </p:nvSpPr>
         <p:spPr>
           <a:xfrm>
-            <a:off x="1510748" y="2345635"/>
-            <a:ext cx="4418197" cy="1754326"/>
+            <a:off x="7593495" y="1543158"/>
+            <a:ext cx="1336813" cy="369332"/>
           </a:xfrm>
           <a:prstGeom prst="rect">
             <a:avLst/>
@@ -11328,155 +12782,24 @@
           <a:noFill/>
         </p:spPr>
         <p:txBody>
-          <a:bodyPr wrap="none" rtlCol="0">
+          <a:bodyPr wrap="square" rtlCol="0">
             <a:spAutoFit/>
           </a:bodyPr>
           <a:lstStyle/>
           <a:p>
             <a:r>
-              <a:rPr kumimoji="1" lang="en-US" altLang="zh-CN" dirty="0">
-                <a:solidFill>
-                  <a:schemeClr val="bg1"/>
-                </a:solidFill>
-              </a:rPr>
-              <a:t>&lt;dependency&gt;</a:t>
-            </a:r>
-          </a:p>
-          <a:p>
-            <a:r>
-              <a:rPr kumimoji="1" lang="en-US" altLang="zh-CN" dirty="0">
-                <a:solidFill>
-                  <a:schemeClr val="bg1"/>
-                </a:solidFill>
-              </a:rPr>
-              <a:t>    &lt;</a:t>
-            </a:r>
-            <a:r>
-              <a:rPr kumimoji="1" lang="en-US" altLang="zh-CN" dirty="0" err="1">
-                <a:solidFill>
-                  <a:schemeClr val="bg1"/>
-                </a:solidFill>
-              </a:rPr>
-              <a:t>groupId</a:t>
-            </a:r>
-            <a:r>
-              <a:rPr kumimoji="1" lang="en-US" altLang="zh-CN" dirty="0">
-                <a:solidFill>
-                  <a:schemeClr val="bg1"/>
-                </a:solidFill>
-              </a:rPr>
-              <a:t>&gt;</a:t>
-            </a:r>
-            <a:r>
-              <a:rPr kumimoji="1" lang="en-US" altLang="zh-CN" dirty="0" err="1">
-                <a:solidFill>
-                  <a:schemeClr val="bg1"/>
-                </a:solidFill>
-              </a:rPr>
-              <a:t>org.apache.spark</a:t>
-            </a:r>
-            <a:r>
-              <a:rPr kumimoji="1" lang="en-US" altLang="zh-CN" dirty="0">
-                <a:solidFill>
-                  <a:schemeClr val="bg1"/>
-                </a:solidFill>
-              </a:rPr>
-              <a:t>&lt;/</a:t>
-            </a:r>
-            <a:r>
-              <a:rPr kumimoji="1" lang="en-US" altLang="zh-CN" dirty="0" err="1">
-                <a:solidFill>
-                  <a:schemeClr val="bg1"/>
-                </a:solidFill>
-              </a:rPr>
-              <a:t>groupId</a:t>
-            </a:r>
-            <a:r>
-              <a:rPr kumimoji="1" lang="en-US" altLang="zh-CN" dirty="0">
-                <a:solidFill>
-                  <a:schemeClr val="bg1"/>
-                </a:solidFill>
-              </a:rPr>
-              <a:t>&gt;</a:t>
-            </a:r>
-          </a:p>
-          <a:p>
-            <a:r>
-              <a:rPr kumimoji="1" lang="en-US" altLang="zh-CN" dirty="0">
-                <a:solidFill>
-                  <a:schemeClr val="bg1"/>
-                </a:solidFill>
-              </a:rPr>
-              <a:t>    &lt;</a:t>
-            </a:r>
-            <a:r>
-              <a:rPr kumimoji="1" lang="en-US" altLang="zh-CN" dirty="0" err="1">
-                <a:solidFill>
-                  <a:schemeClr val="bg1"/>
-                </a:solidFill>
-              </a:rPr>
-              <a:t>artifactId</a:t>
-            </a:r>
-            <a:r>
-              <a:rPr kumimoji="1" lang="en-US" altLang="zh-CN" dirty="0">
-                <a:solidFill>
-                  <a:schemeClr val="bg1"/>
-                </a:solidFill>
-              </a:rPr>
-              <a:t>&gt;spark-sql_2.12&lt;/</a:t>
-            </a:r>
-            <a:r>
-              <a:rPr kumimoji="1" lang="en-US" altLang="zh-CN" dirty="0" err="1">
-                <a:solidFill>
-                  <a:schemeClr val="bg1"/>
-                </a:solidFill>
-              </a:rPr>
-              <a:t>artifactId</a:t>
-            </a:r>
-            <a:r>
-              <a:rPr kumimoji="1" lang="en-US" altLang="zh-CN" dirty="0">
-                <a:solidFill>
-                  <a:schemeClr val="bg1"/>
-                </a:solidFill>
-              </a:rPr>
-              <a:t>&gt;</a:t>
-            </a:r>
-          </a:p>
-          <a:p>
-            <a:r>
-              <a:rPr kumimoji="1" lang="en-US" altLang="zh-CN" dirty="0">
-                <a:solidFill>
-                  <a:schemeClr val="bg1"/>
-                </a:solidFill>
-              </a:rPr>
-              <a:t>    &lt;version&gt;2.4.0&lt;/version&gt;</a:t>
-            </a:r>
-          </a:p>
-          <a:p>
-            <a:r>
-              <a:rPr kumimoji="1" lang="en-US" altLang="zh-CN" dirty="0">
-                <a:solidFill>
-                  <a:schemeClr val="bg1"/>
-                </a:solidFill>
-              </a:rPr>
-              <a:t>&lt;/dependency&gt;</a:t>
-            </a:r>
-          </a:p>
-          <a:p>
-            <a:endParaRPr kumimoji="1" lang="zh-CN" altLang="en-US" dirty="0">
-              <a:solidFill>
-                <a:schemeClr val="bg1"/>
-              </a:solidFill>
-            </a:endParaRPr>
+              <a:rPr kumimoji="1" lang="zh-CN" altLang="en-US" dirty="0"/>
+              <a:t>输入数据</a:t>
+            </a:r>
           </a:p>
         </p:txBody>
       </p:sp>
       <p:sp>
         <p:nvSpPr>
-          <p:cNvPr id="4" name="文本框 3">
+          <p:cNvPr id="11" name="文本框 10">
             <a:extLst>
               <a:ext uri="{FF2B5EF4-FFF2-40B4-BE49-F238E27FC236}">
-                <a16:creationId xmlns:a16="http://schemas.microsoft.com/office/drawing/2014/main" id="{0CAF91E6-109D-FC46-BC71-A61C569BB294}"/>
+                <a16:creationId xmlns:a16="http://schemas.microsoft.com/office/drawing/2014/main" id="{B4521005-E449-BE4C-8334-01FAB712E6BC}"/>
               </a:ext>
             </a:extLst>
           </p:cNvPr>
@@ -11485,8 +12808,8 @@
         </p:nvSpPr>
         <p:spPr>
           <a:xfrm>
-            <a:off x="1520687" y="1272209"/>
-            <a:ext cx="1545616" cy="369332"/>
+            <a:off x="9119152" y="1543158"/>
+            <a:ext cx="1336813" cy="369332"/>
           </a:xfrm>
           <a:prstGeom prst="rect">
             <a:avLst/>
@@ -11494,52 +12817,1308 @@
           <a:noFill/>
         </p:spPr>
         <p:txBody>
-          <a:bodyPr wrap="none" rtlCol="0">
+          <a:bodyPr wrap="square" rtlCol="0">
             <a:spAutoFit/>
           </a:bodyPr>
           <a:lstStyle/>
           <a:p>
             <a:r>
-              <a:rPr kumimoji="1" lang="zh-CN" altLang="en-US" dirty="0">
-                <a:solidFill>
-                  <a:schemeClr val="bg1"/>
-                </a:solidFill>
-              </a:rPr>
-              <a:t>添加</a:t>
-            </a:r>
-            <a:r>
-              <a:rPr kumimoji="1" lang="en-US" altLang="zh-CN" dirty="0">
-                <a:solidFill>
-                  <a:schemeClr val="bg1"/>
-                </a:solidFill>
-              </a:rPr>
-              <a:t>Maven</a:t>
-            </a:r>
-            <a:r>
-              <a:rPr kumimoji="1" lang="zh-CN" altLang="en-US" dirty="0">
-                <a:solidFill>
-                  <a:schemeClr val="bg1"/>
-                </a:solidFill>
-              </a:rPr>
-              <a:t>源</a:t>
+              <a:rPr kumimoji="1" lang="zh-CN" altLang="en-US" dirty="0"/>
+              <a:t>输入数据</a:t>
             </a:r>
           </a:p>
         </p:txBody>
       </p:sp>
+      <p:sp>
+        <p:nvSpPr>
+          <p:cNvPr id="12" name="文本框 11">
+            <a:extLst>
+              <a:ext uri="{FF2B5EF4-FFF2-40B4-BE49-F238E27FC236}">
+                <a16:creationId xmlns:a16="http://schemas.microsoft.com/office/drawing/2014/main" id="{46261B56-10C0-8C42-8D75-82354EEA4692}"/>
+              </a:ext>
+            </a:extLst>
+          </p:cNvPr>
+          <p:cNvSpPr txBox="1"/>
+          <p:nvPr/>
+        </p:nvSpPr>
+        <p:spPr>
+          <a:xfrm>
+            <a:off x="8369442" y="4856116"/>
+            <a:ext cx="1336813" cy="369332"/>
+          </a:xfrm>
+          <a:prstGeom prst="rect">
+            <a:avLst/>
+          </a:prstGeom>
+          <a:noFill/>
+        </p:spPr>
+        <p:txBody>
+          <a:bodyPr wrap="square" rtlCol="0">
+            <a:spAutoFit/>
+          </a:bodyPr>
+          <a:lstStyle/>
+          <a:p>
+            <a:r>
+              <a:rPr kumimoji="1" lang="zh-CN" altLang="en-US" dirty="0"/>
+              <a:t>输出数据</a:t>
+            </a:r>
+          </a:p>
+        </p:txBody>
+      </p:sp>
+      <p:cxnSp>
+        <p:nvCxnSpPr>
+          <p:cNvPr id="7" name="直线箭头连接符 6">
+            <a:extLst>
+              <a:ext uri="{FF2B5EF4-FFF2-40B4-BE49-F238E27FC236}">
+                <a16:creationId xmlns:a16="http://schemas.microsoft.com/office/drawing/2014/main" id="{9547BC8B-08F8-064A-919F-580A0F4D524B}"/>
+              </a:ext>
+            </a:extLst>
+          </p:cNvPr>
+          <p:cNvCxnSpPr>
+            <a:stCxn id="5" idx="2"/>
+          </p:cNvCxnSpPr>
+          <p:nvPr/>
+        </p:nvCxnSpPr>
+        <p:spPr>
+          <a:xfrm flipH="1">
+            <a:off x="8261901" y="1912490"/>
+            <a:ext cx="1" cy="487169"/>
+          </a:xfrm>
+          <a:prstGeom prst="straightConnector1">
+            <a:avLst/>
+          </a:prstGeom>
+          <a:ln w="25400">
+            <a:tailEnd type="triangle"/>
+          </a:ln>
+        </p:spPr>
+        <p:style>
+          <a:lnRef idx="1">
+            <a:schemeClr val="accent1"/>
+          </a:lnRef>
+          <a:fillRef idx="0">
+            <a:schemeClr val="accent1"/>
+          </a:fillRef>
+          <a:effectRef idx="0">
+            <a:schemeClr val="accent1"/>
+          </a:effectRef>
+          <a:fontRef idx="minor">
+            <a:schemeClr val="tx1"/>
+          </a:fontRef>
+        </p:style>
+      </p:cxnSp>
+      <p:cxnSp>
+        <p:nvCxnSpPr>
+          <p:cNvPr id="15" name="直线箭头连接符 14">
+            <a:extLst>
+              <a:ext uri="{FF2B5EF4-FFF2-40B4-BE49-F238E27FC236}">
+                <a16:creationId xmlns:a16="http://schemas.microsoft.com/office/drawing/2014/main" id="{D6892F5B-3F35-974C-B809-1280D38DFE70}"/>
+              </a:ext>
+            </a:extLst>
+          </p:cNvPr>
+          <p:cNvCxnSpPr/>
+          <p:nvPr/>
+        </p:nvCxnSpPr>
+        <p:spPr>
+          <a:xfrm flipH="1">
+            <a:off x="9402841" y="3052521"/>
+            <a:ext cx="1" cy="487169"/>
+          </a:xfrm>
+          <a:prstGeom prst="straightConnector1">
+            <a:avLst/>
+          </a:prstGeom>
+          <a:ln w="25400">
+            <a:tailEnd type="triangle"/>
+          </a:ln>
+        </p:spPr>
+        <p:style>
+          <a:lnRef idx="1">
+            <a:schemeClr val="accent1"/>
+          </a:lnRef>
+          <a:fillRef idx="0">
+            <a:schemeClr val="accent1"/>
+          </a:fillRef>
+          <a:effectRef idx="0">
+            <a:schemeClr val="accent1"/>
+          </a:effectRef>
+          <a:fontRef idx="minor">
+            <a:schemeClr val="tx1"/>
+          </a:fontRef>
+        </p:style>
+      </p:cxnSp>
+      <p:cxnSp>
+        <p:nvCxnSpPr>
+          <p:cNvPr id="16" name="直线箭头连接符 15">
+            <a:extLst>
+              <a:ext uri="{FF2B5EF4-FFF2-40B4-BE49-F238E27FC236}">
+                <a16:creationId xmlns:a16="http://schemas.microsoft.com/office/drawing/2014/main" id="{DE8DE69A-79E7-074C-A6E3-3566AAD83027}"/>
+              </a:ext>
+            </a:extLst>
+          </p:cNvPr>
+          <p:cNvCxnSpPr/>
+          <p:nvPr/>
+        </p:nvCxnSpPr>
+        <p:spPr>
+          <a:xfrm flipH="1">
+            <a:off x="8414301" y="3045223"/>
+            <a:ext cx="1" cy="487169"/>
+          </a:xfrm>
+          <a:prstGeom prst="straightConnector1">
+            <a:avLst/>
+          </a:prstGeom>
+          <a:ln w="25400">
+            <a:tailEnd type="triangle"/>
+          </a:ln>
+        </p:spPr>
+        <p:style>
+          <a:lnRef idx="1">
+            <a:schemeClr val="accent1"/>
+          </a:lnRef>
+          <a:fillRef idx="0">
+            <a:schemeClr val="accent1"/>
+          </a:fillRef>
+          <a:effectRef idx="0">
+            <a:schemeClr val="accent1"/>
+          </a:effectRef>
+          <a:fontRef idx="minor">
+            <a:schemeClr val="tx1"/>
+          </a:fontRef>
+        </p:style>
+      </p:cxnSp>
+      <p:cxnSp>
+        <p:nvCxnSpPr>
+          <p:cNvPr id="17" name="直线箭头连接符 16">
+            <a:extLst>
+              <a:ext uri="{FF2B5EF4-FFF2-40B4-BE49-F238E27FC236}">
+                <a16:creationId xmlns:a16="http://schemas.microsoft.com/office/drawing/2014/main" id="{66E20B3D-0EAB-8544-89DA-A0394D471D24}"/>
+              </a:ext>
+            </a:extLst>
+          </p:cNvPr>
+          <p:cNvCxnSpPr/>
+          <p:nvPr/>
+        </p:nvCxnSpPr>
+        <p:spPr>
+          <a:xfrm flipH="1">
+            <a:off x="9697623" y="1896850"/>
+            <a:ext cx="1" cy="487169"/>
+          </a:xfrm>
+          <a:prstGeom prst="straightConnector1">
+            <a:avLst/>
+          </a:prstGeom>
+          <a:ln w="25400">
+            <a:tailEnd type="triangle"/>
+          </a:ln>
+        </p:spPr>
+        <p:style>
+          <a:lnRef idx="1">
+            <a:schemeClr val="accent1"/>
+          </a:lnRef>
+          <a:fillRef idx="0">
+            <a:schemeClr val="accent1"/>
+          </a:fillRef>
+          <a:effectRef idx="0">
+            <a:schemeClr val="accent1"/>
+          </a:effectRef>
+          <a:fontRef idx="minor">
+            <a:schemeClr val="tx1"/>
+          </a:fontRef>
+        </p:style>
+      </p:cxnSp>
+      <p:cxnSp>
+        <p:nvCxnSpPr>
+          <p:cNvPr id="18" name="直线箭头连接符 17">
+            <a:extLst>
+              <a:ext uri="{FF2B5EF4-FFF2-40B4-BE49-F238E27FC236}">
+                <a16:creationId xmlns:a16="http://schemas.microsoft.com/office/drawing/2014/main" id="{6C753D68-19BF-CA42-A4F4-F2CE0A2A2AAB}"/>
+              </a:ext>
+            </a:extLst>
+          </p:cNvPr>
+          <p:cNvCxnSpPr/>
+          <p:nvPr/>
+        </p:nvCxnSpPr>
+        <p:spPr>
+          <a:xfrm flipH="1">
+            <a:off x="8895911" y="4229129"/>
+            <a:ext cx="1" cy="487169"/>
+          </a:xfrm>
+          <a:prstGeom prst="straightConnector1">
+            <a:avLst/>
+          </a:prstGeom>
+          <a:ln w="25400">
+            <a:tailEnd type="triangle"/>
+          </a:ln>
+        </p:spPr>
+        <p:style>
+          <a:lnRef idx="1">
+            <a:schemeClr val="accent1"/>
+          </a:lnRef>
+          <a:fillRef idx="0">
+            <a:schemeClr val="accent1"/>
+          </a:fillRef>
+          <a:effectRef idx="0">
+            <a:schemeClr val="accent1"/>
+          </a:effectRef>
+          <a:fontRef idx="minor">
+            <a:schemeClr val="tx1"/>
+          </a:fontRef>
+        </p:style>
+      </p:cxnSp>
     </p:spTree>
     <p:extLst>
       <p:ext uri="{BB962C8B-B14F-4D97-AF65-F5344CB8AC3E}">
-        <p14:creationId xmlns:p14="http://schemas.microsoft.com/office/powerpoint/2010/main" val="1957390080"/>
+        <p14:creationId xmlns:p14="http://schemas.microsoft.com/office/powerpoint/2010/main" val="4074051968"/>
       </p:ext>
     </p:extLst>
   </p:cSld>
   <p:clrMapOvr>
     <a:masterClrMapping/>
   </p:clrMapOvr>
+  <p:transition spd="med" advClick="0" advTm="1000">
+    <p:fade/>
+  </p:transition>
 </p:sld>
 </file>
 
 <file path=ppt/slides/slide6.xml><?xml version="1.0" encoding="utf-8"?>
+<p:sld xmlns:a="http://schemas.openxmlformats.org/drawingml/2006/main" xmlns:r="http://schemas.openxmlformats.org/officeDocument/2006/relationships" xmlns:p="http://schemas.openxmlformats.org/presentationml/2006/main">
+  <p:cSld>
+    <p:spTree>
+      <p:nvGrpSpPr>
+        <p:cNvPr id="1" name=""/>
+        <p:cNvGrpSpPr/>
+        <p:nvPr/>
+      </p:nvGrpSpPr>
+      <p:grpSpPr>
+        <a:xfrm>
+          <a:off x="0" y="0"/>
+          <a:ext cx="0" cy="0"/>
+          <a:chOff x="0" y="0"/>
+          <a:chExt cx="0" cy="0"/>
+        </a:xfrm>
+      </p:grpSpPr>
+      <p:grpSp>
+        <p:nvGrpSpPr>
+          <p:cNvPr id="38" name="组合 37"/>
+          <p:cNvGrpSpPr/>
+          <p:nvPr/>
+        </p:nvGrpSpPr>
+        <p:grpSpPr>
+          <a:xfrm>
+            <a:off x="672374" y="631535"/>
+            <a:ext cx="5629572" cy="830997"/>
+            <a:chOff x="1007305" y="947449"/>
+            <a:chExt cx="6535202" cy="1246687"/>
+          </a:xfrm>
+        </p:grpSpPr>
+        <p:sp>
+          <p:nvSpPr>
+            <p:cNvPr id="39" name="文本框 38"/>
+            <p:cNvSpPr txBox="1"/>
+            <p:nvPr/>
+          </p:nvSpPr>
+          <p:spPr>
+            <a:xfrm>
+              <a:off x="1007305" y="947449"/>
+              <a:ext cx="6535202" cy="1246687"/>
+            </a:xfrm>
+            <a:prstGeom prst="rect">
+              <a:avLst/>
+            </a:prstGeom>
+            <a:noFill/>
+          </p:spPr>
+          <p:txBody>
+            <a:bodyPr wrap="square" rtlCol="0">
+              <a:spAutoFit/>
+            </a:bodyPr>
+            <a:lstStyle/>
+            <a:p>
+              <a:r>
+                <a:rPr lang="zh-CN" altLang="en-US" sz="2400" dirty="0">
+                  <a:solidFill>
+                    <a:prstClr val="white"/>
+                  </a:solidFill>
+                  <a:latin typeface="+mn-ea"/>
+                </a:rPr>
+                <a:t>使用组合器的</a:t>
+              </a:r>
+              <a:r>
+                <a:rPr lang="en-US" altLang="zh-CN" sz="2400" dirty="0" err="1">
+                  <a:solidFill>
+                    <a:prstClr val="white"/>
+                  </a:solidFill>
+                  <a:latin typeface="+mn-ea"/>
+                </a:rPr>
+                <a:t>SingleMapperReducer</a:t>
+              </a:r>
+              <a:r>
+                <a:rPr lang="zh-CN" altLang="en-US" sz="2400" dirty="0">
+                  <a:solidFill>
+                    <a:prstClr val="white"/>
+                  </a:solidFill>
+                  <a:latin typeface="+mn-ea"/>
+                </a:rPr>
+                <a:t>作业</a:t>
+              </a:r>
+            </a:p>
+          </p:txBody>
+        </p:sp>
+        <p:cxnSp>
+          <p:nvCxnSpPr>
+            <p:cNvPr id="40" name="直线连接符 5"/>
+            <p:cNvCxnSpPr/>
+            <p:nvPr/>
+          </p:nvCxnSpPr>
+          <p:spPr>
+            <a:xfrm>
+              <a:off x="1007305" y="1752432"/>
+              <a:ext cx="3742116" cy="0"/>
+            </a:xfrm>
+            <a:prstGeom prst="line">
+              <a:avLst/>
+            </a:prstGeom>
+            <a:ln>
+              <a:solidFill>
+                <a:schemeClr val="bg1"/>
+              </a:solidFill>
+              <a:headEnd type="oval"/>
+              <a:tailEnd type="oval"/>
+            </a:ln>
+          </p:spPr>
+          <p:style>
+            <a:lnRef idx="1">
+              <a:schemeClr val="accent1"/>
+            </a:lnRef>
+            <a:fillRef idx="0">
+              <a:schemeClr val="accent1"/>
+            </a:fillRef>
+            <a:effectRef idx="0">
+              <a:schemeClr val="accent1"/>
+            </a:effectRef>
+            <a:fontRef idx="minor">
+              <a:schemeClr val="tx1"/>
+            </a:fontRef>
+          </p:style>
+        </p:cxnSp>
+      </p:grpSp>
+      <p:sp>
+        <p:nvSpPr>
+          <p:cNvPr id="2" name="文本框 1"/>
+          <p:cNvSpPr txBox="1"/>
+          <p:nvPr/>
+        </p:nvSpPr>
+        <p:spPr>
+          <a:xfrm>
+            <a:off x="911035" y="1753329"/>
+            <a:ext cx="5243743" cy="1754326"/>
+          </a:xfrm>
+          <a:prstGeom prst="rect">
+            <a:avLst/>
+          </a:prstGeom>
+          <a:noFill/>
+        </p:spPr>
+        <p:txBody>
+          <a:bodyPr wrap="none" rtlCol="0">
+            <a:spAutoFit/>
+          </a:bodyPr>
+          <a:lstStyle/>
+          <a:p>
+            <a:r>
+              <a:rPr lang="en-US" altLang="zh-CN" dirty="0" err="1">
+                <a:solidFill>
+                  <a:prstClr val="white"/>
+                </a:solidFill>
+                <a:latin typeface="+mn-ea"/>
+              </a:rPr>
+              <a:t>SingleMapperReducer</a:t>
+            </a:r>
+            <a:r>
+              <a:rPr kumimoji="1" lang="zh-CN" altLang="en-US" dirty="0">
+                <a:solidFill>
+                  <a:srgbClr val="FFFFFF"/>
+                </a:solidFill>
+              </a:rPr>
+              <a:t>作业可以用于聚合场景。</a:t>
+            </a:r>
+            <a:endParaRPr kumimoji="1" lang="en-US" altLang="zh-CN" dirty="0">
+              <a:solidFill>
+                <a:srgbClr val="FFFFFF"/>
+              </a:solidFill>
+            </a:endParaRPr>
+          </a:p>
+          <a:p>
+            <a:r>
+              <a:rPr kumimoji="1" lang="zh-CN" altLang="en-US" dirty="0">
+                <a:solidFill>
+                  <a:srgbClr val="FFFFFF"/>
+                </a:solidFill>
+              </a:rPr>
+              <a:t>其中</a:t>
+            </a:r>
+            <a:r>
+              <a:rPr kumimoji="1" lang="en-US" altLang="zh-CN" dirty="0">
+                <a:solidFill>
+                  <a:srgbClr val="FFFFFF"/>
+                </a:solidFill>
+              </a:rPr>
+              <a:t>Combiner</a:t>
+            </a:r>
+            <a:r>
+              <a:rPr kumimoji="1" lang="zh-CN" altLang="en-US" dirty="0">
+                <a:solidFill>
+                  <a:srgbClr val="FFFFFF"/>
+                </a:solidFill>
+              </a:rPr>
+              <a:t>组合器是一个可选类。</a:t>
+            </a:r>
+            <a:endParaRPr kumimoji="1" lang="en-US" altLang="zh-CN" dirty="0">
+              <a:solidFill>
+                <a:srgbClr val="FFFFFF"/>
+              </a:solidFill>
+            </a:endParaRPr>
+          </a:p>
+          <a:p>
+            <a:r>
+              <a:rPr kumimoji="1" lang="zh-CN" altLang="en-US" dirty="0">
+                <a:solidFill>
+                  <a:srgbClr val="FFFFFF"/>
+                </a:solidFill>
+              </a:rPr>
+              <a:t>组合器接受</a:t>
+            </a:r>
+            <a:r>
+              <a:rPr kumimoji="1" lang="en-US" altLang="zh-CN" dirty="0">
+                <a:solidFill>
+                  <a:srgbClr val="FFFFFF"/>
+                </a:solidFill>
+              </a:rPr>
+              <a:t>map</a:t>
+            </a:r>
+            <a:r>
+              <a:rPr kumimoji="1" lang="zh-CN" altLang="en-US" dirty="0">
+                <a:solidFill>
+                  <a:srgbClr val="FFFFFF"/>
+                </a:solidFill>
+              </a:rPr>
+              <a:t>的输入内容，然后将输出的键值对</a:t>
+            </a:r>
+            <a:endParaRPr kumimoji="1" lang="en-US" altLang="zh-CN" dirty="0">
+              <a:solidFill>
+                <a:srgbClr val="FFFFFF"/>
+              </a:solidFill>
+            </a:endParaRPr>
+          </a:p>
+          <a:p>
+            <a:r>
+              <a:rPr kumimoji="1" lang="zh-CN" altLang="en-US" dirty="0">
+                <a:solidFill>
+                  <a:srgbClr val="FFFFFF"/>
+                </a:solidFill>
+              </a:rPr>
+              <a:t>传递给</a:t>
+            </a:r>
+            <a:r>
+              <a:rPr kumimoji="1" lang="en-US" altLang="zh-CN" dirty="0">
+                <a:solidFill>
+                  <a:srgbClr val="FFFFFF"/>
+                </a:solidFill>
+              </a:rPr>
+              <a:t>reducer</a:t>
+            </a:r>
+            <a:r>
+              <a:rPr kumimoji="1" lang="zh-CN" altLang="en-US" dirty="0">
+                <a:solidFill>
+                  <a:srgbClr val="FFFFFF"/>
+                </a:solidFill>
+              </a:rPr>
+              <a:t>。</a:t>
+            </a:r>
+            <a:endParaRPr kumimoji="1" lang="en-US" altLang="zh-CN" dirty="0">
+              <a:solidFill>
+                <a:srgbClr val="FFFFFF"/>
+              </a:solidFill>
+            </a:endParaRPr>
+          </a:p>
+          <a:p>
+            <a:endParaRPr kumimoji="1" lang="en-US" altLang="zh-CN" dirty="0">
+              <a:solidFill>
+                <a:srgbClr val="FFFFFF"/>
+              </a:solidFill>
+            </a:endParaRPr>
+          </a:p>
+          <a:p>
+            <a:r>
+              <a:rPr kumimoji="1" lang="zh-CN" altLang="en-US" dirty="0">
+                <a:solidFill>
+                  <a:srgbClr val="FFFFFF"/>
+                </a:solidFill>
+              </a:rPr>
+              <a:t>组合器用于降低</a:t>
+            </a:r>
+            <a:r>
+              <a:rPr kumimoji="1" lang="en-US" altLang="zh-CN" dirty="0">
+                <a:solidFill>
+                  <a:srgbClr val="FFFFFF"/>
+                </a:solidFill>
+              </a:rPr>
+              <a:t>reducer</a:t>
+            </a:r>
+            <a:r>
+              <a:rPr kumimoji="1" lang="zh-CN" altLang="en-US" dirty="0">
+                <a:solidFill>
+                  <a:srgbClr val="FFFFFF"/>
+                </a:solidFill>
+              </a:rPr>
+              <a:t>的负载。</a:t>
+            </a:r>
+            <a:endParaRPr kumimoji="1" lang="en-US" altLang="zh-CN" dirty="0">
+              <a:solidFill>
+                <a:srgbClr val="FFFFFF"/>
+              </a:solidFill>
+            </a:endParaRPr>
+          </a:p>
+        </p:txBody>
+      </p:sp>
+      <p:sp>
+        <p:nvSpPr>
+          <p:cNvPr id="3" name="矩形 2">
+            <a:extLst>
+              <a:ext uri="{FF2B5EF4-FFF2-40B4-BE49-F238E27FC236}">
+                <a16:creationId xmlns:a16="http://schemas.microsoft.com/office/drawing/2014/main" id="{76E9D0C1-2A09-5849-B3E8-D8B2FD5F6649}"/>
+              </a:ext>
+            </a:extLst>
+          </p:cNvPr>
+          <p:cNvSpPr/>
+          <p:nvPr/>
+        </p:nvSpPr>
+        <p:spPr>
+          <a:xfrm>
+            <a:off x="7096591" y="1365443"/>
+            <a:ext cx="4184374" cy="5060465"/>
+          </a:xfrm>
+          <a:prstGeom prst="rect">
+            <a:avLst/>
+          </a:prstGeom>
+        </p:spPr>
+        <p:style>
+          <a:lnRef idx="2">
+            <a:schemeClr val="accent6"/>
+          </a:lnRef>
+          <a:fillRef idx="1">
+            <a:schemeClr val="lt1"/>
+          </a:fillRef>
+          <a:effectRef idx="0">
+            <a:schemeClr val="accent6"/>
+          </a:effectRef>
+          <a:fontRef idx="minor">
+            <a:schemeClr val="dk1"/>
+          </a:fontRef>
+        </p:style>
+        <p:txBody>
+          <a:bodyPr rtlCol="0" anchor="ctr"/>
+          <a:lstStyle/>
+          <a:p>
+            <a:pPr algn="ctr"/>
+            <a:endParaRPr kumimoji="1" lang="zh-CN" altLang="en-US" dirty="0"/>
+          </a:p>
+        </p:txBody>
+      </p:sp>
+      <p:sp>
+        <p:nvSpPr>
+          <p:cNvPr id="4" name="矩形 3">
+            <a:extLst>
+              <a:ext uri="{FF2B5EF4-FFF2-40B4-BE49-F238E27FC236}">
+                <a16:creationId xmlns:a16="http://schemas.microsoft.com/office/drawing/2014/main" id="{4D00408B-104F-624E-8B28-A6A2B408C09C}"/>
+              </a:ext>
+            </a:extLst>
+          </p:cNvPr>
+          <p:cNvSpPr/>
+          <p:nvPr/>
+        </p:nvSpPr>
+        <p:spPr>
+          <a:xfrm>
+            <a:off x="8175016" y="2418867"/>
+            <a:ext cx="2047342" cy="731551"/>
+          </a:xfrm>
+          <a:prstGeom prst="rect">
+            <a:avLst/>
+          </a:prstGeom>
+        </p:spPr>
+        <p:style>
+          <a:lnRef idx="2">
+            <a:schemeClr val="accent1">
+              <a:shade val="50000"/>
+            </a:schemeClr>
+          </a:lnRef>
+          <a:fillRef idx="1">
+            <a:schemeClr val="accent1"/>
+          </a:fillRef>
+          <a:effectRef idx="0">
+            <a:schemeClr val="accent1"/>
+          </a:effectRef>
+          <a:fontRef idx="minor">
+            <a:schemeClr val="lt1"/>
+          </a:fontRef>
+        </p:style>
+        <p:txBody>
+          <a:bodyPr rtlCol="0" anchor="ctr"/>
+          <a:lstStyle/>
+          <a:p>
+            <a:pPr algn="ctr"/>
+            <a:r>
+              <a:rPr kumimoji="1" lang="en-US" altLang="zh-CN" dirty="0"/>
+              <a:t>Mapper</a:t>
+            </a:r>
+            <a:endParaRPr kumimoji="1" lang="zh-CN" altLang="en-US" dirty="0"/>
+          </a:p>
+        </p:txBody>
+      </p:sp>
+      <p:sp>
+        <p:nvSpPr>
+          <p:cNvPr id="5" name="文本框 4">
+            <a:extLst>
+              <a:ext uri="{FF2B5EF4-FFF2-40B4-BE49-F238E27FC236}">
+                <a16:creationId xmlns:a16="http://schemas.microsoft.com/office/drawing/2014/main" id="{BA7304D6-B8C1-E342-81D5-4F6F65E4177D}"/>
+              </a:ext>
+            </a:extLst>
+          </p:cNvPr>
+          <p:cNvSpPr txBox="1"/>
+          <p:nvPr/>
+        </p:nvSpPr>
+        <p:spPr>
+          <a:xfrm>
+            <a:off x="8579977" y="1444628"/>
+            <a:ext cx="1336813" cy="369332"/>
+          </a:xfrm>
+          <a:prstGeom prst="rect">
+            <a:avLst/>
+          </a:prstGeom>
+          <a:noFill/>
+        </p:spPr>
+        <p:txBody>
+          <a:bodyPr wrap="square" rtlCol="0">
+            <a:spAutoFit/>
+          </a:bodyPr>
+          <a:lstStyle/>
+          <a:p>
+            <a:r>
+              <a:rPr kumimoji="1" lang="zh-CN" altLang="en-US" dirty="0"/>
+              <a:t>输入数据</a:t>
+            </a:r>
+          </a:p>
+        </p:txBody>
+      </p:sp>
+      <p:sp>
+        <p:nvSpPr>
+          <p:cNvPr id="12" name="文本框 11">
+            <a:extLst>
+              <a:ext uri="{FF2B5EF4-FFF2-40B4-BE49-F238E27FC236}">
+                <a16:creationId xmlns:a16="http://schemas.microsoft.com/office/drawing/2014/main" id="{46261B56-10C0-8C42-8D75-82354EEA4692}"/>
+              </a:ext>
+            </a:extLst>
+          </p:cNvPr>
+          <p:cNvSpPr txBox="1"/>
+          <p:nvPr/>
+        </p:nvSpPr>
+        <p:spPr>
+          <a:xfrm>
+            <a:off x="8579977" y="6111529"/>
+            <a:ext cx="1336813" cy="369332"/>
+          </a:xfrm>
+          <a:prstGeom prst="rect">
+            <a:avLst/>
+          </a:prstGeom>
+          <a:noFill/>
+        </p:spPr>
+        <p:txBody>
+          <a:bodyPr wrap="square" rtlCol="0">
+            <a:spAutoFit/>
+          </a:bodyPr>
+          <a:lstStyle/>
+          <a:p>
+            <a:r>
+              <a:rPr kumimoji="1" lang="zh-CN" altLang="en-US" dirty="0"/>
+              <a:t>输出数据</a:t>
+            </a:r>
+          </a:p>
+        </p:txBody>
+      </p:sp>
+      <p:cxnSp>
+        <p:nvCxnSpPr>
+          <p:cNvPr id="7" name="直线箭头连接符 6">
+            <a:extLst>
+              <a:ext uri="{FF2B5EF4-FFF2-40B4-BE49-F238E27FC236}">
+                <a16:creationId xmlns:a16="http://schemas.microsoft.com/office/drawing/2014/main" id="{9547BC8B-08F8-064A-919F-580A0F4D524B}"/>
+              </a:ext>
+            </a:extLst>
+          </p:cNvPr>
+          <p:cNvCxnSpPr>
+            <a:cxnSpLocks/>
+          </p:cNvCxnSpPr>
+          <p:nvPr/>
+        </p:nvCxnSpPr>
+        <p:spPr>
+          <a:xfrm flipH="1">
+            <a:off x="9198687" y="1872829"/>
+            <a:ext cx="1" cy="487169"/>
+          </a:xfrm>
+          <a:prstGeom prst="straightConnector1">
+            <a:avLst/>
+          </a:prstGeom>
+          <a:ln w="25400">
+            <a:tailEnd type="triangle"/>
+          </a:ln>
+        </p:spPr>
+        <p:style>
+          <a:lnRef idx="1">
+            <a:schemeClr val="accent1"/>
+          </a:lnRef>
+          <a:fillRef idx="0">
+            <a:schemeClr val="accent1"/>
+          </a:fillRef>
+          <a:effectRef idx="0">
+            <a:schemeClr val="accent1"/>
+          </a:effectRef>
+          <a:fontRef idx="minor">
+            <a:schemeClr val="tx1"/>
+          </a:fontRef>
+        </p:style>
+      </p:cxnSp>
+      <p:cxnSp>
+        <p:nvCxnSpPr>
+          <p:cNvPr id="18" name="直线箭头连接符 17">
+            <a:extLst>
+              <a:ext uri="{FF2B5EF4-FFF2-40B4-BE49-F238E27FC236}">
+                <a16:creationId xmlns:a16="http://schemas.microsoft.com/office/drawing/2014/main" id="{6C753D68-19BF-CA42-A4F4-F2CE0A2A2AAB}"/>
+              </a:ext>
+            </a:extLst>
+          </p:cNvPr>
+          <p:cNvCxnSpPr/>
+          <p:nvPr/>
+        </p:nvCxnSpPr>
+        <p:spPr>
+          <a:xfrm flipH="1">
+            <a:off x="9198686" y="4399036"/>
+            <a:ext cx="1" cy="487169"/>
+          </a:xfrm>
+          <a:prstGeom prst="straightConnector1">
+            <a:avLst/>
+          </a:prstGeom>
+          <a:ln w="25400">
+            <a:tailEnd type="triangle"/>
+          </a:ln>
+        </p:spPr>
+        <p:style>
+          <a:lnRef idx="1">
+            <a:schemeClr val="accent1"/>
+          </a:lnRef>
+          <a:fillRef idx="0">
+            <a:schemeClr val="accent1"/>
+          </a:fillRef>
+          <a:effectRef idx="0">
+            <a:schemeClr val="accent1"/>
+          </a:effectRef>
+          <a:fontRef idx="minor">
+            <a:schemeClr val="tx1"/>
+          </a:fontRef>
+        </p:style>
+      </p:cxnSp>
+      <p:sp>
+        <p:nvSpPr>
+          <p:cNvPr id="13" name="矩形 12">
+            <a:extLst>
+              <a:ext uri="{FF2B5EF4-FFF2-40B4-BE49-F238E27FC236}">
+                <a16:creationId xmlns:a16="http://schemas.microsoft.com/office/drawing/2014/main" id="{2F13359C-BBD9-0048-8716-0A3EA18C1E4C}"/>
+              </a:ext>
+            </a:extLst>
+          </p:cNvPr>
+          <p:cNvSpPr/>
+          <p:nvPr/>
+        </p:nvSpPr>
+        <p:spPr>
+          <a:xfrm>
+            <a:off x="8175016" y="3608616"/>
+            <a:ext cx="2047342" cy="731551"/>
+          </a:xfrm>
+          <a:prstGeom prst="rect">
+            <a:avLst/>
+          </a:prstGeom>
+        </p:spPr>
+        <p:style>
+          <a:lnRef idx="2">
+            <a:schemeClr val="accent1">
+              <a:shade val="50000"/>
+            </a:schemeClr>
+          </a:lnRef>
+          <a:fillRef idx="1">
+            <a:schemeClr val="accent1"/>
+          </a:fillRef>
+          <a:effectRef idx="0">
+            <a:schemeClr val="accent1"/>
+          </a:effectRef>
+          <a:fontRef idx="minor">
+            <a:schemeClr val="lt1"/>
+          </a:fontRef>
+        </p:style>
+        <p:txBody>
+          <a:bodyPr rtlCol="0" anchor="ctr"/>
+          <a:lstStyle/>
+          <a:p>
+            <a:pPr algn="ctr"/>
+            <a:r>
+              <a:rPr kumimoji="1" lang="en-US" altLang="zh-CN" dirty="0"/>
+              <a:t>Combiner</a:t>
+            </a:r>
+            <a:endParaRPr kumimoji="1" lang="zh-CN" altLang="en-US" dirty="0"/>
+          </a:p>
+        </p:txBody>
+      </p:sp>
+      <p:cxnSp>
+        <p:nvCxnSpPr>
+          <p:cNvPr id="14" name="直线箭头连接符 13">
+            <a:extLst>
+              <a:ext uri="{FF2B5EF4-FFF2-40B4-BE49-F238E27FC236}">
+                <a16:creationId xmlns:a16="http://schemas.microsoft.com/office/drawing/2014/main" id="{55D464AD-F8D8-4E43-830D-00757663B001}"/>
+              </a:ext>
+            </a:extLst>
+          </p:cNvPr>
+          <p:cNvCxnSpPr>
+            <a:cxnSpLocks/>
+          </p:cNvCxnSpPr>
+          <p:nvPr/>
+        </p:nvCxnSpPr>
+        <p:spPr>
+          <a:xfrm flipH="1">
+            <a:off x="9174718" y="3153190"/>
+            <a:ext cx="1" cy="487169"/>
+          </a:xfrm>
+          <a:prstGeom prst="straightConnector1">
+            <a:avLst/>
+          </a:prstGeom>
+          <a:ln w="25400">
+            <a:tailEnd type="triangle"/>
+          </a:ln>
+        </p:spPr>
+        <p:style>
+          <a:lnRef idx="1">
+            <a:schemeClr val="accent1"/>
+          </a:lnRef>
+          <a:fillRef idx="0">
+            <a:schemeClr val="accent1"/>
+          </a:fillRef>
+          <a:effectRef idx="0">
+            <a:schemeClr val="accent1"/>
+          </a:effectRef>
+          <a:fontRef idx="minor">
+            <a:schemeClr val="tx1"/>
+          </a:fontRef>
+        </p:style>
+      </p:cxnSp>
+      <p:graphicFrame>
+        <p:nvGraphicFramePr>
+          <p:cNvPr id="15" name="表格 14">
+            <a:extLst>
+              <a:ext uri="{FF2B5EF4-FFF2-40B4-BE49-F238E27FC236}">
+                <a16:creationId xmlns:a16="http://schemas.microsoft.com/office/drawing/2014/main" id="{C5D38806-B073-2E4D-90ED-7E5A28B160AF}"/>
+              </a:ext>
+            </a:extLst>
+          </p:cNvPr>
+          <p:cNvGraphicFramePr>
+            <a:graphicFrameLocks noGrp="1"/>
+          </p:cNvGraphicFramePr>
+          <p:nvPr/>
+        </p:nvGraphicFramePr>
+        <p:xfrm>
+          <a:off x="496079" y="4529628"/>
+          <a:ext cx="6518134" cy="1734431"/>
+        </p:xfrm>
+        <a:graphic>
+          <a:graphicData uri="http://schemas.openxmlformats.org/drawingml/2006/table">
+            <a:tbl>
+              <a:tblPr firstRow="1" bandRow="1">
+                <a:tableStyleId>{5C22544A-7EE6-4342-B048-85BDC9FD1C3A}</a:tableStyleId>
+              </a:tblPr>
+              <a:tblGrid>
+                <a:gridCol w="1760783">
+                  <a:extLst>
+                    <a:ext uri="{9D8B030D-6E8A-4147-A177-3AD203B41FA5}">
+                      <a16:colId xmlns:a16="http://schemas.microsoft.com/office/drawing/2014/main" val="1601110171"/>
+                    </a:ext>
+                  </a:extLst>
+                </a:gridCol>
+                <a:gridCol w="4757351">
+                  <a:extLst>
+                    <a:ext uri="{9D8B030D-6E8A-4147-A177-3AD203B41FA5}">
+                      <a16:colId xmlns:a16="http://schemas.microsoft.com/office/drawing/2014/main" val="1602880406"/>
+                    </a:ext>
+                  </a:extLst>
+                </a:gridCol>
+              </a:tblGrid>
+              <a:tr h="516343">
+                <a:tc>
+                  <a:txBody>
+                    <a:bodyPr/>
+                    <a:lstStyle/>
+                    <a:p>
+                      <a:r>
+                        <a:rPr lang="zh-CN" altLang="en-US" dirty="0"/>
+                        <a:t>场景</a:t>
+                      </a:r>
+                    </a:p>
+                  </a:txBody>
+                  <a:tcPr>
+                    <a:lnR w="12700" cap="flat" cmpd="sng" algn="ctr">
+                      <a:solidFill>
+                        <a:schemeClr val="tx1"/>
+                      </a:solidFill>
+                      <a:prstDash val="solid"/>
+                      <a:round/>
+                      <a:headEnd type="none" w="med" len="med"/>
+                      <a:tailEnd type="none" w="med" len="med"/>
+                    </a:lnR>
+                    <a:lnB w="12700" cap="flat" cmpd="sng" algn="ctr">
+                      <a:solidFill>
+                        <a:schemeClr val="tx1"/>
+                      </a:solidFill>
+                      <a:prstDash val="solid"/>
+                      <a:round/>
+                      <a:headEnd type="none" w="med" len="med"/>
+                      <a:tailEnd type="none" w="med" len="med"/>
+                    </a:lnB>
+                  </a:tcPr>
+                </a:tc>
+                <a:tc>
+                  <a:txBody>
+                    <a:bodyPr/>
+                    <a:lstStyle/>
+                    <a:p>
+                      <a:r>
+                        <a:rPr lang="zh-CN" altLang="en-US" dirty="0"/>
+                        <a:t>计算所有城市的平均温度</a:t>
+                      </a:r>
+                    </a:p>
+                  </a:txBody>
+                  <a:tcPr>
+                    <a:lnL w="12700" cap="flat" cmpd="sng" algn="ctr">
+                      <a:solidFill>
+                        <a:schemeClr val="tx1"/>
+                      </a:solidFill>
+                      <a:prstDash val="solid"/>
+                      <a:round/>
+                      <a:headEnd type="none" w="med" len="med"/>
+                      <a:tailEnd type="none" w="med" len="med"/>
+                    </a:lnL>
+                    <a:lnB w="12700" cap="flat" cmpd="sng" algn="ctr">
+                      <a:solidFill>
+                        <a:schemeClr val="tx1"/>
+                      </a:solidFill>
+                      <a:prstDash val="solid"/>
+                      <a:round/>
+                      <a:headEnd type="none" w="med" len="med"/>
+                      <a:tailEnd type="none" w="med" len="med"/>
+                    </a:lnB>
+                  </a:tcPr>
+                </a:tc>
+                <a:extLst>
+                  <a:ext uri="{0D108BD9-81ED-4DB2-BD59-A6C34878D82A}">
+                    <a16:rowId xmlns:a16="http://schemas.microsoft.com/office/drawing/2014/main" val="3646701845"/>
+                  </a:ext>
+                </a:extLst>
+              </a:tr>
+              <a:tr h="794275">
+                <a:tc>
+                  <a:txBody>
+                    <a:bodyPr/>
+                    <a:lstStyle/>
+                    <a:p>
+                      <a:r>
+                        <a:rPr lang="en-US" altLang="zh-CN" dirty="0"/>
+                        <a:t>Map(</a:t>
+                      </a:r>
+                      <a:r>
+                        <a:rPr lang="en-US" altLang="zh-CN" dirty="0" err="1"/>
+                        <a:t>key,value</a:t>
+                      </a:r>
+                      <a:r>
+                        <a:rPr lang="en-US" altLang="zh-CN" dirty="0"/>
+                        <a:t>)</a:t>
+                      </a:r>
+                      <a:endParaRPr lang="zh-CN" altLang="en-US" dirty="0"/>
+                    </a:p>
+                  </a:txBody>
+                  <a:tcPr>
+                    <a:lnR w="12700" cap="flat" cmpd="sng" algn="ctr">
+                      <a:solidFill>
+                        <a:schemeClr val="tx1"/>
+                      </a:solidFill>
+                      <a:prstDash val="solid"/>
+                      <a:round/>
+                      <a:headEnd type="none" w="med" len="med"/>
+                      <a:tailEnd type="none" w="med" len="med"/>
+                    </a:lnR>
+                    <a:lnT w="12700" cap="flat" cmpd="sng" algn="ctr">
+                      <a:solidFill>
+                        <a:schemeClr val="tx1"/>
+                      </a:solidFill>
+                      <a:prstDash val="solid"/>
+                      <a:round/>
+                      <a:headEnd type="none" w="med" len="med"/>
+                      <a:tailEnd type="none" w="med" len="med"/>
+                    </a:lnT>
+                    <a:lnB w="12700" cap="flat" cmpd="sng" algn="ctr">
+                      <a:solidFill>
+                        <a:schemeClr val="tx1"/>
+                      </a:solidFill>
+                      <a:prstDash val="solid"/>
+                      <a:round/>
+                      <a:headEnd type="none" w="med" len="med"/>
+                      <a:tailEnd type="none" w="med" len="med"/>
+                    </a:lnB>
+                  </a:tcPr>
+                </a:tc>
+                <a:tc>
+                  <a:txBody>
+                    <a:bodyPr/>
+                    <a:lstStyle/>
+                    <a:p>
+                      <a:r>
+                        <a:rPr lang="en-US" altLang="zh-CN" dirty="0"/>
+                        <a:t>Key</a:t>
+                      </a:r>
+                      <a:r>
+                        <a:rPr lang="zh-CN" altLang="en-US" dirty="0"/>
+                        <a:t>：城市名称</a:t>
+                      </a:r>
+                      <a:endParaRPr lang="en-US" altLang="zh-CN" dirty="0"/>
+                    </a:p>
+                    <a:p>
+                      <a:r>
+                        <a:rPr lang="en-US" altLang="zh-CN" dirty="0"/>
+                        <a:t>Value:</a:t>
+                      </a:r>
+                      <a:r>
+                        <a:rPr lang="zh-CN" altLang="en-US" dirty="0"/>
+                        <a:t> 城市的温度</a:t>
+                      </a:r>
+                      <a:endParaRPr lang="en-US" altLang="zh-CN" dirty="0"/>
+                    </a:p>
+                  </a:txBody>
+                  <a:tcPr>
+                    <a:lnL w="12700" cap="flat" cmpd="sng" algn="ctr">
+                      <a:solidFill>
+                        <a:schemeClr val="tx1"/>
+                      </a:solidFill>
+                      <a:prstDash val="solid"/>
+                      <a:round/>
+                      <a:headEnd type="none" w="med" len="med"/>
+                      <a:tailEnd type="none" w="med" len="med"/>
+                    </a:lnL>
+                    <a:lnT w="12700" cap="flat" cmpd="sng" algn="ctr">
+                      <a:solidFill>
+                        <a:schemeClr val="tx1"/>
+                      </a:solidFill>
+                      <a:prstDash val="solid"/>
+                      <a:round/>
+                      <a:headEnd type="none" w="med" len="med"/>
+                      <a:tailEnd type="none" w="med" len="med"/>
+                    </a:lnT>
+                    <a:lnB w="12700" cap="flat" cmpd="sng" algn="ctr">
+                      <a:solidFill>
+                        <a:schemeClr val="tx1"/>
+                      </a:solidFill>
+                      <a:prstDash val="solid"/>
+                      <a:round/>
+                      <a:headEnd type="none" w="med" len="med"/>
+                      <a:tailEnd type="none" w="med" len="med"/>
+                    </a:lnB>
+                  </a:tcPr>
+                </a:tc>
+                <a:extLst>
+                  <a:ext uri="{0D108BD9-81ED-4DB2-BD59-A6C34878D82A}">
+                    <a16:rowId xmlns:a16="http://schemas.microsoft.com/office/drawing/2014/main" val="841710538"/>
+                  </a:ext>
+                </a:extLst>
+              </a:tr>
+              <a:tr h="423813">
+                <a:tc>
+                  <a:txBody>
+                    <a:bodyPr/>
+                    <a:lstStyle/>
+                    <a:p>
+                      <a:r>
+                        <a:rPr lang="en-US" altLang="zh-CN" dirty="0"/>
+                        <a:t>Reduce</a:t>
+                      </a:r>
+                      <a:endParaRPr lang="zh-CN" altLang="en-US" dirty="0"/>
+                    </a:p>
+                  </a:txBody>
+                  <a:tcPr>
+                    <a:lnR w="12700" cap="flat" cmpd="sng" algn="ctr">
+                      <a:solidFill>
+                        <a:schemeClr val="tx1"/>
+                      </a:solidFill>
+                      <a:prstDash val="solid"/>
+                      <a:round/>
+                      <a:headEnd type="none" w="med" len="med"/>
+                      <a:tailEnd type="none" w="med" len="med"/>
+                    </a:lnR>
+                    <a:lnT w="12700" cap="flat" cmpd="sng" algn="ctr">
+                      <a:solidFill>
+                        <a:schemeClr val="tx1"/>
+                      </a:solidFill>
+                      <a:prstDash val="solid"/>
+                      <a:round/>
+                      <a:headEnd type="none" w="med" len="med"/>
+                      <a:tailEnd type="none" w="med" len="med"/>
+                    </a:lnT>
+                  </a:tcPr>
+                </a:tc>
+                <a:tc>
+                  <a:txBody>
+                    <a:bodyPr/>
+                    <a:lstStyle/>
+                    <a:p>
+                      <a:r>
+                        <a:rPr lang="zh-CN" altLang="en-US" dirty="0"/>
+                        <a:t>通过城市进行分组，并计算每个城市平均温度</a:t>
+                      </a:r>
+                      <a:endParaRPr lang="en-US" altLang="zh-CN" dirty="0"/>
+                    </a:p>
+                  </a:txBody>
+                  <a:tcPr>
+                    <a:lnL w="12700" cap="flat" cmpd="sng" algn="ctr">
+                      <a:solidFill>
+                        <a:schemeClr val="tx1"/>
+                      </a:solidFill>
+                      <a:prstDash val="solid"/>
+                      <a:round/>
+                      <a:headEnd type="none" w="med" len="med"/>
+                      <a:tailEnd type="none" w="med" len="med"/>
+                    </a:lnL>
+                    <a:lnT w="12700" cap="flat" cmpd="sng" algn="ctr">
+                      <a:solidFill>
+                        <a:schemeClr val="tx1"/>
+                      </a:solidFill>
+                      <a:prstDash val="solid"/>
+                      <a:round/>
+                      <a:headEnd type="none" w="med" len="med"/>
+                      <a:tailEnd type="none" w="med" len="med"/>
+                    </a:lnT>
+                  </a:tcPr>
+                </a:tc>
+                <a:extLst>
+                  <a:ext uri="{0D108BD9-81ED-4DB2-BD59-A6C34878D82A}">
+                    <a16:rowId xmlns:a16="http://schemas.microsoft.com/office/drawing/2014/main" val="3579278288"/>
+                  </a:ext>
+                </a:extLst>
+              </a:tr>
+            </a:tbl>
+          </a:graphicData>
+        </a:graphic>
+      </p:graphicFrame>
+      <p:sp>
+        <p:nvSpPr>
+          <p:cNvPr id="16" name="矩形 15">
+            <a:extLst>
+              <a:ext uri="{FF2B5EF4-FFF2-40B4-BE49-F238E27FC236}">
+                <a16:creationId xmlns:a16="http://schemas.microsoft.com/office/drawing/2014/main" id="{02295A10-BCD2-A141-B347-80A819E6E91D}"/>
+              </a:ext>
+            </a:extLst>
+          </p:cNvPr>
+          <p:cNvSpPr/>
+          <p:nvPr/>
+        </p:nvSpPr>
+        <p:spPr>
+          <a:xfrm>
+            <a:off x="8151047" y="4916205"/>
+            <a:ext cx="2047342" cy="731551"/>
+          </a:xfrm>
+          <a:prstGeom prst="rect">
+            <a:avLst/>
+          </a:prstGeom>
+        </p:spPr>
+        <p:style>
+          <a:lnRef idx="2">
+            <a:schemeClr val="accent1">
+              <a:shade val="50000"/>
+            </a:schemeClr>
+          </a:lnRef>
+          <a:fillRef idx="1">
+            <a:schemeClr val="accent1"/>
+          </a:fillRef>
+          <a:effectRef idx="0">
+            <a:schemeClr val="accent1"/>
+          </a:effectRef>
+          <a:fontRef idx="minor">
+            <a:schemeClr val="lt1"/>
+          </a:fontRef>
+        </p:style>
+        <p:txBody>
+          <a:bodyPr rtlCol="0" anchor="ctr"/>
+          <a:lstStyle/>
+          <a:p>
+            <a:pPr algn="ctr"/>
+            <a:r>
+              <a:rPr kumimoji="1" lang="en-US" altLang="zh-CN" dirty="0"/>
+              <a:t>Reducer</a:t>
+            </a:r>
+            <a:endParaRPr kumimoji="1" lang="zh-CN" altLang="en-US" dirty="0"/>
+          </a:p>
+        </p:txBody>
+      </p:sp>
+      <p:cxnSp>
+        <p:nvCxnSpPr>
+          <p:cNvPr id="17" name="直线箭头连接符 16">
+            <a:extLst>
+              <a:ext uri="{FF2B5EF4-FFF2-40B4-BE49-F238E27FC236}">
+                <a16:creationId xmlns:a16="http://schemas.microsoft.com/office/drawing/2014/main" id="{6C3821C3-0E58-9E47-B517-C34873128EA0}"/>
+              </a:ext>
+            </a:extLst>
+          </p:cNvPr>
+          <p:cNvCxnSpPr/>
+          <p:nvPr/>
+        </p:nvCxnSpPr>
+        <p:spPr>
+          <a:xfrm flipH="1">
+            <a:off x="9174717" y="5701043"/>
+            <a:ext cx="1" cy="487169"/>
+          </a:xfrm>
+          <a:prstGeom prst="straightConnector1">
+            <a:avLst/>
+          </a:prstGeom>
+          <a:ln w="25400">
+            <a:tailEnd type="triangle"/>
+          </a:ln>
+        </p:spPr>
+        <p:style>
+          <a:lnRef idx="1">
+            <a:schemeClr val="accent1"/>
+          </a:lnRef>
+          <a:fillRef idx="0">
+            <a:schemeClr val="accent1"/>
+          </a:fillRef>
+          <a:effectRef idx="0">
+            <a:schemeClr val="accent1"/>
+          </a:effectRef>
+          <a:fontRef idx="minor">
+            <a:schemeClr val="tx1"/>
+          </a:fontRef>
+        </p:style>
+      </p:cxnSp>
+    </p:spTree>
+    <p:extLst>
+      <p:ext uri="{BB962C8B-B14F-4D97-AF65-F5344CB8AC3E}">
+        <p14:creationId xmlns:p14="http://schemas.microsoft.com/office/powerpoint/2010/main" val="402653273"/>
+      </p:ext>
+    </p:extLst>
+  </p:cSld>
+  <p:clrMapOvr>
+    <a:masterClrMapping/>
+  </p:clrMapOvr>
+  <p:transition spd="med" advClick="0" advTm="1000">
+    <p:fade/>
+  </p:transition>
+</p:sld>
+</file>
+
+<file path=ppt/slides/slide7.xml><?xml version="1.0" encoding="utf-8"?>
 <p:sld xmlns:a="http://schemas.openxmlformats.org/drawingml/2006/main" xmlns:r="http://schemas.openxmlformats.org/officeDocument/2006/relationships" xmlns:p="http://schemas.openxmlformats.org/presentationml/2006/main">
   <p:cSld>
     <p:spTree>
@@ -12064,7 +14643,7 @@
 </p:sld>
 </file>
 
-<file path=ppt/slides/slide7.xml><?xml version="1.0" encoding="utf-8"?>
+<file path=ppt/slides/slide8.xml><?xml version="1.0" encoding="utf-8"?>
 <p:sld xmlns:a="http://schemas.openxmlformats.org/drawingml/2006/main" xmlns:r="http://schemas.openxmlformats.org/officeDocument/2006/relationships" xmlns:p="http://schemas.openxmlformats.org/presentationml/2006/main">
   <p:cSld>
     <p:spTree>

--- a/第五章 MapReduce高级程序设计.pptx
+++ b/第五章 MapReduce高级程序设计.pptx
@@ -215,7 +215,7 @@
           <a:p>
             <a:fld id="{2F789F46-98E8-004C-A60D-397E90BF4073}" type="datetimeFigureOut">
               <a:rPr kumimoji="1" lang="zh-CN" altLang="en-US" smtClean="0"/>
-              <a:t>2020/1/6</a:t>
+              <a:t>2020/1/12</a:t>
             </a:fld>
             <a:endParaRPr kumimoji="1" lang="zh-CN" altLang="en-US"/>
           </a:p>
@@ -1301,7 +1301,7 @@
           <a:p>
             <a:fld id="{E0BAAF92-8925-9243-8254-AA3E76019C04}" type="datetimeFigureOut">
               <a:rPr kumimoji="1" lang="zh-CN" altLang="en-US" smtClean="0"/>
-              <a:t>2020/1/6</a:t>
+              <a:t>2020/1/12</a:t>
             </a:fld>
             <a:endParaRPr kumimoji="1" lang="zh-CN" altLang="en-US"/>
           </a:p>
@@ -1499,7 +1499,7 @@
           <a:p>
             <a:fld id="{E0BAAF92-8925-9243-8254-AA3E76019C04}" type="datetimeFigureOut">
               <a:rPr kumimoji="1" lang="zh-CN" altLang="en-US" smtClean="0"/>
-              <a:t>2020/1/6</a:t>
+              <a:t>2020/1/12</a:t>
             </a:fld>
             <a:endParaRPr kumimoji="1" lang="zh-CN" altLang="en-US"/>
           </a:p>
@@ -1707,7 +1707,7 @@
           <a:p>
             <a:fld id="{E0BAAF92-8925-9243-8254-AA3E76019C04}" type="datetimeFigureOut">
               <a:rPr kumimoji="1" lang="zh-CN" altLang="en-US" smtClean="0"/>
-              <a:t>2020/1/6</a:t>
+              <a:t>2020/1/12</a:t>
             </a:fld>
             <a:endParaRPr kumimoji="1" lang="zh-CN" altLang="en-US"/>
           </a:p>
@@ -2141,7 +2141,7 @@
           <a:p>
             <a:fld id="{E0BAAF92-8925-9243-8254-AA3E76019C04}" type="datetimeFigureOut">
               <a:rPr kumimoji="1" lang="zh-CN" altLang="en-US" smtClean="0"/>
-              <a:t>2020/1/6</a:t>
+              <a:t>2020/1/12</a:t>
             </a:fld>
             <a:endParaRPr kumimoji="1" lang="zh-CN" altLang="en-US"/>
           </a:p>
@@ -2416,7 +2416,7 @@
           <a:p>
             <a:fld id="{E0BAAF92-8925-9243-8254-AA3E76019C04}" type="datetimeFigureOut">
               <a:rPr kumimoji="1" lang="zh-CN" altLang="en-US" smtClean="0"/>
-              <a:t>2020/1/6</a:t>
+              <a:t>2020/1/12</a:t>
             </a:fld>
             <a:endParaRPr kumimoji="1" lang="zh-CN" altLang="en-US"/>
           </a:p>
@@ -2681,7 +2681,7 @@
           <a:p>
             <a:fld id="{E0BAAF92-8925-9243-8254-AA3E76019C04}" type="datetimeFigureOut">
               <a:rPr kumimoji="1" lang="zh-CN" altLang="en-US" smtClean="0"/>
-              <a:t>2020/1/6</a:t>
+              <a:t>2020/1/12</a:t>
             </a:fld>
             <a:endParaRPr kumimoji="1" lang="zh-CN" altLang="en-US"/>
           </a:p>
@@ -3093,7 +3093,7 @@
           <a:p>
             <a:fld id="{E0BAAF92-8925-9243-8254-AA3E76019C04}" type="datetimeFigureOut">
               <a:rPr kumimoji="1" lang="zh-CN" altLang="en-US" smtClean="0"/>
-              <a:t>2020/1/6</a:t>
+              <a:t>2020/1/12</a:t>
             </a:fld>
             <a:endParaRPr kumimoji="1" lang="zh-CN" altLang="en-US"/>
           </a:p>
@@ -3234,7 +3234,7 @@
           <a:p>
             <a:fld id="{E0BAAF92-8925-9243-8254-AA3E76019C04}" type="datetimeFigureOut">
               <a:rPr kumimoji="1" lang="zh-CN" altLang="en-US" smtClean="0"/>
-              <a:t>2020/1/6</a:t>
+              <a:t>2020/1/12</a:t>
             </a:fld>
             <a:endParaRPr kumimoji="1" lang="zh-CN" altLang="en-US"/>
           </a:p>
@@ -3347,7 +3347,7 @@
           <a:p>
             <a:fld id="{E0BAAF92-8925-9243-8254-AA3E76019C04}" type="datetimeFigureOut">
               <a:rPr kumimoji="1" lang="zh-CN" altLang="en-US" smtClean="0"/>
-              <a:t>2020/1/6</a:t>
+              <a:t>2020/1/12</a:t>
             </a:fld>
             <a:endParaRPr kumimoji="1" lang="zh-CN" altLang="en-US"/>
           </a:p>
@@ -3658,7 +3658,7 @@
           <a:p>
             <a:fld id="{E0BAAF92-8925-9243-8254-AA3E76019C04}" type="datetimeFigureOut">
               <a:rPr kumimoji="1" lang="zh-CN" altLang="en-US" smtClean="0"/>
-              <a:t>2020/1/6</a:t>
+              <a:t>2020/1/12</a:t>
             </a:fld>
             <a:endParaRPr kumimoji="1" lang="zh-CN" altLang="en-US"/>
           </a:p>
@@ -3946,7 +3946,7 @@
           <a:p>
             <a:fld id="{E0BAAF92-8925-9243-8254-AA3E76019C04}" type="datetimeFigureOut">
               <a:rPr kumimoji="1" lang="zh-CN" altLang="en-US" smtClean="0"/>
-              <a:t>2020/1/6</a:t>
+              <a:t>2020/1/12</a:t>
             </a:fld>
             <a:endParaRPr kumimoji="1" lang="zh-CN" altLang="en-US"/>
           </a:p>
@@ -4187,7 +4187,7 @@
           <a:p>
             <a:fld id="{E0BAAF92-8925-9243-8254-AA3E76019C04}" type="datetimeFigureOut">
               <a:rPr kumimoji="1" lang="zh-CN" altLang="en-US" smtClean="0"/>
-              <a:t>2020/1/6</a:t>
+              <a:t>2020/1/12</a:t>
             </a:fld>
             <a:endParaRPr kumimoji="1" lang="zh-CN" altLang="en-US"/>
           </a:p>
